--- a/s_id/docs/System Identification to support Flight Test activities - proposal.pptx
+++ b/s_id/docs/System Identification to support Flight Test activities - proposal.pptx
@@ -5,23 +5,26 @@
     <p:sldMasterId id="2147483660" r:id="rId1"/>
   </p:sldMasterIdLst>
   <p:notesMasterIdLst>
-    <p:notesMasterId r:id="rId13"/>
+    <p:notesMasterId r:id="rId16"/>
   </p:notesMasterIdLst>
   <p:handoutMasterIdLst>
-    <p:handoutMasterId r:id="rId14"/>
+    <p:handoutMasterId r:id="rId17"/>
   </p:handoutMasterIdLst>
   <p:sldIdLst>
     <p:sldId id="267" r:id="rId2"/>
-    <p:sldId id="258" r:id="rId3"/>
-    <p:sldId id="268" r:id="rId4"/>
-    <p:sldId id="269" r:id="rId5"/>
-    <p:sldId id="270" r:id="rId6"/>
-    <p:sldId id="271" r:id="rId7"/>
-    <p:sldId id="273" r:id="rId8"/>
-    <p:sldId id="274" r:id="rId9"/>
-    <p:sldId id="272" r:id="rId10"/>
-    <p:sldId id="262" r:id="rId11"/>
-    <p:sldId id="263" r:id="rId12"/>
+    <p:sldId id="277" r:id="rId3"/>
+    <p:sldId id="258" r:id="rId4"/>
+    <p:sldId id="268" r:id="rId5"/>
+    <p:sldId id="269" r:id="rId6"/>
+    <p:sldId id="270" r:id="rId7"/>
+    <p:sldId id="271" r:id="rId8"/>
+    <p:sldId id="273" r:id="rId9"/>
+    <p:sldId id="274" r:id="rId10"/>
+    <p:sldId id="275" r:id="rId11"/>
+    <p:sldId id="272" r:id="rId12"/>
+    <p:sldId id="276" r:id="rId13"/>
+    <p:sldId id="262" r:id="rId14"/>
+    <p:sldId id="263" r:id="rId15"/>
   </p:sldIdLst>
   <p:sldSz cx="9144000" cy="6858000" type="screen4x3"/>
   <p:notesSz cx="6858000" cy="9144000"/>
@@ -319,7 +322,7 @@
             <a:fld id="{5F3C0F99-304F-6E49-843F-5351A15493DC}" type="slidenum">
               <a:rPr lang="en-GB" smtClean="0"/>
               <a:pPr/>
-              <a:t>‹Nr.›</a:t>
+              <a:t>‹#›</a:t>
             </a:fld>
             <a:endParaRPr lang="en-GB"/>
           </a:p>
@@ -579,7 +582,7 @@
             <a:fld id="{0D8DCBD1-C1B4-0949-A20B-F84C20C9707E}" type="slidenum">
               <a:rPr lang="en-GB" smtClean="0"/>
               <a:pPr/>
-              <a:t>‹Nr.›</a:t>
+              <a:t>‹#›</a:t>
             </a:fld>
             <a:endParaRPr lang="en-GB"/>
           </a:p>
@@ -1105,7 +1108,7 @@
             <a:fld id="{011C9D03-AE4A-2848-9956-B167AE17B095}" type="slidenum">
               <a:rPr lang="en-GB" smtClean="0"/>
               <a:pPr/>
-              <a:t>‹Nr.›</a:t>
+              <a:t>‹#›</a:t>
             </a:fld>
             <a:endParaRPr lang="en-GB" dirty="0"/>
           </a:p>
@@ -1400,7 +1403,7 @@
             <a:fld id="{011C9D03-AE4A-2848-9956-B167AE17B095}" type="slidenum">
               <a:rPr lang="en-GB" smtClean="0"/>
               <a:pPr/>
-              <a:t>‹Nr.›</a:t>
+              <a:t>‹#›</a:t>
             </a:fld>
             <a:endParaRPr lang="en-GB" dirty="0"/>
           </a:p>
@@ -1960,7 +1963,7 @@
             <a:fld id="{011C9D03-AE4A-2848-9956-B167AE17B095}" type="slidenum">
               <a:rPr lang="en-GB" smtClean="0"/>
               <a:pPr/>
-              <a:t>‹Nr.›</a:t>
+              <a:t>‹#›</a:t>
             </a:fld>
             <a:endParaRPr lang="en-GB" dirty="0"/>
           </a:p>
@@ -2236,7 +2239,7 @@
             <a:fld id="{011C9D03-AE4A-2848-9956-B167AE17B095}" type="slidenum">
               <a:rPr lang="en-GB" smtClean="0"/>
               <a:pPr/>
-              <a:t>‹Nr.›</a:t>
+              <a:t>‹#›</a:t>
             </a:fld>
             <a:endParaRPr lang="en-GB"/>
           </a:p>
@@ -3106,7 +3109,7 @@
             <a:fld id="{011C9D03-AE4A-2848-9956-B167AE17B095}" type="slidenum">
               <a:rPr lang="en-GB" smtClean="0"/>
               <a:pPr/>
-              <a:t>‹Nr.›</a:t>
+              <a:t>‹#›</a:t>
             </a:fld>
             <a:endParaRPr lang="en-GB"/>
           </a:p>
@@ -3460,7 +3463,7 @@
             <a:fld id="{011C9D03-AE4A-2848-9956-B167AE17B095}" type="slidenum">
               <a:rPr lang="en-GB" smtClean="0"/>
               <a:pPr/>
-              <a:t>‹Nr.›</a:t>
+              <a:t>‹#›</a:t>
             </a:fld>
             <a:endParaRPr lang="en-GB"/>
           </a:p>
@@ -4364,7 +4367,7 @@
             <a:fld id="{011C9D03-AE4A-2848-9956-B167AE17B095}" type="slidenum">
               <a:rPr lang="en-GB" smtClean="0"/>
               <a:pPr/>
-              <a:t>‹Nr.›</a:t>
+              <a:t>‹#›</a:t>
             </a:fld>
             <a:endParaRPr lang="en-GB"/>
           </a:p>
@@ -4761,6 +4764,719 @@
 <file path=ppt/slides/slide10.xml><?xml version="1.0" encoding="utf-8"?>
 <p:sld xmlns:a="http://schemas.openxmlformats.org/drawingml/2006/main" xmlns:r="http://schemas.openxmlformats.org/officeDocument/2006/relationships" xmlns:p="http://schemas.openxmlformats.org/presentationml/2006/main">
   <p:cSld>
+    <p:spTree>
+      <p:nvGrpSpPr>
+        <p:cNvPr id="1" name=""/>
+        <p:cNvGrpSpPr/>
+        <p:nvPr/>
+      </p:nvGrpSpPr>
+      <p:grpSpPr>
+        <a:xfrm>
+          <a:off x="0" y="0"/>
+          <a:ext cx="0" cy="0"/>
+          <a:chOff x="0" y="0"/>
+          <a:chExt cx="0" cy="0"/>
+        </a:xfrm>
+      </p:grpSpPr>
+      <p:sp>
+        <p:nvSpPr>
+          <p:cNvPr id="2" name="Title 1">
+            <a:extLst>
+              <a:ext uri="{FF2B5EF4-FFF2-40B4-BE49-F238E27FC236}">
+                <a16:creationId xmlns:a16="http://schemas.microsoft.com/office/drawing/2014/main" id="{AE4259FB-36D9-684C-95F0-18535CB57C6B}"/>
+              </a:ext>
+            </a:extLst>
+          </p:cNvPr>
+          <p:cNvSpPr>
+            <a:spLocks noGrp="1"/>
+          </p:cNvSpPr>
+          <p:nvPr>
+            <p:ph type="title"/>
+          </p:nvPr>
+        </p:nvSpPr>
+        <p:spPr>
+          <a:xfrm>
+            <a:off x="504000" y="392724"/>
+            <a:ext cx="6523643" cy="472431"/>
+          </a:xfrm>
+        </p:spPr>
+        <p:txBody>
+          <a:bodyPr anchor="b"/>
+          <a:lstStyle/>
+          <a:p>
+            <a:r>
+              <a:rPr lang="en-GB" dirty="0" smtClean="0"/>
+              <a:t>Tools</a:t>
+            </a:r>
+            <a:endParaRPr lang="en-GB" dirty="0"/>
+          </a:p>
+        </p:txBody>
+      </p:sp>
+      <p:sp>
+        <p:nvSpPr>
+          <p:cNvPr id="7" name="Text Placeholder 6">
+            <a:extLst>
+              <a:ext uri="{FF2B5EF4-FFF2-40B4-BE49-F238E27FC236}">
+                <a16:creationId xmlns:a16="http://schemas.microsoft.com/office/drawing/2014/main" id="{E1ED1E1C-C805-0D4B-BE34-F08F4C566B7B}"/>
+              </a:ext>
+            </a:extLst>
+          </p:cNvPr>
+          <p:cNvSpPr>
+            <a:spLocks noGrp="1"/>
+          </p:cNvSpPr>
+          <p:nvPr>
+            <p:ph type="body" idx="14"/>
+          </p:nvPr>
+        </p:nvSpPr>
+        <p:spPr/>
+        <p:txBody>
+          <a:bodyPr/>
+          <a:lstStyle/>
+          <a:p>
+            <a:r>
+              <a:rPr lang="en-GB" dirty="0"/>
+              <a:t>@ </a:t>
+            </a:r>
+            <a:r>
+              <a:rPr lang="en-GB" dirty="0" err="1"/>
+              <a:t>Kopter</a:t>
+            </a:r>
+            <a:r>
+              <a:rPr lang="en-GB" dirty="0"/>
+              <a:t> Group AG | Alejandro Valverde</a:t>
+            </a:r>
+          </a:p>
+        </p:txBody>
+      </p:sp>
+      <p:sp>
+        <p:nvSpPr>
+          <p:cNvPr id="4" name="Slide Number Placeholder 3"/>
+          <p:cNvSpPr>
+            <a:spLocks noGrp="1"/>
+          </p:cNvSpPr>
+          <p:nvPr>
+            <p:ph type="sldNum" sz="quarter" idx="12"/>
+          </p:nvPr>
+        </p:nvSpPr>
+        <p:spPr/>
+        <p:txBody>
+          <a:bodyPr/>
+          <a:lstStyle/>
+          <a:p>
+            <a:fld id="{011C9D03-AE4A-2848-9956-B167AE17B095}" type="slidenum">
+              <a:rPr lang="en-GB" smtClean="0"/>
+              <a:pPr/>
+              <a:t>10</a:t>
+            </a:fld>
+            <a:endParaRPr lang="en-GB" dirty="0"/>
+          </a:p>
+        </p:txBody>
+      </p:sp>
+      <p:sp>
+        <p:nvSpPr>
+          <p:cNvPr id="5" name="Date Placeholder 4"/>
+          <p:cNvSpPr>
+            <a:spLocks noGrp="1"/>
+          </p:cNvSpPr>
+          <p:nvPr>
+            <p:ph type="dt" sz="half" idx="10"/>
+          </p:nvPr>
+        </p:nvSpPr>
+        <p:spPr/>
+        <p:txBody>
+          <a:bodyPr/>
+          <a:lstStyle/>
+          <a:p>
+            <a:fld id="{16C1D5B0-5220-44BF-BD99-44FE20BE1773}" type="datetime5">
+              <a:rPr lang="en-US" smtClean="0"/>
+              <a:t>22-Feb-18</a:t>
+            </a:fld>
+            <a:endParaRPr lang="en-GB" dirty="0"/>
+          </a:p>
+        </p:txBody>
+      </p:sp>
+      <p:sp>
+        <p:nvSpPr>
+          <p:cNvPr id="8" name="Content Placeholder 2">
+            <a:extLst>
+              <a:ext uri="{FF2B5EF4-FFF2-40B4-BE49-F238E27FC236}">
+                <a16:creationId xmlns:a16="http://schemas.microsoft.com/office/drawing/2014/main" id="{C19AF051-9B1E-C04B-A28B-18DE801F3709}"/>
+              </a:ext>
+            </a:extLst>
+          </p:cNvPr>
+          <p:cNvSpPr>
+            <a:spLocks noGrp="1"/>
+          </p:cNvSpPr>
+          <p:nvPr>
+            <p:ph idx="1"/>
+          </p:nvPr>
+        </p:nvSpPr>
+        <p:spPr>
+          <a:xfrm>
+            <a:off x="868461" y="1634329"/>
+            <a:ext cx="4400550" cy="3882980"/>
+          </a:xfrm>
+        </p:spPr>
+        <p:txBody>
+          <a:bodyPr/>
+          <a:lstStyle/>
+          <a:p>
+            <a:pPr marL="342900" indent="-342900">
+              <a:buFont typeface="Arial" panose="020B0604020202020204" pitchFamily="34" charset="0"/>
+              <a:buChar char="•"/>
+            </a:pPr>
+            <a:r>
+              <a:rPr lang="en-GB" dirty="0" smtClean="0"/>
+              <a:t>Already available</a:t>
+            </a:r>
+          </a:p>
+          <a:p>
+            <a:pPr marL="342900" indent="-342900">
+              <a:buFont typeface="Arial" panose="020B0604020202020204" pitchFamily="34" charset="0"/>
+              <a:buChar char="•"/>
+            </a:pPr>
+            <a:endParaRPr lang="en-GB" dirty="0" smtClean="0"/>
+          </a:p>
+          <a:p>
+            <a:pPr marL="342900" indent="-342900">
+              <a:buFont typeface="Arial" panose="020B0604020202020204" pitchFamily="34" charset="0"/>
+              <a:buChar char="•"/>
+            </a:pPr>
+            <a:r>
+              <a:rPr lang="en-GB" dirty="0" smtClean="0"/>
+              <a:t>No development time needed</a:t>
+            </a:r>
+          </a:p>
+          <a:p>
+            <a:pPr marL="342900" indent="-342900">
+              <a:buFont typeface="Arial" panose="020B0604020202020204" pitchFamily="34" charset="0"/>
+              <a:buChar char="•"/>
+            </a:pPr>
+            <a:endParaRPr lang="en-GB" dirty="0"/>
+          </a:p>
+          <a:p>
+            <a:pPr marL="342900" indent="-342900">
+              <a:buFont typeface="Arial" panose="020B0604020202020204" pitchFamily="34" charset="0"/>
+              <a:buChar char="•"/>
+            </a:pPr>
+            <a:r>
+              <a:rPr lang="en-GB" dirty="0" smtClean="0"/>
+              <a:t>Proven industry suitable software</a:t>
+            </a:r>
+          </a:p>
+          <a:p>
+            <a:pPr marL="342900" indent="-342900">
+              <a:buFont typeface="Arial" panose="020B0604020202020204" pitchFamily="34" charset="0"/>
+              <a:buChar char="•"/>
+            </a:pPr>
+            <a:endParaRPr lang="en-GB" dirty="0"/>
+          </a:p>
+          <a:p>
+            <a:pPr marL="342900" indent="-342900">
+              <a:buFont typeface="Arial" panose="020B0604020202020204" pitchFamily="34" charset="0"/>
+              <a:buChar char="•"/>
+            </a:pPr>
+            <a:r>
+              <a:rPr lang="en-GB" dirty="0" smtClean="0"/>
+              <a:t>Further ways:</a:t>
+            </a:r>
+          </a:p>
+          <a:p>
+            <a:pPr marL="451512" lvl="2" indent="-342900">
+              <a:buFont typeface="Arial" panose="020B0604020202020204" pitchFamily="34" charset="0"/>
+              <a:buChar char="•"/>
+            </a:pPr>
+            <a:endParaRPr lang="en-GB" dirty="0" smtClean="0"/>
+          </a:p>
+          <a:p>
+            <a:pPr marL="451512" lvl="2" indent="-342900">
+              <a:buFont typeface="Arial" panose="020B0604020202020204" pitchFamily="34" charset="0"/>
+              <a:buChar char="•"/>
+            </a:pPr>
+            <a:r>
+              <a:rPr lang="en-GB" dirty="0" smtClean="0"/>
+              <a:t>Python implementation</a:t>
+            </a:r>
+          </a:p>
+          <a:p>
+            <a:pPr marL="0" indent="0">
+              <a:buNone/>
+            </a:pPr>
+            <a:endParaRPr lang="en-GB" dirty="0"/>
+          </a:p>
+        </p:txBody>
+      </p:sp>
+      <p:pic>
+        <p:nvPicPr>
+          <p:cNvPr id="9" name="Picture 8"/>
+          <p:cNvPicPr>
+            <a:picLocks noChangeAspect="1"/>
+          </p:cNvPicPr>
+          <p:nvPr/>
+        </p:nvPicPr>
+        <p:blipFill>
+          <a:blip r:embed="rId2"/>
+          <a:stretch>
+            <a:fillRect/>
+          </a:stretch>
+        </p:blipFill>
+        <p:spPr>
+          <a:xfrm>
+            <a:off x="5521675" y="1804035"/>
+            <a:ext cx="3011936" cy="3964966"/>
+          </a:xfrm>
+          <a:prstGeom prst="rect">
+            <a:avLst/>
+          </a:prstGeom>
+        </p:spPr>
+      </p:pic>
+    </p:spTree>
+    <p:extLst>
+      <p:ext uri="{BB962C8B-B14F-4D97-AF65-F5344CB8AC3E}">
+        <p14:creationId xmlns:p14="http://schemas.microsoft.com/office/powerpoint/2010/main" val="2734948036"/>
+      </p:ext>
+    </p:extLst>
+  </p:cSld>
+  <p:clrMapOvr>
+    <a:masterClrMapping/>
+  </p:clrMapOvr>
+</p:sld>
+</file>
+
+<file path=ppt/slides/slide11.xml><?xml version="1.0" encoding="utf-8"?>
+<p:sld xmlns:a="http://schemas.openxmlformats.org/drawingml/2006/main" xmlns:r="http://schemas.openxmlformats.org/officeDocument/2006/relationships" xmlns:p="http://schemas.openxmlformats.org/presentationml/2006/main">
+  <p:cSld>
+    <p:spTree>
+      <p:nvGrpSpPr>
+        <p:cNvPr id="1" name=""/>
+        <p:cNvGrpSpPr/>
+        <p:nvPr/>
+      </p:nvGrpSpPr>
+      <p:grpSpPr>
+        <a:xfrm>
+          <a:off x="0" y="0"/>
+          <a:ext cx="0" cy="0"/>
+          <a:chOff x="0" y="0"/>
+          <a:chExt cx="0" cy="0"/>
+        </a:xfrm>
+      </p:grpSpPr>
+      <p:sp>
+        <p:nvSpPr>
+          <p:cNvPr id="2" name="Title 1">
+            <a:extLst>
+              <a:ext uri="{FF2B5EF4-FFF2-40B4-BE49-F238E27FC236}">
+                <a16:creationId xmlns:a16="http://schemas.microsoft.com/office/drawing/2014/main" id="{AE4259FB-36D9-684C-95F0-18535CB57C6B}"/>
+              </a:ext>
+            </a:extLst>
+          </p:cNvPr>
+          <p:cNvSpPr>
+            <a:spLocks noGrp="1"/>
+          </p:cNvSpPr>
+          <p:nvPr>
+            <p:ph type="title"/>
+          </p:nvPr>
+        </p:nvSpPr>
+        <p:spPr>
+          <a:xfrm>
+            <a:off x="504000" y="392724"/>
+            <a:ext cx="6523643" cy="472431"/>
+          </a:xfrm>
+        </p:spPr>
+        <p:txBody>
+          <a:bodyPr anchor="b"/>
+          <a:lstStyle/>
+          <a:p>
+            <a:r>
+              <a:rPr lang="en-GB" dirty="0"/>
+              <a:t>What would I need?</a:t>
+            </a:r>
+          </a:p>
+        </p:txBody>
+      </p:sp>
+      <p:sp>
+        <p:nvSpPr>
+          <p:cNvPr id="3" name="Content Placeholder 2">
+            <a:extLst>
+              <a:ext uri="{FF2B5EF4-FFF2-40B4-BE49-F238E27FC236}">
+                <a16:creationId xmlns:a16="http://schemas.microsoft.com/office/drawing/2014/main" id="{C19AF051-9B1E-C04B-A28B-18DE801F3709}"/>
+              </a:ext>
+            </a:extLst>
+          </p:cNvPr>
+          <p:cNvSpPr>
+            <a:spLocks noGrp="1"/>
+          </p:cNvSpPr>
+          <p:nvPr>
+            <p:ph idx="1"/>
+          </p:nvPr>
+        </p:nvSpPr>
+        <p:spPr>
+          <a:xfrm>
+            <a:off x="504000" y="1148993"/>
+            <a:ext cx="7810500" cy="4576557"/>
+          </a:xfrm>
+        </p:spPr>
+        <p:txBody>
+          <a:bodyPr/>
+          <a:lstStyle/>
+          <a:p>
+            <a:pPr marL="0" indent="0">
+              <a:buNone/>
+            </a:pPr>
+            <a:r>
+              <a:rPr lang="en-GB" dirty="0"/>
+              <a:t>A laptop </a:t>
+            </a:r>
+          </a:p>
+          <a:p>
+            <a:pPr marL="0" indent="0">
+              <a:buNone/>
+            </a:pPr>
+            <a:endParaRPr lang="en-GB" dirty="0"/>
+          </a:p>
+          <a:p>
+            <a:pPr marL="0" indent="0">
+              <a:buNone/>
+            </a:pPr>
+            <a:r>
+              <a:rPr lang="en-GB" dirty="0"/>
+              <a:t>some accelerometers installed in P3, a part from the usual instrumentation…</a:t>
+            </a:r>
+          </a:p>
+          <a:p>
+            <a:pPr marL="0" indent="0">
+              <a:buNone/>
+            </a:pPr>
+            <a:endParaRPr lang="en-GB" dirty="0"/>
+          </a:p>
+          <a:p>
+            <a:pPr marL="0" indent="0">
+              <a:buNone/>
+            </a:pPr>
+            <a:r>
+              <a:rPr lang="en-GB" dirty="0"/>
+              <a:t>Some coffee</a:t>
+            </a:r>
+          </a:p>
+          <a:p>
+            <a:pPr marL="0" indent="0">
+              <a:buNone/>
+            </a:pPr>
+            <a:endParaRPr lang="en-GB" dirty="0"/>
+          </a:p>
+          <a:p>
+            <a:pPr marL="0" indent="0">
+              <a:buNone/>
+            </a:pPr>
+            <a:endParaRPr lang="en-GB" dirty="0"/>
+          </a:p>
+        </p:txBody>
+      </p:sp>
+      <p:sp>
+        <p:nvSpPr>
+          <p:cNvPr id="7" name="Text Placeholder 6">
+            <a:extLst>
+              <a:ext uri="{FF2B5EF4-FFF2-40B4-BE49-F238E27FC236}">
+                <a16:creationId xmlns:a16="http://schemas.microsoft.com/office/drawing/2014/main" id="{E1ED1E1C-C805-0D4B-BE34-F08F4C566B7B}"/>
+              </a:ext>
+            </a:extLst>
+          </p:cNvPr>
+          <p:cNvSpPr>
+            <a:spLocks noGrp="1"/>
+          </p:cNvSpPr>
+          <p:nvPr>
+            <p:ph type="body" idx="14"/>
+          </p:nvPr>
+        </p:nvSpPr>
+        <p:spPr/>
+        <p:txBody>
+          <a:bodyPr/>
+          <a:lstStyle/>
+          <a:p>
+            <a:r>
+              <a:rPr lang="en-GB" dirty="0"/>
+              <a:t>@ </a:t>
+            </a:r>
+            <a:r>
+              <a:rPr lang="en-GB" dirty="0" err="1"/>
+              <a:t>Kopter</a:t>
+            </a:r>
+            <a:r>
+              <a:rPr lang="en-GB" dirty="0"/>
+              <a:t> Group AG | Alejandro Valverde</a:t>
+            </a:r>
+          </a:p>
+        </p:txBody>
+      </p:sp>
+      <p:sp>
+        <p:nvSpPr>
+          <p:cNvPr id="4" name="Slide Number Placeholder 3"/>
+          <p:cNvSpPr>
+            <a:spLocks noGrp="1"/>
+          </p:cNvSpPr>
+          <p:nvPr>
+            <p:ph type="sldNum" sz="quarter" idx="12"/>
+          </p:nvPr>
+        </p:nvSpPr>
+        <p:spPr/>
+        <p:txBody>
+          <a:bodyPr/>
+          <a:lstStyle/>
+          <a:p>
+            <a:fld id="{011C9D03-AE4A-2848-9956-B167AE17B095}" type="slidenum">
+              <a:rPr lang="en-GB" smtClean="0"/>
+              <a:pPr/>
+              <a:t>11</a:t>
+            </a:fld>
+            <a:endParaRPr lang="en-GB" dirty="0"/>
+          </a:p>
+        </p:txBody>
+      </p:sp>
+      <p:sp>
+        <p:nvSpPr>
+          <p:cNvPr id="5" name="Date Placeholder 4"/>
+          <p:cNvSpPr>
+            <a:spLocks noGrp="1"/>
+          </p:cNvSpPr>
+          <p:nvPr>
+            <p:ph type="dt" sz="half" idx="10"/>
+          </p:nvPr>
+        </p:nvSpPr>
+        <p:spPr/>
+        <p:txBody>
+          <a:bodyPr/>
+          <a:lstStyle/>
+          <a:p>
+            <a:fld id="{16C1D5B0-5220-44BF-BD99-44FE20BE1773}" type="datetime5">
+              <a:rPr lang="en-US" smtClean="0"/>
+              <a:t>22-Feb-18</a:t>
+            </a:fld>
+            <a:endParaRPr lang="en-GB" dirty="0"/>
+          </a:p>
+        </p:txBody>
+      </p:sp>
+    </p:spTree>
+    <p:extLst>
+      <p:ext uri="{BB962C8B-B14F-4D97-AF65-F5344CB8AC3E}">
+        <p14:creationId xmlns:p14="http://schemas.microsoft.com/office/powerpoint/2010/main" val="3427268158"/>
+      </p:ext>
+    </p:extLst>
+  </p:cSld>
+  <p:clrMapOvr>
+    <a:masterClrMapping/>
+  </p:clrMapOvr>
+</p:sld>
+</file>
+
+<file path=ppt/slides/slide12.xml><?xml version="1.0" encoding="utf-8"?>
+<p:sld xmlns:a="http://schemas.openxmlformats.org/drawingml/2006/main" xmlns:r="http://schemas.openxmlformats.org/officeDocument/2006/relationships" xmlns:p="http://schemas.openxmlformats.org/presentationml/2006/main">
+  <p:cSld>
+    <p:spTree>
+      <p:nvGrpSpPr>
+        <p:cNvPr id="1" name=""/>
+        <p:cNvGrpSpPr/>
+        <p:nvPr/>
+      </p:nvGrpSpPr>
+      <p:grpSpPr>
+        <a:xfrm>
+          <a:off x="0" y="0"/>
+          <a:ext cx="0" cy="0"/>
+          <a:chOff x="0" y="0"/>
+          <a:chExt cx="0" cy="0"/>
+        </a:xfrm>
+      </p:grpSpPr>
+      <p:sp>
+        <p:nvSpPr>
+          <p:cNvPr id="2" name="Title 1">
+            <a:extLst>
+              <a:ext uri="{FF2B5EF4-FFF2-40B4-BE49-F238E27FC236}">
+                <a16:creationId xmlns:a16="http://schemas.microsoft.com/office/drawing/2014/main" id="{AE4259FB-36D9-684C-95F0-18535CB57C6B}"/>
+              </a:ext>
+            </a:extLst>
+          </p:cNvPr>
+          <p:cNvSpPr>
+            <a:spLocks noGrp="1"/>
+          </p:cNvSpPr>
+          <p:nvPr>
+            <p:ph type="title"/>
+          </p:nvPr>
+        </p:nvSpPr>
+        <p:spPr>
+          <a:xfrm>
+            <a:off x="504000" y="392724"/>
+            <a:ext cx="6523643" cy="472431"/>
+          </a:xfrm>
+        </p:spPr>
+        <p:txBody>
+          <a:bodyPr anchor="b"/>
+          <a:lstStyle/>
+          <a:p>
+            <a:r>
+              <a:rPr lang="en-GB" dirty="0" smtClean="0"/>
+              <a:t>Tools</a:t>
+            </a:r>
+            <a:endParaRPr lang="en-GB" dirty="0"/>
+          </a:p>
+        </p:txBody>
+      </p:sp>
+      <p:sp>
+        <p:nvSpPr>
+          <p:cNvPr id="7" name="Text Placeholder 6">
+            <a:extLst>
+              <a:ext uri="{FF2B5EF4-FFF2-40B4-BE49-F238E27FC236}">
+                <a16:creationId xmlns:a16="http://schemas.microsoft.com/office/drawing/2014/main" id="{E1ED1E1C-C805-0D4B-BE34-F08F4C566B7B}"/>
+              </a:ext>
+            </a:extLst>
+          </p:cNvPr>
+          <p:cNvSpPr>
+            <a:spLocks noGrp="1"/>
+          </p:cNvSpPr>
+          <p:nvPr>
+            <p:ph type="body" idx="14"/>
+          </p:nvPr>
+        </p:nvSpPr>
+        <p:spPr/>
+        <p:txBody>
+          <a:bodyPr/>
+          <a:lstStyle/>
+          <a:p>
+            <a:r>
+              <a:rPr lang="en-GB" dirty="0"/>
+              <a:t>@ </a:t>
+            </a:r>
+            <a:r>
+              <a:rPr lang="en-GB" dirty="0" err="1"/>
+              <a:t>Kopter</a:t>
+            </a:r>
+            <a:r>
+              <a:rPr lang="en-GB" dirty="0"/>
+              <a:t> Group AG | Alejandro Valverde</a:t>
+            </a:r>
+          </a:p>
+        </p:txBody>
+      </p:sp>
+      <p:sp>
+        <p:nvSpPr>
+          <p:cNvPr id="4" name="Slide Number Placeholder 3"/>
+          <p:cNvSpPr>
+            <a:spLocks noGrp="1"/>
+          </p:cNvSpPr>
+          <p:nvPr>
+            <p:ph type="sldNum" sz="quarter" idx="12"/>
+          </p:nvPr>
+        </p:nvSpPr>
+        <p:spPr/>
+        <p:txBody>
+          <a:bodyPr/>
+          <a:lstStyle/>
+          <a:p>
+            <a:fld id="{011C9D03-AE4A-2848-9956-B167AE17B095}" type="slidenum">
+              <a:rPr lang="en-GB" smtClean="0"/>
+              <a:pPr/>
+              <a:t>12</a:t>
+            </a:fld>
+            <a:endParaRPr lang="en-GB" dirty="0"/>
+          </a:p>
+        </p:txBody>
+      </p:sp>
+      <p:sp>
+        <p:nvSpPr>
+          <p:cNvPr id="5" name="Date Placeholder 4"/>
+          <p:cNvSpPr>
+            <a:spLocks noGrp="1"/>
+          </p:cNvSpPr>
+          <p:nvPr>
+            <p:ph type="dt" sz="half" idx="10"/>
+          </p:nvPr>
+        </p:nvSpPr>
+        <p:spPr/>
+        <p:txBody>
+          <a:bodyPr/>
+          <a:lstStyle/>
+          <a:p>
+            <a:fld id="{16C1D5B0-5220-44BF-BD99-44FE20BE1773}" type="datetime5">
+              <a:rPr lang="en-US" smtClean="0"/>
+              <a:t>22-Feb-18</a:t>
+            </a:fld>
+            <a:endParaRPr lang="en-GB" dirty="0"/>
+          </a:p>
+        </p:txBody>
+      </p:sp>
+      <p:sp>
+        <p:nvSpPr>
+          <p:cNvPr id="10" name="Content Placeholder 2">
+            <a:extLst>
+              <a:ext uri="{FF2B5EF4-FFF2-40B4-BE49-F238E27FC236}">
+                <a16:creationId xmlns:a16="http://schemas.microsoft.com/office/drawing/2014/main" id="{C19AF051-9B1E-C04B-A28B-18DE801F3709}"/>
+              </a:ext>
+            </a:extLst>
+          </p:cNvPr>
+          <p:cNvSpPr>
+            <a:spLocks noGrp="1"/>
+          </p:cNvSpPr>
+          <p:nvPr>
+            <p:ph idx="1"/>
+          </p:nvPr>
+        </p:nvSpPr>
+        <p:spPr>
+          <a:xfrm>
+            <a:off x="504000" y="1148993"/>
+            <a:ext cx="7810500" cy="4576557"/>
+          </a:xfrm>
+        </p:spPr>
+        <p:txBody>
+          <a:bodyPr/>
+          <a:lstStyle/>
+          <a:p>
+            <a:pPr marL="0" indent="0">
+              <a:buNone/>
+            </a:pPr>
+            <a:r>
+              <a:rPr lang="en-GB" dirty="0"/>
+              <a:t>Give those </a:t>
+            </a:r>
+            <a:r>
+              <a:rPr lang="en-GB" dirty="0" err="1"/>
+              <a:t>F_aero</a:t>
+            </a:r>
+            <a:r>
+              <a:rPr lang="en-GB" dirty="0"/>
+              <a:t> and </a:t>
+            </a:r>
+            <a:r>
+              <a:rPr lang="en-GB" dirty="0" err="1"/>
+              <a:t>M_aero</a:t>
+            </a:r>
+            <a:r>
+              <a:rPr lang="en-GB" dirty="0"/>
+              <a:t> to Nico and the guys from Flight Physics to validate </a:t>
+            </a:r>
+            <a:r>
+              <a:rPr lang="en-GB" dirty="0" err="1"/>
+              <a:t>FlightLab</a:t>
+            </a:r>
+            <a:r>
+              <a:rPr lang="en-GB" dirty="0"/>
+              <a:t> model when trying to predict dynamic behaviour of the system</a:t>
+            </a:r>
+          </a:p>
+        </p:txBody>
+      </p:sp>
+    </p:spTree>
+    <p:extLst>
+      <p:ext uri="{BB962C8B-B14F-4D97-AF65-F5344CB8AC3E}">
+        <p14:creationId xmlns:p14="http://schemas.microsoft.com/office/powerpoint/2010/main" val="1100741161"/>
+      </p:ext>
+    </p:extLst>
+  </p:cSld>
+  <p:clrMapOvr>
+    <a:masterClrMapping/>
+  </p:clrMapOvr>
+</p:sld>
+</file>
+
+<file path=ppt/slides/slide13.xml><?xml version="1.0" encoding="utf-8"?>
+<p:sld xmlns:a="http://schemas.openxmlformats.org/drawingml/2006/main" xmlns:r="http://schemas.openxmlformats.org/officeDocument/2006/relationships" xmlns:p="http://schemas.openxmlformats.org/presentationml/2006/main">
+  <p:cSld>
     <p:bg>
       <p:bgPr>
         <a:solidFill>
@@ -4872,7 +5588,7 @@
             <a:fld id="{011C9D03-AE4A-2848-9956-B167AE17B095}" type="slidenum">
               <a:rPr lang="en-GB" smtClean="0"/>
               <a:pPr/>
-              <a:t>10</a:t>
+              <a:t>13</a:t>
             </a:fld>
             <a:endParaRPr lang="en-GB"/>
           </a:p>
@@ -4914,7 +5630,7 @@
 </p:sld>
 </file>
 
-<file path=ppt/slides/slide11.xml><?xml version="1.0" encoding="utf-8"?>
+<file path=ppt/slides/slide14.xml><?xml version="1.0" encoding="utf-8"?>
 <p:sld xmlns:a="http://schemas.openxmlformats.org/drawingml/2006/main" xmlns:r="http://schemas.openxmlformats.org/officeDocument/2006/relationships" xmlns:p="http://schemas.openxmlformats.org/presentationml/2006/main">
   <p:cSld>
     <p:spTree>
@@ -5049,38 +5765,38 @@
           <a:lstStyle/>
           <a:p>
             <a:r>
-              <a:rPr lang="en-US" dirty="0"/>
+              <a:rPr lang="en-US" sz="1600" dirty="0"/>
               <a:t>Aircraft stability and control derivatives obtained from this process allow:</a:t>
             </a:r>
           </a:p>
           <a:p>
             <a:r>
-              <a:rPr lang="en-GB" dirty="0"/>
+              <a:rPr lang="en-GB" sz="1600" dirty="0"/>
               <a:t>1. Handling qualities evaluation</a:t>
             </a:r>
           </a:p>
           <a:p>
             <a:r>
-              <a:rPr lang="en-US" dirty="0"/>
+              <a:rPr lang="en-US" sz="1600" dirty="0"/>
               <a:t>2. Data correlation for confidence in test techniques</a:t>
             </a:r>
           </a:p>
           <a:p>
             <a:r>
-              <a:rPr lang="en-US" dirty="0"/>
+              <a:rPr lang="en-US" sz="1600" dirty="0"/>
               <a:t>3. Data generation for flight simulation</a:t>
             </a:r>
           </a:p>
           <a:p>
             <a:r>
-              <a:rPr lang="en-US" dirty="0"/>
+              <a:rPr lang="en-US" sz="1600" dirty="0"/>
               <a:t>4. Flight control system design and </a:t>
             </a:r>
             <a:r>
-              <a:rPr lang="en-US" dirty="0" err="1"/>
+              <a:rPr lang="en-US" sz="1600" dirty="0" err="1"/>
               <a:t>optimisation</a:t>
             </a:r>
-            <a:endParaRPr lang="en-GB" dirty="0"/>
+            <a:endParaRPr lang="en-GB" sz="1600" dirty="0"/>
           </a:p>
         </p:txBody>
       </p:sp>
@@ -5170,7 +5886,7 @@
     </p:spTree>
     <p:extLst>
       <p:ext uri="{BB962C8B-B14F-4D97-AF65-F5344CB8AC3E}">
-        <p14:creationId xmlns:p14="http://schemas.microsoft.com/office/powerpoint/2010/main" val="4186321142"/>
+        <p14:creationId xmlns:p14="http://schemas.microsoft.com/office/powerpoint/2010/main" val="3233539809"/>
       </p:ext>
     </p:extLst>
   </p:cSld>
@@ -5224,66 +5940,12 @@
           <a:lstStyle/>
           <a:p>
             <a:r>
-              <a:rPr lang="en-GB" dirty="0"/>
-              <a:t>Why to introduce System ID into P3 test campaign? </a:t>
-            </a:r>
-          </a:p>
-        </p:txBody>
-      </p:sp>
-      <p:sp>
-        <p:nvSpPr>
-          <p:cNvPr id="3" name="Content Placeholder 2">
-            <a:extLst>
-              <a:ext uri="{FF2B5EF4-FFF2-40B4-BE49-F238E27FC236}">
-                <a16:creationId xmlns:a16="http://schemas.microsoft.com/office/drawing/2014/main" id="{C19AF051-9B1E-C04B-A28B-18DE801F3709}"/>
-              </a:ext>
-            </a:extLst>
-          </p:cNvPr>
-          <p:cNvSpPr>
-            <a:spLocks noGrp="1"/>
-          </p:cNvSpPr>
-          <p:nvPr>
-            <p:ph idx="1"/>
-          </p:nvPr>
-        </p:nvSpPr>
-        <p:spPr>
-          <a:xfrm>
-            <a:off x="504000" y="1148994"/>
-            <a:ext cx="7810500" cy="4703166"/>
-          </a:xfrm>
-        </p:spPr>
-        <p:txBody>
-          <a:bodyPr/>
-          <a:lstStyle/>
-          <a:p>
-            <a:pPr marL="342900" indent="-342900">
-              <a:buFont typeface="Arial" panose="020B0604020202020204" pitchFamily="34" charset="0"/>
-              <a:buChar char="•"/>
-            </a:pPr>
-            <a:r>
-              <a:rPr lang="en-GB" dirty="0"/>
-              <a:t>To boost flight test productivity  </a:t>
-            </a:r>
-          </a:p>
-          <a:p>
-            <a:pPr marL="342900" indent="-342900">
-              <a:buFont typeface="Arial" panose="020B0604020202020204" pitchFamily="34" charset="0"/>
-              <a:buChar char="•"/>
-            </a:pPr>
-            <a:endParaRPr lang="en-GB" dirty="0"/>
-          </a:p>
-          <a:p>
-            <a:pPr marL="342900" indent="-342900">
-              <a:buFont typeface="Arial" panose="020B0604020202020204" pitchFamily="34" charset="0"/>
-              <a:buChar char="•"/>
-            </a:pPr>
-            <a:r>
-              <a:rPr lang="en-GB" dirty="0"/>
-              <a:t>System</a:t>
-            </a:r>
-            <a:r>
-              <a:rPr lang="en-US" dirty="0"/>
-              <a:t> ID takes time and money – but not nearly as much as not doing it</a:t>
+              <a:rPr lang="en-GB" dirty="0" smtClean="0"/>
+              <a:t>Proble</a:t>
+            </a:r>
+            <a:r>
+              <a:rPr lang="en-GB" dirty="0" smtClean="0"/>
+              <a:t>m overlook</a:t>
             </a:r>
             <a:endParaRPr lang="en-GB" dirty="0"/>
           </a:p>
@@ -5372,10 +6034,34 @@
           </a:p>
         </p:txBody>
       </p:sp>
+      <p:pic>
+        <p:nvPicPr>
+          <p:cNvPr id="8" name="Picture 7"/>
+          <p:cNvPicPr>
+            <a:picLocks noChangeAspect="1"/>
+          </p:cNvPicPr>
+          <p:nvPr/>
+        </p:nvPicPr>
+        <p:blipFill>
+          <a:blip r:embed="rId2"/>
+          <a:stretch>
+            <a:fillRect/>
+          </a:stretch>
+        </p:blipFill>
+        <p:spPr>
+          <a:xfrm>
+            <a:off x="769620" y="1271211"/>
+            <a:ext cx="4693920" cy="2107306"/>
+          </a:xfrm>
+          <a:prstGeom prst="rect">
+            <a:avLst/>
+          </a:prstGeom>
+        </p:spPr>
+      </p:pic>
     </p:spTree>
     <p:extLst>
       <p:ext uri="{BB962C8B-B14F-4D97-AF65-F5344CB8AC3E}">
-        <p14:creationId xmlns:p14="http://schemas.microsoft.com/office/powerpoint/2010/main" val="2756699653"/>
+        <p14:creationId xmlns:p14="http://schemas.microsoft.com/office/powerpoint/2010/main" val="4186321142"/>
       </p:ext>
     </p:extLst>
   </p:cSld>
@@ -5430,8 +6116,67 @@
           <a:p>
             <a:r>
               <a:rPr lang="en-GB" dirty="0"/>
-              <a:t>Basic problem in Dynamics</a:t>
-            </a:r>
+              <a:t>Why to introduce System ID into P3 test campaign? </a:t>
+            </a:r>
+          </a:p>
+        </p:txBody>
+      </p:sp>
+      <p:sp>
+        <p:nvSpPr>
+          <p:cNvPr id="3" name="Content Placeholder 2">
+            <a:extLst>
+              <a:ext uri="{FF2B5EF4-FFF2-40B4-BE49-F238E27FC236}">
+                <a16:creationId xmlns:a16="http://schemas.microsoft.com/office/drawing/2014/main" id="{C19AF051-9B1E-C04B-A28B-18DE801F3709}"/>
+              </a:ext>
+            </a:extLst>
+          </p:cNvPr>
+          <p:cNvSpPr>
+            <a:spLocks noGrp="1"/>
+          </p:cNvSpPr>
+          <p:nvPr>
+            <p:ph idx="1"/>
+          </p:nvPr>
+        </p:nvSpPr>
+        <p:spPr>
+          <a:xfrm>
+            <a:off x="504000" y="1148994"/>
+            <a:ext cx="7810500" cy="4703166"/>
+          </a:xfrm>
+        </p:spPr>
+        <p:txBody>
+          <a:bodyPr/>
+          <a:lstStyle/>
+          <a:p>
+            <a:pPr marL="342900" indent="-342900">
+              <a:buFont typeface="Arial" panose="020B0604020202020204" pitchFamily="34" charset="0"/>
+              <a:buChar char="•"/>
+            </a:pPr>
+            <a:r>
+              <a:rPr lang="en-GB" sz="1600" dirty="0"/>
+              <a:t>To boost flight test productivity  </a:t>
+            </a:r>
+          </a:p>
+          <a:p>
+            <a:pPr marL="342900" indent="-342900">
+              <a:buFont typeface="Arial" panose="020B0604020202020204" pitchFamily="34" charset="0"/>
+              <a:buChar char="•"/>
+            </a:pPr>
+            <a:endParaRPr lang="en-GB" sz="1600" dirty="0"/>
+          </a:p>
+          <a:p>
+            <a:pPr marL="342900" indent="-342900">
+              <a:buFont typeface="Arial" panose="020B0604020202020204" pitchFamily="34" charset="0"/>
+              <a:buChar char="•"/>
+            </a:pPr>
+            <a:r>
+              <a:rPr lang="en-GB" sz="1600" dirty="0"/>
+              <a:t>System</a:t>
+            </a:r>
+            <a:r>
+              <a:rPr lang="en-US" sz="1600" dirty="0"/>
+              <a:t> ID takes time and money – but not nearly as much as not doing it</a:t>
+            </a:r>
+            <a:endParaRPr lang="en-GB" sz="1600" dirty="0"/>
           </a:p>
         </p:txBody>
       </p:sp>
@@ -5518,40 +6263,10 @@
           </a:p>
         </p:txBody>
       </p:sp>
-      <p:pic>
-        <p:nvPicPr>
-          <p:cNvPr id="10" name="Grafik 9">
-            <a:extLst>
-              <a:ext uri="{FF2B5EF4-FFF2-40B4-BE49-F238E27FC236}">
-                <a16:creationId xmlns:a16="http://schemas.microsoft.com/office/drawing/2014/main" id="{2883BEB5-DBEA-4BCB-8BAC-513E22EDA23A}"/>
-              </a:ext>
-            </a:extLst>
-          </p:cNvPr>
-          <p:cNvPicPr>
-            <a:picLocks noChangeAspect="1"/>
-          </p:cNvPicPr>
-          <p:nvPr/>
-        </p:nvPicPr>
-        <p:blipFill>
-          <a:blip r:embed="rId2"/>
-          <a:stretch>
-            <a:fillRect/>
-          </a:stretch>
-        </p:blipFill>
-        <p:spPr>
-          <a:xfrm>
-            <a:off x="1736774" y="1355658"/>
-            <a:ext cx="6183337" cy="4453839"/>
-          </a:xfrm>
-          <a:prstGeom prst="rect">
-            <a:avLst/>
-          </a:prstGeom>
-        </p:spPr>
-      </p:pic>
     </p:spTree>
     <p:extLst>
       <p:ext uri="{BB962C8B-B14F-4D97-AF65-F5344CB8AC3E}">
-        <p14:creationId xmlns:p14="http://schemas.microsoft.com/office/powerpoint/2010/main" val="3600795312"/>
+        <p14:creationId xmlns:p14="http://schemas.microsoft.com/office/powerpoint/2010/main" val="2756699653"/>
       </p:ext>
     </p:extLst>
   </p:cSld>
@@ -5606,7 +6321,7 @@
           <a:p>
             <a:r>
               <a:rPr lang="en-GB" dirty="0"/>
-              <a:t>Aircraft System Identification</a:t>
+              <a:t>Basic problem in Dynamics</a:t>
             </a:r>
           </a:p>
         </p:txBody>
@@ -5696,10 +6411,10 @@
       </p:sp>
       <p:pic>
         <p:nvPicPr>
-          <p:cNvPr id="3" name="Grafik 2">
+          <p:cNvPr id="10" name="Grafik 9">
             <a:extLst>
               <a:ext uri="{FF2B5EF4-FFF2-40B4-BE49-F238E27FC236}">
-                <a16:creationId xmlns:a16="http://schemas.microsoft.com/office/drawing/2014/main" id="{88FF0D8E-FA19-4144-BCA6-80638734E310}"/>
+                <a16:creationId xmlns:a16="http://schemas.microsoft.com/office/drawing/2014/main" id="{2883BEB5-DBEA-4BCB-8BAC-513E22EDA23A}"/>
               </a:ext>
             </a:extLst>
           </p:cNvPr>
@@ -5716,8 +6431,8 @@
         </p:blipFill>
         <p:spPr>
           <a:xfrm>
-            <a:off x="995362" y="704850"/>
-            <a:ext cx="7153275" cy="5448300"/>
+            <a:off x="1736774" y="1355658"/>
+            <a:ext cx="6183337" cy="4453839"/>
           </a:xfrm>
           <a:prstGeom prst="rect">
             <a:avLst/>
@@ -5727,7 +6442,7 @@
     </p:spTree>
     <p:extLst>
       <p:ext uri="{BB962C8B-B14F-4D97-AF65-F5344CB8AC3E}">
-        <p14:creationId xmlns:p14="http://schemas.microsoft.com/office/powerpoint/2010/main" val="2167726244"/>
+        <p14:creationId xmlns:p14="http://schemas.microsoft.com/office/powerpoint/2010/main" val="3600795312"/>
       </p:ext>
     </p:extLst>
   </p:cSld>
@@ -5782,67 +6497,7 @@
           <a:p>
             <a:r>
               <a:rPr lang="en-GB" dirty="0"/>
-              <a:t>Close the loop</a:t>
-            </a:r>
-          </a:p>
-        </p:txBody>
-      </p:sp>
-      <p:sp>
-        <p:nvSpPr>
-          <p:cNvPr id="3" name="Content Placeholder 2">
-            <a:extLst>
-              <a:ext uri="{FF2B5EF4-FFF2-40B4-BE49-F238E27FC236}">
-                <a16:creationId xmlns:a16="http://schemas.microsoft.com/office/drawing/2014/main" id="{C19AF051-9B1E-C04B-A28B-18DE801F3709}"/>
-              </a:ext>
-            </a:extLst>
-          </p:cNvPr>
-          <p:cNvSpPr>
-            <a:spLocks noGrp="1"/>
-          </p:cNvSpPr>
-          <p:nvPr>
-            <p:ph idx="1"/>
-          </p:nvPr>
-        </p:nvSpPr>
-        <p:spPr>
-          <a:xfrm>
-            <a:off x="504000" y="1148993"/>
-            <a:ext cx="7810500" cy="4576557"/>
-          </a:xfrm>
-        </p:spPr>
-        <p:txBody>
-          <a:bodyPr/>
-          <a:lstStyle/>
-          <a:p>
-            <a:pPr marL="0" indent="0">
-              <a:buNone/>
-            </a:pPr>
-            <a:r>
-              <a:rPr lang="en-GB" dirty="0"/>
-              <a:t>Give those </a:t>
-            </a:r>
-            <a:r>
-              <a:rPr lang="en-GB" dirty="0" err="1"/>
-              <a:t>F_aero</a:t>
-            </a:r>
-            <a:r>
-              <a:rPr lang="en-GB" dirty="0"/>
-              <a:t> and </a:t>
-            </a:r>
-            <a:r>
-              <a:rPr lang="en-GB" dirty="0" err="1"/>
-              <a:t>M_aero</a:t>
-            </a:r>
-            <a:r>
-              <a:rPr lang="en-GB" dirty="0"/>
-              <a:t> to Nico and the guys from Flight Physics to validate </a:t>
-            </a:r>
-            <a:r>
-              <a:rPr lang="en-GB" dirty="0" err="1"/>
-              <a:t>FlightLab</a:t>
-            </a:r>
-            <a:r>
-              <a:rPr lang="en-GB" dirty="0"/>
-              <a:t> model when trying to predict dynamic behaviour of the system</a:t>
+              <a:t>Aircraft System Identification</a:t>
             </a:r>
           </a:p>
         </p:txBody>
@@ -5930,10 +6585,40 @@
           </a:p>
         </p:txBody>
       </p:sp>
+      <p:pic>
+        <p:nvPicPr>
+          <p:cNvPr id="3" name="Grafik 2">
+            <a:extLst>
+              <a:ext uri="{FF2B5EF4-FFF2-40B4-BE49-F238E27FC236}">
+                <a16:creationId xmlns:a16="http://schemas.microsoft.com/office/drawing/2014/main" id="{88FF0D8E-FA19-4144-BCA6-80638734E310}"/>
+              </a:ext>
+            </a:extLst>
+          </p:cNvPr>
+          <p:cNvPicPr>
+            <a:picLocks noChangeAspect="1"/>
+          </p:cNvPicPr>
+          <p:nvPr/>
+        </p:nvPicPr>
+        <p:blipFill>
+          <a:blip r:embed="rId2"/>
+          <a:stretch>
+            <a:fillRect/>
+          </a:stretch>
+        </p:blipFill>
+        <p:spPr>
+          <a:xfrm>
+            <a:off x="995362" y="704850"/>
+            <a:ext cx="7153275" cy="5448300"/>
+          </a:xfrm>
+          <a:prstGeom prst="rect">
+            <a:avLst/>
+          </a:prstGeom>
+        </p:spPr>
+      </p:pic>
     </p:spTree>
     <p:extLst>
       <p:ext uri="{BB962C8B-B14F-4D97-AF65-F5344CB8AC3E}">
-        <p14:creationId xmlns:p14="http://schemas.microsoft.com/office/powerpoint/2010/main" val="523109830"/>
+        <p14:creationId xmlns:p14="http://schemas.microsoft.com/office/powerpoint/2010/main" val="2167726244"/>
       </p:ext>
     </p:extLst>
   </p:cSld>
@@ -5988,7 +6673,67 @@
           <a:p>
             <a:r>
               <a:rPr lang="en-GB" dirty="0"/>
-              <a:t>How does it work?</a:t>
+              <a:t>Close the loop</a:t>
+            </a:r>
+          </a:p>
+        </p:txBody>
+      </p:sp>
+      <p:sp>
+        <p:nvSpPr>
+          <p:cNvPr id="3" name="Content Placeholder 2">
+            <a:extLst>
+              <a:ext uri="{FF2B5EF4-FFF2-40B4-BE49-F238E27FC236}">
+                <a16:creationId xmlns:a16="http://schemas.microsoft.com/office/drawing/2014/main" id="{C19AF051-9B1E-C04B-A28B-18DE801F3709}"/>
+              </a:ext>
+            </a:extLst>
+          </p:cNvPr>
+          <p:cNvSpPr>
+            <a:spLocks noGrp="1"/>
+          </p:cNvSpPr>
+          <p:nvPr>
+            <p:ph idx="1"/>
+          </p:nvPr>
+        </p:nvSpPr>
+        <p:spPr>
+          <a:xfrm>
+            <a:off x="504000" y="1148993"/>
+            <a:ext cx="7810500" cy="4576557"/>
+          </a:xfrm>
+        </p:spPr>
+        <p:txBody>
+          <a:bodyPr/>
+          <a:lstStyle/>
+          <a:p>
+            <a:pPr marL="0" indent="0">
+              <a:buNone/>
+            </a:pPr>
+            <a:r>
+              <a:rPr lang="en-GB" dirty="0"/>
+              <a:t>Give those </a:t>
+            </a:r>
+            <a:r>
+              <a:rPr lang="en-GB" dirty="0" err="1"/>
+              <a:t>F_aero</a:t>
+            </a:r>
+            <a:r>
+              <a:rPr lang="en-GB" dirty="0"/>
+              <a:t> and </a:t>
+            </a:r>
+            <a:r>
+              <a:rPr lang="en-GB" dirty="0" err="1"/>
+              <a:t>M_aero</a:t>
+            </a:r>
+            <a:r>
+              <a:rPr lang="en-GB" dirty="0"/>
+              <a:t> to Nico and the guys from Flight Physics to validate </a:t>
+            </a:r>
+            <a:r>
+              <a:rPr lang="en-GB" dirty="0" err="1"/>
+              <a:t>FlightLab</a:t>
+            </a:r>
+            <a:r>
+              <a:rPr lang="en-GB" dirty="0"/>
+              <a:t> model when trying to predict dynamic behaviour of the system</a:t>
             </a:r>
           </a:p>
         </p:txBody>
@@ -6076,40 +6821,10 @@
           </a:p>
         </p:txBody>
       </p:sp>
-      <p:pic>
-        <p:nvPicPr>
-          <p:cNvPr id="9" name="Grafik 8">
-            <a:extLst>
-              <a:ext uri="{FF2B5EF4-FFF2-40B4-BE49-F238E27FC236}">
-                <a16:creationId xmlns:a16="http://schemas.microsoft.com/office/drawing/2014/main" id="{374BE5AE-A64E-426E-9C3B-14ED4A4BCFF5}"/>
-              </a:ext>
-            </a:extLst>
-          </p:cNvPr>
-          <p:cNvPicPr>
-            <a:picLocks noChangeAspect="1"/>
-          </p:cNvPicPr>
-          <p:nvPr/>
-        </p:nvPicPr>
-        <p:blipFill>
-          <a:blip r:embed="rId2"/>
-          <a:stretch>
-            <a:fillRect/>
-          </a:stretch>
-        </p:blipFill>
-        <p:spPr>
-          <a:xfrm>
-            <a:off x="1299223" y="877054"/>
-            <a:ext cx="6800777" cy="5089781"/>
-          </a:xfrm>
-          <a:prstGeom prst="rect">
-            <a:avLst/>
-          </a:prstGeom>
-        </p:spPr>
-      </p:pic>
     </p:spTree>
     <p:extLst>
       <p:ext uri="{BB962C8B-B14F-4D97-AF65-F5344CB8AC3E}">
-        <p14:creationId xmlns:p14="http://schemas.microsoft.com/office/powerpoint/2010/main" val="4270212500"/>
+        <p14:creationId xmlns:p14="http://schemas.microsoft.com/office/powerpoint/2010/main" val="523109830"/>
       </p:ext>
     </p:extLst>
   </p:cSld>
@@ -6164,7 +6879,7 @@
           <a:p>
             <a:r>
               <a:rPr lang="en-GB" dirty="0"/>
-              <a:t>Flight envelope expansion</a:t>
+              <a:t>How does it work?</a:t>
             </a:r>
           </a:p>
         </p:txBody>
@@ -6254,10 +6969,10 @@
       </p:sp>
       <p:pic>
         <p:nvPicPr>
-          <p:cNvPr id="3" name="Grafik 2">
+          <p:cNvPr id="9" name="Grafik 8">
             <a:extLst>
               <a:ext uri="{FF2B5EF4-FFF2-40B4-BE49-F238E27FC236}">
-                <a16:creationId xmlns:a16="http://schemas.microsoft.com/office/drawing/2014/main" id="{16F340ED-0F80-4D05-9B83-BF1303F56C91}"/>
+                <a16:creationId xmlns:a16="http://schemas.microsoft.com/office/drawing/2014/main" id="{374BE5AE-A64E-426E-9C3B-14ED4A4BCFF5}"/>
               </a:ext>
             </a:extLst>
           </p:cNvPr>
@@ -6274,8 +6989,8 @@
         </p:blipFill>
         <p:spPr>
           <a:xfrm>
-            <a:off x="1028265" y="1519311"/>
-            <a:ext cx="7133092" cy="4780689"/>
+            <a:off x="1299223" y="877054"/>
+            <a:ext cx="6800777" cy="5089781"/>
           </a:xfrm>
           <a:prstGeom prst="rect">
             <a:avLst/>
@@ -6285,7 +7000,7 @@
     </p:spTree>
     <p:extLst>
       <p:ext uri="{BB962C8B-B14F-4D97-AF65-F5344CB8AC3E}">
-        <p14:creationId xmlns:p14="http://schemas.microsoft.com/office/powerpoint/2010/main" val="3501868766"/>
+        <p14:creationId xmlns:p14="http://schemas.microsoft.com/office/powerpoint/2010/main" val="4270212500"/>
       </p:ext>
     </p:extLst>
   </p:cSld>
@@ -6340,86 +7055,8 @@
           <a:p>
             <a:r>
               <a:rPr lang="en-GB" dirty="0"/>
-              <a:t>What would I need?</a:t>
-            </a:r>
-          </a:p>
-        </p:txBody>
-      </p:sp>
-      <p:sp>
-        <p:nvSpPr>
-          <p:cNvPr id="3" name="Content Placeholder 2">
-            <a:extLst>
-              <a:ext uri="{FF2B5EF4-FFF2-40B4-BE49-F238E27FC236}">
-                <a16:creationId xmlns:a16="http://schemas.microsoft.com/office/drawing/2014/main" id="{C19AF051-9B1E-C04B-A28B-18DE801F3709}"/>
-              </a:ext>
-            </a:extLst>
-          </p:cNvPr>
-          <p:cNvSpPr>
-            <a:spLocks noGrp="1"/>
-          </p:cNvSpPr>
-          <p:nvPr>
-            <p:ph idx="1"/>
-          </p:nvPr>
-        </p:nvSpPr>
-        <p:spPr>
-          <a:xfrm>
-            <a:off x="504000" y="1148993"/>
-            <a:ext cx="7810500" cy="4576557"/>
-          </a:xfrm>
-        </p:spPr>
-        <p:txBody>
-          <a:bodyPr/>
-          <a:lstStyle/>
-          <a:p>
-            <a:pPr marL="0" indent="0">
-              <a:buNone/>
-            </a:pPr>
-            <a:r>
-              <a:rPr lang="en-GB" dirty="0"/>
-              <a:t>A laptop </a:t>
-            </a:r>
-          </a:p>
-          <a:p>
-            <a:pPr marL="0" indent="0">
-              <a:buNone/>
-            </a:pPr>
-            <a:endParaRPr lang="en-GB" dirty="0"/>
-          </a:p>
-          <a:p>
-            <a:pPr marL="0" indent="0">
-              <a:buNone/>
-            </a:pPr>
-            <a:r>
-              <a:rPr lang="en-GB" dirty="0"/>
-              <a:t>some accelerometers installed in P3, a part from the usual instrumentation…</a:t>
-            </a:r>
-          </a:p>
-          <a:p>
-            <a:pPr marL="0" indent="0">
-              <a:buNone/>
-            </a:pPr>
-            <a:endParaRPr lang="en-GB" dirty="0"/>
-          </a:p>
-          <a:p>
-            <a:pPr marL="0" indent="0">
-              <a:buNone/>
-            </a:pPr>
-            <a:r>
-              <a:rPr lang="en-GB" dirty="0"/>
-              <a:t>Some coffee</a:t>
-            </a:r>
-          </a:p>
-          <a:p>
-            <a:pPr marL="0" indent="0">
-              <a:buNone/>
-            </a:pPr>
-            <a:endParaRPr lang="en-GB" dirty="0"/>
-          </a:p>
-          <a:p>
-            <a:pPr marL="0" indent="0">
-              <a:buNone/>
-            </a:pPr>
-            <a:endParaRPr lang="en-GB" dirty="0"/>
+              <a:t>Flight envelope expansion</a:t>
+            </a:r>
           </a:p>
         </p:txBody>
       </p:sp>
@@ -6506,10 +7143,40 @@
           </a:p>
         </p:txBody>
       </p:sp>
+      <p:pic>
+        <p:nvPicPr>
+          <p:cNvPr id="3" name="Grafik 2">
+            <a:extLst>
+              <a:ext uri="{FF2B5EF4-FFF2-40B4-BE49-F238E27FC236}">
+                <a16:creationId xmlns:a16="http://schemas.microsoft.com/office/drawing/2014/main" id="{16F340ED-0F80-4D05-9B83-BF1303F56C91}"/>
+              </a:ext>
+            </a:extLst>
+          </p:cNvPr>
+          <p:cNvPicPr>
+            <a:picLocks noChangeAspect="1"/>
+          </p:cNvPicPr>
+          <p:nvPr/>
+        </p:nvPicPr>
+        <p:blipFill>
+          <a:blip r:embed="rId2"/>
+          <a:stretch>
+            <a:fillRect/>
+          </a:stretch>
+        </p:blipFill>
+        <p:spPr>
+          <a:xfrm>
+            <a:off x="1028265" y="1519311"/>
+            <a:ext cx="7133092" cy="4780689"/>
+          </a:xfrm>
+          <a:prstGeom prst="rect">
+            <a:avLst/>
+          </a:prstGeom>
+        </p:spPr>
+      </p:pic>
     </p:spTree>
     <p:extLst>
       <p:ext uri="{BB962C8B-B14F-4D97-AF65-F5344CB8AC3E}">
-        <p14:creationId xmlns:p14="http://schemas.microsoft.com/office/powerpoint/2010/main" val="3427268158"/>
+        <p14:creationId xmlns:p14="http://schemas.microsoft.com/office/powerpoint/2010/main" val="3501868766"/>
       </p:ext>
     </p:extLst>
   </p:cSld>

--- a/s_id/docs/System Identification to support Flight Test activities - proposal.pptx
+++ b/s_id/docs/System Identification to support Flight Test activities - proposal.pptx
@@ -12,17 +12,17 @@
   </p:handoutMasterIdLst>
   <p:sldIdLst>
     <p:sldId id="267" r:id="rId2"/>
-    <p:sldId id="277" r:id="rId3"/>
-    <p:sldId id="258" r:id="rId4"/>
-    <p:sldId id="268" r:id="rId5"/>
-    <p:sldId id="269" r:id="rId6"/>
-    <p:sldId id="270" r:id="rId7"/>
-    <p:sldId id="271" r:id="rId8"/>
-    <p:sldId id="273" r:id="rId9"/>
-    <p:sldId id="274" r:id="rId10"/>
-    <p:sldId id="275" r:id="rId11"/>
+    <p:sldId id="269" r:id="rId3"/>
+    <p:sldId id="277" r:id="rId4"/>
+    <p:sldId id="258" r:id="rId5"/>
+    <p:sldId id="281" r:id="rId6"/>
+    <p:sldId id="273" r:id="rId7"/>
+    <p:sldId id="275" r:id="rId8"/>
+    <p:sldId id="279" r:id="rId9"/>
+    <p:sldId id="280" r:id="rId10"/>
+    <p:sldId id="268" r:id="rId11"/>
     <p:sldId id="272" r:id="rId12"/>
-    <p:sldId id="276" r:id="rId13"/>
+    <p:sldId id="282" r:id="rId13"/>
     <p:sldId id="262" r:id="rId14"/>
     <p:sldId id="263" r:id="rId15"/>
   </p:sldIdLst>
@@ -322,7 +322,7 @@
             <a:fld id="{5F3C0F99-304F-6E49-843F-5351A15493DC}" type="slidenum">
               <a:rPr lang="en-GB" smtClean="0"/>
               <a:pPr/>
-              <a:t>‹#›</a:t>
+              <a:t>‹Nr.›</a:t>
             </a:fld>
             <a:endParaRPr lang="en-GB"/>
           </a:p>
@@ -582,7 +582,7 @@
             <a:fld id="{0D8DCBD1-C1B4-0949-A20B-F84C20C9707E}" type="slidenum">
               <a:rPr lang="en-GB" smtClean="0"/>
               <a:pPr/>
-              <a:t>‹#›</a:t>
+              <a:t>‹Nr.›</a:t>
             </a:fld>
             <a:endParaRPr lang="en-GB"/>
           </a:p>
@@ -690,6 +690,196 @@
     </a:lvl9pPr>
   </p:notesStyle>
 </p:notesMaster>
+</file>
+
+<file path=ppt/notesSlides/notesSlide1.xml><?xml version="1.0" encoding="utf-8"?>
+<p:notes xmlns:a="http://schemas.openxmlformats.org/drawingml/2006/main" xmlns:r="http://schemas.openxmlformats.org/officeDocument/2006/relationships" xmlns:p="http://schemas.openxmlformats.org/presentationml/2006/main">
+  <p:cSld>
+    <p:spTree>
+      <p:nvGrpSpPr>
+        <p:cNvPr id="1" name=""/>
+        <p:cNvGrpSpPr/>
+        <p:nvPr/>
+      </p:nvGrpSpPr>
+      <p:grpSpPr>
+        <a:xfrm>
+          <a:off x="0" y="0"/>
+          <a:ext cx="0" cy="0"/>
+          <a:chOff x="0" y="0"/>
+          <a:chExt cx="0" cy="0"/>
+        </a:xfrm>
+      </p:grpSpPr>
+      <p:sp>
+        <p:nvSpPr>
+          <p:cNvPr id="2" name="Slide Image Placeholder 1"/>
+          <p:cNvSpPr>
+            <a:spLocks noGrp="1" noRot="1" noChangeAspect="1"/>
+          </p:cNvSpPr>
+          <p:nvPr>
+            <p:ph type="sldImg"/>
+          </p:nvPr>
+        </p:nvSpPr>
+        <p:spPr/>
+      </p:sp>
+      <p:sp>
+        <p:nvSpPr>
+          <p:cNvPr id="3" name="Notes Placeholder 2"/>
+          <p:cNvSpPr>
+            <a:spLocks noGrp="1"/>
+          </p:cNvSpPr>
+          <p:nvPr>
+            <p:ph type="body" idx="1"/>
+          </p:nvPr>
+        </p:nvSpPr>
+        <p:spPr/>
+        <p:txBody>
+          <a:bodyPr/>
+          <a:lstStyle/>
+          <a:p>
+            <a:endParaRPr lang="en-GB" dirty="0"/>
+          </a:p>
+        </p:txBody>
+      </p:sp>
+      <p:sp>
+        <p:nvSpPr>
+          <p:cNvPr id="4" name="Slide Number Placeholder 3"/>
+          <p:cNvSpPr>
+            <a:spLocks noGrp="1"/>
+          </p:cNvSpPr>
+          <p:nvPr>
+            <p:ph type="sldNum" sz="quarter" idx="10"/>
+          </p:nvPr>
+        </p:nvSpPr>
+        <p:spPr/>
+        <p:txBody>
+          <a:bodyPr/>
+          <a:lstStyle/>
+          <a:p>
+            <a:fld id="{0D8DCBD1-C1B4-0949-A20B-F84C20C9707E}" type="slidenum">
+              <a:rPr lang="en-GB" smtClean="0"/>
+              <a:pPr/>
+              <a:t>3</a:t>
+            </a:fld>
+            <a:endParaRPr lang="en-GB"/>
+          </a:p>
+        </p:txBody>
+      </p:sp>
+    </p:spTree>
+    <p:extLst>
+      <p:ext uri="{BB962C8B-B14F-4D97-AF65-F5344CB8AC3E}">
+        <p14:creationId xmlns:p14="http://schemas.microsoft.com/office/powerpoint/2010/main" val="3554589756"/>
+      </p:ext>
+    </p:extLst>
+  </p:cSld>
+  <p:clrMapOvr>
+    <a:masterClrMapping/>
+  </p:clrMapOvr>
+</p:notes>
+</file>
+
+<file path=ppt/notesSlides/notesSlide2.xml><?xml version="1.0" encoding="utf-8"?>
+<p:notes xmlns:a="http://schemas.openxmlformats.org/drawingml/2006/main" xmlns:r="http://schemas.openxmlformats.org/officeDocument/2006/relationships" xmlns:p="http://schemas.openxmlformats.org/presentationml/2006/main">
+  <p:cSld>
+    <p:spTree>
+      <p:nvGrpSpPr>
+        <p:cNvPr id="1" name=""/>
+        <p:cNvGrpSpPr/>
+        <p:nvPr/>
+      </p:nvGrpSpPr>
+      <p:grpSpPr>
+        <a:xfrm>
+          <a:off x="0" y="0"/>
+          <a:ext cx="0" cy="0"/>
+          <a:chOff x="0" y="0"/>
+          <a:chExt cx="0" cy="0"/>
+        </a:xfrm>
+      </p:grpSpPr>
+      <p:sp>
+        <p:nvSpPr>
+          <p:cNvPr id="2" name="Slide Image Placeholder 1"/>
+          <p:cNvSpPr>
+            <a:spLocks noGrp="1" noRot="1" noChangeAspect="1"/>
+          </p:cNvSpPr>
+          <p:nvPr>
+            <p:ph type="sldImg"/>
+          </p:nvPr>
+        </p:nvSpPr>
+        <p:spPr/>
+      </p:sp>
+      <p:sp>
+        <p:nvSpPr>
+          <p:cNvPr id="3" name="Notes Placeholder 2"/>
+          <p:cNvSpPr>
+            <a:spLocks noGrp="1"/>
+          </p:cNvSpPr>
+          <p:nvPr>
+            <p:ph type="body" idx="1"/>
+          </p:nvPr>
+        </p:nvSpPr>
+        <p:spPr/>
+        <p:txBody>
+          <a:bodyPr/>
+          <a:lstStyle/>
+          <a:p>
+            <a:r>
+              <a:rPr lang="en-GB" sz="1400" dirty="0"/>
+              <a:t>Accurate</a:t>
+            </a:r>
+            <a:r>
+              <a:rPr lang="en-GB" sz="1400" baseline="0" dirty="0"/>
+              <a:t> -&gt; Because it’s based on real flight data</a:t>
+            </a:r>
+          </a:p>
+          <a:p>
+            <a:r>
+              <a:rPr lang="en-GB" sz="1400" baseline="0" dirty="0"/>
+              <a:t>Simple -&gt; Does not require high computational power</a:t>
+            </a:r>
+          </a:p>
+          <a:p>
+            <a:r>
+              <a:rPr lang="en-GB" sz="1400" baseline="0" dirty="0"/>
+              <a:t>Reliable -&gt; Computed with </a:t>
+            </a:r>
+            <a:endParaRPr lang="en-GB" sz="1400" dirty="0"/>
+          </a:p>
+        </p:txBody>
+      </p:sp>
+      <p:sp>
+        <p:nvSpPr>
+          <p:cNvPr id="4" name="Slide Number Placeholder 3"/>
+          <p:cNvSpPr>
+            <a:spLocks noGrp="1"/>
+          </p:cNvSpPr>
+          <p:nvPr>
+            <p:ph type="sldNum" sz="quarter" idx="10"/>
+          </p:nvPr>
+        </p:nvSpPr>
+        <p:spPr/>
+        <p:txBody>
+          <a:bodyPr/>
+          <a:lstStyle/>
+          <a:p>
+            <a:fld id="{0D8DCBD1-C1B4-0949-A20B-F84C20C9707E}" type="slidenum">
+              <a:rPr lang="en-GB" smtClean="0"/>
+              <a:pPr/>
+              <a:t>4</a:t>
+            </a:fld>
+            <a:endParaRPr lang="en-GB"/>
+          </a:p>
+        </p:txBody>
+      </p:sp>
+    </p:spTree>
+    <p:extLst>
+      <p:ext uri="{BB962C8B-B14F-4D97-AF65-F5344CB8AC3E}">
+        <p14:creationId xmlns:p14="http://schemas.microsoft.com/office/powerpoint/2010/main" val="1696403375"/>
+      </p:ext>
+    </p:extLst>
+  </p:cSld>
+  <p:clrMapOvr>
+    <a:masterClrMapping/>
+  </p:clrMapOvr>
+</p:notes>
 </file>
 
 <file path=ppt/slideLayouts/slideLayout1.xml><?xml version="1.0" encoding="utf-8"?>
@@ -1108,7 +1298,7 @@
             <a:fld id="{011C9D03-AE4A-2848-9956-B167AE17B095}" type="slidenum">
               <a:rPr lang="en-GB" smtClean="0"/>
               <a:pPr/>
-              <a:t>‹#›</a:t>
+              <a:t>‹Nr.›</a:t>
             </a:fld>
             <a:endParaRPr lang="en-GB" dirty="0"/>
           </a:p>
@@ -1403,7 +1593,7 @@
             <a:fld id="{011C9D03-AE4A-2848-9956-B167AE17B095}" type="slidenum">
               <a:rPr lang="en-GB" smtClean="0"/>
               <a:pPr/>
-              <a:t>‹#›</a:t>
+              <a:t>‹Nr.›</a:t>
             </a:fld>
             <a:endParaRPr lang="en-GB" dirty="0"/>
           </a:p>
@@ -1963,7 +2153,7 @@
             <a:fld id="{011C9D03-AE4A-2848-9956-B167AE17B095}" type="slidenum">
               <a:rPr lang="en-GB" smtClean="0"/>
               <a:pPr/>
-              <a:t>‹#›</a:t>
+              <a:t>‹Nr.›</a:t>
             </a:fld>
             <a:endParaRPr lang="en-GB" dirty="0"/>
           </a:p>
@@ -2239,7 +2429,7 @@
             <a:fld id="{011C9D03-AE4A-2848-9956-B167AE17B095}" type="slidenum">
               <a:rPr lang="en-GB" smtClean="0"/>
               <a:pPr/>
-              <a:t>‹#›</a:t>
+              <a:t>‹Nr.›</a:t>
             </a:fld>
             <a:endParaRPr lang="en-GB"/>
           </a:p>
@@ -3109,7 +3299,7 @@
             <a:fld id="{011C9D03-AE4A-2848-9956-B167AE17B095}" type="slidenum">
               <a:rPr lang="en-GB" smtClean="0"/>
               <a:pPr/>
-              <a:t>‹#›</a:t>
+              <a:t>‹Nr.›</a:t>
             </a:fld>
             <a:endParaRPr lang="en-GB"/>
           </a:p>
@@ -3463,7 +3653,7 @@
             <a:fld id="{011C9D03-AE4A-2848-9956-B167AE17B095}" type="slidenum">
               <a:rPr lang="en-GB" smtClean="0"/>
               <a:pPr/>
-              <a:t>‹#›</a:t>
+              <a:t>‹Nr.›</a:t>
             </a:fld>
             <a:endParaRPr lang="en-GB"/>
           </a:p>
@@ -4367,7 +4557,7 @@
             <a:fld id="{011C9D03-AE4A-2848-9956-B167AE17B095}" type="slidenum">
               <a:rPr lang="en-GB" smtClean="0"/>
               <a:pPr/>
-              <a:t>‹#›</a:t>
+              <a:t>‹Nr.›</a:t>
             </a:fld>
             <a:endParaRPr lang="en-GB"/>
           </a:p>
@@ -4748,6 +4938,44 @@
           </a:p>
         </p:txBody>
       </p:sp>
+      <p:sp>
+        <p:nvSpPr>
+          <p:cNvPr id="4" name="TextBox 3"/>
+          <p:cNvSpPr txBox="1"/>
+          <p:nvPr/>
+        </p:nvSpPr>
+        <p:spPr>
+          <a:xfrm>
+            <a:off x="972000" y="4511040"/>
+            <a:ext cx="3150420" cy="1226820"/>
+          </a:xfrm>
+          <a:prstGeom prst="rect">
+            <a:avLst/>
+          </a:prstGeom>
+          <a:noFill/>
+        </p:spPr>
+        <p:txBody>
+          <a:bodyPr wrap="square" lIns="0" tIns="0" rIns="0" bIns="0" rtlCol="0" anchor="b">
+            <a:noAutofit/>
+          </a:bodyPr>
+          <a:lstStyle/>
+          <a:p>
+            <a:pPr algn="l"/>
+            <a:r>
+              <a:rPr lang="en-GB" b="0" i="0" dirty="0">
+                <a:latin typeface="Suisse Int'l" panose="020B0504000000000000" pitchFamily="34" charset="77"/>
+              </a:rPr>
+              <a:t>Alejandro Valverde</a:t>
+            </a:r>
+          </a:p>
+          <a:p>
+            <a:pPr algn="l"/>
+            <a:endParaRPr lang="en-GB" dirty="0">
+              <a:latin typeface="Suisse Int'l" panose="020B0504000000000000" pitchFamily="34" charset="77"/>
+            </a:endParaRPr>
+          </a:p>
+        </p:txBody>
+      </p:sp>
     </p:spTree>
     <p:extLst>
       <p:ext uri="{BB962C8B-B14F-4D97-AF65-F5344CB8AC3E}">
@@ -4805,10 +5033,118 @@
           <a:lstStyle/>
           <a:p>
             <a:r>
-              <a:rPr lang="en-GB" dirty="0" smtClean="0"/>
-              <a:t>Tools</a:t>
-            </a:r>
-            <a:endParaRPr lang="en-GB" dirty="0"/>
+              <a:rPr lang="en-GB" dirty="0"/>
+              <a:t>Why to introducing System ID into P3 test campaign? </a:t>
+            </a:r>
+          </a:p>
+        </p:txBody>
+      </p:sp>
+      <p:sp>
+        <p:nvSpPr>
+          <p:cNvPr id="3" name="Content Placeholder 2">
+            <a:extLst>
+              <a:ext uri="{FF2B5EF4-FFF2-40B4-BE49-F238E27FC236}">
+                <a16:creationId xmlns:a16="http://schemas.microsoft.com/office/drawing/2014/main" id="{C19AF051-9B1E-C04B-A28B-18DE801F3709}"/>
+              </a:ext>
+            </a:extLst>
+          </p:cNvPr>
+          <p:cNvSpPr>
+            <a:spLocks noGrp="1"/>
+          </p:cNvSpPr>
+          <p:nvPr>
+            <p:ph idx="1"/>
+          </p:nvPr>
+        </p:nvSpPr>
+        <p:spPr>
+          <a:xfrm>
+            <a:off x="504000" y="1148994"/>
+            <a:ext cx="7810500" cy="4703166"/>
+          </a:xfrm>
+        </p:spPr>
+        <p:txBody>
+          <a:bodyPr/>
+          <a:lstStyle/>
+          <a:p>
+            <a:pPr marL="342900" indent="-342900">
+              <a:buFont typeface="Arial" panose="020B0604020202020204" pitchFamily="34" charset="0"/>
+              <a:buChar char="•"/>
+            </a:pPr>
+            <a:r>
+              <a:rPr lang="en-GB" sz="1600" dirty="0"/>
+              <a:t>To boost flight test productivity </a:t>
+            </a:r>
+          </a:p>
+          <a:p>
+            <a:pPr marL="342900" indent="-342900">
+              <a:buFont typeface="Arial" panose="020B0604020202020204" pitchFamily="34" charset="0"/>
+              <a:buChar char="•"/>
+            </a:pPr>
+            <a:endParaRPr lang="en-GB" sz="1600" dirty="0"/>
+          </a:p>
+          <a:p>
+            <a:pPr marL="342900" indent="-342900">
+              <a:buFont typeface="Arial" panose="020B0604020202020204" pitchFamily="34" charset="0"/>
+              <a:buChar char="•"/>
+            </a:pPr>
+            <a:r>
+              <a:rPr lang="en-GB" sz="1600" dirty="0"/>
+              <a:t>Structure issues problems seem to be solved with P3, time to assess the handling qualities</a:t>
+            </a:r>
+          </a:p>
+          <a:p>
+            <a:pPr marL="342900" indent="-342900">
+              <a:buFont typeface="Arial" panose="020B0604020202020204" pitchFamily="34" charset="0"/>
+              <a:buChar char="•"/>
+            </a:pPr>
+            <a:endParaRPr lang="en-GB" sz="1600" dirty="0"/>
+          </a:p>
+          <a:p>
+            <a:pPr marL="342900" indent="-342900">
+              <a:buFont typeface="Arial" panose="020B0604020202020204" pitchFamily="34" charset="0"/>
+              <a:buChar char="•"/>
+            </a:pPr>
+            <a:r>
+              <a:rPr lang="en-US" sz="1600" dirty="0"/>
+              <a:t>Surely it will be need for PS4 and further developments after TC</a:t>
+            </a:r>
+          </a:p>
+          <a:p>
+            <a:pPr marL="342900" indent="-342900">
+              <a:buFont typeface="Arial" panose="020B0604020202020204" pitchFamily="34" charset="0"/>
+              <a:buChar char="•"/>
+            </a:pPr>
+            <a:endParaRPr lang="en-US" sz="1600" dirty="0"/>
+          </a:p>
+          <a:p>
+            <a:pPr marL="342900" indent="-342900">
+              <a:buFont typeface="Arial" panose="020B0604020202020204" pitchFamily="34" charset="0"/>
+              <a:buChar char="•"/>
+            </a:pPr>
+            <a:r>
+              <a:rPr lang="en-GB" sz="1600" dirty="0"/>
+              <a:t>Every big H/C DOA does it</a:t>
+            </a:r>
+          </a:p>
+          <a:p>
+            <a:pPr marL="342900" indent="-342900">
+              <a:buFont typeface="Arial" panose="020B0604020202020204" pitchFamily="34" charset="0"/>
+              <a:buChar char="•"/>
+            </a:pPr>
+            <a:endParaRPr lang="en-GB" sz="1600" dirty="0"/>
+          </a:p>
+          <a:p>
+            <a:pPr marL="342900" indent="-342900">
+              <a:buFont typeface="Arial" panose="020B0604020202020204" pitchFamily="34" charset="0"/>
+              <a:buChar char="•"/>
+            </a:pPr>
+            <a:r>
+              <a:rPr lang="en-GB" sz="1600" dirty="0"/>
+              <a:t>System</a:t>
+            </a:r>
+            <a:r>
+              <a:rPr lang="en-US" sz="1600" dirty="0"/>
+              <a:t> ID takes time and money – but not nearly as much as not doing it</a:t>
+            </a:r>
           </a:p>
         </p:txBody>
       </p:sp>
@@ -4895,145 +5231,10 @@
           </a:p>
         </p:txBody>
       </p:sp>
-      <p:sp>
-        <p:nvSpPr>
-          <p:cNvPr id="8" name="Content Placeholder 2">
-            <a:extLst>
-              <a:ext uri="{FF2B5EF4-FFF2-40B4-BE49-F238E27FC236}">
-                <a16:creationId xmlns:a16="http://schemas.microsoft.com/office/drawing/2014/main" id="{C19AF051-9B1E-C04B-A28B-18DE801F3709}"/>
-              </a:ext>
-            </a:extLst>
-          </p:cNvPr>
-          <p:cNvSpPr>
-            <a:spLocks noGrp="1"/>
-          </p:cNvSpPr>
-          <p:nvPr>
-            <p:ph idx="1"/>
-          </p:nvPr>
-        </p:nvSpPr>
-        <p:spPr>
-          <a:xfrm>
-            <a:off x="868461" y="1634329"/>
-            <a:ext cx="4400550" cy="3882980"/>
-          </a:xfrm>
-        </p:spPr>
-        <p:txBody>
-          <a:bodyPr/>
-          <a:lstStyle/>
-          <a:p>
-            <a:pPr marL="342900" indent="-342900">
-              <a:buFont typeface="Arial" panose="020B0604020202020204" pitchFamily="34" charset="0"/>
-              <a:buChar char="•"/>
-            </a:pPr>
-            <a:r>
-              <a:rPr lang="en-GB" dirty="0" smtClean="0"/>
-              <a:t>Already available</a:t>
-            </a:r>
-          </a:p>
-          <a:p>
-            <a:pPr marL="342900" indent="-342900">
-              <a:buFont typeface="Arial" panose="020B0604020202020204" pitchFamily="34" charset="0"/>
-              <a:buChar char="•"/>
-            </a:pPr>
-            <a:endParaRPr lang="en-GB" dirty="0" smtClean="0"/>
-          </a:p>
-          <a:p>
-            <a:pPr marL="342900" indent="-342900">
-              <a:buFont typeface="Arial" panose="020B0604020202020204" pitchFamily="34" charset="0"/>
-              <a:buChar char="•"/>
-            </a:pPr>
-            <a:r>
-              <a:rPr lang="en-GB" dirty="0" smtClean="0"/>
-              <a:t>No development time needed</a:t>
-            </a:r>
-          </a:p>
-          <a:p>
-            <a:pPr marL="342900" indent="-342900">
-              <a:buFont typeface="Arial" panose="020B0604020202020204" pitchFamily="34" charset="0"/>
-              <a:buChar char="•"/>
-            </a:pPr>
-            <a:endParaRPr lang="en-GB" dirty="0"/>
-          </a:p>
-          <a:p>
-            <a:pPr marL="342900" indent="-342900">
-              <a:buFont typeface="Arial" panose="020B0604020202020204" pitchFamily="34" charset="0"/>
-              <a:buChar char="•"/>
-            </a:pPr>
-            <a:r>
-              <a:rPr lang="en-GB" dirty="0" smtClean="0"/>
-              <a:t>Proven industry suitable software</a:t>
-            </a:r>
-          </a:p>
-          <a:p>
-            <a:pPr marL="342900" indent="-342900">
-              <a:buFont typeface="Arial" panose="020B0604020202020204" pitchFamily="34" charset="0"/>
-              <a:buChar char="•"/>
-            </a:pPr>
-            <a:endParaRPr lang="en-GB" dirty="0"/>
-          </a:p>
-          <a:p>
-            <a:pPr marL="342900" indent="-342900">
-              <a:buFont typeface="Arial" panose="020B0604020202020204" pitchFamily="34" charset="0"/>
-              <a:buChar char="•"/>
-            </a:pPr>
-            <a:r>
-              <a:rPr lang="en-GB" dirty="0" smtClean="0"/>
-              <a:t>Further ways:</a:t>
-            </a:r>
-          </a:p>
-          <a:p>
-            <a:pPr marL="451512" lvl="2" indent="-342900">
-              <a:buFont typeface="Arial" panose="020B0604020202020204" pitchFamily="34" charset="0"/>
-              <a:buChar char="•"/>
-            </a:pPr>
-            <a:endParaRPr lang="en-GB" dirty="0" smtClean="0"/>
-          </a:p>
-          <a:p>
-            <a:pPr marL="451512" lvl="2" indent="-342900">
-              <a:buFont typeface="Arial" panose="020B0604020202020204" pitchFamily="34" charset="0"/>
-              <a:buChar char="•"/>
-            </a:pPr>
-            <a:r>
-              <a:rPr lang="en-GB" dirty="0" smtClean="0"/>
-              <a:t>Python implementation</a:t>
-            </a:r>
-          </a:p>
-          <a:p>
-            <a:pPr marL="0" indent="0">
-              <a:buNone/>
-            </a:pPr>
-            <a:endParaRPr lang="en-GB" dirty="0"/>
-          </a:p>
-        </p:txBody>
-      </p:sp>
-      <p:pic>
-        <p:nvPicPr>
-          <p:cNvPr id="9" name="Picture 8"/>
-          <p:cNvPicPr>
-            <a:picLocks noChangeAspect="1"/>
-          </p:cNvPicPr>
-          <p:nvPr/>
-        </p:nvPicPr>
-        <p:blipFill>
-          <a:blip r:embed="rId2"/>
-          <a:stretch>
-            <a:fillRect/>
-          </a:stretch>
-        </p:blipFill>
-        <p:spPr>
-          <a:xfrm>
-            <a:off x="5521675" y="1804035"/>
-            <a:ext cx="3011936" cy="3964966"/>
-          </a:xfrm>
-          <a:prstGeom prst="rect">
-            <a:avLst/>
-          </a:prstGeom>
-        </p:spPr>
-      </p:pic>
     </p:spTree>
     <p:extLst>
       <p:ext uri="{BB962C8B-B14F-4D97-AF65-F5344CB8AC3E}">
-        <p14:creationId xmlns:p14="http://schemas.microsoft.com/office/powerpoint/2010/main" val="2734948036"/>
+        <p14:creationId xmlns:p14="http://schemas.microsoft.com/office/powerpoint/2010/main" val="2756699653"/>
       </p:ext>
     </p:extLst>
   </p:cSld>
@@ -5311,9 +5512,131 @@
           <a:lstStyle/>
           <a:p>
             <a:r>
-              <a:rPr lang="en-GB" dirty="0" smtClean="0"/>
-              <a:t>Tools</a:t>
-            </a:r>
+              <a:rPr lang="en-GB" dirty="0"/>
+              <a:t>Why I can be the one doing this?</a:t>
+            </a:r>
+          </a:p>
+        </p:txBody>
+      </p:sp>
+      <p:sp>
+        <p:nvSpPr>
+          <p:cNvPr id="3" name="Content Placeholder 2">
+            <a:extLst>
+              <a:ext uri="{FF2B5EF4-FFF2-40B4-BE49-F238E27FC236}">
+                <a16:creationId xmlns:a16="http://schemas.microsoft.com/office/drawing/2014/main" id="{C19AF051-9B1E-C04B-A28B-18DE801F3709}"/>
+              </a:ext>
+            </a:extLst>
+          </p:cNvPr>
+          <p:cNvSpPr>
+            <a:spLocks noGrp="1"/>
+          </p:cNvSpPr>
+          <p:nvPr>
+            <p:ph idx="1"/>
+          </p:nvPr>
+        </p:nvSpPr>
+        <p:spPr>
+          <a:xfrm>
+            <a:off x="504000" y="1148993"/>
+            <a:ext cx="7810500" cy="4576557"/>
+          </a:xfrm>
+        </p:spPr>
+        <p:txBody>
+          <a:bodyPr/>
+          <a:lstStyle/>
+          <a:p>
+            <a:pPr marL="0" indent="0">
+              <a:buNone/>
+            </a:pPr>
+            <a:r>
+              <a:rPr lang="en-GB" u="sng" dirty="0"/>
+              <a:t>Dilemma, won’t hide it</a:t>
+            </a:r>
+          </a:p>
+          <a:p>
+            <a:pPr marL="0" indent="0">
+              <a:buNone/>
+            </a:pPr>
+            <a:endParaRPr lang="en-GB" dirty="0"/>
+          </a:p>
+          <a:p>
+            <a:pPr marL="0" indent="0">
+              <a:buNone/>
+            </a:pPr>
+            <a:r>
+              <a:rPr lang="en-GB" dirty="0"/>
+              <a:t>Inexperience industrial &lt;-&gt; Passion</a:t>
+            </a:r>
+          </a:p>
+          <a:p>
+            <a:pPr marL="0" indent="0">
+              <a:buNone/>
+            </a:pPr>
+            <a:r>
+              <a:rPr lang="en-GB" sz="1400" dirty="0"/>
+              <a:t>(but yes with System ID)</a:t>
+            </a:r>
+            <a:endParaRPr lang="en-GB" dirty="0"/>
+          </a:p>
+          <a:p>
+            <a:pPr marL="0" indent="0">
+              <a:buNone/>
+            </a:pPr>
+            <a:endParaRPr lang="en-GB" dirty="0"/>
+          </a:p>
+          <a:p>
+            <a:pPr marL="0" indent="0">
+              <a:buNone/>
+            </a:pPr>
+            <a:r>
+              <a:rPr lang="en-GB" dirty="0" err="1"/>
+              <a:t>Kopter</a:t>
+            </a:r>
+            <a:r>
+              <a:rPr lang="en-GB" dirty="0"/>
+              <a:t> experience</a:t>
+            </a:r>
+          </a:p>
+          <a:p>
+            <a:pPr marL="0" indent="0">
+              <a:buNone/>
+            </a:pPr>
+            <a:endParaRPr lang="en-GB" dirty="0"/>
+          </a:p>
+          <a:p>
+            <a:pPr marL="0" indent="0">
+              <a:buNone/>
+            </a:pPr>
+            <a:r>
+              <a:rPr lang="en-GB" dirty="0"/>
+              <a:t>Data analysis experience</a:t>
+            </a:r>
+          </a:p>
+          <a:p>
+            <a:pPr marL="306900" lvl="4" indent="-342900"/>
+            <a:r>
+              <a:rPr lang="en-GB" dirty="0"/>
+              <a:t>Python </a:t>
+            </a:r>
+          </a:p>
+          <a:p>
+            <a:pPr marL="306900" lvl="4" indent="-342900"/>
+            <a:r>
+              <a:rPr lang="en-GB" dirty="0" err="1"/>
+              <a:t>Matlab</a:t>
+            </a:r>
+            <a:endParaRPr lang="en-GB" dirty="0"/>
+          </a:p>
+          <a:p>
+            <a:pPr marL="306900" lvl="4" indent="-342900"/>
+            <a:r>
+              <a:rPr lang="en-GB" dirty="0"/>
+              <a:t>Data analysis and machine learning techniques</a:t>
+            </a:r>
+          </a:p>
+          <a:p>
+            <a:pPr marL="0" indent="0">
+              <a:buNone/>
+            </a:pPr>
             <a:endParaRPr lang="en-GB" dirty="0"/>
           </a:p>
         </p:txBody>
@@ -5401,70 +5724,10 @@
           </a:p>
         </p:txBody>
       </p:sp>
-      <p:sp>
-        <p:nvSpPr>
-          <p:cNvPr id="10" name="Content Placeholder 2">
-            <a:extLst>
-              <a:ext uri="{FF2B5EF4-FFF2-40B4-BE49-F238E27FC236}">
-                <a16:creationId xmlns:a16="http://schemas.microsoft.com/office/drawing/2014/main" id="{C19AF051-9B1E-C04B-A28B-18DE801F3709}"/>
-              </a:ext>
-            </a:extLst>
-          </p:cNvPr>
-          <p:cNvSpPr>
-            <a:spLocks noGrp="1"/>
-          </p:cNvSpPr>
-          <p:nvPr>
-            <p:ph idx="1"/>
-          </p:nvPr>
-        </p:nvSpPr>
-        <p:spPr>
-          <a:xfrm>
-            <a:off x="504000" y="1148993"/>
-            <a:ext cx="7810500" cy="4576557"/>
-          </a:xfrm>
-        </p:spPr>
-        <p:txBody>
-          <a:bodyPr/>
-          <a:lstStyle/>
-          <a:p>
-            <a:pPr marL="0" indent="0">
-              <a:buNone/>
-            </a:pPr>
-            <a:r>
-              <a:rPr lang="en-GB" dirty="0"/>
-              <a:t>Give those </a:t>
-            </a:r>
-            <a:r>
-              <a:rPr lang="en-GB" dirty="0" err="1"/>
-              <a:t>F_aero</a:t>
-            </a:r>
-            <a:r>
-              <a:rPr lang="en-GB" dirty="0"/>
-              <a:t> and </a:t>
-            </a:r>
-            <a:r>
-              <a:rPr lang="en-GB" dirty="0" err="1"/>
-              <a:t>M_aero</a:t>
-            </a:r>
-            <a:r>
-              <a:rPr lang="en-GB" dirty="0"/>
-              <a:t> to Nico and the guys from Flight Physics to validate </a:t>
-            </a:r>
-            <a:r>
-              <a:rPr lang="en-GB" dirty="0" err="1"/>
-              <a:t>FlightLab</a:t>
-            </a:r>
-            <a:r>
-              <a:rPr lang="en-GB" dirty="0"/>
-              <a:t> model when trying to predict dynamic behaviour of the system</a:t>
-            </a:r>
-          </a:p>
-        </p:txBody>
-      </p:sp>
     </p:spTree>
     <p:extLst>
       <p:ext uri="{BB962C8B-B14F-4D97-AF65-F5344CB8AC3E}">
-        <p14:creationId xmlns:p14="http://schemas.microsoft.com/office/powerpoint/2010/main" val="1100741161"/>
+        <p14:creationId xmlns:p14="http://schemas.microsoft.com/office/powerpoint/2010/main" val="913613804"/>
       </p:ext>
     </p:extLst>
   </p:cSld>
@@ -5733,70 +5996,8 @@
           <a:p>
             <a:r>
               <a:rPr lang="en-GB" dirty="0"/>
-              <a:t>Why to do this?</a:t>
-            </a:r>
-          </a:p>
-        </p:txBody>
-      </p:sp>
-      <p:sp>
-        <p:nvSpPr>
-          <p:cNvPr id="3" name="Content Placeholder 2">
-            <a:extLst>
-              <a:ext uri="{FF2B5EF4-FFF2-40B4-BE49-F238E27FC236}">
-                <a16:creationId xmlns:a16="http://schemas.microsoft.com/office/drawing/2014/main" id="{C19AF051-9B1E-C04B-A28B-18DE801F3709}"/>
-              </a:ext>
-            </a:extLst>
-          </p:cNvPr>
-          <p:cNvSpPr>
-            <a:spLocks noGrp="1"/>
-          </p:cNvSpPr>
-          <p:nvPr>
-            <p:ph idx="1"/>
-          </p:nvPr>
-        </p:nvSpPr>
-        <p:spPr>
-          <a:xfrm>
-            <a:off x="504000" y="1148993"/>
-            <a:ext cx="7810500" cy="4576557"/>
-          </a:xfrm>
-        </p:spPr>
-        <p:txBody>
-          <a:bodyPr/>
-          <a:lstStyle/>
-          <a:p>
-            <a:r>
-              <a:rPr lang="en-US" sz="1600" dirty="0"/>
-              <a:t>Aircraft stability and control derivatives obtained from this process allow:</a:t>
-            </a:r>
-          </a:p>
-          <a:p>
-            <a:r>
-              <a:rPr lang="en-GB" sz="1600" dirty="0"/>
-              <a:t>1. Handling qualities evaluation</a:t>
-            </a:r>
-          </a:p>
-          <a:p>
-            <a:r>
-              <a:rPr lang="en-US" sz="1600" dirty="0"/>
-              <a:t>2. Data correlation for confidence in test techniques</a:t>
-            </a:r>
-          </a:p>
-          <a:p>
-            <a:r>
-              <a:rPr lang="en-US" sz="1600" dirty="0"/>
-              <a:t>3. Data generation for flight simulation</a:t>
-            </a:r>
-          </a:p>
-          <a:p>
-            <a:r>
-              <a:rPr lang="en-US" sz="1600" dirty="0"/>
-              <a:t>4. Flight control system design and </a:t>
-            </a:r>
-            <a:r>
-              <a:rPr lang="en-US" sz="1600" dirty="0" err="1"/>
-              <a:t>optimisation</a:t>
-            </a:r>
-            <a:endParaRPr lang="en-GB" sz="1600" dirty="0"/>
+              <a:t>Problems in Aircraft Dynamics</a:t>
+            </a:r>
           </a:p>
         </p:txBody>
       </p:sp>
@@ -5883,10 +6084,537 @@
           </a:p>
         </p:txBody>
       </p:sp>
+      <p:grpSp>
+        <p:nvGrpSpPr>
+          <p:cNvPr id="16" name="Group 15"/>
+          <p:cNvGrpSpPr/>
+          <p:nvPr/>
+        </p:nvGrpSpPr>
+        <p:grpSpPr>
+          <a:xfrm>
+            <a:off x="1276415" y="2041539"/>
+            <a:ext cx="6623258" cy="2394485"/>
+            <a:chOff x="1232773" y="2271396"/>
+            <a:chExt cx="6623258" cy="2394485"/>
+          </a:xfrm>
+        </p:grpSpPr>
+        <p:sp>
+          <p:nvSpPr>
+            <p:cNvPr id="3" name="TextBox 2"/>
+            <p:cNvSpPr txBox="1"/>
+            <p:nvPr/>
+          </p:nvSpPr>
+          <p:spPr>
+            <a:xfrm>
+              <a:off x="1496102" y="3745246"/>
+              <a:ext cx="921715" cy="446227"/>
+            </a:xfrm>
+            <a:prstGeom prst="rect">
+              <a:avLst/>
+            </a:prstGeom>
+            <a:noFill/>
+          </p:spPr>
+          <p:txBody>
+            <a:bodyPr wrap="square" lIns="0" tIns="0" rIns="0" bIns="0" rtlCol="0">
+              <a:noAutofit/>
+            </a:bodyPr>
+            <a:lstStyle/>
+            <a:p>
+              <a:pPr algn="ctr"/>
+              <a:r>
+                <a:rPr lang="en-GB" b="0" i="0" dirty="0">
+                  <a:latin typeface="Suisse Int'l" panose="020B0504000000000000" pitchFamily="34" charset="77"/>
+                </a:rPr>
+                <a:t>Input, </a:t>
+              </a:r>
+              <a:r>
+                <a:rPr lang="en-GB" b="0" i="1" dirty="0">
+                  <a:latin typeface="Suisse Int'l" panose="020B0504000000000000" pitchFamily="34" charset="77"/>
+                </a:rPr>
+                <a:t>u</a:t>
+              </a:r>
+            </a:p>
+          </p:txBody>
+        </p:sp>
+        <p:pic>
+          <p:nvPicPr>
+            <p:cNvPr id="6" name="Picture 5"/>
+            <p:cNvPicPr>
+              <a:picLocks noChangeAspect="1"/>
+            </p:cNvPicPr>
+            <p:nvPr/>
+          </p:nvPicPr>
+          <p:blipFill rotWithShape="1">
+            <a:blip r:embed="rId2" cstate="print">
+              <a:extLst>
+                <a:ext uri="{28A0092B-C50C-407E-A947-70E740481C1C}">
+                  <a14:useLocalDpi xmlns:a14="http://schemas.microsoft.com/office/drawing/2010/main" val="0"/>
+                </a:ext>
+              </a:extLst>
+            </a:blip>
+            <a:srcRect l="8896" t="9965" r="7249" b="6180"/>
+            <a:stretch/>
+          </p:blipFill>
+          <p:spPr>
+            <a:xfrm>
+              <a:off x="3072383" y="2271396"/>
+              <a:ext cx="2618843" cy="1747449"/>
+            </a:xfrm>
+            <a:prstGeom prst="rect">
+              <a:avLst/>
+            </a:prstGeom>
+            <a:ln w="28575">
+              <a:solidFill>
+                <a:schemeClr val="tx1"/>
+              </a:solidFill>
+            </a:ln>
+          </p:spPr>
+        </p:pic>
+        <p:sp>
+          <p:nvSpPr>
+            <p:cNvPr id="9" name="TextBox 8"/>
+            <p:cNvSpPr txBox="1"/>
+            <p:nvPr/>
+          </p:nvSpPr>
+          <p:spPr>
+            <a:xfrm>
+              <a:off x="3800246" y="4219654"/>
+              <a:ext cx="1163115" cy="446227"/>
+            </a:xfrm>
+            <a:prstGeom prst="rect">
+              <a:avLst/>
+            </a:prstGeom>
+            <a:noFill/>
+          </p:spPr>
+          <p:txBody>
+            <a:bodyPr wrap="square" lIns="0" tIns="0" rIns="0" bIns="0" rtlCol="0">
+              <a:noAutofit/>
+            </a:bodyPr>
+            <a:lstStyle/>
+            <a:p>
+              <a:pPr algn="l"/>
+              <a:r>
+                <a:rPr lang="en-GB" dirty="0">
+                  <a:latin typeface="Suisse Int'l" panose="020B0504000000000000" pitchFamily="34" charset="77"/>
+                </a:rPr>
+                <a:t>System</a:t>
+              </a:r>
+              <a:r>
+                <a:rPr lang="en-GB" b="0" i="0" dirty="0">
+                  <a:latin typeface="Suisse Int'l" panose="020B0504000000000000" pitchFamily="34" charset="77"/>
+                </a:rPr>
+                <a:t>, </a:t>
+              </a:r>
+              <a:r>
+                <a:rPr lang="en-GB" i="1" dirty="0">
+                  <a:latin typeface="Suisse Int'l" panose="020B0504000000000000" pitchFamily="34" charset="77"/>
+                </a:rPr>
+                <a:t>S</a:t>
+              </a:r>
+              <a:endParaRPr lang="en-GB" b="0" i="1" dirty="0">
+                <a:latin typeface="Suisse Int'l" panose="020B0504000000000000" pitchFamily="34" charset="77"/>
+              </a:endParaRPr>
+            </a:p>
+          </p:txBody>
+        </p:sp>
+        <p:pic>
+          <p:nvPicPr>
+            <p:cNvPr id="8" name="Picture 7"/>
+            <p:cNvPicPr>
+              <a:picLocks noChangeAspect="1"/>
+            </p:cNvPicPr>
+            <p:nvPr/>
+          </p:nvPicPr>
+          <p:blipFill>
+            <a:blip r:embed="rId3"/>
+            <a:stretch>
+              <a:fillRect/>
+            </a:stretch>
+          </p:blipFill>
+          <p:spPr>
+            <a:xfrm>
+              <a:off x="1232773" y="2471390"/>
+              <a:ext cx="1437473" cy="913594"/>
+            </a:xfrm>
+            <a:prstGeom prst="rect">
+              <a:avLst/>
+            </a:prstGeom>
+          </p:spPr>
+        </p:pic>
+        <p:pic>
+          <p:nvPicPr>
+            <p:cNvPr id="11" name="Picture 10"/>
+            <p:cNvPicPr>
+              <a:picLocks noChangeAspect="1"/>
+            </p:cNvPicPr>
+            <p:nvPr/>
+          </p:nvPicPr>
+          <p:blipFill>
+            <a:blip r:embed="rId4"/>
+            <a:stretch>
+              <a:fillRect/>
+            </a:stretch>
+          </p:blipFill>
+          <p:spPr>
+            <a:xfrm>
+              <a:off x="6324792" y="2433862"/>
+              <a:ext cx="1531239" cy="951122"/>
+            </a:xfrm>
+            <a:prstGeom prst="rect">
+              <a:avLst/>
+            </a:prstGeom>
+          </p:spPr>
+        </p:pic>
+        <p:sp>
+          <p:nvSpPr>
+            <p:cNvPr id="12" name="TextBox 11"/>
+            <p:cNvSpPr txBox="1"/>
+            <p:nvPr/>
+          </p:nvSpPr>
+          <p:spPr>
+            <a:xfrm>
+              <a:off x="6568759" y="3750265"/>
+              <a:ext cx="1043307" cy="446227"/>
+            </a:xfrm>
+            <a:prstGeom prst="rect">
+              <a:avLst/>
+            </a:prstGeom>
+            <a:noFill/>
+          </p:spPr>
+          <p:txBody>
+            <a:bodyPr wrap="square" lIns="0" tIns="0" rIns="0" bIns="0" rtlCol="0">
+              <a:noAutofit/>
+            </a:bodyPr>
+            <a:lstStyle/>
+            <a:p>
+              <a:pPr algn="ctr"/>
+              <a:r>
+                <a:rPr lang="en-GB" b="0" i="0" dirty="0">
+                  <a:latin typeface="Suisse Int'l" panose="020B0504000000000000" pitchFamily="34" charset="77"/>
+                </a:rPr>
+                <a:t>Output, z</a:t>
+              </a:r>
+              <a:endParaRPr lang="en-GB" b="0" i="1" dirty="0">
+                <a:latin typeface="Suisse Int'l" panose="020B0504000000000000" pitchFamily="34" charset="77"/>
+              </a:endParaRPr>
+            </a:p>
+          </p:txBody>
+        </p:sp>
+        <p:cxnSp>
+          <p:nvCxnSpPr>
+            <p:cNvPr id="14" name="Straight Arrow Connector 13"/>
+            <p:cNvCxnSpPr/>
+            <p:nvPr/>
+          </p:nvCxnSpPr>
+          <p:spPr>
+            <a:xfrm>
+              <a:off x="1232773" y="3584448"/>
+              <a:ext cx="1495797" cy="0"/>
+            </a:xfrm>
+            <a:prstGeom prst="straightConnector1">
+              <a:avLst/>
+            </a:prstGeom>
+            <a:ln w="57150">
+              <a:solidFill>
+                <a:schemeClr val="tx2">
+                  <a:lumMod val="75000"/>
+                </a:schemeClr>
+              </a:solidFill>
+              <a:tailEnd type="triangle"/>
+            </a:ln>
+          </p:spPr>
+          <p:style>
+            <a:lnRef idx="1">
+              <a:schemeClr val="accent1"/>
+            </a:lnRef>
+            <a:fillRef idx="0">
+              <a:schemeClr val="accent1"/>
+            </a:fillRef>
+            <a:effectRef idx="0">
+              <a:schemeClr val="accent1"/>
+            </a:effectRef>
+            <a:fontRef idx="minor">
+              <a:schemeClr val="tx1"/>
+            </a:fontRef>
+          </p:style>
+        </p:cxnSp>
+        <p:cxnSp>
+          <p:nvCxnSpPr>
+            <p:cNvPr id="15" name="Straight Arrow Connector 14"/>
+            <p:cNvCxnSpPr/>
+            <p:nvPr/>
+          </p:nvCxnSpPr>
+          <p:spPr>
+            <a:xfrm>
+              <a:off x="6334506" y="3584448"/>
+              <a:ext cx="1495797" cy="0"/>
+            </a:xfrm>
+            <a:prstGeom prst="straightConnector1">
+              <a:avLst/>
+            </a:prstGeom>
+            <a:ln w="57150">
+              <a:solidFill>
+                <a:schemeClr val="tx2">
+                  <a:lumMod val="75000"/>
+                </a:schemeClr>
+              </a:solidFill>
+              <a:tailEnd type="triangle"/>
+            </a:ln>
+          </p:spPr>
+          <p:style>
+            <a:lnRef idx="1">
+              <a:schemeClr val="accent1"/>
+            </a:lnRef>
+            <a:fillRef idx="0">
+              <a:schemeClr val="accent1"/>
+            </a:fillRef>
+            <a:effectRef idx="0">
+              <a:schemeClr val="accent1"/>
+            </a:effectRef>
+            <a:fontRef idx="minor">
+              <a:schemeClr val="tx1"/>
+            </a:fontRef>
+          </p:style>
+        </p:cxnSp>
+      </p:grpSp>
+      <p:grpSp>
+        <p:nvGrpSpPr>
+          <p:cNvPr id="20" name="Group 19"/>
+          <p:cNvGrpSpPr/>
+          <p:nvPr/>
+        </p:nvGrpSpPr>
+        <p:grpSpPr>
+          <a:xfrm>
+            <a:off x="2385060" y="4698845"/>
+            <a:ext cx="3813973" cy="1088405"/>
+            <a:chOff x="2177089" y="4675010"/>
+            <a:chExt cx="4489645" cy="1088405"/>
+          </a:xfrm>
+        </p:grpSpPr>
+        <p:sp>
+          <p:nvSpPr>
+            <p:cNvPr id="17" name="TextBox 16"/>
+            <p:cNvSpPr txBox="1"/>
+            <p:nvPr/>
+          </p:nvSpPr>
+          <p:spPr>
+            <a:xfrm>
+              <a:off x="2177089" y="4675010"/>
+              <a:ext cx="4489645" cy="344094"/>
+            </a:xfrm>
+            <a:prstGeom prst="rect">
+              <a:avLst/>
+            </a:prstGeom>
+            <a:noFill/>
+          </p:spPr>
+          <p:txBody>
+            <a:bodyPr wrap="square" lIns="0" tIns="0" rIns="0" bIns="0" rtlCol="0">
+              <a:noAutofit/>
+            </a:bodyPr>
+            <a:lstStyle/>
+            <a:p>
+              <a:pPr algn="r"/>
+              <a:r>
+                <a:rPr lang="en-GB" b="0" i="0" dirty="0">
+                  <a:solidFill>
+                    <a:schemeClr val="accent2">
+                      <a:lumMod val="75000"/>
+                    </a:schemeClr>
+                  </a:solidFill>
+                  <a:latin typeface="Suisse Int'l" panose="020B0504000000000000" pitchFamily="34" charset="77"/>
+                </a:rPr>
+                <a:t>Simulation</a:t>
+              </a:r>
+              <a:r>
+                <a:rPr lang="en-GB" b="0" i="0" dirty="0">
+                  <a:latin typeface="Suisse Int'l" panose="020B0504000000000000" pitchFamily="34" charset="77"/>
+                </a:rPr>
+                <a:t>: Given </a:t>
+              </a:r>
+              <a:r>
+                <a:rPr lang="en-GB" i="1" dirty="0">
+                  <a:latin typeface="Suisse Int'l" panose="020B0504000000000000" pitchFamily="34" charset="77"/>
+                </a:rPr>
+                <a:t>u</a:t>
+              </a:r>
+              <a:r>
+                <a:rPr lang="en-GB" b="0" i="0" dirty="0">
+                  <a:latin typeface="Suisse Int'l" panose="020B0504000000000000" pitchFamily="34" charset="77"/>
+                </a:rPr>
+                <a:t> and </a:t>
+              </a:r>
+              <a:r>
+                <a:rPr lang="en-GB" b="0" i="1" dirty="0">
+                  <a:latin typeface="Suisse Int'l" panose="020B0504000000000000" pitchFamily="34" charset="77"/>
+                </a:rPr>
+                <a:t>S</a:t>
+              </a:r>
+              <a:r>
+                <a:rPr lang="en-GB" b="0" i="0" dirty="0">
+                  <a:latin typeface="Suisse Int'l" panose="020B0504000000000000" pitchFamily="34" charset="77"/>
+                </a:rPr>
+                <a:t>, find z</a:t>
+              </a:r>
+              <a:endParaRPr lang="en-GB" b="0" i="1" dirty="0">
+                <a:latin typeface="Suisse Int'l" panose="020B0504000000000000" pitchFamily="34" charset="77"/>
+              </a:endParaRPr>
+            </a:p>
+          </p:txBody>
+        </p:sp>
+        <p:sp>
+          <p:nvSpPr>
+            <p:cNvPr id="18" name="TextBox 17"/>
+            <p:cNvSpPr txBox="1"/>
+            <p:nvPr/>
+          </p:nvSpPr>
+          <p:spPr>
+            <a:xfrm>
+              <a:off x="2177089" y="5047165"/>
+              <a:ext cx="4489645" cy="344094"/>
+            </a:xfrm>
+            <a:prstGeom prst="rect">
+              <a:avLst/>
+            </a:prstGeom>
+            <a:noFill/>
+          </p:spPr>
+          <p:txBody>
+            <a:bodyPr wrap="square" lIns="0" tIns="0" rIns="0" bIns="0" rtlCol="0">
+              <a:noAutofit/>
+            </a:bodyPr>
+            <a:lstStyle/>
+            <a:p>
+              <a:pPr algn="r"/>
+              <a:r>
+                <a:rPr lang="en-GB" b="0" i="0" dirty="0">
+                  <a:solidFill>
+                    <a:schemeClr val="accent2">
+                      <a:lumMod val="75000"/>
+                    </a:schemeClr>
+                  </a:solidFill>
+                  <a:latin typeface="Suisse Int'l" panose="020B0504000000000000" pitchFamily="34" charset="77"/>
+                </a:rPr>
+                <a:t>Control</a:t>
+              </a:r>
+              <a:r>
+                <a:rPr lang="en-GB" b="0" i="0" dirty="0">
+                  <a:latin typeface="Suisse Int'l" panose="020B0504000000000000" pitchFamily="34" charset="77"/>
+                </a:rPr>
+                <a:t>: Given </a:t>
+              </a:r>
+              <a:r>
+                <a:rPr lang="en-GB" i="1" dirty="0">
+                  <a:latin typeface="Suisse Int'l" panose="020B0504000000000000" pitchFamily="34" charset="77"/>
+                </a:rPr>
+                <a:t>z</a:t>
+              </a:r>
+              <a:r>
+                <a:rPr lang="en-GB" b="0" i="0" dirty="0">
+                  <a:latin typeface="Suisse Int'l" panose="020B0504000000000000" pitchFamily="34" charset="77"/>
+                </a:rPr>
+                <a:t> and </a:t>
+              </a:r>
+              <a:r>
+                <a:rPr lang="en-GB" i="1" dirty="0">
+                  <a:latin typeface="Suisse Int'l" panose="020B0504000000000000" pitchFamily="34" charset="77"/>
+                </a:rPr>
+                <a:t>S</a:t>
+              </a:r>
+              <a:r>
+                <a:rPr lang="en-GB" b="0" i="0" dirty="0">
+                  <a:latin typeface="Suisse Int'l" panose="020B0504000000000000" pitchFamily="34" charset="77"/>
+                </a:rPr>
+                <a:t>, find </a:t>
+              </a:r>
+              <a:r>
+                <a:rPr lang="en-GB" i="1" dirty="0">
+                  <a:latin typeface="Suisse Int'l" panose="020B0504000000000000" pitchFamily="34" charset="77"/>
+                </a:rPr>
+                <a:t>u</a:t>
+              </a:r>
+              <a:endParaRPr lang="en-GB" b="0" i="1" dirty="0">
+                <a:latin typeface="Suisse Int'l" panose="020B0504000000000000" pitchFamily="34" charset="77"/>
+              </a:endParaRPr>
+            </a:p>
+          </p:txBody>
+        </p:sp>
+        <p:sp>
+          <p:nvSpPr>
+            <p:cNvPr id="19" name="TextBox 18"/>
+            <p:cNvSpPr txBox="1"/>
+            <p:nvPr/>
+          </p:nvSpPr>
+          <p:spPr>
+            <a:xfrm>
+              <a:off x="2177089" y="5419321"/>
+              <a:ext cx="4489645" cy="344094"/>
+            </a:xfrm>
+            <a:prstGeom prst="rect">
+              <a:avLst/>
+            </a:prstGeom>
+            <a:noFill/>
+          </p:spPr>
+          <p:txBody>
+            <a:bodyPr wrap="square" lIns="0" tIns="0" rIns="0" bIns="0" rtlCol="0">
+              <a:noAutofit/>
+            </a:bodyPr>
+            <a:lstStyle/>
+            <a:p>
+              <a:pPr algn="r"/>
+              <a:r>
+                <a:rPr lang="en-GB" b="0" i="0" u="sng" dirty="0">
+                  <a:solidFill>
+                    <a:schemeClr val="accent2">
+                      <a:lumMod val="75000"/>
+                    </a:schemeClr>
+                  </a:solidFill>
+                  <a:latin typeface="Suisse Int'l" panose="020B0504000000000000" pitchFamily="34" charset="77"/>
+                </a:rPr>
+                <a:t>Identification</a:t>
+              </a:r>
+              <a:r>
+                <a:rPr lang="en-GB" b="0" i="0" dirty="0">
+                  <a:latin typeface="Suisse Int'l" panose="020B0504000000000000" pitchFamily="34" charset="77"/>
+                </a:rPr>
+                <a:t>: Given </a:t>
+              </a:r>
+              <a:r>
+                <a:rPr lang="en-GB" b="0" i="1" dirty="0">
+                  <a:latin typeface="Suisse Int'l" panose="020B0504000000000000" pitchFamily="34" charset="77"/>
+                </a:rPr>
+                <a:t>z</a:t>
+              </a:r>
+              <a:r>
+                <a:rPr lang="en-GB" b="0" i="0" dirty="0">
+                  <a:latin typeface="Suisse Int'l" panose="020B0504000000000000" pitchFamily="34" charset="77"/>
+                </a:rPr>
+                <a:t> and </a:t>
+              </a:r>
+              <a:r>
+                <a:rPr lang="en-GB" b="0" i="1" dirty="0">
+                  <a:latin typeface="Suisse Int'l" panose="020B0504000000000000" pitchFamily="34" charset="77"/>
+                </a:rPr>
+                <a:t>u</a:t>
+              </a:r>
+              <a:r>
+                <a:rPr lang="en-GB" b="0" i="0" dirty="0">
+                  <a:latin typeface="Suisse Int'l" panose="020B0504000000000000" pitchFamily="34" charset="77"/>
+                </a:rPr>
+                <a:t>, find </a:t>
+              </a:r>
+              <a:r>
+                <a:rPr lang="en-GB" b="0" i="1" dirty="0">
+                  <a:latin typeface="Suisse Int'l" panose="020B0504000000000000" pitchFamily="34" charset="77"/>
+                </a:rPr>
+                <a:t>S</a:t>
+              </a:r>
+            </a:p>
+          </p:txBody>
+        </p:sp>
+      </p:grpSp>
     </p:spTree>
     <p:extLst>
       <p:ext uri="{BB962C8B-B14F-4D97-AF65-F5344CB8AC3E}">
-        <p14:creationId xmlns:p14="http://schemas.microsoft.com/office/powerpoint/2010/main" val="3233539809"/>
+        <p14:creationId xmlns:p14="http://schemas.microsoft.com/office/powerpoint/2010/main" val="3600795312"/>
       </p:ext>
     </p:extLst>
   </p:cSld>
@@ -5940,14 +6668,108 @@
           <a:lstStyle/>
           <a:p>
             <a:r>
-              <a:rPr lang="en-GB" dirty="0" smtClean="0"/>
-              <a:t>Proble</a:t>
-            </a:r>
-            <a:r>
-              <a:rPr lang="en-GB" dirty="0" smtClean="0"/>
-              <a:t>m overlook</a:t>
-            </a:r>
-            <a:endParaRPr lang="en-GB" dirty="0"/>
+              <a:rPr lang="en-GB" dirty="0"/>
+              <a:t>Motivations to the use System ID techniques</a:t>
+            </a:r>
+          </a:p>
+        </p:txBody>
+      </p:sp>
+      <p:sp>
+        <p:nvSpPr>
+          <p:cNvPr id="3" name="Content Placeholder 2">
+            <a:extLst>
+              <a:ext uri="{FF2B5EF4-FFF2-40B4-BE49-F238E27FC236}">
+                <a16:creationId xmlns:a16="http://schemas.microsoft.com/office/drawing/2014/main" id="{C19AF051-9B1E-C04B-A28B-18DE801F3709}"/>
+              </a:ext>
+            </a:extLst>
+          </p:cNvPr>
+          <p:cNvSpPr>
+            <a:spLocks noGrp="1"/>
+          </p:cNvSpPr>
+          <p:nvPr>
+            <p:ph idx="1"/>
+          </p:nvPr>
+        </p:nvSpPr>
+        <p:spPr>
+          <a:xfrm>
+            <a:off x="504000" y="1148993"/>
+            <a:ext cx="4444518" cy="4576557"/>
+          </a:xfrm>
+        </p:spPr>
+        <p:txBody>
+          <a:bodyPr anchor="ctr"/>
+          <a:lstStyle/>
+          <a:p>
+            <a:pPr marL="285750" indent="-285750">
+              <a:buFont typeface="Arial" panose="020B0604020202020204" pitchFamily="34" charset="0"/>
+              <a:buChar char="•"/>
+            </a:pPr>
+            <a:r>
+              <a:rPr lang="en-GB" sz="1600" dirty="0"/>
+              <a:t>Verify and validate theoretical predictions for rotorcraft behaviour</a:t>
+            </a:r>
+          </a:p>
+          <a:p>
+            <a:pPr marL="285750" indent="-285750">
+              <a:buFont typeface="Arial" panose="020B0604020202020204" pitchFamily="34" charset="0"/>
+              <a:buChar char="•"/>
+            </a:pPr>
+            <a:endParaRPr lang="en-GB" sz="1600" dirty="0"/>
+          </a:p>
+          <a:p>
+            <a:pPr marL="285750" indent="-285750">
+              <a:buFont typeface="Arial" panose="020B0604020202020204" pitchFamily="34" charset="0"/>
+              <a:buChar char="•"/>
+            </a:pPr>
+            <a:r>
+              <a:rPr lang="en-GB" sz="1600" dirty="0"/>
+              <a:t>Validate </a:t>
+            </a:r>
+            <a:r>
+              <a:rPr lang="en-US" sz="1600" dirty="0"/>
+              <a:t>linearization of full helicopter dynamics from </a:t>
+            </a:r>
+            <a:r>
+              <a:rPr lang="en-US" sz="1600" dirty="0" err="1"/>
+              <a:t>FlightLab</a:t>
+            </a:r>
+            <a:r>
+              <a:rPr lang="en-US" sz="1600" dirty="0"/>
+              <a:t> and help development of FCS</a:t>
+            </a:r>
+            <a:endParaRPr lang="en-GB" sz="1600" dirty="0"/>
+          </a:p>
+          <a:p>
+            <a:pPr marL="285750" indent="-285750">
+              <a:buFont typeface="Arial" panose="020B0604020202020204" pitchFamily="34" charset="0"/>
+              <a:buChar char="•"/>
+            </a:pPr>
+            <a:r>
+              <a:rPr lang="en-GB" sz="1600" dirty="0"/>
+              <a:t>Implement a FCS into </a:t>
+            </a:r>
+            <a:r>
+              <a:rPr lang="en-GB" sz="1600" dirty="0" err="1"/>
+              <a:t>FlightLab</a:t>
+            </a:r>
+            <a:endParaRPr lang="en-GB" sz="1600" dirty="0"/>
+          </a:p>
+          <a:p>
+            <a:pPr marL="285750" indent="-285750">
+              <a:buFont typeface="Arial" panose="020B0604020202020204" pitchFamily="34" charset="0"/>
+              <a:buChar char="•"/>
+            </a:pPr>
+            <a:endParaRPr lang="en-GB" sz="1600" dirty="0"/>
+          </a:p>
+          <a:p>
+            <a:pPr marL="285750" indent="-285750">
+              <a:buFont typeface="Arial" panose="020B0604020202020204" pitchFamily="34" charset="0"/>
+              <a:buChar char="•"/>
+            </a:pPr>
+            <a:r>
+              <a:rPr lang="en-GB" sz="1600" dirty="0"/>
+              <a:t>Expansion of flight envelope for new aircraft</a:t>
+            </a:r>
           </a:p>
         </p:txBody>
       </p:sp>
@@ -6036,22 +6858,28 @@
       </p:sp>
       <p:pic>
         <p:nvPicPr>
-          <p:cNvPr id="8" name="Picture 7"/>
+          <p:cNvPr id="8" name="Grafik 2">
+            <a:extLst>
+              <a:ext uri="{FF2B5EF4-FFF2-40B4-BE49-F238E27FC236}">
+                <a16:creationId xmlns:a16="http://schemas.microsoft.com/office/drawing/2014/main" id="{16F340ED-0F80-4D05-9B83-BF1303F56C91}"/>
+              </a:ext>
+            </a:extLst>
+          </p:cNvPr>
           <p:cNvPicPr>
             <a:picLocks noChangeAspect="1"/>
           </p:cNvPicPr>
           <p:nvPr/>
         </p:nvPicPr>
         <p:blipFill>
-          <a:blip r:embed="rId2"/>
+          <a:blip r:embed="rId3"/>
           <a:stretch>
             <a:fillRect/>
           </a:stretch>
         </p:blipFill>
         <p:spPr>
           <a:xfrm>
-            <a:off x="769620" y="1271211"/>
-            <a:ext cx="4693920" cy="2107306"/>
+            <a:off x="5152030" y="2914623"/>
+            <a:ext cx="3367465" cy="2256918"/>
           </a:xfrm>
           <a:prstGeom prst="rect">
             <a:avLst/>
@@ -6061,7 +6889,7 @@
     </p:spTree>
     <p:extLst>
       <p:ext uri="{BB962C8B-B14F-4D97-AF65-F5344CB8AC3E}">
-        <p14:creationId xmlns:p14="http://schemas.microsoft.com/office/powerpoint/2010/main" val="4186321142"/>
+        <p14:creationId xmlns:p14="http://schemas.microsoft.com/office/powerpoint/2010/main" val="3233539809"/>
       </p:ext>
     </p:extLst>
   </p:cSld>
@@ -6116,67 +6944,8 @@
           <a:p>
             <a:r>
               <a:rPr lang="en-GB" dirty="0"/>
-              <a:t>Why to introduce System ID into P3 test campaign? </a:t>
-            </a:r>
-          </a:p>
-        </p:txBody>
-      </p:sp>
-      <p:sp>
-        <p:nvSpPr>
-          <p:cNvPr id="3" name="Content Placeholder 2">
-            <a:extLst>
-              <a:ext uri="{FF2B5EF4-FFF2-40B4-BE49-F238E27FC236}">
-                <a16:creationId xmlns:a16="http://schemas.microsoft.com/office/drawing/2014/main" id="{C19AF051-9B1E-C04B-A28B-18DE801F3709}"/>
-              </a:ext>
-            </a:extLst>
-          </p:cNvPr>
-          <p:cNvSpPr>
-            <a:spLocks noGrp="1"/>
-          </p:cNvSpPr>
-          <p:nvPr>
-            <p:ph idx="1"/>
-          </p:nvPr>
-        </p:nvSpPr>
-        <p:spPr>
-          <a:xfrm>
-            <a:off x="504000" y="1148994"/>
-            <a:ext cx="7810500" cy="4703166"/>
-          </a:xfrm>
-        </p:spPr>
-        <p:txBody>
-          <a:bodyPr/>
-          <a:lstStyle/>
-          <a:p>
-            <a:pPr marL="342900" indent="-342900">
-              <a:buFont typeface="Arial" panose="020B0604020202020204" pitchFamily="34" charset="0"/>
-              <a:buChar char="•"/>
-            </a:pPr>
-            <a:r>
-              <a:rPr lang="en-GB" sz="1600" dirty="0"/>
-              <a:t>To boost flight test productivity  </a:t>
-            </a:r>
-          </a:p>
-          <a:p>
-            <a:pPr marL="342900" indent="-342900">
-              <a:buFont typeface="Arial" panose="020B0604020202020204" pitchFamily="34" charset="0"/>
-              <a:buChar char="•"/>
-            </a:pPr>
-            <a:endParaRPr lang="en-GB" sz="1600" dirty="0"/>
-          </a:p>
-          <a:p>
-            <a:pPr marL="342900" indent="-342900">
-              <a:buFont typeface="Arial" panose="020B0604020202020204" pitchFamily="34" charset="0"/>
-              <a:buChar char="•"/>
-            </a:pPr>
-            <a:r>
-              <a:rPr lang="en-GB" sz="1600" dirty="0"/>
-              <a:t>System</a:t>
-            </a:r>
-            <a:r>
-              <a:rPr lang="en-US" sz="1600" dirty="0"/>
-              <a:t> ID takes time and money – but not nearly as much as not doing it</a:t>
-            </a:r>
-            <a:endParaRPr lang="en-GB" sz="1600" dirty="0"/>
+              <a:t>Applied to simulation</a:t>
+            </a:r>
           </a:p>
         </p:txBody>
       </p:sp>
@@ -6263,10 +7032,411 @@
           </a:p>
         </p:txBody>
       </p:sp>
+      <p:sp>
+        <p:nvSpPr>
+          <p:cNvPr id="29" name="TextBox 28"/>
+          <p:cNvSpPr txBox="1"/>
+          <p:nvPr/>
+        </p:nvSpPr>
+        <p:spPr>
+          <a:xfrm>
+            <a:off x="504000" y="4973248"/>
+            <a:ext cx="6048422" cy="2560320"/>
+          </a:xfrm>
+          <a:prstGeom prst="rect">
+            <a:avLst/>
+          </a:prstGeom>
+          <a:noFill/>
+        </p:spPr>
+        <p:txBody>
+          <a:bodyPr wrap="square" lIns="0" tIns="0" rIns="0" bIns="0" rtlCol="0">
+            <a:noAutofit/>
+          </a:bodyPr>
+          <a:lstStyle/>
+          <a:p>
+            <a:pPr algn="l"/>
+            <a:r>
+              <a:rPr lang="en-GB" dirty="0">
+                <a:latin typeface="Suisse Int'l" panose="020B0504000000000000" pitchFamily="34" charset="77"/>
+              </a:rPr>
+              <a:t>System ID provides an </a:t>
+            </a:r>
+            <a:r>
+              <a:rPr lang="en-GB" u="sng" dirty="0">
+                <a:latin typeface="Suisse Int'l" panose="020B0504000000000000" pitchFamily="34" charset="77"/>
+              </a:rPr>
+              <a:t>accurate</a:t>
+            </a:r>
+            <a:r>
+              <a:rPr lang="en-GB" dirty="0">
+                <a:latin typeface="Suisse Int'l" panose="020B0504000000000000" pitchFamily="34" charset="77"/>
+              </a:rPr>
+              <a:t>, </a:t>
+            </a:r>
+            <a:r>
+              <a:rPr lang="en-GB" u="sng" dirty="0">
+                <a:latin typeface="Suisse Int'l" panose="020B0504000000000000" pitchFamily="34" charset="77"/>
+              </a:rPr>
+              <a:t>simple</a:t>
+            </a:r>
+            <a:r>
+              <a:rPr lang="en-GB" dirty="0">
+                <a:latin typeface="Suisse Int'l" panose="020B0504000000000000" pitchFamily="34" charset="77"/>
+              </a:rPr>
+              <a:t> and </a:t>
+            </a:r>
+            <a:r>
+              <a:rPr lang="en-GB" u="sng" dirty="0">
+                <a:latin typeface="Suisse Int'l" panose="020B0504000000000000" pitchFamily="34" charset="77"/>
+              </a:rPr>
+              <a:t>reliable</a:t>
+            </a:r>
+            <a:r>
+              <a:rPr lang="en-GB" dirty="0">
+                <a:latin typeface="Suisse Int'l" panose="020B0504000000000000" pitchFamily="34" charset="77"/>
+              </a:rPr>
+              <a:t> model of the H/C dynamics</a:t>
+            </a:r>
+            <a:br>
+              <a:rPr lang="en-GB" dirty="0">
+                <a:latin typeface="Suisse Int'l" panose="020B0504000000000000" pitchFamily="34" charset="77"/>
+              </a:rPr>
+            </a:br>
+            <a:r>
+              <a:rPr lang="en-GB" dirty="0">
+                <a:latin typeface="Suisse Int'l" panose="020B0504000000000000" pitchFamily="34" charset="77"/>
+              </a:rPr>
+              <a:t>obtained from </a:t>
+            </a:r>
+            <a:r>
+              <a:rPr lang="en-GB" u="sng" dirty="0">
+                <a:latin typeface="Suisse Int'l" panose="020B0504000000000000" pitchFamily="34" charset="77"/>
+              </a:rPr>
+              <a:t>real</a:t>
+            </a:r>
+            <a:r>
+              <a:rPr lang="en-GB" dirty="0">
+                <a:latin typeface="Suisse Int'l" panose="020B0504000000000000" pitchFamily="34" charset="77"/>
+              </a:rPr>
+              <a:t> flight test data of the </a:t>
+            </a:r>
+            <a:r>
+              <a:rPr lang="en-GB" u="sng" dirty="0">
+                <a:latin typeface="Suisse Int'l" panose="020B0504000000000000" pitchFamily="34" charset="77"/>
+              </a:rPr>
+              <a:t>real</a:t>
+            </a:r>
+            <a:r>
+              <a:rPr lang="en-GB" dirty="0">
+                <a:latin typeface="Suisse Int'l" panose="020B0504000000000000" pitchFamily="34" charset="77"/>
+              </a:rPr>
+              <a:t> H/C</a:t>
+            </a:r>
+          </a:p>
+        </p:txBody>
+      </p:sp>
+      <p:pic>
+        <p:nvPicPr>
+          <p:cNvPr id="30" name="Picture 29"/>
+          <p:cNvPicPr>
+            <a:picLocks noChangeAspect="1"/>
+          </p:cNvPicPr>
+          <p:nvPr/>
+        </p:nvPicPr>
+        <p:blipFill>
+          <a:blip r:embed="rId3"/>
+          <a:stretch>
+            <a:fillRect/>
+          </a:stretch>
+        </p:blipFill>
+        <p:spPr>
+          <a:xfrm>
+            <a:off x="3612477" y="1233605"/>
+            <a:ext cx="5531523" cy="2941329"/>
+          </a:xfrm>
+          <a:prstGeom prst="rect">
+            <a:avLst/>
+          </a:prstGeom>
+        </p:spPr>
+      </p:pic>
+      <p:cxnSp>
+        <p:nvCxnSpPr>
+          <p:cNvPr id="32" name="Straight Arrow Connector 31"/>
+          <p:cNvCxnSpPr/>
+          <p:nvPr/>
+        </p:nvCxnSpPr>
+        <p:spPr>
+          <a:xfrm>
+            <a:off x="1167204" y="4323209"/>
+            <a:ext cx="0" cy="508181"/>
+          </a:xfrm>
+          <a:prstGeom prst="straightConnector1">
+            <a:avLst/>
+          </a:prstGeom>
+          <a:ln w="31750">
+            <a:solidFill>
+              <a:schemeClr val="tx2">
+                <a:lumMod val="75000"/>
+              </a:schemeClr>
+            </a:solidFill>
+            <a:headEnd type="triangle"/>
+            <a:tailEnd type="none"/>
+          </a:ln>
+        </p:spPr>
+        <p:style>
+          <a:lnRef idx="1">
+            <a:schemeClr val="accent1"/>
+          </a:lnRef>
+          <a:fillRef idx="0">
+            <a:schemeClr val="accent1"/>
+          </a:fillRef>
+          <a:effectRef idx="0">
+            <a:schemeClr val="accent1"/>
+          </a:effectRef>
+          <a:fontRef idx="minor">
+            <a:schemeClr val="tx1"/>
+          </a:fontRef>
+        </p:style>
+      </p:cxnSp>
+      <p:sp>
+        <p:nvSpPr>
+          <p:cNvPr id="36" name="Arc 35"/>
+          <p:cNvSpPr/>
+          <p:nvPr/>
+        </p:nvSpPr>
+        <p:spPr>
+          <a:xfrm>
+            <a:off x="1824319" y="1007013"/>
+            <a:ext cx="2289352" cy="4183862"/>
+          </a:xfrm>
+          <a:prstGeom prst="arc">
+            <a:avLst>
+              <a:gd name="adj1" fmla="val 15622312"/>
+              <a:gd name="adj2" fmla="val 592249"/>
+            </a:avLst>
+          </a:prstGeom>
+          <a:ln w="28575">
+            <a:solidFill>
+              <a:schemeClr val="tx2">
+                <a:lumMod val="75000"/>
+              </a:schemeClr>
+            </a:solidFill>
+            <a:headEnd type="arrow"/>
+            <a:tailEnd type="oval"/>
+          </a:ln>
+        </p:spPr>
+        <p:style>
+          <a:lnRef idx="1">
+            <a:schemeClr val="accent1"/>
+          </a:lnRef>
+          <a:fillRef idx="0">
+            <a:schemeClr val="accent1"/>
+          </a:fillRef>
+          <a:effectRef idx="0">
+            <a:schemeClr val="accent1"/>
+          </a:effectRef>
+          <a:fontRef idx="minor">
+            <a:schemeClr val="tx1"/>
+          </a:fontRef>
+        </p:style>
+        <p:txBody>
+          <a:bodyPr rtlCol="0" anchor="ctr"/>
+          <a:lstStyle/>
+          <a:p>
+            <a:pPr algn="ctr"/>
+            <a:endParaRPr lang="en-GB"/>
+          </a:p>
+        </p:txBody>
+      </p:sp>
+      <p:sp>
+        <p:nvSpPr>
+          <p:cNvPr id="37" name="TextBox 36"/>
+          <p:cNvSpPr txBox="1"/>
+          <p:nvPr/>
+        </p:nvSpPr>
+        <p:spPr>
+          <a:xfrm>
+            <a:off x="3955622" y="4116267"/>
+            <a:ext cx="4829790" cy="572622"/>
+          </a:xfrm>
+          <a:prstGeom prst="rect">
+            <a:avLst/>
+          </a:prstGeom>
+          <a:noFill/>
+        </p:spPr>
+        <p:txBody>
+          <a:bodyPr wrap="square" lIns="0" tIns="0" rIns="0" bIns="0" rtlCol="0">
+            <a:noAutofit/>
+          </a:bodyPr>
+          <a:lstStyle/>
+          <a:p>
+            <a:pPr algn="l"/>
+            <a:r>
+              <a:rPr lang="en-GB" sz="1400" i="1" dirty="0">
+                <a:latin typeface="Suisse Int'l" panose="020B0504000000000000" pitchFamily="34" charset="77"/>
+              </a:rPr>
+              <a:t>Extracted from Nicolas’ MSc Thesis overview in collaboration with </a:t>
+            </a:r>
+            <a:r>
+              <a:rPr lang="en-GB" sz="1400" i="1" dirty="0" err="1">
+                <a:latin typeface="Suisse Int'l" panose="020B0504000000000000" pitchFamily="34" charset="77"/>
+              </a:rPr>
+              <a:t>Kopter</a:t>
+            </a:r>
+            <a:r>
+              <a:rPr lang="en-GB" sz="1400" i="1" dirty="0">
+                <a:latin typeface="Suisse Int'l" panose="020B0504000000000000" pitchFamily="34" charset="77"/>
+              </a:rPr>
+              <a:t> Avionics Dep.</a:t>
+            </a:r>
+            <a:endParaRPr lang="en-GB" sz="1400" b="0" i="1" dirty="0">
+              <a:latin typeface="Suisse Int'l" panose="020B0504000000000000" pitchFamily="34" charset="77"/>
+            </a:endParaRPr>
+          </a:p>
+        </p:txBody>
+      </p:sp>
+      <p:sp>
+        <p:nvSpPr>
+          <p:cNvPr id="40" name="TextBox 39"/>
+          <p:cNvSpPr txBox="1"/>
+          <p:nvPr/>
+        </p:nvSpPr>
+        <p:spPr>
+          <a:xfrm>
+            <a:off x="7054797" y="4912801"/>
+            <a:ext cx="1936376" cy="1380217"/>
+          </a:xfrm>
+          <a:prstGeom prst="rect">
+            <a:avLst/>
+          </a:prstGeom>
+          <a:noFill/>
+        </p:spPr>
+        <p:txBody>
+          <a:bodyPr wrap="square" lIns="0" tIns="0" rIns="0" bIns="0" rtlCol="0">
+            <a:noAutofit/>
+          </a:bodyPr>
+          <a:lstStyle/>
+          <a:p>
+            <a:pPr marL="285750" indent="-285750" algn="l">
+              <a:buFont typeface="Arial" panose="020B0604020202020204" pitchFamily="34" charset="0"/>
+              <a:buChar char="•"/>
+            </a:pPr>
+            <a:r>
+              <a:rPr lang="en-GB" b="0" i="0" dirty="0">
+                <a:latin typeface="Suisse Int'l" panose="020B0504000000000000" pitchFamily="34" charset="77"/>
+              </a:rPr>
+              <a:t>LUTs</a:t>
+            </a:r>
+          </a:p>
+        </p:txBody>
+      </p:sp>
+      <p:grpSp>
+        <p:nvGrpSpPr>
+          <p:cNvPr id="42" name="Group 41"/>
+          <p:cNvGrpSpPr/>
+          <p:nvPr/>
+        </p:nvGrpSpPr>
+        <p:grpSpPr>
+          <a:xfrm>
+            <a:off x="6552422" y="4970930"/>
+            <a:ext cx="332471" cy="945776"/>
+            <a:chOff x="6552422" y="4970930"/>
+            <a:chExt cx="332471" cy="945776"/>
+          </a:xfrm>
+        </p:grpSpPr>
+        <p:sp>
+          <p:nvSpPr>
+            <p:cNvPr id="38" name="Right Brace 37"/>
+            <p:cNvSpPr/>
+            <p:nvPr/>
+          </p:nvSpPr>
+          <p:spPr>
+            <a:xfrm>
+              <a:off x="6552422" y="4973248"/>
+              <a:ext cx="161364" cy="943458"/>
+            </a:xfrm>
+            <a:prstGeom prst="rightBrace">
+              <a:avLst/>
+            </a:prstGeom>
+            <a:ln w="22225">
+              <a:solidFill>
+                <a:schemeClr val="tx2"/>
+              </a:solidFill>
+              <a:round/>
+            </a:ln>
+          </p:spPr>
+          <p:style>
+            <a:lnRef idx="1">
+              <a:schemeClr val="accent1"/>
+            </a:lnRef>
+            <a:fillRef idx="0">
+              <a:schemeClr val="accent1"/>
+            </a:fillRef>
+            <a:effectRef idx="0">
+              <a:schemeClr val="accent1"/>
+            </a:effectRef>
+            <a:fontRef idx="minor">
+              <a:schemeClr val="tx1"/>
+            </a:fontRef>
+          </p:style>
+          <p:txBody>
+            <a:bodyPr rtlCol="0" anchor="ctr"/>
+            <a:lstStyle/>
+            <a:p>
+              <a:pPr algn="ctr"/>
+              <a:endParaRPr lang="en-GB"/>
+            </a:p>
+          </p:txBody>
+        </p:sp>
+        <p:sp>
+          <p:nvSpPr>
+            <p:cNvPr id="41" name="Right Brace 40"/>
+            <p:cNvSpPr/>
+            <p:nvPr/>
+          </p:nvSpPr>
+          <p:spPr>
+            <a:xfrm rot="10800000">
+              <a:off x="6713786" y="4970930"/>
+              <a:ext cx="171107" cy="945776"/>
+            </a:xfrm>
+            <a:prstGeom prst="rightBrace">
+              <a:avLst/>
+            </a:prstGeom>
+            <a:ln w="22225">
+              <a:solidFill>
+                <a:schemeClr val="tx2"/>
+              </a:solidFill>
+              <a:round/>
+            </a:ln>
+          </p:spPr>
+          <p:style>
+            <a:lnRef idx="1">
+              <a:schemeClr val="accent1"/>
+            </a:lnRef>
+            <a:fillRef idx="0">
+              <a:schemeClr val="accent1"/>
+            </a:fillRef>
+            <a:effectRef idx="0">
+              <a:schemeClr val="accent1"/>
+            </a:effectRef>
+            <a:fontRef idx="minor">
+              <a:schemeClr val="tx1"/>
+            </a:fontRef>
+          </p:style>
+          <p:txBody>
+            <a:bodyPr rtlCol="0" anchor="ctr"/>
+            <a:lstStyle/>
+            <a:p>
+              <a:pPr algn="ctr"/>
+              <a:endParaRPr lang="en-GB"/>
+            </a:p>
+          </p:txBody>
+        </p:sp>
+      </p:grpSp>
     </p:spTree>
     <p:extLst>
       <p:ext uri="{BB962C8B-B14F-4D97-AF65-F5344CB8AC3E}">
-        <p14:creationId xmlns:p14="http://schemas.microsoft.com/office/powerpoint/2010/main" val="2756699653"/>
+        <p14:creationId xmlns:p14="http://schemas.microsoft.com/office/powerpoint/2010/main" val="4186321142"/>
       </p:ext>
     </p:extLst>
   </p:cSld>
@@ -6321,7 +7491,7 @@
           <a:p>
             <a:r>
               <a:rPr lang="en-GB" dirty="0"/>
-              <a:t>Basic problem in Dynamics</a:t>
+              <a:t>How does it work?</a:t>
             </a:r>
           </a:p>
         </p:txBody>
@@ -6409,40 +7579,2018 @@
           </a:p>
         </p:txBody>
       </p:sp>
-      <p:pic>
-        <p:nvPicPr>
-          <p:cNvPr id="10" name="Grafik 9">
-            <a:extLst>
-              <a:ext uri="{FF2B5EF4-FFF2-40B4-BE49-F238E27FC236}">
-                <a16:creationId xmlns:a16="http://schemas.microsoft.com/office/drawing/2014/main" id="{2883BEB5-DBEA-4BCB-8BAC-513E22EDA23A}"/>
-              </a:ext>
-            </a:extLst>
-          </p:cNvPr>
-          <p:cNvPicPr>
-            <a:picLocks noChangeAspect="1"/>
-          </p:cNvPicPr>
+      <p:sp>
+        <p:nvSpPr>
+          <p:cNvPr id="3" name="TextBox 2"/>
+          <p:cNvSpPr txBox="1"/>
           <p:nvPr/>
-        </p:nvPicPr>
-        <p:blipFill>
-          <a:blip r:embed="rId2"/>
-          <a:stretch>
-            <a:fillRect/>
-          </a:stretch>
-        </p:blipFill>
+        </p:nvSpPr>
         <p:spPr>
           <a:xfrm>
-            <a:off x="1736774" y="1355658"/>
-            <a:ext cx="6183337" cy="4453839"/>
+            <a:off x="612971" y="1444005"/>
+            <a:ext cx="1267036" cy="735178"/>
           </a:xfrm>
           <a:prstGeom prst="rect">
             <a:avLst/>
           </a:prstGeom>
+          <a:noFill/>
         </p:spPr>
-      </p:pic>
+        <p:txBody>
+          <a:bodyPr wrap="square" lIns="0" tIns="0" rIns="0" bIns="0" rtlCol="0">
+            <a:noAutofit/>
+          </a:bodyPr>
+          <a:lstStyle/>
+          <a:p>
+            <a:pPr algn="l"/>
+            <a:r>
+              <a:rPr lang="en-GB" b="0" i="0" dirty="0">
+                <a:latin typeface="Suisse Int'l" panose="020B0504000000000000" pitchFamily="34" charset="77"/>
+              </a:rPr>
+              <a:t>Forces and moments</a:t>
+            </a:r>
+          </a:p>
+        </p:txBody>
+      </p:sp>
+      <mc:AlternateContent xmlns:mc="http://schemas.openxmlformats.org/markup-compatibility/2006" xmlns:a14="http://schemas.microsoft.com/office/drawing/2010/main">
+        <mc:Choice Requires="a14">
+          <p:sp>
+            <p:nvSpPr>
+              <p:cNvPr id="6" name="TextBox 5"/>
+              <p:cNvSpPr txBox="1"/>
+              <p:nvPr/>
+            </p:nvSpPr>
+            <p:spPr>
+              <a:xfrm>
+                <a:off x="2482646" y="1094755"/>
+                <a:ext cx="914400" cy="914400"/>
+              </a:xfrm>
+              <a:prstGeom prst="rect">
+                <a:avLst/>
+              </a:prstGeom>
+              <a:noFill/>
+            </p:spPr>
+            <p:txBody>
+              <a:bodyPr wrap="none" lIns="0" tIns="0" rIns="0" bIns="0" rtlCol="0">
+                <a:noAutofit/>
+              </a:bodyPr>
+              <a:lstStyle/>
+              <a:p>
+                <a:pPr algn="l"/>
+                <a14:m>
+                  <m:oMathPara xmlns:m="http://schemas.openxmlformats.org/officeDocument/2006/math">
+                    <m:oMathParaPr>
+                      <m:jc m:val="centerGroup"/>
+                    </m:oMathParaPr>
+                    <m:oMath xmlns:m="http://schemas.openxmlformats.org/officeDocument/2006/math">
+                      <m:f>
+                        <m:fPr>
+                          <m:ctrlPr>
+                            <a:rPr lang="en-GB" b="0" i="1" smtClean="0">
+                              <a:latin typeface="Cambria Math" panose="02040503050406030204" pitchFamily="18" charset="0"/>
+                            </a:rPr>
+                          </m:ctrlPr>
+                        </m:fPr>
+                        <m:num>
+                          <m:r>
+                            <a:rPr lang="es-ES" b="0" i="1" smtClean="0">
+                              <a:latin typeface="Cambria Math" panose="02040503050406030204" pitchFamily="18" charset="0"/>
+                            </a:rPr>
+                            <m:t>𝑑</m:t>
+                          </m:r>
+                        </m:num>
+                        <m:den>
+                          <m:r>
+                            <a:rPr lang="es-ES" b="0" i="1" smtClean="0">
+                              <a:latin typeface="Cambria Math" panose="02040503050406030204" pitchFamily="18" charset="0"/>
+                            </a:rPr>
+                            <m:t>𝑑𝑡</m:t>
+                          </m:r>
+                        </m:den>
+                      </m:f>
+                      <m:d>
+                        <m:dPr>
+                          <m:ctrlPr>
+                            <a:rPr lang="es-ES" b="0" i="1" smtClean="0">
+                              <a:latin typeface="Cambria Math" panose="02040503050406030204" pitchFamily="18" charset="0"/>
+                            </a:rPr>
+                          </m:ctrlPr>
+                        </m:dPr>
+                        <m:e>
+                          <m:r>
+                            <a:rPr lang="es-ES" b="0" i="1" smtClean="0">
+                              <a:latin typeface="Cambria Math" panose="02040503050406030204" pitchFamily="18" charset="0"/>
+                            </a:rPr>
+                            <m:t>𝑚𝑉</m:t>
+                          </m:r>
+                        </m:e>
+                      </m:d>
+                      <m:r>
+                        <a:rPr lang="es-ES" b="0" i="1" smtClean="0">
+                          <a:latin typeface="Cambria Math" panose="02040503050406030204" pitchFamily="18" charset="0"/>
+                        </a:rPr>
+                        <m:t>=∑</m:t>
+                      </m:r>
+                      <m:r>
+                        <a:rPr lang="es-ES" b="0" i="1" smtClean="0">
+                          <a:latin typeface="Cambria Math" panose="02040503050406030204" pitchFamily="18" charset="0"/>
+                        </a:rPr>
+                        <m:t>𝐹</m:t>
+                      </m:r>
+                      <m:r>
+                        <a:rPr lang="es-ES" b="0" i="1" smtClean="0">
+                          <a:latin typeface="Cambria Math" panose="02040503050406030204" pitchFamily="18" charset="0"/>
+                        </a:rPr>
+                        <m:t>=</m:t>
+                      </m:r>
+                      <m:sSub>
+                        <m:sSubPr>
+                          <m:ctrlPr>
+                            <a:rPr lang="es-ES" b="0" i="1" smtClean="0">
+                              <a:latin typeface="Cambria Math" panose="02040503050406030204" pitchFamily="18" charset="0"/>
+                            </a:rPr>
+                          </m:ctrlPr>
+                        </m:sSubPr>
+                        <m:e>
+                          <m:r>
+                            <a:rPr lang="es-ES" b="0" i="1" smtClean="0">
+                              <a:latin typeface="Cambria Math" panose="02040503050406030204" pitchFamily="18" charset="0"/>
+                            </a:rPr>
+                            <m:t>𝐹</m:t>
+                          </m:r>
+                        </m:e>
+                        <m:sub>
+                          <m:r>
+                            <a:rPr lang="es-ES" b="0" i="1" smtClean="0">
+                              <a:latin typeface="Cambria Math" panose="02040503050406030204" pitchFamily="18" charset="0"/>
+                            </a:rPr>
+                            <m:t>𝐴𝑒𝑟𝑜</m:t>
+                          </m:r>
+                        </m:sub>
+                      </m:sSub>
+                      <m:r>
+                        <a:rPr lang="es-ES" b="0" i="1" smtClean="0">
+                          <a:latin typeface="Cambria Math" panose="02040503050406030204" pitchFamily="18" charset="0"/>
+                        </a:rPr>
+                        <m:t>+</m:t>
+                      </m:r>
+                      <m:sSub>
+                        <m:sSubPr>
+                          <m:ctrlPr>
+                            <a:rPr lang="es-ES" b="0" i="1" smtClean="0">
+                              <a:latin typeface="Cambria Math" panose="02040503050406030204" pitchFamily="18" charset="0"/>
+                            </a:rPr>
+                          </m:ctrlPr>
+                        </m:sSubPr>
+                        <m:e>
+                          <m:r>
+                            <a:rPr lang="es-ES" b="0" i="1" smtClean="0">
+                              <a:latin typeface="Cambria Math" panose="02040503050406030204" pitchFamily="18" charset="0"/>
+                            </a:rPr>
+                            <m:t>𝐹</m:t>
+                          </m:r>
+                        </m:e>
+                        <m:sub>
+                          <m:r>
+                            <a:rPr lang="es-ES" b="0" i="1" smtClean="0">
+                              <a:latin typeface="Cambria Math" panose="02040503050406030204" pitchFamily="18" charset="0"/>
+                            </a:rPr>
+                            <m:t>𝑇h𝑟𝑢𝑠𝑡</m:t>
+                          </m:r>
+                        </m:sub>
+                      </m:sSub>
+                      <m:r>
+                        <a:rPr lang="es-ES" b="0" i="1" smtClean="0">
+                          <a:latin typeface="Cambria Math" panose="02040503050406030204" pitchFamily="18" charset="0"/>
+                        </a:rPr>
+                        <m:t>+</m:t>
+                      </m:r>
+                      <m:sSub>
+                        <m:sSubPr>
+                          <m:ctrlPr>
+                            <a:rPr lang="es-ES" b="0" i="1" smtClean="0">
+                              <a:latin typeface="Cambria Math" panose="02040503050406030204" pitchFamily="18" charset="0"/>
+                            </a:rPr>
+                          </m:ctrlPr>
+                        </m:sSubPr>
+                        <m:e>
+                          <m:r>
+                            <a:rPr lang="es-ES" b="0" i="1" smtClean="0">
+                              <a:latin typeface="Cambria Math" panose="02040503050406030204" pitchFamily="18" charset="0"/>
+                            </a:rPr>
+                            <m:t>𝐹</m:t>
+                          </m:r>
+                        </m:e>
+                        <m:sub>
+                          <m:r>
+                            <a:rPr lang="es-ES" b="0" i="1" smtClean="0">
+                              <a:latin typeface="Cambria Math" panose="02040503050406030204" pitchFamily="18" charset="0"/>
+                            </a:rPr>
+                            <m:t>𝐺𝑟𝑎𝑣𝑖𝑡𝑦</m:t>
+                          </m:r>
+                        </m:sub>
+                      </m:sSub>
+                    </m:oMath>
+                  </m:oMathPara>
+                </a14:m>
+                <a:endParaRPr lang="en-GB" b="0" i="0" dirty="0">
+                  <a:latin typeface="Suisse Int'l" panose="020B0504000000000000" pitchFamily="34" charset="77"/>
+                </a:endParaRPr>
+              </a:p>
+            </p:txBody>
+          </p:sp>
+        </mc:Choice>
+        <mc:Fallback xmlns="">
+          <p:sp>
+            <p:nvSpPr>
+              <p:cNvPr id="6" name="TextBox 5"/>
+              <p:cNvSpPr txBox="1">
+                <a:spLocks noRot="1" noChangeAspect="1" noMove="1" noResize="1" noEditPoints="1" noAdjustHandles="1" noChangeArrowheads="1" noChangeShapeType="1" noTextEdit="1"/>
+              </p:cNvSpPr>
+              <p:nvPr/>
+            </p:nvSpPr>
+            <p:spPr>
+              <a:xfrm>
+                <a:off x="2482646" y="1094755"/>
+                <a:ext cx="914400" cy="914400"/>
+              </a:xfrm>
+              <a:prstGeom prst="rect">
+                <a:avLst/>
+              </a:prstGeom>
+              <a:blipFill>
+                <a:blip r:embed="rId2"/>
+                <a:stretch>
+                  <a:fillRect r="-360667"/>
+                </a:stretch>
+              </a:blipFill>
+            </p:spPr>
+            <p:txBody>
+              <a:bodyPr/>
+              <a:lstStyle/>
+              <a:p>
+                <a:r>
+                  <a:rPr lang="en-GB">
+                    <a:noFill/>
+                  </a:rPr>
+                  <a:t> </a:t>
+                </a:r>
+              </a:p>
+            </p:txBody>
+          </p:sp>
+        </mc:Fallback>
+      </mc:AlternateContent>
+      <mc:AlternateContent xmlns:mc="http://schemas.openxmlformats.org/markup-compatibility/2006" xmlns:a14="http://schemas.microsoft.com/office/drawing/2010/main">
+        <mc:Choice Requires="a14">
+          <p:sp>
+            <p:nvSpPr>
+              <p:cNvPr id="9" name="TextBox 8"/>
+              <p:cNvSpPr txBox="1"/>
+              <p:nvPr/>
+            </p:nvSpPr>
+            <p:spPr>
+              <a:xfrm>
+                <a:off x="2482646" y="1892061"/>
+                <a:ext cx="914400" cy="914400"/>
+              </a:xfrm>
+              <a:prstGeom prst="rect">
+                <a:avLst/>
+              </a:prstGeom>
+              <a:noFill/>
+            </p:spPr>
+            <p:txBody>
+              <a:bodyPr wrap="none" lIns="0" tIns="0" rIns="0" bIns="0" rtlCol="0">
+                <a:noAutofit/>
+              </a:bodyPr>
+              <a:lstStyle/>
+              <a:p>
+                <a:pPr algn="l"/>
+                <a14:m>
+                  <m:oMathPara xmlns:m="http://schemas.openxmlformats.org/officeDocument/2006/math">
+                    <m:oMathParaPr>
+                      <m:jc m:val="centerGroup"/>
+                    </m:oMathParaPr>
+                    <m:oMath xmlns:m="http://schemas.openxmlformats.org/officeDocument/2006/math">
+                      <m:f>
+                        <m:fPr>
+                          <m:ctrlPr>
+                            <a:rPr lang="en-GB" b="0" i="1" smtClean="0">
+                              <a:latin typeface="Cambria Math" panose="02040503050406030204" pitchFamily="18" charset="0"/>
+                            </a:rPr>
+                          </m:ctrlPr>
+                        </m:fPr>
+                        <m:num>
+                          <m:r>
+                            <a:rPr lang="es-ES" b="0" i="1" smtClean="0">
+                              <a:latin typeface="Cambria Math" panose="02040503050406030204" pitchFamily="18" charset="0"/>
+                            </a:rPr>
+                            <m:t>𝑑</m:t>
+                          </m:r>
+                        </m:num>
+                        <m:den>
+                          <m:r>
+                            <a:rPr lang="es-ES" b="0" i="1" smtClean="0">
+                              <a:latin typeface="Cambria Math" panose="02040503050406030204" pitchFamily="18" charset="0"/>
+                            </a:rPr>
+                            <m:t>𝑑𝑡</m:t>
+                          </m:r>
+                        </m:den>
+                      </m:f>
+                      <m:d>
+                        <m:dPr>
+                          <m:ctrlPr>
+                            <a:rPr lang="es-ES" b="0" i="1" smtClean="0">
+                              <a:latin typeface="Cambria Math" panose="02040503050406030204" pitchFamily="18" charset="0"/>
+                            </a:rPr>
+                          </m:ctrlPr>
+                        </m:dPr>
+                        <m:e>
+                          <m:r>
+                            <a:rPr lang="es-ES" b="0" i="1" smtClean="0">
+                              <a:latin typeface="Cambria Math" panose="02040503050406030204" pitchFamily="18" charset="0"/>
+                            </a:rPr>
+                            <m:t>𝐼𝑤</m:t>
+                          </m:r>
+                        </m:e>
+                      </m:d>
+                      <m:r>
+                        <a:rPr lang="es-ES" b="0" i="1" smtClean="0">
+                          <a:latin typeface="Cambria Math" panose="02040503050406030204" pitchFamily="18" charset="0"/>
+                        </a:rPr>
+                        <m:t>=∑</m:t>
+                      </m:r>
+                      <m:r>
+                        <a:rPr lang="es-ES" b="0" i="1" smtClean="0">
+                          <a:latin typeface="Cambria Math" panose="02040503050406030204" pitchFamily="18" charset="0"/>
+                        </a:rPr>
+                        <m:t>𝑀</m:t>
+                      </m:r>
+                      <m:r>
+                        <a:rPr lang="es-ES" b="0" i="1" smtClean="0">
+                          <a:latin typeface="Cambria Math" panose="02040503050406030204" pitchFamily="18" charset="0"/>
+                        </a:rPr>
+                        <m:t>=</m:t>
+                      </m:r>
+                      <m:sSub>
+                        <m:sSubPr>
+                          <m:ctrlPr>
+                            <a:rPr lang="es-ES" b="0" i="1" smtClean="0">
+                              <a:latin typeface="Cambria Math" panose="02040503050406030204" pitchFamily="18" charset="0"/>
+                            </a:rPr>
+                          </m:ctrlPr>
+                        </m:sSubPr>
+                        <m:e>
+                          <m:r>
+                            <a:rPr lang="es-ES" b="0" i="1" smtClean="0">
+                              <a:latin typeface="Cambria Math" panose="02040503050406030204" pitchFamily="18" charset="0"/>
+                            </a:rPr>
+                            <m:t>𝑀</m:t>
+                          </m:r>
+                        </m:e>
+                        <m:sub>
+                          <m:r>
+                            <a:rPr lang="es-ES" b="0" i="1" smtClean="0">
+                              <a:latin typeface="Cambria Math" panose="02040503050406030204" pitchFamily="18" charset="0"/>
+                            </a:rPr>
+                            <m:t>𝐴𝑒𝑟𝑜</m:t>
+                          </m:r>
+                        </m:sub>
+                      </m:sSub>
+                      <m:r>
+                        <a:rPr lang="es-ES" b="0" i="1" smtClean="0">
+                          <a:latin typeface="Cambria Math" panose="02040503050406030204" pitchFamily="18" charset="0"/>
+                        </a:rPr>
+                        <m:t>+</m:t>
+                      </m:r>
+                      <m:sSub>
+                        <m:sSubPr>
+                          <m:ctrlPr>
+                            <a:rPr lang="es-ES" b="0" i="1" smtClean="0">
+                              <a:latin typeface="Cambria Math" panose="02040503050406030204" pitchFamily="18" charset="0"/>
+                            </a:rPr>
+                          </m:ctrlPr>
+                        </m:sSubPr>
+                        <m:e>
+                          <m:r>
+                            <a:rPr lang="es-ES" b="0" i="1" smtClean="0">
+                              <a:latin typeface="Cambria Math" panose="02040503050406030204" pitchFamily="18" charset="0"/>
+                            </a:rPr>
+                            <m:t>𝑀</m:t>
+                          </m:r>
+                        </m:e>
+                        <m:sub>
+                          <m:r>
+                            <a:rPr lang="es-ES" b="0" i="1" smtClean="0">
+                              <a:latin typeface="Cambria Math" panose="02040503050406030204" pitchFamily="18" charset="0"/>
+                            </a:rPr>
+                            <m:t>𝑇h𝑟𝑢𝑠𝑡</m:t>
+                          </m:r>
+                        </m:sub>
+                      </m:sSub>
+                    </m:oMath>
+                  </m:oMathPara>
+                </a14:m>
+                <a:endParaRPr lang="en-GB" b="0" i="0" dirty="0">
+                  <a:latin typeface="Suisse Int'l" panose="020B0504000000000000" pitchFamily="34" charset="77"/>
+                </a:endParaRPr>
+              </a:p>
+            </p:txBody>
+          </p:sp>
+        </mc:Choice>
+        <mc:Fallback xmlns="">
+          <p:sp>
+            <p:nvSpPr>
+              <p:cNvPr id="9" name="TextBox 8"/>
+              <p:cNvSpPr txBox="1">
+                <a:spLocks noRot="1" noChangeAspect="1" noMove="1" noResize="1" noEditPoints="1" noAdjustHandles="1" noChangeArrowheads="1" noChangeShapeType="1" noTextEdit="1"/>
+              </p:cNvSpPr>
+              <p:nvPr/>
+            </p:nvSpPr>
+            <p:spPr>
+              <a:xfrm>
+                <a:off x="2482646" y="1892061"/>
+                <a:ext cx="914400" cy="914400"/>
+              </a:xfrm>
+              <a:prstGeom prst="rect">
+                <a:avLst/>
+              </a:prstGeom>
+              <a:blipFill>
+                <a:blip r:embed="rId3"/>
+                <a:stretch>
+                  <a:fillRect r="-259333"/>
+                </a:stretch>
+              </a:blipFill>
+            </p:spPr>
+            <p:txBody>
+              <a:bodyPr/>
+              <a:lstStyle/>
+              <a:p>
+                <a:r>
+                  <a:rPr lang="en-GB">
+                    <a:noFill/>
+                  </a:rPr>
+                  <a:t> </a:t>
+                </a:r>
+              </a:p>
+            </p:txBody>
+          </p:sp>
+        </mc:Fallback>
+      </mc:AlternateContent>
+      <p:cxnSp>
+        <p:nvCxnSpPr>
+          <p:cNvPr id="13" name="Straight Arrow Connector 12"/>
+          <p:cNvCxnSpPr>
+            <a:stCxn id="3" idx="3"/>
+          </p:cNvCxnSpPr>
+          <p:nvPr/>
+        </p:nvCxnSpPr>
+        <p:spPr>
+          <a:xfrm flipV="1">
+            <a:off x="1880007" y="1385484"/>
+            <a:ext cx="519379" cy="426110"/>
+          </a:xfrm>
+          <a:prstGeom prst="straightConnector1">
+            <a:avLst/>
+          </a:prstGeom>
+          <a:ln w="28575">
+            <a:solidFill>
+              <a:srgbClr val="C00000"/>
+            </a:solidFill>
+            <a:tailEnd type="triangle"/>
+          </a:ln>
+        </p:spPr>
+        <p:style>
+          <a:lnRef idx="1">
+            <a:schemeClr val="accent1"/>
+          </a:lnRef>
+          <a:fillRef idx="0">
+            <a:schemeClr val="accent1"/>
+          </a:fillRef>
+          <a:effectRef idx="0">
+            <a:schemeClr val="accent1"/>
+          </a:effectRef>
+          <a:fontRef idx="minor">
+            <a:schemeClr val="tx1"/>
+          </a:fontRef>
+        </p:style>
+      </p:cxnSp>
+      <p:cxnSp>
+        <p:nvCxnSpPr>
+          <p:cNvPr id="16" name="Straight Arrow Connector 15"/>
+          <p:cNvCxnSpPr>
+            <a:stCxn id="3" idx="3"/>
+          </p:cNvCxnSpPr>
+          <p:nvPr/>
+        </p:nvCxnSpPr>
+        <p:spPr>
+          <a:xfrm>
+            <a:off x="1880007" y="1811594"/>
+            <a:ext cx="519379" cy="367589"/>
+          </a:xfrm>
+          <a:prstGeom prst="straightConnector1">
+            <a:avLst/>
+          </a:prstGeom>
+          <a:ln w="28575">
+            <a:solidFill>
+              <a:srgbClr val="C00000"/>
+            </a:solidFill>
+            <a:tailEnd type="triangle"/>
+          </a:ln>
+        </p:spPr>
+        <p:style>
+          <a:lnRef idx="1">
+            <a:schemeClr val="accent1"/>
+          </a:lnRef>
+          <a:fillRef idx="0">
+            <a:schemeClr val="accent1"/>
+          </a:fillRef>
+          <a:effectRef idx="0">
+            <a:schemeClr val="accent1"/>
+          </a:effectRef>
+          <a:fontRef idx="minor">
+            <a:schemeClr val="tx1"/>
+          </a:fontRef>
+        </p:style>
+      </p:cxnSp>
+      <p:sp>
+        <p:nvSpPr>
+          <p:cNvPr id="19" name="Oval 18"/>
+          <p:cNvSpPr/>
+          <p:nvPr/>
+        </p:nvSpPr>
+        <p:spPr>
+          <a:xfrm>
+            <a:off x="4125773" y="1175705"/>
+            <a:ext cx="621792" cy="503784"/>
+          </a:xfrm>
+          <a:prstGeom prst="ellipse">
+            <a:avLst/>
+          </a:prstGeom>
+          <a:noFill/>
+          <a:ln w="38100">
+            <a:solidFill>
+              <a:srgbClr val="0070C0"/>
+            </a:solidFill>
+          </a:ln>
+          <a:effectLst/>
+        </p:spPr>
+        <p:style>
+          <a:lnRef idx="2">
+            <a:schemeClr val="accent1">
+              <a:shade val="50000"/>
+            </a:schemeClr>
+          </a:lnRef>
+          <a:fillRef idx="1">
+            <a:schemeClr val="accent1"/>
+          </a:fillRef>
+          <a:effectRef idx="0">
+            <a:schemeClr val="accent1"/>
+          </a:effectRef>
+          <a:fontRef idx="minor">
+            <a:schemeClr val="lt1"/>
+          </a:fontRef>
+        </p:style>
+        <p:txBody>
+          <a:bodyPr rtlCol="0" anchor="ctr"/>
+          <a:lstStyle/>
+          <a:p>
+            <a:pPr algn="ctr"/>
+            <a:endParaRPr lang="en-GB"/>
+          </a:p>
+        </p:txBody>
+      </p:sp>
+      <p:sp>
+        <p:nvSpPr>
+          <p:cNvPr id="20" name="Oval 19"/>
+          <p:cNvSpPr/>
+          <p:nvPr/>
+        </p:nvSpPr>
+        <p:spPr>
+          <a:xfrm>
+            <a:off x="4125351" y="1961100"/>
+            <a:ext cx="621792" cy="503784"/>
+          </a:xfrm>
+          <a:prstGeom prst="ellipse">
+            <a:avLst/>
+          </a:prstGeom>
+          <a:noFill/>
+          <a:ln w="38100">
+            <a:solidFill>
+              <a:srgbClr val="0070C0"/>
+            </a:solidFill>
+          </a:ln>
+          <a:effectLst/>
+        </p:spPr>
+        <p:style>
+          <a:lnRef idx="2">
+            <a:schemeClr val="accent1">
+              <a:shade val="50000"/>
+            </a:schemeClr>
+          </a:lnRef>
+          <a:fillRef idx="1">
+            <a:schemeClr val="accent1"/>
+          </a:fillRef>
+          <a:effectRef idx="0">
+            <a:schemeClr val="accent1"/>
+          </a:effectRef>
+          <a:fontRef idx="minor">
+            <a:schemeClr val="lt1"/>
+          </a:fontRef>
+        </p:style>
+        <p:txBody>
+          <a:bodyPr rtlCol="0" anchor="ctr"/>
+          <a:lstStyle/>
+          <a:p>
+            <a:pPr algn="ctr"/>
+            <a:endParaRPr lang="en-GB"/>
+          </a:p>
+        </p:txBody>
+      </p:sp>
+      <mc:AlternateContent xmlns:mc="http://schemas.openxmlformats.org/markup-compatibility/2006" xmlns:a14="http://schemas.microsoft.com/office/drawing/2010/main">
+        <mc:Choice Requires="a14">
+          <p:sp>
+            <p:nvSpPr>
+              <p:cNvPr id="21" name="TextBox 20"/>
+              <p:cNvSpPr txBox="1"/>
+              <p:nvPr/>
+            </p:nvSpPr>
+            <p:spPr>
+              <a:xfrm>
+                <a:off x="735178" y="2771652"/>
+                <a:ext cx="603504" cy="490143"/>
+              </a:xfrm>
+              <a:prstGeom prst="rect">
+                <a:avLst/>
+              </a:prstGeom>
+              <a:noFill/>
+            </p:spPr>
+            <p:txBody>
+              <a:bodyPr wrap="none" lIns="0" tIns="0" rIns="0" bIns="0" rtlCol="0">
+                <a:noAutofit/>
+              </a:bodyPr>
+              <a:lstStyle/>
+              <a:p>
+                <a:pPr algn="l"/>
+                <a14:m>
+                  <m:oMathPara xmlns:m="http://schemas.openxmlformats.org/officeDocument/2006/math">
+                    <m:oMathParaPr>
+                      <m:jc m:val="left"/>
+                    </m:oMathParaPr>
+                    <m:oMath xmlns:m="http://schemas.openxmlformats.org/officeDocument/2006/math">
+                      <m:sSub>
+                        <m:sSubPr>
+                          <m:ctrlPr>
+                            <a:rPr lang="es-ES" b="0" i="1" smtClean="0">
+                              <a:latin typeface="Cambria Math" panose="02040503050406030204" pitchFamily="18" charset="0"/>
+                            </a:rPr>
+                          </m:ctrlPr>
+                        </m:sSubPr>
+                        <m:e>
+                          <m:r>
+                            <a:rPr lang="es-ES" b="0" i="1" smtClean="0">
+                              <a:latin typeface="Cambria Math" panose="02040503050406030204" pitchFamily="18" charset="0"/>
+                            </a:rPr>
+                            <m:t>𝐹</m:t>
+                          </m:r>
+                        </m:e>
+                        <m:sub>
+                          <m:r>
+                            <a:rPr lang="es-ES" b="0" i="1" smtClean="0">
+                              <a:latin typeface="Cambria Math" panose="02040503050406030204" pitchFamily="18" charset="0"/>
+                            </a:rPr>
+                            <m:t>𝐴𝑒𝑟𝑜</m:t>
+                          </m:r>
+                        </m:sub>
+                      </m:sSub>
+                    </m:oMath>
+                  </m:oMathPara>
+                </a14:m>
+                <a:endParaRPr lang="en-GB" b="0" i="0" dirty="0">
+                  <a:latin typeface="Suisse Int'l" panose="020B0504000000000000" pitchFamily="34" charset="77"/>
+                </a:endParaRPr>
+              </a:p>
+            </p:txBody>
+          </p:sp>
+        </mc:Choice>
+        <mc:Fallback xmlns="">
+          <p:sp>
+            <p:nvSpPr>
+              <p:cNvPr id="21" name="TextBox 20"/>
+              <p:cNvSpPr txBox="1">
+                <a:spLocks noRot="1" noChangeAspect="1" noMove="1" noResize="1" noEditPoints="1" noAdjustHandles="1" noChangeArrowheads="1" noChangeShapeType="1" noTextEdit="1"/>
+              </p:cNvSpPr>
+              <p:nvPr/>
+            </p:nvSpPr>
+            <p:spPr>
+              <a:xfrm>
+                <a:off x="735178" y="2771652"/>
+                <a:ext cx="603504" cy="490143"/>
+              </a:xfrm>
+              <a:prstGeom prst="rect">
+                <a:avLst/>
+              </a:prstGeom>
+              <a:blipFill>
+                <a:blip r:embed="rId4"/>
+                <a:stretch>
+                  <a:fillRect l="-14141"/>
+                </a:stretch>
+              </a:blipFill>
+            </p:spPr>
+            <p:txBody>
+              <a:bodyPr/>
+              <a:lstStyle/>
+              <a:p>
+                <a:r>
+                  <a:rPr lang="en-GB">
+                    <a:noFill/>
+                  </a:rPr>
+                  <a:t> </a:t>
+                </a:r>
+              </a:p>
+            </p:txBody>
+          </p:sp>
+        </mc:Fallback>
+      </mc:AlternateContent>
+      <mc:AlternateContent xmlns:mc="http://schemas.openxmlformats.org/markup-compatibility/2006" xmlns:a14="http://schemas.microsoft.com/office/drawing/2010/main">
+        <mc:Choice Requires="a14">
+          <p:sp>
+            <p:nvSpPr>
+              <p:cNvPr id="22" name="TextBox 21"/>
+              <p:cNvSpPr txBox="1"/>
+              <p:nvPr/>
+            </p:nvSpPr>
+            <p:spPr>
+              <a:xfrm>
+                <a:off x="735178" y="3261795"/>
+                <a:ext cx="603504" cy="490143"/>
+              </a:xfrm>
+              <a:prstGeom prst="rect">
+                <a:avLst/>
+              </a:prstGeom>
+              <a:noFill/>
+            </p:spPr>
+            <p:txBody>
+              <a:bodyPr wrap="none" lIns="0" tIns="0" rIns="0" bIns="0" rtlCol="0">
+                <a:noAutofit/>
+              </a:bodyPr>
+              <a:lstStyle/>
+              <a:p>
+                <a:pPr algn="l"/>
+                <a14:m>
+                  <m:oMathPara xmlns:m="http://schemas.openxmlformats.org/officeDocument/2006/math">
+                    <m:oMathParaPr>
+                      <m:jc m:val="left"/>
+                    </m:oMathParaPr>
+                    <m:oMath xmlns:m="http://schemas.openxmlformats.org/officeDocument/2006/math">
+                      <m:sSub>
+                        <m:sSubPr>
+                          <m:ctrlPr>
+                            <a:rPr lang="es-ES" b="0" i="1" smtClean="0">
+                              <a:latin typeface="Cambria Math" panose="02040503050406030204" pitchFamily="18" charset="0"/>
+                            </a:rPr>
+                          </m:ctrlPr>
+                        </m:sSubPr>
+                        <m:e>
+                          <m:r>
+                            <a:rPr lang="es-ES" b="0" i="1" smtClean="0">
+                              <a:latin typeface="Cambria Math" panose="02040503050406030204" pitchFamily="18" charset="0"/>
+                            </a:rPr>
+                            <m:t>𝑀</m:t>
+                          </m:r>
+                        </m:e>
+                        <m:sub>
+                          <m:r>
+                            <a:rPr lang="es-ES" b="0" i="1" smtClean="0">
+                              <a:latin typeface="Cambria Math" panose="02040503050406030204" pitchFamily="18" charset="0"/>
+                            </a:rPr>
+                            <m:t>𝐴𝑒𝑟𝑜</m:t>
+                          </m:r>
+                        </m:sub>
+                      </m:sSub>
+                    </m:oMath>
+                  </m:oMathPara>
+                </a14:m>
+                <a:endParaRPr lang="en-GB" b="0" i="0" dirty="0">
+                  <a:latin typeface="Suisse Int'l" panose="020B0504000000000000" pitchFamily="34" charset="77"/>
+                </a:endParaRPr>
+              </a:p>
+            </p:txBody>
+          </p:sp>
+        </mc:Choice>
+        <mc:Fallback xmlns="">
+          <p:sp>
+            <p:nvSpPr>
+              <p:cNvPr id="22" name="TextBox 21"/>
+              <p:cNvSpPr txBox="1">
+                <a:spLocks noRot="1" noChangeAspect="1" noMove="1" noResize="1" noEditPoints="1" noAdjustHandles="1" noChangeArrowheads="1" noChangeShapeType="1" noTextEdit="1"/>
+              </p:cNvSpPr>
+              <p:nvPr/>
+            </p:nvSpPr>
+            <p:spPr>
+              <a:xfrm>
+                <a:off x="735178" y="3261795"/>
+                <a:ext cx="603504" cy="490143"/>
+              </a:xfrm>
+              <a:prstGeom prst="rect">
+                <a:avLst/>
+              </a:prstGeom>
+              <a:blipFill>
+                <a:blip r:embed="rId5"/>
+                <a:stretch>
+                  <a:fillRect l="-14141" r="-3030"/>
+                </a:stretch>
+              </a:blipFill>
+            </p:spPr>
+            <p:txBody>
+              <a:bodyPr/>
+              <a:lstStyle/>
+              <a:p>
+                <a:r>
+                  <a:rPr lang="en-GB">
+                    <a:noFill/>
+                  </a:rPr>
+                  <a:t> </a:t>
+                </a:r>
+              </a:p>
+            </p:txBody>
+          </p:sp>
+        </mc:Fallback>
+      </mc:AlternateContent>
+      <p:sp>
+        <p:nvSpPr>
+          <p:cNvPr id="23" name="Right Brace 22"/>
+          <p:cNvSpPr/>
+          <p:nvPr/>
+        </p:nvSpPr>
+        <p:spPr>
+          <a:xfrm>
+            <a:off x="1380844" y="2806461"/>
+            <a:ext cx="106935" cy="812031"/>
+          </a:xfrm>
+          <a:prstGeom prst="rightBrace">
+            <a:avLst>
+              <a:gd name="adj1" fmla="val 58333"/>
+              <a:gd name="adj2" fmla="val 50000"/>
+            </a:avLst>
+          </a:prstGeom>
+          <a:ln w="19050">
+            <a:solidFill>
+              <a:srgbClr val="0070C0"/>
+            </a:solidFill>
+          </a:ln>
+        </p:spPr>
+        <p:style>
+          <a:lnRef idx="1">
+            <a:schemeClr val="accent1"/>
+          </a:lnRef>
+          <a:fillRef idx="0">
+            <a:schemeClr val="accent1"/>
+          </a:fillRef>
+          <a:effectRef idx="0">
+            <a:schemeClr val="accent1"/>
+          </a:effectRef>
+          <a:fontRef idx="minor">
+            <a:schemeClr val="tx1"/>
+          </a:fontRef>
+        </p:style>
+        <p:txBody>
+          <a:bodyPr rtlCol="0" anchor="ctr"/>
+          <a:lstStyle/>
+          <a:p>
+            <a:pPr algn="ctr"/>
+            <a:endParaRPr lang="en-GB"/>
+          </a:p>
+        </p:txBody>
+      </p:sp>
+      <p:sp>
+        <p:nvSpPr>
+          <p:cNvPr id="24" name="TextBox 23"/>
+          <p:cNvSpPr txBox="1"/>
+          <p:nvPr/>
+        </p:nvSpPr>
+        <p:spPr>
+          <a:xfrm>
+            <a:off x="1607294" y="2926967"/>
+            <a:ext cx="6981500" cy="293685"/>
+          </a:xfrm>
+          <a:prstGeom prst="rect">
+            <a:avLst/>
+          </a:prstGeom>
+          <a:noFill/>
+        </p:spPr>
+        <p:txBody>
+          <a:bodyPr wrap="square" lIns="0" tIns="0" rIns="0" bIns="0" rtlCol="0">
+            <a:noAutofit/>
+          </a:bodyPr>
+          <a:lstStyle/>
+          <a:p>
+            <a:pPr algn="l"/>
+            <a:r>
+              <a:rPr lang="en-GB" b="0" i="0" dirty="0">
+                <a:latin typeface="Suisse Int'l" panose="020B0504000000000000" pitchFamily="34" charset="77"/>
+              </a:rPr>
+              <a:t>Develop a model form from w</a:t>
+            </a:r>
+            <a:r>
+              <a:rPr lang="en-GB" dirty="0">
+                <a:latin typeface="Suisse Int'l" panose="020B0504000000000000" pitchFamily="34" charset="77"/>
+              </a:rPr>
+              <a:t>hich parameters can be estimated using </a:t>
+            </a:r>
+            <a:r>
+              <a:rPr lang="en-GB" u="sng" dirty="0">
+                <a:latin typeface="Suisse Int'l" panose="020B0504000000000000" pitchFamily="34" charset="77"/>
+              </a:rPr>
+              <a:t>flight test data</a:t>
+            </a:r>
+            <a:endParaRPr lang="en-GB" b="0" i="0" u="sng" dirty="0">
+              <a:latin typeface="Suisse Int'l" panose="020B0504000000000000" pitchFamily="34" charset="77"/>
+            </a:endParaRPr>
+          </a:p>
+        </p:txBody>
+      </p:sp>
+      <p:cxnSp>
+        <p:nvCxnSpPr>
+          <p:cNvPr id="26" name="Straight Arrow Connector 25"/>
+          <p:cNvCxnSpPr/>
+          <p:nvPr/>
+        </p:nvCxnSpPr>
+        <p:spPr>
+          <a:xfrm>
+            <a:off x="4609526" y="3353246"/>
+            <a:ext cx="0" cy="899796"/>
+          </a:xfrm>
+          <a:prstGeom prst="straightConnector1">
+            <a:avLst/>
+          </a:prstGeom>
+          <a:ln w="28575">
+            <a:solidFill>
+              <a:srgbClr val="0070C0"/>
+            </a:solidFill>
+            <a:tailEnd type="triangle"/>
+          </a:ln>
+        </p:spPr>
+        <p:style>
+          <a:lnRef idx="1">
+            <a:schemeClr val="accent1"/>
+          </a:lnRef>
+          <a:fillRef idx="0">
+            <a:schemeClr val="accent1"/>
+          </a:fillRef>
+          <a:effectRef idx="0">
+            <a:schemeClr val="accent1"/>
+          </a:effectRef>
+          <a:fontRef idx="minor">
+            <a:schemeClr val="tx1"/>
+          </a:fontRef>
+        </p:style>
+      </p:cxnSp>
+      <mc:AlternateContent xmlns:mc="http://schemas.openxmlformats.org/markup-compatibility/2006" xmlns:a14="http://schemas.microsoft.com/office/drawing/2010/main">
+        <mc:Choice Requires="a14">
+          <p:sp>
+            <p:nvSpPr>
+              <p:cNvPr id="27" name="TextBox 26"/>
+              <p:cNvSpPr txBox="1"/>
+              <p:nvPr/>
+            </p:nvSpPr>
+            <p:spPr>
+              <a:xfrm>
+                <a:off x="4747565" y="3487211"/>
+                <a:ext cx="3477091" cy="338399"/>
+              </a:xfrm>
+              <a:prstGeom prst="rect">
+                <a:avLst/>
+              </a:prstGeom>
+              <a:noFill/>
+            </p:spPr>
+            <p:txBody>
+              <a:bodyPr wrap="square" lIns="0" tIns="0" rIns="0" bIns="0" rtlCol="0">
+                <a:noAutofit/>
+              </a:bodyPr>
+              <a:lstStyle/>
+              <a:p>
+                <a:pPr algn="l"/>
+                <a:r>
+                  <a:rPr lang="en-GB" b="0" i="0" dirty="0">
+                    <a:latin typeface="Suisse Int'l" panose="020B0504000000000000" pitchFamily="34" charset="77"/>
+                  </a:rPr>
+                  <a:t>for example,</a:t>
+                </a:r>
+              </a:p>
+              <a:p>
+                <a:pPr algn="l"/>
+                <a:r>
+                  <a:rPr lang="en-GB" b="0" i="0" dirty="0">
+                    <a:latin typeface="Suisse Int'l" panose="020B0504000000000000" pitchFamily="34" charset="77"/>
+                  </a:rPr>
+                  <a:t>for the pitching moment </a:t>
+                </a:r>
+                <a:r>
+                  <a:rPr lang="en-GB" b="0" i="0" dirty="0" err="1">
+                    <a:latin typeface="Suisse Int'l" panose="020B0504000000000000" pitchFamily="34" charset="77"/>
+                  </a:rPr>
+                  <a:t>coef</a:t>
+                </a:r>
+                <a:r>
+                  <a:rPr lang="en-GB" dirty="0">
+                    <a:latin typeface="Suisse Int'l" panose="020B0504000000000000" pitchFamily="34" charset="77"/>
+                  </a:rPr>
+                  <a:t>. </a:t>
+                </a:r>
+                <a14:m>
+                  <m:oMath xmlns:m="http://schemas.openxmlformats.org/officeDocument/2006/math">
+                    <m:sSub>
+                      <m:sSubPr>
+                        <m:ctrlPr>
+                          <a:rPr lang="es-ES" b="0" i="1" smtClean="0">
+                            <a:latin typeface="Cambria Math" panose="02040503050406030204" pitchFamily="18" charset="0"/>
+                          </a:rPr>
+                        </m:ctrlPr>
+                      </m:sSubPr>
+                      <m:e>
+                        <m:r>
+                          <a:rPr lang="es-ES" b="0" i="1" smtClean="0">
+                            <a:latin typeface="Cambria Math" panose="02040503050406030204" pitchFamily="18" charset="0"/>
+                          </a:rPr>
+                          <m:t>𝐶</m:t>
+                        </m:r>
+                      </m:e>
+                      <m:sub>
+                        <m:r>
+                          <a:rPr lang="es-ES" b="0" i="1" smtClean="0">
+                            <a:latin typeface="Cambria Math" panose="02040503050406030204" pitchFamily="18" charset="0"/>
+                          </a:rPr>
+                          <m:t>𝑚</m:t>
+                        </m:r>
+                      </m:sub>
+                    </m:sSub>
+                  </m:oMath>
+                </a14:m>
+                <a:endParaRPr lang="en-GB" b="0" i="0" dirty="0">
+                  <a:latin typeface="Suisse Int'l" panose="020B0504000000000000" pitchFamily="34" charset="77"/>
+                </a:endParaRPr>
+              </a:p>
+            </p:txBody>
+          </p:sp>
+        </mc:Choice>
+        <mc:Fallback xmlns="">
+          <p:sp>
+            <p:nvSpPr>
+              <p:cNvPr id="27" name="TextBox 26"/>
+              <p:cNvSpPr txBox="1">
+                <a:spLocks noRot="1" noChangeAspect="1" noMove="1" noResize="1" noEditPoints="1" noAdjustHandles="1" noChangeArrowheads="1" noChangeShapeType="1" noTextEdit="1"/>
+              </p:cNvSpPr>
+              <p:nvPr/>
+            </p:nvSpPr>
+            <p:spPr>
+              <a:xfrm>
+                <a:off x="4747565" y="3487211"/>
+                <a:ext cx="3477091" cy="338399"/>
+              </a:xfrm>
+              <a:prstGeom prst="rect">
+                <a:avLst/>
+              </a:prstGeom>
+              <a:blipFill>
+                <a:blip r:embed="rId6"/>
+                <a:stretch>
+                  <a:fillRect l="-4211" t="-23214" b="-103571"/>
+                </a:stretch>
+              </a:blipFill>
+            </p:spPr>
+            <p:txBody>
+              <a:bodyPr/>
+              <a:lstStyle/>
+              <a:p>
+                <a:r>
+                  <a:rPr lang="en-GB">
+                    <a:noFill/>
+                  </a:rPr>
+                  <a:t> </a:t>
+                </a:r>
+              </a:p>
+            </p:txBody>
+          </p:sp>
+        </mc:Fallback>
+      </mc:AlternateContent>
+      <mc:AlternateContent xmlns:mc="http://schemas.openxmlformats.org/markup-compatibility/2006" xmlns:a14="http://schemas.microsoft.com/office/drawing/2010/main">
+        <mc:Choice Requires="a14">
+          <p:sp>
+            <p:nvSpPr>
+              <p:cNvPr id="14" name="TextBox 13"/>
+              <p:cNvSpPr txBox="1"/>
+              <p:nvPr/>
+            </p:nvSpPr>
+            <p:spPr>
+              <a:xfrm>
+                <a:off x="1529355" y="5018011"/>
+                <a:ext cx="914400" cy="914400"/>
+              </a:xfrm>
+              <a:prstGeom prst="rect">
+                <a:avLst/>
+              </a:prstGeom>
+              <a:noFill/>
+            </p:spPr>
+            <p:txBody>
+              <a:bodyPr wrap="none" lIns="0" tIns="0" rIns="0" bIns="0" rtlCol="0">
+                <a:noAutofit/>
+              </a:bodyPr>
+              <a:lstStyle/>
+              <a:p>
+                <a:pPr algn="l"/>
+                <a14:m>
+                  <m:oMathPara xmlns:m="http://schemas.openxmlformats.org/officeDocument/2006/math">
+                    <m:oMathParaPr>
+                      <m:jc m:val="centerGroup"/>
+                    </m:oMathParaPr>
+                    <m:oMath xmlns:m="http://schemas.openxmlformats.org/officeDocument/2006/math">
+                      <m:sSub>
+                        <m:sSubPr>
+                          <m:ctrlPr>
+                            <a:rPr lang="es-ES" sz="2800" b="0" i="1" smtClean="0">
+                              <a:latin typeface="Cambria Math" panose="02040503050406030204" pitchFamily="18" charset="0"/>
+                            </a:rPr>
+                          </m:ctrlPr>
+                        </m:sSubPr>
+                        <m:e>
+                          <m:r>
+                            <a:rPr lang="es-ES" sz="2800" b="0" i="1" smtClean="0">
+                              <a:latin typeface="Cambria Math" panose="02040503050406030204" pitchFamily="18" charset="0"/>
+                            </a:rPr>
+                            <m:t>𝐶</m:t>
+                          </m:r>
+                        </m:e>
+                        <m:sub>
+                          <m:r>
+                            <a:rPr lang="es-ES" sz="2800" b="0" i="1" smtClean="0">
+                              <a:latin typeface="Cambria Math" panose="02040503050406030204" pitchFamily="18" charset="0"/>
+                            </a:rPr>
+                            <m:t>𝑚</m:t>
+                          </m:r>
+                        </m:sub>
+                      </m:sSub>
+                      <m:r>
+                        <a:rPr lang="es-ES" sz="2800" b="0" i="1" smtClean="0">
+                          <a:latin typeface="Cambria Math" panose="02040503050406030204" pitchFamily="18" charset="0"/>
+                        </a:rPr>
+                        <m:t>=</m:t>
+                      </m:r>
+                      <m:sSub>
+                        <m:sSubPr>
+                          <m:ctrlPr>
+                            <a:rPr lang="es-ES" sz="2800" b="0" i="1" smtClean="0">
+                              <a:latin typeface="Cambria Math" panose="02040503050406030204" pitchFamily="18" charset="0"/>
+                            </a:rPr>
+                          </m:ctrlPr>
+                        </m:sSubPr>
+                        <m:e>
+                          <m:r>
+                            <a:rPr lang="es-ES" sz="2800" b="0" i="1" smtClean="0">
+                              <a:latin typeface="Cambria Math" panose="02040503050406030204" pitchFamily="18" charset="0"/>
+                            </a:rPr>
+                            <m:t>𝐶</m:t>
+                          </m:r>
+                        </m:e>
+                        <m:sub>
+                          <m:sSub>
+                            <m:sSubPr>
+                              <m:ctrlPr>
+                                <a:rPr lang="es-ES" sz="2800" b="0" i="1" smtClean="0">
+                                  <a:latin typeface="Cambria Math" panose="02040503050406030204" pitchFamily="18" charset="0"/>
+                                </a:rPr>
+                              </m:ctrlPr>
+                            </m:sSubPr>
+                            <m:e>
+                              <m:r>
+                                <a:rPr lang="es-ES" sz="2800" b="0" i="1" smtClean="0">
+                                  <a:latin typeface="Cambria Math" panose="02040503050406030204" pitchFamily="18" charset="0"/>
+                                </a:rPr>
+                                <m:t>𝑚</m:t>
+                              </m:r>
+                            </m:e>
+                            <m:sub>
+                              <m:r>
+                                <a:rPr lang="es-ES" sz="2800" b="0" i="1" smtClean="0">
+                                  <a:latin typeface="Cambria Math" panose="02040503050406030204" pitchFamily="18" charset="0"/>
+                                </a:rPr>
+                                <m:t>0</m:t>
+                              </m:r>
+                            </m:sub>
+                          </m:sSub>
+                        </m:sub>
+                      </m:sSub>
+                      <m:r>
+                        <a:rPr lang="es-ES" sz="2800" b="0" i="1" smtClean="0">
+                          <a:latin typeface="Cambria Math" panose="02040503050406030204" pitchFamily="18" charset="0"/>
+                        </a:rPr>
+                        <m:t>+</m:t>
+                      </m:r>
+                      <m:sSub>
+                        <m:sSubPr>
+                          <m:ctrlPr>
+                            <a:rPr lang="es-ES" sz="2800" b="0" i="1" smtClean="0">
+                              <a:latin typeface="Cambria Math" panose="02040503050406030204" pitchFamily="18" charset="0"/>
+                            </a:rPr>
+                          </m:ctrlPr>
+                        </m:sSubPr>
+                        <m:e>
+                          <m:r>
+                            <a:rPr lang="es-ES" sz="2800" b="0" i="1" smtClean="0">
+                              <a:latin typeface="Cambria Math" panose="02040503050406030204" pitchFamily="18" charset="0"/>
+                            </a:rPr>
+                            <m:t>𝐶</m:t>
+                          </m:r>
+                        </m:e>
+                        <m:sub>
+                          <m:sSub>
+                            <m:sSubPr>
+                              <m:ctrlPr>
+                                <a:rPr lang="es-ES" sz="2800" b="0" i="1" smtClean="0">
+                                  <a:latin typeface="Cambria Math" panose="02040503050406030204" pitchFamily="18" charset="0"/>
+                                </a:rPr>
+                              </m:ctrlPr>
+                            </m:sSubPr>
+                            <m:e>
+                              <m:r>
+                                <a:rPr lang="es-ES" sz="2800" b="0" i="1" smtClean="0">
+                                  <a:latin typeface="Cambria Math" panose="02040503050406030204" pitchFamily="18" charset="0"/>
+                                </a:rPr>
+                                <m:t>𝑚</m:t>
+                              </m:r>
+                            </m:e>
+                            <m:sub>
+                              <m:r>
+                                <a:rPr lang="es-ES" sz="2800" b="0" i="1" smtClean="0">
+                                  <a:latin typeface="Cambria Math" panose="02040503050406030204" pitchFamily="18" charset="0"/>
+                                </a:rPr>
+                                <m:t>𝛼</m:t>
+                              </m:r>
+                            </m:sub>
+                          </m:sSub>
+                        </m:sub>
+                      </m:sSub>
+                      <m:r>
+                        <a:rPr lang="es-ES" sz="2800" b="0" i="1" smtClean="0">
+                          <a:latin typeface="Cambria Math" panose="02040503050406030204" pitchFamily="18" charset="0"/>
+                        </a:rPr>
+                        <m:t>𝛼</m:t>
+                      </m:r>
+                      <m:r>
+                        <a:rPr lang="es-ES" sz="2800" b="0" i="1" smtClean="0">
+                          <a:latin typeface="Cambria Math" panose="02040503050406030204" pitchFamily="18" charset="0"/>
+                        </a:rPr>
+                        <m:t>+</m:t>
+                      </m:r>
+                      <m:sSub>
+                        <m:sSubPr>
+                          <m:ctrlPr>
+                            <a:rPr lang="es-ES" sz="2800" b="0" i="1" smtClean="0">
+                              <a:latin typeface="Cambria Math" panose="02040503050406030204" pitchFamily="18" charset="0"/>
+                            </a:rPr>
+                          </m:ctrlPr>
+                        </m:sSubPr>
+                        <m:e>
+                          <m:r>
+                            <a:rPr lang="es-ES" sz="2800" b="0" i="1" smtClean="0">
+                              <a:latin typeface="Cambria Math" panose="02040503050406030204" pitchFamily="18" charset="0"/>
+                            </a:rPr>
+                            <m:t>𝐶</m:t>
+                          </m:r>
+                        </m:e>
+                        <m:sub>
+                          <m:sSub>
+                            <m:sSubPr>
+                              <m:ctrlPr>
+                                <a:rPr lang="es-ES" sz="2800" b="0" i="1" smtClean="0">
+                                  <a:latin typeface="Cambria Math" panose="02040503050406030204" pitchFamily="18" charset="0"/>
+                                </a:rPr>
+                              </m:ctrlPr>
+                            </m:sSubPr>
+                            <m:e>
+                              <m:r>
+                                <a:rPr lang="es-ES" sz="2800" b="0" i="1" smtClean="0">
+                                  <a:latin typeface="Cambria Math" panose="02040503050406030204" pitchFamily="18" charset="0"/>
+                                </a:rPr>
+                                <m:t>𝑚</m:t>
+                              </m:r>
+                            </m:e>
+                            <m:sub>
+                              <m:r>
+                                <a:rPr lang="es-ES" sz="2800" b="0" i="1" smtClean="0">
+                                  <a:latin typeface="Cambria Math" panose="02040503050406030204" pitchFamily="18" charset="0"/>
+                                </a:rPr>
+                                <m:t>𝑞</m:t>
+                              </m:r>
+                            </m:sub>
+                          </m:sSub>
+                        </m:sub>
+                      </m:sSub>
+                      <m:r>
+                        <a:rPr lang="es-ES" sz="2800" b="0" i="1" smtClean="0">
+                          <a:latin typeface="Cambria Math" panose="02040503050406030204" pitchFamily="18" charset="0"/>
+                        </a:rPr>
+                        <m:t>𝑞</m:t>
+                      </m:r>
+                      <m:r>
+                        <a:rPr lang="es-ES" sz="2800" b="0" i="1" smtClean="0">
+                          <a:latin typeface="Cambria Math" panose="02040503050406030204" pitchFamily="18" charset="0"/>
+                        </a:rPr>
+                        <m:t>+</m:t>
+                      </m:r>
+                      <m:sSub>
+                        <m:sSubPr>
+                          <m:ctrlPr>
+                            <a:rPr lang="es-ES" sz="2800" b="0" i="1" smtClean="0">
+                              <a:latin typeface="Cambria Math" panose="02040503050406030204" pitchFamily="18" charset="0"/>
+                            </a:rPr>
+                          </m:ctrlPr>
+                        </m:sSubPr>
+                        <m:e>
+                          <m:sSub>
+                            <m:sSubPr>
+                              <m:ctrlPr>
+                                <a:rPr lang="es-ES" sz="2800" b="0" i="1" smtClean="0">
+                                  <a:latin typeface="Cambria Math" panose="02040503050406030204" pitchFamily="18" charset="0"/>
+                                </a:rPr>
+                              </m:ctrlPr>
+                            </m:sSubPr>
+                            <m:e>
+                              <m:r>
+                                <a:rPr lang="es-ES" sz="2800" b="0" i="1" smtClean="0">
+                                  <a:latin typeface="Cambria Math" panose="02040503050406030204" pitchFamily="18" charset="0"/>
+                                </a:rPr>
+                                <m:t>𝐶</m:t>
+                              </m:r>
+                            </m:e>
+                            <m:sub>
+                              <m:r>
+                                <a:rPr lang="es-ES" sz="2800" b="0" i="1" smtClean="0">
+                                  <a:latin typeface="Cambria Math" panose="02040503050406030204" pitchFamily="18" charset="0"/>
+                                </a:rPr>
+                                <m:t>𝑚</m:t>
+                              </m:r>
+                            </m:sub>
+                          </m:sSub>
+                        </m:e>
+                        <m:sub>
+                          <m:r>
+                            <a:rPr lang="es-ES" sz="2800" b="0" i="1" smtClean="0">
+                              <a:latin typeface="Cambria Math" panose="02040503050406030204" pitchFamily="18" charset="0"/>
+                            </a:rPr>
+                            <m:t>𝛿</m:t>
+                          </m:r>
+                        </m:sub>
+                      </m:sSub>
+                      <m:r>
+                        <a:rPr lang="es-ES" sz="2800" b="0" i="1" smtClean="0">
+                          <a:latin typeface="Cambria Math" panose="02040503050406030204" pitchFamily="18" charset="0"/>
+                        </a:rPr>
+                        <m:t>𝛿</m:t>
+                      </m:r>
+                      <m:r>
+                        <a:rPr lang="es-ES" sz="2800" b="0" i="1" smtClean="0">
+                          <a:latin typeface="Cambria Math" panose="02040503050406030204" pitchFamily="18" charset="0"/>
+                        </a:rPr>
+                        <m:t>+</m:t>
+                      </m:r>
+                      <m:sSub>
+                        <m:sSubPr>
+                          <m:ctrlPr>
+                            <a:rPr lang="es-ES" sz="2800" b="0" i="1" smtClean="0">
+                              <a:latin typeface="Cambria Math" panose="02040503050406030204" pitchFamily="18" charset="0"/>
+                            </a:rPr>
+                          </m:ctrlPr>
+                        </m:sSubPr>
+                        <m:e>
+                          <m:r>
+                            <a:rPr lang="es-ES" sz="2800" b="0" i="1" smtClean="0">
+                              <a:latin typeface="Cambria Math" panose="02040503050406030204" pitchFamily="18" charset="0"/>
+                            </a:rPr>
+                            <m:t>𝜈</m:t>
+                          </m:r>
+                        </m:e>
+                        <m:sub>
+                          <m:r>
+                            <a:rPr lang="es-ES" sz="2800" b="0" i="1" smtClean="0">
+                              <a:latin typeface="Cambria Math" panose="02040503050406030204" pitchFamily="18" charset="0"/>
+                            </a:rPr>
+                            <m:t>𝑚</m:t>
+                          </m:r>
+                        </m:sub>
+                      </m:sSub>
+                    </m:oMath>
+                  </m:oMathPara>
+                </a14:m>
+                <a:endParaRPr lang="en-GB" sz="2800" b="0" i="0" dirty="0">
+                  <a:latin typeface="Suisse Int'l" panose="020B0504000000000000" pitchFamily="34" charset="77"/>
+                </a:endParaRPr>
+              </a:p>
+            </p:txBody>
+          </p:sp>
+        </mc:Choice>
+        <mc:Fallback xmlns="">
+          <p:sp>
+            <p:nvSpPr>
+              <p:cNvPr id="14" name="TextBox 13"/>
+              <p:cNvSpPr txBox="1">
+                <a:spLocks noRot="1" noChangeAspect="1" noMove="1" noResize="1" noEditPoints="1" noAdjustHandles="1" noChangeArrowheads="1" noChangeShapeType="1" noTextEdit="1"/>
+              </p:cNvSpPr>
+              <p:nvPr/>
+            </p:nvSpPr>
+            <p:spPr>
+              <a:xfrm>
+                <a:off x="1529355" y="5018011"/>
+                <a:ext cx="914400" cy="914400"/>
+              </a:xfrm>
+              <a:prstGeom prst="rect">
+                <a:avLst/>
+              </a:prstGeom>
+              <a:blipFill>
+                <a:blip r:embed="rId7"/>
+                <a:stretch>
+                  <a:fillRect r="-564667"/>
+                </a:stretch>
+              </a:blipFill>
+            </p:spPr>
+            <p:txBody>
+              <a:bodyPr/>
+              <a:lstStyle/>
+              <a:p>
+                <a:r>
+                  <a:rPr lang="en-GB">
+                    <a:noFill/>
+                  </a:rPr>
+                  <a:t> </a:t>
+                </a:r>
+              </a:p>
+            </p:txBody>
+          </p:sp>
+        </mc:Fallback>
+      </mc:AlternateContent>
+      <p:sp>
+        <p:nvSpPr>
+          <p:cNvPr id="17" name="Right Brace 16"/>
+          <p:cNvSpPr/>
+          <p:nvPr/>
+        </p:nvSpPr>
+        <p:spPr>
+          <a:xfrm rot="5400000">
+            <a:off x="2650248" y="5378101"/>
+            <a:ext cx="132411" cy="467616"/>
+          </a:xfrm>
+          <a:prstGeom prst="rightBrace">
+            <a:avLst/>
+          </a:prstGeom>
+          <a:ln w="12700" cap="flat">
+            <a:solidFill>
+              <a:srgbClr val="0070C0"/>
+            </a:solidFill>
+            <a:round/>
+          </a:ln>
+        </p:spPr>
+        <p:style>
+          <a:lnRef idx="1">
+            <a:schemeClr val="accent1"/>
+          </a:lnRef>
+          <a:fillRef idx="0">
+            <a:schemeClr val="accent1"/>
+          </a:fillRef>
+          <a:effectRef idx="0">
+            <a:schemeClr val="accent1"/>
+          </a:effectRef>
+          <a:fontRef idx="minor">
+            <a:schemeClr val="tx1"/>
+          </a:fontRef>
+        </p:style>
+        <p:txBody>
+          <a:bodyPr rtlCol="0" anchor="ctr"/>
+          <a:lstStyle/>
+          <a:p>
+            <a:pPr algn="ctr"/>
+            <a:endParaRPr lang="en-GB"/>
+          </a:p>
+        </p:txBody>
+      </p:sp>
+      <p:sp>
+        <p:nvSpPr>
+          <p:cNvPr id="28" name="Right Brace 27"/>
+          <p:cNvSpPr/>
+          <p:nvPr/>
+        </p:nvSpPr>
+        <p:spPr>
+          <a:xfrm rot="5400000">
+            <a:off x="3699614" y="5274504"/>
+            <a:ext cx="132413" cy="644010"/>
+          </a:xfrm>
+          <a:prstGeom prst="rightBrace">
+            <a:avLst/>
+          </a:prstGeom>
+          <a:ln w="12700">
+            <a:solidFill>
+              <a:srgbClr val="0070C0"/>
+            </a:solidFill>
+            <a:round/>
+          </a:ln>
+        </p:spPr>
+        <p:style>
+          <a:lnRef idx="1">
+            <a:schemeClr val="accent1"/>
+          </a:lnRef>
+          <a:fillRef idx="0">
+            <a:schemeClr val="accent1"/>
+          </a:fillRef>
+          <a:effectRef idx="0">
+            <a:schemeClr val="accent1"/>
+          </a:effectRef>
+          <a:fontRef idx="minor">
+            <a:schemeClr val="tx1"/>
+          </a:fontRef>
+        </p:style>
+        <p:txBody>
+          <a:bodyPr rtlCol="0" anchor="ctr"/>
+          <a:lstStyle/>
+          <a:p>
+            <a:pPr algn="ctr"/>
+            <a:endParaRPr lang="en-GB"/>
+          </a:p>
+        </p:txBody>
+      </p:sp>
+      <p:sp>
+        <p:nvSpPr>
+          <p:cNvPr id="29" name="Right Brace 28"/>
+          <p:cNvSpPr/>
+          <p:nvPr/>
+        </p:nvSpPr>
+        <p:spPr>
+          <a:xfrm rot="5400000">
+            <a:off x="4924234" y="5309418"/>
+            <a:ext cx="137541" cy="599853"/>
+          </a:xfrm>
+          <a:prstGeom prst="rightBrace">
+            <a:avLst/>
+          </a:prstGeom>
+          <a:ln w="12700" cap="flat">
+            <a:solidFill>
+              <a:srgbClr val="0070C0"/>
+            </a:solidFill>
+            <a:round/>
+          </a:ln>
+        </p:spPr>
+        <p:style>
+          <a:lnRef idx="1">
+            <a:schemeClr val="accent1"/>
+          </a:lnRef>
+          <a:fillRef idx="0">
+            <a:schemeClr val="accent1"/>
+          </a:fillRef>
+          <a:effectRef idx="0">
+            <a:schemeClr val="accent1"/>
+          </a:effectRef>
+          <a:fontRef idx="minor">
+            <a:schemeClr val="tx1"/>
+          </a:fontRef>
+        </p:style>
+        <p:txBody>
+          <a:bodyPr rtlCol="0" anchor="ctr"/>
+          <a:lstStyle/>
+          <a:p>
+            <a:pPr algn="ctr"/>
+            <a:endParaRPr lang="en-GB"/>
+          </a:p>
+        </p:txBody>
+      </p:sp>
+      <p:sp>
+        <p:nvSpPr>
+          <p:cNvPr id="30" name="Right Brace 29"/>
+          <p:cNvSpPr/>
+          <p:nvPr/>
+        </p:nvSpPr>
+        <p:spPr>
+          <a:xfrm rot="5400000">
+            <a:off x="6169161" y="5292690"/>
+            <a:ext cx="132410" cy="594354"/>
+          </a:xfrm>
+          <a:prstGeom prst="rightBrace">
+            <a:avLst/>
+          </a:prstGeom>
+          <a:ln w="12700">
+            <a:solidFill>
+              <a:srgbClr val="0070C0"/>
+            </a:solidFill>
+            <a:round/>
+          </a:ln>
+        </p:spPr>
+        <p:style>
+          <a:lnRef idx="1">
+            <a:schemeClr val="accent1"/>
+          </a:lnRef>
+          <a:fillRef idx="0">
+            <a:schemeClr val="accent1"/>
+          </a:fillRef>
+          <a:effectRef idx="0">
+            <a:schemeClr val="accent1"/>
+          </a:effectRef>
+          <a:fontRef idx="minor">
+            <a:schemeClr val="tx1"/>
+          </a:fontRef>
+        </p:style>
+        <p:txBody>
+          <a:bodyPr rtlCol="0" anchor="ctr"/>
+          <a:lstStyle/>
+          <a:p>
+            <a:pPr algn="ctr"/>
+            <a:endParaRPr lang="en-GB"/>
+          </a:p>
+        </p:txBody>
+      </p:sp>
+      <p:sp>
+        <p:nvSpPr>
+          <p:cNvPr id="32" name="TextBox 31"/>
+          <p:cNvSpPr txBox="1"/>
+          <p:nvPr/>
+        </p:nvSpPr>
+        <p:spPr>
+          <a:xfrm>
+            <a:off x="3277389" y="5717597"/>
+            <a:ext cx="1620873" cy="331175"/>
+          </a:xfrm>
+          <a:prstGeom prst="rect">
+            <a:avLst/>
+          </a:prstGeom>
+          <a:noFill/>
+        </p:spPr>
+        <p:txBody>
+          <a:bodyPr wrap="square" lIns="0" tIns="0" rIns="0" bIns="0" rtlCol="0">
+            <a:noAutofit/>
+          </a:bodyPr>
+          <a:lstStyle/>
+          <a:p>
+            <a:pPr algn="l"/>
+            <a:r>
+              <a:rPr lang="en-GB" sz="1400" dirty="0">
+                <a:latin typeface="Suisse Int'l" panose="020B0504000000000000" pitchFamily="34" charset="77"/>
+              </a:rPr>
+              <a:t>s</a:t>
+            </a:r>
+            <a:r>
+              <a:rPr lang="en-GB" sz="1400" b="0" i="0" dirty="0">
+                <a:latin typeface="Suisse Int'l" panose="020B0504000000000000" pitchFamily="34" charset="77"/>
+              </a:rPr>
+              <a:t>tatic stability</a:t>
+            </a:r>
+          </a:p>
+        </p:txBody>
+      </p:sp>
+      <p:sp>
+        <p:nvSpPr>
+          <p:cNvPr id="34" name="TextBox 33"/>
+          <p:cNvSpPr txBox="1"/>
+          <p:nvPr/>
+        </p:nvSpPr>
+        <p:spPr>
+          <a:xfrm>
+            <a:off x="4692695" y="5739598"/>
+            <a:ext cx="1024600" cy="331175"/>
+          </a:xfrm>
+          <a:prstGeom prst="rect">
+            <a:avLst/>
+          </a:prstGeom>
+          <a:noFill/>
+        </p:spPr>
+        <p:txBody>
+          <a:bodyPr wrap="square" lIns="0" tIns="0" rIns="0" bIns="0" rtlCol="0">
+            <a:noAutofit/>
+          </a:bodyPr>
+          <a:lstStyle/>
+          <a:p>
+            <a:pPr algn="l"/>
+            <a:r>
+              <a:rPr lang="en-GB" sz="1400" b="0" i="0" dirty="0">
+                <a:latin typeface="Suisse Int'l" panose="020B0504000000000000" pitchFamily="34" charset="77"/>
+              </a:rPr>
+              <a:t>dynamic stability</a:t>
+            </a:r>
+            <a:br>
+              <a:rPr lang="en-GB" sz="1400" b="0" i="0" dirty="0">
+                <a:latin typeface="Suisse Int'l" panose="020B0504000000000000" pitchFamily="34" charset="77"/>
+              </a:rPr>
+            </a:br>
+            <a:r>
+              <a:rPr lang="en-GB" sz="1400" b="0" i="0" dirty="0">
+                <a:latin typeface="Suisse Int'l" panose="020B0504000000000000" pitchFamily="34" charset="77"/>
+              </a:rPr>
+              <a:t>(damping)</a:t>
+            </a:r>
+          </a:p>
+        </p:txBody>
+      </p:sp>
+      <p:sp>
+        <p:nvSpPr>
+          <p:cNvPr id="39" name="TextBox 38"/>
+          <p:cNvSpPr txBox="1"/>
+          <p:nvPr/>
+        </p:nvSpPr>
+        <p:spPr>
+          <a:xfrm>
+            <a:off x="5966048" y="5699307"/>
+            <a:ext cx="1024600" cy="331175"/>
+          </a:xfrm>
+          <a:prstGeom prst="rect">
+            <a:avLst/>
+          </a:prstGeom>
+          <a:noFill/>
+        </p:spPr>
+        <p:txBody>
+          <a:bodyPr wrap="square" lIns="0" tIns="0" rIns="0" bIns="0" rtlCol="0">
+            <a:noAutofit/>
+          </a:bodyPr>
+          <a:lstStyle/>
+          <a:p>
+            <a:pPr algn="l"/>
+            <a:r>
+              <a:rPr lang="en-GB" sz="1400" b="0" i="0" dirty="0">
+                <a:latin typeface="Suisse Int'l" panose="020B0504000000000000" pitchFamily="34" charset="77"/>
+              </a:rPr>
+              <a:t>pitch control authority</a:t>
+            </a:r>
+          </a:p>
+        </p:txBody>
+      </p:sp>
+      <p:sp>
+        <p:nvSpPr>
+          <p:cNvPr id="40" name="TextBox 39"/>
+          <p:cNvSpPr txBox="1"/>
+          <p:nvPr/>
+        </p:nvSpPr>
+        <p:spPr>
+          <a:xfrm>
+            <a:off x="2297419" y="5785030"/>
+            <a:ext cx="1111706" cy="331175"/>
+          </a:xfrm>
+          <a:prstGeom prst="rect">
+            <a:avLst/>
+          </a:prstGeom>
+          <a:noFill/>
+        </p:spPr>
+        <p:txBody>
+          <a:bodyPr wrap="square" lIns="0" tIns="0" rIns="0" bIns="0" rtlCol="0">
+            <a:noAutofit/>
+          </a:bodyPr>
+          <a:lstStyle/>
+          <a:p>
+            <a:pPr algn="l"/>
+            <a:r>
+              <a:rPr lang="en-GB" sz="1400" dirty="0">
+                <a:latin typeface="Suisse Int'l" panose="020B0504000000000000" pitchFamily="34" charset="77"/>
+              </a:rPr>
+              <a:t>pitching moment bias</a:t>
+            </a:r>
+            <a:endParaRPr lang="en-GB" sz="1400" b="0" i="0" dirty="0">
+              <a:latin typeface="Suisse Int'l" panose="020B0504000000000000" pitchFamily="34" charset="77"/>
+            </a:endParaRPr>
+          </a:p>
+        </p:txBody>
+      </p:sp>
+      <p:sp>
+        <p:nvSpPr>
+          <p:cNvPr id="41" name="Right Brace 40"/>
+          <p:cNvSpPr/>
+          <p:nvPr/>
+        </p:nvSpPr>
+        <p:spPr>
+          <a:xfrm rot="5400000" flipH="1">
+            <a:off x="4118309" y="4847916"/>
+            <a:ext cx="145324" cy="357807"/>
+          </a:xfrm>
+          <a:prstGeom prst="rightBrace">
+            <a:avLst/>
+          </a:prstGeom>
+          <a:ln w="12700">
+            <a:solidFill>
+              <a:srgbClr val="C00000"/>
+            </a:solidFill>
+            <a:round/>
+            <a:headEnd type="none"/>
+            <a:tailEnd type="none"/>
+          </a:ln>
+        </p:spPr>
+        <p:style>
+          <a:lnRef idx="1">
+            <a:schemeClr val="accent1"/>
+          </a:lnRef>
+          <a:fillRef idx="0">
+            <a:schemeClr val="accent1"/>
+          </a:fillRef>
+          <a:effectRef idx="0">
+            <a:schemeClr val="accent1"/>
+          </a:effectRef>
+          <a:fontRef idx="minor">
+            <a:schemeClr val="tx1"/>
+          </a:fontRef>
+        </p:style>
+        <p:txBody>
+          <a:bodyPr rtlCol="0" anchor="ctr"/>
+          <a:lstStyle/>
+          <a:p>
+            <a:pPr algn="ctr"/>
+            <a:endParaRPr lang="en-GB"/>
+          </a:p>
+        </p:txBody>
+      </p:sp>
+      <p:sp>
+        <p:nvSpPr>
+          <p:cNvPr id="42" name="TextBox 41"/>
+          <p:cNvSpPr txBox="1"/>
+          <p:nvPr/>
+        </p:nvSpPr>
+        <p:spPr>
+          <a:xfrm>
+            <a:off x="3856914" y="4449464"/>
+            <a:ext cx="890652" cy="418923"/>
+          </a:xfrm>
+          <a:prstGeom prst="rect">
+            <a:avLst/>
+          </a:prstGeom>
+          <a:noFill/>
+        </p:spPr>
+        <p:txBody>
+          <a:bodyPr wrap="square" lIns="0" tIns="0" rIns="0" bIns="0" rtlCol="0">
+            <a:noAutofit/>
+          </a:bodyPr>
+          <a:lstStyle/>
+          <a:p>
+            <a:pPr algn="l"/>
+            <a:r>
+              <a:rPr lang="en-GB" sz="1400" dirty="0">
+                <a:latin typeface="Suisse Int'l" panose="020B0504000000000000" pitchFamily="34" charset="77"/>
+              </a:rPr>
+              <a:t>H/C angle of attack</a:t>
+            </a:r>
+            <a:endParaRPr lang="en-GB" sz="1400" b="0" i="0" dirty="0">
+              <a:latin typeface="Suisse Int'l" panose="020B0504000000000000" pitchFamily="34" charset="77"/>
+            </a:endParaRPr>
+          </a:p>
+        </p:txBody>
+      </p:sp>
+      <p:sp>
+        <p:nvSpPr>
+          <p:cNvPr id="43" name="TextBox 42"/>
+          <p:cNvSpPr txBox="1"/>
+          <p:nvPr/>
+        </p:nvSpPr>
+        <p:spPr>
+          <a:xfrm>
+            <a:off x="5098044" y="4266490"/>
+            <a:ext cx="982410" cy="418923"/>
+          </a:xfrm>
+          <a:prstGeom prst="rect">
+            <a:avLst/>
+          </a:prstGeom>
+          <a:noFill/>
+        </p:spPr>
+        <p:txBody>
+          <a:bodyPr wrap="square" lIns="0" tIns="0" rIns="0" bIns="0" rtlCol="0">
+            <a:noAutofit/>
+          </a:bodyPr>
+          <a:lstStyle/>
+          <a:p>
+            <a:pPr algn="l"/>
+            <a:r>
+              <a:rPr lang="en-GB" sz="1400" b="0" i="0" dirty="0">
+                <a:latin typeface="Suisse Int'l" panose="020B0504000000000000" pitchFamily="34" charset="77"/>
+              </a:rPr>
+              <a:t>longitudinal angular velocity</a:t>
+            </a:r>
+          </a:p>
+        </p:txBody>
+      </p:sp>
+      <p:sp>
+        <p:nvSpPr>
+          <p:cNvPr id="44" name="Right Brace 43"/>
+          <p:cNvSpPr/>
+          <p:nvPr/>
+        </p:nvSpPr>
+        <p:spPr>
+          <a:xfrm rot="5400000" flipH="1">
+            <a:off x="5311236" y="4847916"/>
+            <a:ext cx="145324" cy="357807"/>
+          </a:xfrm>
+          <a:prstGeom prst="rightBrace">
+            <a:avLst/>
+          </a:prstGeom>
+          <a:ln w="12700">
+            <a:solidFill>
+              <a:srgbClr val="C00000"/>
+            </a:solidFill>
+            <a:round/>
+          </a:ln>
+        </p:spPr>
+        <p:style>
+          <a:lnRef idx="1">
+            <a:schemeClr val="accent1"/>
+          </a:lnRef>
+          <a:fillRef idx="0">
+            <a:schemeClr val="accent1"/>
+          </a:fillRef>
+          <a:effectRef idx="0">
+            <a:schemeClr val="accent1"/>
+          </a:effectRef>
+          <a:fontRef idx="minor">
+            <a:schemeClr val="tx1"/>
+          </a:fontRef>
+        </p:style>
+        <p:txBody>
+          <a:bodyPr rtlCol="0" anchor="ctr"/>
+          <a:lstStyle/>
+          <a:p>
+            <a:pPr algn="ctr"/>
+            <a:endParaRPr lang="en-GB"/>
+          </a:p>
+        </p:txBody>
+      </p:sp>
+      <p:sp>
+        <p:nvSpPr>
+          <p:cNvPr id="45" name="TextBox 44"/>
+          <p:cNvSpPr txBox="1"/>
+          <p:nvPr/>
+        </p:nvSpPr>
+        <p:spPr>
+          <a:xfrm>
+            <a:off x="6478348" y="4240002"/>
+            <a:ext cx="982410" cy="418923"/>
+          </a:xfrm>
+          <a:prstGeom prst="rect">
+            <a:avLst/>
+          </a:prstGeom>
+          <a:noFill/>
+        </p:spPr>
+        <p:txBody>
+          <a:bodyPr wrap="square" lIns="0" tIns="0" rIns="0" bIns="0" rtlCol="0">
+            <a:noAutofit/>
+          </a:bodyPr>
+          <a:lstStyle/>
+          <a:p>
+            <a:pPr algn="l"/>
+            <a:r>
+              <a:rPr lang="en-GB" sz="1400" dirty="0">
+                <a:latin typeface="Suisse Int'l" panose="020B0504000000000000" pitchFamily="34" charset="77"/>
+              </a:rPr>
+              <a:t>pitch control </a:t>
+            </a:r>
+            <a:r>
+              <a:rPr lang="en-GB" sz="1400" b="0" i="0" dirty="0">
+                <a:latin typeface="Suisse Int'l" panose="020B0504000000000000" pitchFamily="34" charset="77"/>
+              </a:rPr>
+              <a:t>input</a:t>
+            </a:r>
+          </a:p>
+        </p:txBody>
+      </p:sp>
+      <p:sp>
+        <p:nvSpPr>
+          <p:cNvPr id="46" name="Right Brace 45"/>
+          <p:cNvSpPr/>
+          <p:nvPr/>
+        </p:nvSpPr>
+        <p:spPr>
+          <a:xfrm rot="5400000" flipH="1">
+            <a:off x="6637560" y="4821428"/>
+            <a:ext cx="145324" cy="357807"/>
+          </a:xfrm>
+          <a:prstGeom prst="rightBrace">
+            <a:avLst/>
+          </a:prstGeom>
+          <a:ln w="12700">
+            <a:solidFill>
+              <a:srgbClr val="C00000"/>
+            </a:solidFill>
+            <a:round/>
+          </a:ln>
+        </p:spPr>
+        <p:style>
+          <a:lnRef idx="1">
+            <a:schemeClr val="accent1"/>
+          </a:lnRef>
+          <a:fillRef idx="0">
+            <a:schemeClr val="accent1"/>
+          </a:fillRef>
+          <a:effectRef idx="0">
+            <a:schemeClr val="accent1"/>
+          </a:effectRef>
+          <a:fontRef idx="minor">
+            <a:schemeClr val="tx1"/>
+          </a:fontRef>
+        </p:style>
+        <p:txBody>
+          <a:bodyPr rtlCol="0" anchor="ctr"/>
+          <a:lstStyle/>
+          <a:p>
+            <a:pPr algn="ctr"/>
+            <a:endParaRPr lang="en-GB"/>
+          </a:p>
+        </p:txBody>
+      </p:sp>
     </p:spTree>
     <p:extLst>
       <p:ext uri="{BB962C8B-B14F-4D97-AF65-F5344CB8AC3E}">
-        <p14:creationId xmlns:p14="http://schemas.microsoft.com/office/powerpoint/2010/main" val="3600795312"/>
+        <p14:creationId xmlns:p14="http://schemas.microsoft.com/office/powerpoint/2010/main" val="2267935747"/>
       </p:ext>
     </p:extLst>
   </p:cSld>
@@ -6497,7 +9645,7 @@
           <a:p>
             <a:r>
               <a:rPr lang="en-GB" dirty="0"/>
-              <a:t>Aircraft System Identification</a:t>
+              <a:t>How does it work?</a:t>
             </a:r>
           </a:p>
         </p:txBody>
@@ -6557,388 +9705,6 @@
               <a:rPr lang="en-GB" smtClean="0"/>
               <a:pPr/>
               <a:t>6</a:t>
-            </a:fld>
-            <a:endParaRPr lang="en-GB" dirty="0"/>
-          </a:p>
-        </p:txBody>
-      </p:sp>
-      <p:sp>
-        <p:nvSpPr>
-          <p:cNvPr id="5" name="Date Placeholder 4"/>
-          <p:cNvSpPr>
-            <a:spLocks noGrp="1"/>
-          </p:cNvSpPr>
-          <p:nvPr>
-            <p:ph type="dt" sz="half" idx="10"/>
-          </p:nvPr>
-        </p:nvSpPr>
-        <p:spPr/>
-        <p:txBody>
-          <a:bodyPr/>
-          <a:lstStyle/>
-          <a:p>
-            <a:fld id="{16C1D5B0-5220-44BF-BD99-44FE20BE1773}" type="datetime5">
-              <a:rPr lang="en-US" smtClean="0"/>
-              <a:t>22-Feb-18</a:t>
-            </a:fld>
-            <a:endParaRPr lang="en-GB" dirty="0"/>
-          </a:p>
-        </p:txBody>
-      </p:sp>
-      <p:pic>
-        <p:nvPicPr>
-          <p:cNvPr id="3" name="Grafik 2">
-            <a:extLst>
-              <a:ext uri="{FF2B5EF4-FFF2-40B4-BE49-F238E27FC236}">
-                <a16:creationId xmlns:a16="http://schemas.microsoft.com/office/drawing/2014/main" id="{88FF0D8E-FA19-4144-BCA6-80638734E310}"/>
-              </a:ext>
-            </a:extLst>
-          </p:cNvPr>
-          <p:cNvPicPr>
-            <a:picLocks noChangeAspect="1"/>
-          </p:cNvPicPr>
-          <p:nvPr/>
-        </p:nvPicPr>
-        <p:blipFill>
-          <a:blip r:embed="rId2"/>
-          <a:stretch>
-            <a:fillRect/>
-          </a:stretch>
-        </p:blipFill>
-        <p:spPr>
-          <a:xfrm>
-            <a:off x="995362" y="704850"/>
-            <a:ext cx="7153275" cy="5448300"/>
-          </a:xfrm>
-          <a:prstGeom prst="rect">
-            <a:avLst/>
-          </a:prstGeom>
-        </p:spPr>
-      </p:pic>
-    </p:spTree>
-    <p:extLst>
-      <p:ext uri="{BB962C8B-B14F-4D97-AF65-F5344CB8AC3E}">
-        <p14:creationId xmlns:p14="http://schemas.microsoft.com/office/powerpoint/2010/main" val="2167726244"/>
-      </p:ext>
-    </p:extLst>
-  </p:cSld>
-  <p:clrMapOvr>
-    <a:masterClrMapping/>
-  </p:clrMapOvr>
-</p:sld>
-</file>
-
-<file path=ppt/slides/slide7.xml><?xml version="1.0" encoding="utf-8"?>
-<p:sld xmlns:a="http://schemas.openxmlformats.org/drawingml/2006/main" xmlns:r="http://schemas.openxmlformats.org/officeDocument/2006/relationships" xmlns:p="http://schemas.openxmlformats.org/presentationml/2006/main">
-  <p:cSld>
-    <p:spTree>
-      <p:nvGrpSpPr>
-        <p:cNvPr id="1" name=""/>
-        <p:cNvGrpSpPr/>
-        <p:nvPr/>
-      </p:nvGrpSpPr>
-      <p:grpSpPr>
-        <a:xfrm>
-          <a:off x="0" y="0"/>
-          <a:ext cx="0" cy="0"/>
-          <a:chOff x="0" y="0"/>
-          <a:chExt cx="0" cy="0"/>
-        </a:xfrm>
-      </p:grpSpPr>
-      <p:sp>
-        <p:nvSpPr>
-          <p:cNvPr id="2" name="Title 1">
-            <a:extLst>
-              <a:ext uri="{FF2B5EF4-FFF2-40B4-BE49-F238E27FC236}">
-                <a16:creationId xmlns:a16="http://schemas.microsoft.com/office/drawing/2014/main" id="{AE4259FB-36D9-684C-95F0-18535CB57C6B}"/>
-              </a:ext>
-            </a:extLst>
-          </p:cNvPr>
-          <p:cNvSpPr>
-            <a:spLocks noGrp="1"/>
-          </p:cNvSpPr>
-          <p:nvPr>
-            <p:ph type="title"/>
-          </p:nvPr>
-        </p:nvSpPr>
-        <p:spPr>
-          <a:xfrm>
-            <a:off x="504000" y="392724"/>
-            <a:ext cx="6523643" cy="472431"/>
-          </a:xfrm>
-        </p:spPr>
-        <p:txBody>
-          <a:bodyPr anchor="b"/>
-          <a:lstStyle/>
-          <a:p>
-            <a:r>
-              <a:rPr lang="en-GB" dirty="0"/>
-              <a:t>Close the loop</a:t>
-            </a:r>
-          </a:p>
-        </p:txBody>
-      </p:sp>
-      <p:sp>
-        <p:nvSpPr>
-          <p:cNvPr id="3" name="Content Placeholder 2">
-            <a:extLst>
-              <a:ext uri="{FF2B5EF4-FFF2-40B4-BE49-F238E27FC236}">
-                <a16:creationId xmlns:a16="http://schemas.microsoft.com/office/drawing/2014/main" id="{C19AF051-9B1E-C04B-A28B-18DE801F3709}"/>
-              </a:ext>
-            </a:extLst>
-          </p:cNvPr>
-          <p:cNvSpPr>
-            <a:spLocks noGrp="1"/>
-          </p:cNvSpPr>
-          <p:nvPr>
-            <p:ph idx="1"/>
-          </p:nvPr>
-        </p:nvSpPr>
-        <p:spPr>
-          <a:xfrm>
-            <a:off x="504000" y="1148993"/>
-            <a:ext cx="7810500" cy="4576557"/>
-          </a:xfrm>
-        </p:spPr>
-        <p:txBody>
-          <a:bodyPr/>
-          <a:lstStyle/>
-          <a:p>
-            <a:pPr marL="0" indent="0">
-              <a:buNone/>
-            </a:pPr>
-            <a:r>
-              <a:rPr lang="en-GB" dirty="0"/>
-              <a:t>Give those </a:t>
-            </a:r>
-            <a:r>
-              <a:rPr lang="en-GB" dirty="0" err="1"/>
-              <a:t>F_aero</a:t>
-            </a:r>
-            <a:r>
-              <a:rPr lang="en-GB" dirty="0"/>
-              <a:t> and </a:t>
-            </a:r>
-            <a:r>
-              <a:rPr lang="en-GB" dirty="0" err="1"/>
-              <a:t>M_aero</a:t>
-            </a:r>
-            <a:r>
-              <a:rPr lang="en-GB" dirty="0"/>
-              <a:t> to Nico and the guys from Flight Physics to validate </a:t>
-            </a:r>
-            <a:r>
-              <a:rPr lang="en-GB" dirty="0" err="1"/>
-              <a:t>FlightLab</a:t>
-            </a:r>
-            <a:r>
-              <a:rPr lang="en-GB" dirty="0"/>
-              <a:t> model when trying to predict dynamic behaviour of the system</a:t>
-            </a:r>
-          </a:p>
-        </p:txBody>
-      </p:sp>
-      <p:sp>
-        <p:nvSpPr>
-          <p:cNvPr id="7" name="Text Placeholder 6">
-            <a:extLst>
-              <a:ext uri="{FF2B5EF4-FFF2-40B4-BE49-F238E27FC236}">
-                <a16:creationId xmlns:a16="http://schemas.microsoft.com/office/drawing/2014/main" id="{E1ED1E1C-C805-0D4B-BE34-F08F4C566B7B}"/>
-              </a:ext>
-            </a:extLst>
-          </p:cNvPr>
-          <p:cNvSpPr>
-            <a:spLocks noGrp="1"/>
-          </p:cNvSpPr>
-          <p:nvPr>
-            <p:ph type="body" idx="14"/>
-          </p:nvPr>
-        </p:nvSpPr>
-        <p:spPr/>
-        <p:txBody>
-          <a:bodyPr/>
-          <a:lstStyle/>
-          <a:p>
-            <a:r>
-              <a:rPr lang="en-GB" dirty="0"/>
-              <a:t>@ </a:t>
-            </a:r>
-            <a:r>
-              <a:rPr lang="en-GB" dirty="0" err="1"/>
-              <a:t>Kopter</a:t>
-            </a:r>
-            <a:r>
-              <a:rPr lang="en-GB" dirty="0"/>
-              <a:t> Group AG | Alejandro Valverde</a:t>
-            </a:r>
-          </a:p>
-        </p:txBody>
-      </p:sp>
-      <p:sp>
-        <p:nvSpPr>
-          <p:cNvPr id="4" name="Slide Number Placeholder 3"/>
-          <p:cNvSpPr>
-            <a:spLocks noGrp="1"/>
-          </p:cNvSpPr>
-          <p:nvPr>
-            <p:ph type="sldNum" sz="quarter" idx="12"/>
-          </p:nvPr>
-        </p:nvSpPr>
-        <p:spPr/>
-        <p:txBody>
-          <a:bodyPr/>
-          <a:lstStyle/>
-          <a:p>
-            <a:fld id="{011C9D03-AE4A-2848-9956-B167AE17B095}" type="slidenum">
-              <a:rPr lang="en-GB" smtClean="0"/>
-              <a:pPr/>
-              <a:t>7</a:t>
-            </a:fld>
-            <a:endParaRPr lang="en-GB" dirty="0"/>
-          </a:p>
-        </p:txBody>
-      </p:sp>
-      <p:sp>
-        <p:nvSpPr>
-          <p:cNvPr id="5" name="Date Placeholder 4"/>
-          <p:cNvSpPr>
-            <a:spLocks noGrp="1"/>
-          </p:cNvSpPr>
-          <p:nvPr>
-            <p:ph type="dt" sz="half" idx="10"/>
-          </p:nvPr>
-        </p:nvSpPr>
-        <p:spPr/>
-        <p:txBody>
-          <a:bodyPr/>
-          <a:lstStyle/>
-          <a:p>
-            <a:fld id="{16C1D5B0-5220-44BF-BD99-44FE20BE1773}" type="datetime5">
-              <a:rPr lang="en-US" smtClean="0"/>
-              <a:t>22-Feb-18</a:t>
-            </a:fld>
-            <a:endParaRPr lang="en-GB" dirty="0"/>
-          </a:p>
-        </p:txBody>
-      </p:sp>
-    </p:spTree>
-    <p:extLst>
-      <p:ext uri="{BB962C8B-B14F-4D97-AF65-F5344CB8AC3E}">
-        <p14:creationId xmlns:p14="http://schemas.microsoft.com/office/powerpoint/2010/main" val="523109830"/>
-      </p:ext>
-    </p:extLst>
-  </p:cSld>
-  <p:clrMapOvr>
-    <a:masterClrMapping/>
-  </p:clrMapOvr>
-</p:sld>
-</file>
-
-<file path=ppt/slides/slide8.xml><?xml version="1.0" encoding="utf-8"?>
-<p:sld xmlns:a="http://schemas.openxmlformats.org/drawingml/2006/main" xmlns:r="http://schemas.openxmlformats.org/officeDocument/2006/relationships" xmlns:p="http://schemas.openxmlformats.org/presentationml/2006/main">
-  <p:cSld>
-    <p:spTree>
-      <p:nvGrpSpPr>
-        <p:cNvPr id="1" name=""/>
-        <p:cNvGrpSpPr/>
-        <p:nvPr/>
-      </p:nvGrpSpPr>
-      <p:grpSpPr>
-        <a:xfrm>
-          <a:off x="0" y="0"/>
-          <a:ext cx="0" cy="0"/>
-          <a:chOff x="0" y="0"/>
-          <a:chExt cx="0" cy="0"/>
-        </a:xfrm>
-      </p:grpSpPr>
-      <p:sp>
-        <p:nvSpPr>
-          <p:cNvPr id="2" name="Title 1">
-            <a:extLst>
-              <a:ext uri="{FF2B5EF4-FFF2-40B4-BE49-F238E27FC236}">
-                <a16:creationId xmlns:a16="http://schemas.microsoft.com/office/drawing/2014/main" id="{AE4259FB-36D9-684C-95F0-18535CB57C6B}"/>
-              </a:ext>
-            </a:extLst>
-          </p:cNvPr>
-          <p:cNvSpPr>
-            <a:spLocks noGrp="1"/>
-          </p:cNvSpPr>
-          <p:nvPr>
-            <p:ph type="title"/>
-          </p:nvPr>
-        </p:nvSpPr>
-        <p:spPr>
-          <a:xfrm>
-            <a:off x="504000" y="392724"/>
-            <a:ext cx="6523643" cy="472431"/>
-          </a:xfrm>
-        </p:spPr>
-        <p:txBody>
-          <a:bodyPr anchor="b"/>
-          <a:lstStyle/>
-          <a:p>
-            <a:r>
-              <a:rPr lang="en-GB" dirty="0"/>
-              <a:t>How does it work?</a:t>
-            </a:r>
-          </a:p>
-        </p:txBody>
-      </p:sp>
-      <p:sp>
-        <p:nvSpPr>
-          <p:cNvPr id="7" name="Text Placeholder 6">
-            <a:extLst>
-              <a:ext uri="{FF2B5EF4-FFF2-40B4-BE49-F238E27FC236}">
-                <a16:creationId xmlns:a16="http://schemas.microsoft.com/office/drawing/2014/main" id="{E1ED1E1C-C805-0D4B-BE34-F08F4C566B7B}"/>
-              </a:ext>
-            </a:extLst>
-          </p:cNvPr>
-          <p:cNvSpPr>
-            <a:spLocks noGrp="1"/>
-          </p:cNvSpPr>
-          <p:nvPr>
-            <p:ph type="body" idx="14"/>
-          </p:nvPr>
-        </p:nvSpPr>
-        <p:spPr/>
-        <p:txBody>
-          <a:bodyPr/>
-          <a:lstStyle/>
-          <a:p>
-            <a:r>
-              <a:rPr lang="en-GB" dirty="0"/>
-              <a:t>@ </a:t>
-            </a:r>
-            <a:r>
-              <a:rPr lang="en-GB" dirty="0" err="1"/>
-              <a:t>Kopter</a:t>
-            </a:r>
-            <a:r>
-              <a:rPr lang="en-GB" dirty="0"/>
-              <a:t> Group AG | Alejandro Valverde</a:t>
-            </a:r>
-          </a:p>
-        </p:txBody>
-      </p:sp>
-      <p:sp>
-        <p:nvSpPr>
-          <p:cNvPr id="4" name="Slide Number Placeholder 3"/>
-          <p:cNvSpPr>
-            <a:spLocks noGrp="1"/>
-          </p:cNvSpPr>
-          <p:nvPr>
-            <p:ph type="sldNum" sz="quarter" idx="12"/>
-          </p:nvPr>
-        </p:nvSpPr>
-        <p:spPr/>
-        <p:txBody>
-          <a:bodyPr/>
-          <a:lstStyle/>
-          <a:p>
-            <a:fld id="{011C9D03-AE4A-2848-9956-B167AE17B095}" type="slidenum">
-              <a:rPr lang="en-GB" smtClean="0"/>
-              <a:pPr/>
-              <a:t>8</a:t>
             </a:fld>
             <a:endParaRPr lang="en-GB" dirty="0"/>
           </a:p>
@@ -7010,6 +9776,441 @@
 </p:sld>
 </file>
 
+<file path=ppt/slides/slide7.xml><?xml version="1.0" encoding="utf-8"?>
+<p:sld xmlns:a="http://schemas.openxmlformats.org/drawingml/2006/main" xmlns:r="http://schemas.openxmlformats.org/officeDocument/2006/relationships" xmlns:p="http://schemas.openxmlformats.org/presentationml/2006/main">
+  <p:cSld>
+    <p:spTree>
+      <p:nvGrpSpPr>
+        <p:cNvPr id="1" name=""/>
+        <p:cNvGrpSpPr/>
+        <p:nvPr/>
+      </p:nvGrpSpPr>
+      <p:grpSpPr>
+        <a:xfrm>
+          <a:off x="0" y="0"/>
+          <a:ext cx="0" cy="0"/>
+          <a:chOff x="0" y="0"/>
+          <a:chExt cx="0" cy="0"/>
+        </a:xfrm>
+      </p:grpSpPr>
+      <p:sp>
+        <p:nvSpPr>
+          <p:cNvPr id="2" name="Title 1">
+            <a:extLst>
+              <a:ext uri="{FF2B5EF4-FFF2-40B4-BE49-F238E27FC236}">
+                <a16:creationId xmlns:a16="http://schemas.microsoft.com/office/drawing/2014/main" id="{AE4259FB-36D9-684C-95F0-18535CB57C6B}"/>
+              </a:ext>
+            </a:extLst>
+          </p:cNvPr>
+          <p:cNvSpPr>
+            <a:spLocks noGrp="1"/>
+          </p:cNvSpPr>
+          <p:nvPr>
+            <p:ph type="title"/>
+          </p:nvPr>
+        </p:nvSpPr>
+        <p:spPr>
+          <a:xfrm>
+            <a:off x="504000" y="392724"/>
+            <a:ext cx="6523643" cy="472431"/>
+          </a:xfrm>
+        </p:spPr>
+        <p:txBody>
+          <a:bodyPr anchor="b"/>
+          <a:lstStyle/>
+          <a:p>
+            <a:r>
+              <a:rPr lang="en-GB" dirty="0"/>
+              <a:t>Tools</a:t>
+            </a:r>
+          </a:p>
+        </p:txBody>
+      </p:sp>
+      <p:sp>
+        <p:nvSpPr>
+          <p:cNvPr id="7" name="Text Placeholder 6">
+            <a:extLst>
+              <a:ext uri="{FF2B5EF4-FFF2-40B4-BE49-F238E27FC236}">
+                <a16:creationId xmlns:a16="http://schemas.microsoft.com/office/drawing/2014/main" id="{E1ED1E1C-C805-0D4B-BE34-F08F4C566B7B}"/>
+              </a:ext>
+            </a:extLst>
+          </p:cNvPr>
+          <p:cNvSpPr>
+            <a:spLocks noGrp="1"/>
+          </p:cNvSpPr>
+          <p:nvPr>
+            <p:ph type="body" idx="14"/>
+          </p:nvPr>
+        </p:nvSpPr>
+        <p:spPr/>
+        <p:txBody>
+          <a:bodyPr/>
+          <a:lstStyle/>
+          <a:p>
+            <a:r>
+              <a:rPr lang="en-GB" dirty="0"/>
+              <a:t>@ </a:t>
+            </a:r>
+            <a:r>
+              <a:rPr lang="en-GB" dirty="0" err="1"/>
+              <a:t>Kopter</a:t>
+            </a:r>
+            <a:r>
+              <a:rPr lang="en-GB" dirty="0"/>
+              <a:t> Group AG | Alejandro Valverde</a:t>
+            </a:r>
+          </a:p>
+        </p:txBody>
+      </p:sp>
+      <p:sp>
+        <p:nvSpPr>
+          <p:cNvPr id="4" name="Slide Number Placeholder 3"/>
+          <p:cNvSpPr>
+            <a:spLocks noGrp="1"/>
+          </p:cNvSpPr>
+          <p:nvPr>
+            <p:ph type="sldNum" sz="quarter" idx="12"/>
+          </p:nvPr>
+        </p:nvSpPr>
+        <p:spPr/>
+        <p:txBody>
+          <a:bodyPr/>
+          <a:lstStyle/>
+          <a:p>
+            <a:fld id="{011C9D03-AE4A-2848-9956-B167AE17B095}" type="slidenum">
+              <a:rPr lang="en-GB" smtClean="0"/>
+              <a:pPr/>
+              <a:t>7</a:t>
+            </a:fld>
+            <a:endParaRPr lang="en-GB" dirty="0"/>
+          </a:p>
+        </p:txBody>
+      </p:sp>
+      <p:sp>
+        <p:nvSpPr>
+          <p:cNvPr id="5" name="Date Placeholder 4"/>
+          <p:cNvSpPr>
+            <a:spLocks noGrp="1"/>
+          </p:cNvSpPr>
+          <p:nvPr>
+            <p:ph type="dt" sz="half" idx="10"/>
+          </p:nvPr>
+        </p:nvSpPr>
+        <p:spPr/>
+        <p:txBody>
+          <a:bodyPr/>
+          <a:lstStyle/>
+          <a:p>
+            <a:fld id="{16C1D5B0-5220-44BF-BD99-44FE20BE1773}" type="datetime5">
+              <a:rPr lang="en-US" smtClean="0"/>
+              <a:t>22-Feb-18</a:t>
+            </a:fld>
+            <a:endParaRPr lang="en-GB" dirty="0"/>
+          </a:p>
+        </p:txBody>
+      </p:sp>
+      <p:sp>
+        <p:nvSpPr>
+          <p:cNvPr id="8" name="Content Placeholder 2">
+            <a:extLst>
+              <a:ext uri="{FF2B5EF4-FFF2-40B4-BE49-F238E27FC236}">
+                <a16:creationId xmlns:a16="http://schemas.microsoft.com/office/drawing/2014/main" id="{C19AF051-9B1E-C04B-A28B-18DE801F3709}"/>
+              </a:ext>
+            </a:extLst>
+          </p:cNvPr>
+          <p:cNvSpPr>
+            <a:spLocks noGrp="1"/>
+          </p:cNvSpPr>
+          <p:nvPr>
+            <p:ph idx="1"/>
+          </p:nvPr>
+        </p:nvSpPr>
+        <p:spPr>
+          <a:xfrm>
+            <a:off x="656319" y="1049113"/>
+            <a:ext cx="5188525" cy="2762106"/>
+          </a:xfrm>
+        </p:spPr>
+        <p:txBody>
+          <a:bodyPr/>
+          <a:lstStyle/>
+          <a:p>
+            <a:pPr marL="342900" indent="-342900">
+              <a:buFont typeface="Arial" panose="020B0604020202020204" pitchFamily="34" charset="0"/>
+              <a:buChar char="•"/>
+            </a:pPr>
+            <a:r>
+              <a:rPr lang="en-GB" dirty="0"/>
+              <a:t>Already available</a:t>
+            </a:r>
+          </a:p>
+          <a:p>
+            <a:pPr marL="342900" indent="-342900">
+              <a:buFont typeface="Arial" panose="020B0604020202020204" pitchFamily="34" charset="0"/>
+              <a:buChar char="•"/>
+            </a:pPr>
+            <a:endParaRPr lang="en-GB" dirty="0"/>
+          </a:p>
+          <a:p>
+            <a:pPr marL="342900" indent="-342900">
+              <a:buFont typeface="Arial" panose="020B0604020202020204" pitchFamily="34" charset="0"/>
+              <a:buChar char="•"/>
+            </a:pPr>
+            <a:r>
+              <a:rPr lang="en-GB" dirty="0"/>
+              <a:t>No development time needed</a:t>
+            </a:r>
+          </a:p>
+          <a:p>
+            <a:pPr marL="342900" indent="-342900">
+              <a:buFont typeface="Arial" panose="020B0604020202020204" pitchFamily="34" charset="0"/>
+              <a:buChar char="•"/>
+            </a:pPr>
+            <a:endParaRPr lang="en-GB" dirty="0"/>
+          </a:p>
+          <a:p>
+            <a:pPr marL="342900" indent="-342900">
+              <a:buFont typeface="Arial" panose="020B0604020202020204" pitchFamily="34" charset="0"/>
+              <a:buChar char="•"/>
+            </a:pPr>
+            <a:r>
+              <a:rPr lang="en-GB" dirty="0"/>
+              <a:t>Proven industry suitable software</a:t>
+            </a:r>
+          </a:p>
+          <a:p>
+            <a:pPr marL="342900" indent="-342900">
+              <a:buFont typeface="Arial" panose="020B0604020202020204" pitchFamily="34" charset="0"/>
+              <a:buChar char="•"/>
+            </a:pPr>
+            <a:endParaRPr lang="en-GB" dirty="0"/>
+          </a:p>
+          <a:p>
+            <a:pPr marL="342900" indent="-342900">
+              <a:buFont typeface="Arial" panose="020B0604020202020204" pitchFamily="34" charset="0"/>
+              <a:buChar char="•"/>
+            </a:pPr>
+            <a:r>
+              <a:rPr lang="en-GB" dirty="0"/>
+              <a:t>Further ways:</a:t>
+            </a:r>
+          </a:p>
+          <a:p>
+            <a:pPr marL="451512" lvl="2" indent="-342900">
+              <a:buFont typeface="Arial" panose="020B0604020202020204" pitchFamily="34" charset="0"/>
+              <a:buChar char="•"/>
+            </a:pPr>
+            <a:endParaRPr lang="en-GB" dirty="0"/>
+          </a:p>
+          <a:p>
+            <a:pPr marL="451512" lvl="2" indent="-342900">
+              <a:buFont typeface="Arial" panose="020B0604020202020204" pitchFamily="34" charset="0"/>
+              <a:buChar char="•"/>
+            </a:pPr>
+            <a:r>
+              <a:rPr lang="en-GB" dirty="0"/>
+              <a:t>Python implementation</a:t>
+            </a:r>
+          </a:p>
+          <a:p>
+            <a:pPr marL="0" indent="0">
+              <a:buNone/>
+            </a:pPr>
+            <a:endParaRPr lang="en-GB" dirty="0"/>
+          </a:p>
+        </p:txBody>
+      </p:sp>
+      <p:pic>
+        <p:nvPicPr>
+          <p:cNvPr id="9" name="Picture 8"/>
+          <p:cNvPicPr>
+            <a:picLocks noChangeAspect="1"/>
+          </p:cNvPicPr>
+          <p:nvPr/>
+        </p:nvPicPr>
+        <p:blipFill>
+          <a:blip r:embed="rId2"/>
+          <a:stretch>
+            <a:fillRect/>
+          </a:stretch>
+        </p:blipFill>
+        <p:spPr>
+          <a:xfrm>
+            <a:off x="6159398" y="877054"/>
+            <a:ext cx="2681452" cy="3529911"/>
+          </a:xfrm>
+          <a:prstGeom prst="rect">
+            <a:avLst/>
+          </a:prstGeom>
+        </p:spPr>
+      </p:pic>
+    </p:spTree>
+    <p:extLst>
+      <p:ext uri="{BB962C8B-B14F-4D97-AF65-F5344CB8AC3E}">
+        <p14:creationId xmlns:p14="http://schemas.microsoft.com/office/powerpoint/2010/main" val="2734948036"/>
+      </p:ext>
+    </p:extLst>
+  </p:cSld>
+  <p:clrMapOvr>
+    <a:masterClrMapping/>
+  </p:clrMapOvr>
+</p:sld>
+</file>
+
+<file path=ppt/slides/slide8.xml><?xml version="1.0" encoding="utf-8"?>
+<p:sld xmlns:a="http://schemas.openxmlformats.org/drawingml/2006/main" xmlns:r="http://schemas.openxmlformats.org/officeDocument/2006/relationships" xmlns:p="http://schemas.openxmlformats.org/presentationml/2006/main">
+  <p:cSld>
+    <p:spTree>
+      <p:nvGrpSpPr>
+        <p:cNvPr id="1" name=""/>
+        <p:cNvGrpSpPr/>
+        <p:nvPr/>
+      </p:nvGrpSpPr>
+      <p:grpSpPr>
+        <a:xfrm>
+          <a:off x="0" y="0"/>
+          <a:ext cx="0" cy="0"/>
+          <a:chOff x="0" y="0"/>
+          <a:chExt cx="0" cy="0"/>
+        </a:xfrm>
+      </p:grpSpPr>
+      <p:sp>
+        <p:nvSpPr>
+          <p:cNvPr id="4" name="Date Placeholder 3"/>
+          <p:cNvSpPr>
+            <a:spLocks noGrp="1"/>
+          </p:cNvSpPr>
+          <p:nvPr>
+            <p:ph type="dt" sz="half" idx="10"/>
+          </p:nvPr>
+        </p:nvSpPr>
+        <p:spPr/>
+        <p:txBody>
+          <a:bodyPr/>
+          <a:lstStyle/>
+          <a:p>
+            <a:fld id="{EBD6096E-B422-4A7C-A86B-590D49FB2AD6}" type="datetime5">
+              <a:rPr lang="en-US" smtClean="0"/>
+              <a:t>22-Feb-18</a:t>
+            </a:fld>
+            <a:endParaRPr lang="en-GB" dirty="0"/>
+          </a:p>
+        </p:txBody>
+      </p:sp>
+      <p:sp>
+        <p:nvSpPr>
+          <p:cNvPr id="5" name="Slide Number Placeholder 4"/>
+          <p:cNvSpPr>
+            <a:spLocks noGrp="1"/>
+          </p:cNvSpPr>
+          <p:nvPr>
+            <p:ph type="sldNum" sz="quarter" idx="12"/>
+          </p:nvPr>
+        </p:nvSpPr>
+        <p:spPr/>
+        <p:txBody>
+          <a:bodyPr/>
+          <a:lstStyle/>
+          <a:p>
+            <a:fld id="{011C9D03-AE4A-2848-9956-B167AE17B095}" type="slidenum">
+              <a:rPr lang="en-GB" smtClean="0"/>
+              <a:pPr/>
+              <a:t>8</a:t>
+            </a:fld>
+            <a:endParaRPr lang="en-GB" dirty="0"/>
+          </a:p>
+        </p:txBody>
+      </p:sp>
+      <p:sp>
+        <p:nvSpPr>
+          <p:cNvPr id="6" name="Text Placeholder 5"/>
+          <p:cNvSpPr>
+            <a:spLocks noGrp="1"/>
+          </p:cNvSpPr>
+          <p:nvPr>
+            <p:ph type="body" idx="14"/>
+          </p:nvPr>
+        </p:nvSpPr>
+        <p:spPr/>
+        <p:txBody>
+          <a:bodyPr/>
+          <a:lstStyle/>
+          <a:p>
+            <a:endParaRPr lang="en-GB"/>
+          </a:p>
+        </p:txBody>
+      </p:sp>
+      <p:pic>
+        <p:nvPicPr>
+          <p:cNvPr id="2" name="Picture 1"/>
+          <p:cNvPicPr>
+            <a:picLocks noChangeAspect="1"/>
+          </p:cNvPicPr>
+          <p:nvPr/>
+        </p:nvPicPr>
+        <p:blipFill rotWithShape="1">
+          <a:blip r:embed="rId2">
+            <a:extLst>
+              <a:ext uri="{28A0092B-C50C-407E-A947-70E740481C1C}">
+                <a14:useLocalDpi xmlns:a14="http://schemas.microsoft.com/office/drawing/2010/main" val="0"/>
+              </a:ext>
+            </a:extLst>
+          </a:blip>
+          <a:srcRect r="611"/>
+          <a:stretch/>
+        </p:blipFill>
+        <p:spPr>
+          <a:xfrm>
+            <a:off x="72403" y="1719588"/>
+            <a:ext cx="4404498" cy="3541860"/>
+          </a:xfrm>
+          <a:prstGeom prst="rect">
+            <a:avLst/>
+          </a:prstGeom>
+        </p:spPr>
+      </p:pic>
+      <p:pic>
+        <p:nvPicPr>
+          <p:cNvPr id="8" name="Picture 7"/>
+          <p:cNvPicPr>
+            <a:picLocks noChangeAspect="1"/>
+          </p:cNvPicPr>
+          <p:nvPr/>
+        </p:nvPicPr>
+        <p:blipFill rotWithShape="1">
+          <a:blip r:embed="rId3">
+            <a:extLst>
+              <a:ext uri="{28A0092B-C50C-407E-A947-70E740481C1C}">
+                <a14:useLocalDpi xmlns:a14="http://schemas.microsoft.com/office/drawing/2010/main" val="0"/>
+              </a:ext>
+            </a:extLst>
+          </a:blip>
+          <a:srcRect l="1" r="415"/>
+          <a:stretch/>
+        </p:blipFill>
+        <p:spPr>
+          <a:xfrm>
+            <a:off x="4591238" y="1719588"/>
+            <a:ext cx="4499732" cy="3541860"/>
+          </a:xfrm>
+          <a:prstGeom prst="rect">
+            <a:avLst/>
+          </a:prstGeom>
+        </p:spPr>
+      </p:pic>
+    </p:spTree>
+    <p:extLst>
+      <p:ext uri="{BB962C8B-B14F-4D97-AF65-F5344CB8AC3E}">
+        <p14:creationId xmlns:p14="http://schemas.microsoft.com/office/powerpoint/2010/main" val="3083251106"/>
+      </p:ext>
+    </p:extLst>
+  </p:cSld>
+  <p:clrMapOvr>
+    <a:masterClrMapping/>
+  </p:clrMapOvr>
+</p:sld>
+</file>
+
 <file path=ppt/slides/slide9.xml><?xml version="1.0" encoding="utf-8"?>
 <p:sld xmlns:a="http://schemas.openxmlformats.org/drawingml/2006/main" xmlns:r="http://schemas.openxmlformats.org/officeDocument/2006/relationships" xmlns:p="http://schemas.openxmlformats.org/presentationml/2006/main">
   <p:cSld>
@@ -7029,51 +10230,12 @@
       </p:grpSpPr>
       <p:sp>
         <p:nvSpPr>
-          <p:cNvPr id="2" name="Title 1">
-            <a:extLst>
-              <a:ext uri="{FF2B5EF4-FFF2-40B4-BE49-F238E27FC236}">
-                <a16:creationId xmlns:a16="http://schemas.microsoft.com/office/drawing/2014/main" id="{AE4259FB-36D9-684C-95F0-18535CB57C6B}"/>
-              </a:ext>
-            </a:extLst>
-          </p:cNvPr>
+          <p:cNvPr id="4" name="Date Placeholder 3"/>
           <p:cNvSpPr>
             <a:spLocks noGrp="1"/>
           </p:cNvSpPr>
           <p:nvPr>
-            <p:ph type="title"/>
-          </p:nvPr>
-        </p:nvSpPr>
-        <p:spPr>
-          <a:xfrm>
-            <a:off x="504000" y="392724"/>
-            <a:ext cx="6523643" cy="472431"/>
-          </a:xfrm>
-        </p:spPr>
-        <p:txBody>
-          <a:bodyPr anchor="b"/>
-          <a:lstStyle/>
-          <a:p>
-            <a:r>
-              <a:rPr lang="en-GB" dirty="0"/>
-              <a:t>Flight envelope expansion</a:t>
-            </a:r>
-          </a:p>
-        </p:txBody>
-      </p:sp>
-      <p:sp>
-        <p:nvSpPr>
-          <p:cNvPr id="7" name="Text Placeholder 6">
-            <a:extLst>
-              <a:ext uri="{FF2B5EF4-FFF2-40B4-BE49-F238E27FC236}">
-                <a16:creationId xmlns:a16="http://schemas.microsoft.com/office/drawing/2014/main" id="{E1ED1E1C-C805-0D4B-BE34-F08F4C566B7B}"/>
-              </a:ext>
-            </a:extLst>
-          </p:cNvPr>
-          <p:cNvSpPr>
-            <a:spLocks noGrp="1"/>
-          </p:cNvSpPr>
-          <p:nvPr>
-            <p:ph type="body" idx="14"/>
+            <p:ph type="dt" sz="half" idx="10"/>
           </p:nvPr>
         </p:nvSpPr>
         <p:spPr/>
@@ -7081,24 +10243,17 @@
           <a:bodyPr/>
           <a:lstStyle/>
           <a:p>
-            <a:r>
-              <a:rPr lang="en-GB" dirty="0"/>
-              <a:t>@ </a:t>
-            </a:r>
-            <a:r>
-              <a:rPr lang="en-GB" dirty="0" err="1"/>
-              <a:t>Kopter</a:t>
-            </a:r>
-            <a:r>
-              <a:rPr lang="en-GB" dirty="0"/>
-              <a:t> Group AG | Alejandro Valverde</a:t>
-            </a:r>
-          </a:p>
-        </p:txBody>
-      </p:sp>
-      <p:sp>
-        <p:nvSpPr>
-          <p:cNvPr id="4" name="Slide Number Placeholder 3"/>
+            <a:fld id="{EBD6096E-B422-4A7C-A86B-590D49FB2AD6}" type="datetime5">
+              <a:rPr lang="en-US" smtClean="0"/>
+              <a:t>22-Feb-18</a:t>
+            </a:fld>
+            <a:endParaRPr lang="en-GB" dirty="0"/>
+          </a:p>
+        </p:txBody>
+      </p:sp>
+      <p:sp>
+        <p:nvSpPr>
+          <p:cNvPr id="5" name="Slide Number Placeholder 4"/>
           <p:cNvSpPr>
             <a:spLocks noGrp="1"/>
           </p:cNvSpPr>
@@ -7122,12 +10277,12 @@
       </p:sp>
       <p:sp>
         <p:nvSpPr>
-          <p:cNvPr id="5" name="Date Placeholder 4"/>
+          <p:cNvPr id="6" name="Text Placeholder 5"/>
           <p:cNvSpPr>
             <a:spLocks noGrp="1"/>
           </p:cNvSpPr>
           <p:nvPr>
-            <p:ph type="dt" sz="half" idx="10"/>
+            <p:ph type="body" idx="14"/>
           </p:nvPr>
         </p:nvSpPr>
         <p:spPr/>
@@ -7135,38 +10290,34 @@
           <a:bodyPr/>
           <a:lstStyle/>
           <a:p>
-            <a:fld id="{16C1D5B0-5220-44BF-BD99-44FE20BE1773}" type="datetime5">
-              <a:rPr lang="en-US" smtClean="0"/>
-              <a:t>22-Feb-18</a:t>
-            </a:fld>
-            <a:endParaRPr lang="en-GB" dirty="0"/>
+            <a:endParaRPr lang="en-GB"/>
           </a:p>
         </p:txBody>
       </p:sp>
       <p:pic>
         <p:nvPicPr>
-          <p:cNvPr id="3" name="Grafik 2">
-            <a:extLst>
-              <a:ext uri="{FF2B5EF4-FFF2-40B4-BE49-F238E27FC236}">
-                <a16:creationId xmlns:a16="http://schemas.microsoft.com/office/drawing/2014/main" id="{16F340ED-0F80-4D05-9B83-BF1303F56C91}"/>
-              </a:ext>
-            </a:extLst>
-          </p:cNvPr>
+          <p:cNvPr id="3" name="Picture 2"/>
           <p:cNvPicPr>
             <a:picLocks noChangeAspect="1"/>
           </p:cNvPicPr>
           <p:nvPr/>
         </p:nvPicPr>
         <p:blipFill>
-          <a:blip r:embed="rId2"/>
+          <a:blip r:embed="rId2">
+            <a:extLst>
+              <a:ext uri="{28A0092B-C50C-407E-A947-70E740481C1C}">
+                <a14:useLocalDpi xmlns:a14="http://schemas.microsoft.com/office/drawing/2010/main" val="0"/>
+              </a:ext>
+            </a:extLst>
+          </a:blip>
           <a:stretch>
             <a:fillRect/>
           </a:stretch>
         </p:blipFill>
         <p:spPr>
           <a:xfrm>
-            <a:off x="1028265" y="1519311"/>
-            <a:ext cx="7133092" cy="4780689"/>
+            <a:off x="504000" y="1258105"/>
+            <a:ext cx="8125589" cy="4359969"/>
           </a:xfrm>
           <a:prstGeom prst="rect">
             <a:avLst/>
@@ -7176,7 +10327,7 @@
     </p:spTree>
     <p:extLst>
       <p:ext uri="{BB962C8B-B14F-4D97-AF65-F5344CB8AC3E}">
-        <p14:creationId xmlns:p14="http://schemas.microsoft.com/office/powerpoint/2010/main" val="3501868766"/>
+        <p14:creationId xmlns:p14="http://schemas.microsoft.com/office/powerpoint/2010/main" val="1662630779"/>
       </p:ext>
     </p:extLst>
   </p:cSld>

--- a/s_id/docs/System Identification to support Flight Test activities - proposal.pptx
+++ b/s_id/docs/System Identification to support Flight Test activities - proposal.pptx
@@ -243,7 +243,7 @@
           <a:p>
             <a:fld id="{98125659-4251-4596-AFC5-5C70DF7958FF}" type="datetime5">
               <a:rPr lang="en-US" smtClean="0"/>
-              <a:t>22-Feb-18</a:t>
+              <a:t>23-Feb-18</a:t>
             </a:fld>
             <a:endParaRPr lang="en-GB"/>
           </a:p>
@@ -422,7 +422,7 @@
           <a:p>
             <a:fld id="{668BC97E-E9F6-4398-9383-E12362E4CB76}" type="datetime5">
               <a:rPr lang="en-US" smtClean="0"/>
-              <a:t>22-Feb-18</a:t>
+              <a:t>23-Feb-18</a:t>
             </a:fld>
             <a:endParaRPr lang="en-GB"/>
           </a:p>
@@ -1538,7 +1538,7 @@
           <a:p>
             <a:fld id="{B42B5C18-5904-4A9B-8587-E34CBF2F2A82}" type="datetime5">
               <a:rPr lang="en-US" smtClean="0"/>
-              <a:t>22-Feb-18</a:t>
+              <a:t>23-Feb-18</a:t>
             </a:fld>
             <a:endParaRPr lang="en-GB" dirty="0"/>
           </a:p>
@@ -2098,7 +2098,7 @@
           <a:p>
             <a:fld id="{EBD6096E-B422-4A7C-A86B-590D49FB2AD6}" type="datetime5">
               <a:rPr lang="en-US" smtClean="0"/>
-              <a:t>22-Feb-18</a:t>
+              <a:t>23-Feb-18</a:t>
             </a:fld>
             <a:endParaRPr lang="en-GB" dirty="0"/>
           </a:p>
@@ -2379,7 +2379,7 @@
           <a:p>
             <a:fld id="{22274AB0-32C3-44FE-A7F0-1060C71818A4}" type="datetime5">
               <a:rPr lang="en-US" smtClean="0"/>
-              <a:t>22-Feb-18</a:t>
+              <a:t>23-Feb-18</a:t>
             </a:fld>
             <a:endParaRPr lang="en-GB" dirty="0"/>
           </a:p>
@@ -3249,7 +3249,7 @@
           <a:p>
             <a:fld id="{067E90EC-8093-4232-91EF-66C32FE2F73F}" type="datetime5">
               <a:rPr lang="en-US" smtClean="0"/>
-              <a:t>22-Feb-18</a:t>
+              <a:t>23-Feb-18</a:t>
             </a:fld>
             <a:endParaRPr lang="en-GB" dirty="0"/>
           </a:p>
@@ -3603,7 +3603,7 @@
           <a:p>
             <a:fld id="{544B0931-611C-4977-86BC-2A0E4AA50AB9}" type="datetime5">
               <a:rPr lang="en-US" smtClean="0"/>
-              <a:t>22-Feb-18</a:t>
+              <a:t>23-Feb-18</a:t>
             </a:fld>
             <a:endParaRPr lang="en-GB" dirty="0"/>
           </a:p>
@@ -4474,7 +4474,7 @@
           <a:p>
             <a:fld id="{78D063DA-292E-4DEE-BD1E-D9683BAE2124}" type="datetime5">
               <a:rPr lang="en-US" smtClean="0"/>
-              <a:t>22-Feb-18</a:t>
+              <a:t>23-Feb-18</a:t>
             </a:fld>
             <a:endParaRPr lang="en-GB" dirty="0"/>
           </a:p>
@@ -5225,7 +5225,7 @@
           <a:p>
             <a:fld id="{16C1D5B0-5220-44BF-BD99-44FE20BE1773}" type="datetime5">
               <a:rPr lang="en-US" smtClean="0"/>
-              <a:t>22-Feb-18</a:t>
+              <a:t>23-Feb-18</a:t>
             </a:fld>
             <a:endParaRPr lang="en-GB" dirty="0"/>
           </a:p>
@@ -5449,7 +5449,7 @@
           <a:p>
             <a:fld id="{16C1D5B0-5220-44BF-BD99-44FE20BE1773}" type="datetime5">
               <a:rPr lang="en-US" smtClean="0"/>
-              <a:t>22-Feb-18</a:t>
+              <a:t>23-Feb-18</a:t>
             </a:fld>
             <a:endParaRPr lang="en-GB" dirty="0"/>
           </a:p>
@@ -5718,7 +5718,7 @@
           <a:p>
             <a:fld id="{16C1D5B0-5220-44BF-BD99-44FE20BE1773}" type="datetime5">
               <a:rPr lang="en-US" smtClean="0"/>
-              <a:t>22-Feb-18</a:t>
+              <a:t>23-Feb-18</a:t>
             </a:fld>
             <a:endParaRPr lang="en-GB" dirty="0"/>
           </a:p>
@@ -5874,7 +5874,7 @@
           <a:p>
             <a:fld id="{0E34B015-648A-4AB4-817C-0E3FA170BB6F}" type="datetime5">
               <a:rPr lang="en-US" smtClean="0"/>
-              <a:t>22-Feb-18</a:t>
+              <a:t>23-Feb-18</a:t>
             </a:fld>
             <a:endParaRPr lang="en-GB" dirty="0"/>
           </a:p>
@@ -6078,7 +6078,7 @@
           <a:p>
             <a:fld id="{16C1D5B0-5220-44BF-BD99-44FE20BE1773}" type="datetime5">
               <a:rPr lang="en-US" smtClean="0"/>
-              <a:t>22-Feb-18</a:t>
+              <a:t>23-Feb-18</a:t>
             </a:fld>
             <a:endParaRPr lang="en-GB" dirty="0"/>
           </a:p>
@@ -6850,7 +6850,7 @@
           <a:p>
             <a:fld id="{16C1D5B0-5220-44BF-BD99-44FE20BE1773}" type="datetime5">
               <a:rPr lang="en-US" smtClean="0"/>
-              <a:t>22-Feb-18</a:t>
+              <a:t>23-Feb-18</a:t>
             </a:fld>
             <a:endParaRPr lang="en-GB" dirty="0"/>
           </a:p>
@@ -6918,6 +6918,129 @@
       </p:grpSpPr>
       <p:sp>
         <p:nvSpPr>
+          <p:cNvPr id="25" name="Rechteck 24">
+            <a:extLst>
+              <a:ext uri="{FF2B5EF4-FFF2-40B4-BE49-F238E27FC236}">
+                <a16:creationId xmlns:a16="http://schemas.microsoft.com/office/drawing/2014/main" id="{247B3B00-EC7E-41EE-96A7-89CEF03D36D5}"/>
+              </a:ext>
+            </a:extLst>
+          </p:cNvPr>
+          <p:cNvSpPr/>
+          <p:nvPr/>
+        </p:nvSpPr>
+        <p:spPr>
+          <a:xfrm>
+            <a:off x="65860" y="1527700"/>
+            <a:ext cx="3546617" cy="3663175"/>
+          </a:xfrm>
+          <a:prstGeom prst="rect">
+            <a:avLst/>
+          </a:prstGeom>
+          <a:solidFill>
+            <a:schemeClr val="accent1">
+              <a:alpha val="12000"/>
+            </a:schemeClr>
+          </a:solidFill>
+          <a:ln>
+            <a:noFill/>
+          </a:ln>
+        </p:spPr>
+        <p:style>
+          <a:lnRef idx="2">
+            <a:schemeClr val="accent1">
+              <a:shade val="50000"/>
+            </a:schemeClr>
+          </a:lnRef>
+          <a:fillRef idx="1">
+            <a:schemeClr val="accent1"/>
+          </a:fillRef>
+          <a:effectRef idx="0">
+            <a:schemeClr val="accent1"/>
+          </a:effectRef>
+          <a:fontRef idx="minor">
+            <a:schemeClr val="lt1"/>
+          </a:fontRef>
+        </p:style>
+        <p:txBody>
+          <a:bodyPr rtlCol="0" anchor="ctr"/>
+          <a:lstStyle/>
+          <a:p>
+            <a:pPr algn="ctr"/>
+            <a:endParaRPr lang="en-GB" dirty="0"/>
+          </a:p>
+        </p:txBody>
+      </p:sp>
+      <p:sp>
+        <p:nvSpPr>
+          <p:cNvPr id="35" name="Rechteck 34">
+            <a:extLst>
+              <a:ext uri="{FF2B5EF4-FFF2-40B4-BE49-F238E27FC236}">
+                <a16:creationId xmlns:a16="http://schemas.microsoft.com/office/drawing/2014/main" id="{11924519-F1E6-4E70-9602-AB6E8ED1FD52}"/>
+              </a:ext>
+            </a:extLst>
+          </p:cNvPr>
+          <p:cNvSpPr/>
+          <p:nvPr/>
+        </p:nvSpPr>
+        <p:spPr>
+          <a:xfrm>
+            <a:off x="719575" y="2033825"/>
+            <a:ext cx="2279984" cy="1265251"/>
+          </a:xfrm>
+          <a:prstGeom prst="rect">
+            <a:avLst/>
+          </a:prstGeom>
+          <a:gradFill flip="none" rotWithShape="1">
+            <a:gsLst>
+              <a:gs pos="0">
+                <a:schemeClr val="accent1">
+                  <a:tint val="66000"/>
+                  <a:satMod val="160000"/>
+                </a:schemeClr>
+              </a:gs>
+              <a:gs pos="50000">
+                <a:schemeClr val="accent1">
+                  <a:tint val="44500"/>
+                  <a:satMod val="160000"/>
+                </a:schemeClr>
+              </a:gs>
+              <a:gs pos="100000">
+                <a:schemeClr val="accent1">
+                  <a:tint val="23500"/>
+                  <a:satMod val="160000"/>
+                </a:schemeClr>
+              </a:gs>
+            </a:gsLst>
+            <a:lin ang="18900000" scaled="1"/>
+            <a:tileRect/>
+          </a:gradFill>
+          <a:ln>
+            <a:solidFill>
+              <a:schemeClr val="tx1">
+                <a:lumMod val="75000"/>
+                <a:lumOff val="25000"/>
+              </a:schemeClr>
+            </a:solidFill>
+          </a:ln>
+        </p:spPr>
+        <p:txBody>
+          <a:bodyPr wrap="square" lIns="0" tIns="0" rIns="0" bIns="0" rtlCol="0">
+            <a:noAutofit/>
+          </a:bodyPr>
+          <a:lstStyle/>
+          <a:p>
+            <a:pPr algn="ctr"/>
+            <a:endParaRPr lang="en-GB">
+              <a:solidFill>
+                <a:schemeClr val="tx1"/>
+              </a:solidFill>
+              <a:latin typeface="Suisse Int'l" panose="020B0504000000000000" pitchFamily="34" charset="77"/>
+            </a:endParaRPr>
+          </a:p>
+        </p:txBody>
+      </p:sp>
+      <p:sp>
+        <p:nvSpPr>
           <p:cNvPr id="2" name="Title 1">
             <a:extLst>
               <a:ext uri="{FF2B5EF4-FFF2-40B4-BE49-F238E27FC236}">
@@ -7026,7 +7149,7 @@
           <a:p>
             <a:fld id="{16C1D5B0-5220-44BF-BD99-44FE20BE1773}" type="datetime5">
               <a:rPr lang="en-US" smtClean="0"/>
-              <a:t>22-Feb-18</a:t>
+              <a:t>23-Feb-18</a:t>
             </a:fld>
             <a:endParaRPr lang="en-GB" dirty="0"/>
           </a:p>
@@ -7040,7 +7163,7 @@
         </p:nvSpPr>
         <p:spPr>
           <a:xfrm>
-            <a:off x="504000" y="4973248"/>
+            <a:off x="550087" y="5333514"/>
             <a:ext cx="6048422" cy="2560320"/>
           </a:xfrm>
           <a:prstGeom prst="rect">
@@ -7143,16 +7266,15 @@
           </p:cNvPicPr>
           <p:nvPr/>
         </p:nvPicPr>
-        <p:blipFill>
+        <p:blipFill rotWithShape="1">
           <a:blip r:embed="rId3"/>
-          <a:stretch>
-            <a:fillRect/>
-          </a:stretch>
+          <a:srcRect l="4882" r="4277"/>
+          <a:stretch/>
         </p:blipFill>
         <p:spPr>
           <a:xfrm>
-            <a:off x="3612477" y="1233605"/>
-            <a:ext cx="5531523" cy="2941329"/>
+            <a:off x="3690174" y="1255014"/>
+            <a:ext cx="5366108" cy="3141027"/>
           </a:xfrm>
           <a:prstGeom prst="rect">
             <a:avLst/>
@@ -7162,13 +7284,15 @@
       <p:cxnSp>
         <p:nvCxnSpPr>
           <p:cNvPr id="32" name="Straight Arrow Connector 31"/>
-          <p:cNvCxnSpPr/>
+          <p:cNvCxnSpPr>
+            <a:cxnSpLocks/>
+          </p:cNvCxnSpPr>
           <p:nvPr/>
         </p:nvCxnSpPr>
         <p:spPr>
-          <a:xfrm>
-            <a:off x="1167204" y="4323209"/>
-            <a:ext cx="0" cy="508181"/>
+          <a:xfrm flipV="1">
+            <a:off x="946088" y="2721149"/>
+            <a:ext cx="339468" cy="687234"/>
           </a:xfrm>
           <a:prstGeom prst="straightConnector1">
             <a:avLst/>
@@ -7207,12 +7331,12 @@
         <p:spPr>
           <a:xfrm>
             <a:off x="1824319" y="1007013"/>
-            <a:ext cx="2289352" cy="4183862"/>
+            <a:ext cx="2106080" cy="4183862"/>
           </a:xfrm>
           <a:prstGeom prst="arc">
             <a:avLst>
-              <a:gd name="adj1" fmla="val 15622312"/>
-              <a:gd name="adj2" fmla="val 592249"/>
+              <a:gd name="adj1" fmla="val 15365335"/>
+              <a:gd name="adj2" fmla="val 1159385"/>
             </a:avLst>
           </a:prstGeom>
           <a:ln w="28575">
@@ -7256,7 +7380,7 @@
         </p:nvSpPr>
         <p:spPr>
           <a:xfrm>
-            <a:off x="3955622" y="4116267"/>
+            <a:off x="3828513" y="876931"/>
             <a:ext cx="4829790" cy="572622"/>
           </a:xfrm>
           <a:prstGeom prst="rect">
@@ -7303,7 +7427,7 @@
         </p:nvSpPr>
         <p:spPr>
           <a:xfrm>
-            <a:off x="7054797" y="4912801"/>
+            <a:off x="7100884" y="5273067"/>
             <a:ext cx="1936376" cy="1380217"/>
           </a:xfrm>
           <a:prstGeom prst="rect">
@@ -7338,7 +7462,7 @@
         </p:nvGrpSpPr>
         <p:grpSpPr>
           <a:xfrm>
-            <a:off x="6552422" y="4970930"/>
+            <a:off x="6598509" y="5331196"/>
             <a:ext cx="332471" cy="945776"/>
             <a:chOff x="6552422" y="4970930"/>
             <a:chExt cx="332471" cy="945776"/>
@@ -7433,6 +7557,1126 @@
           </p:txBody>
         </p:sp>
       </p:grpSp>
+      <p:sp>
+        <p:nvSpPr>
+          <p:cNvPr id="3" name="Textfeld 2">
+            <a:extLst>
+              <a:ext uri="{FF2B5EF4-FFF2-40B4-BE49-F238E27FC236}">
+                <a16:creationId xmlns:a16="http://schemas.microsoft.com/office/drawing/2014/main" id="{7CC2B459-1E83-44A7-A943-FF90A123FFD1}"/>
+              </a:ext>
+            </a:extLst>
+          </p:cNvPr>
+          <p:cNvSpPr txBox="1"/>
+          <p:nvPr/>
+        </p:nvSpPr>
+        <p:spPr>
+          <a:xfrm>
+            <a:off x="2153947" y="3441716"/>
+            <a:ext cx="1314450" cy="634016"/>
+          </a:xfrm>
+          <a:prstGeom prst="rect">
+            <a:avLst/>
+          </a:prstGeom>
+          <a:gradFill flip="none" rotWithShape="1">
+            <a:gsLst>
+              <a:gs pos="0">
+                <a:schemeClr val="accent1">
+                  <a:tint val="66000"/>
+                  <a:satMod val="160000"/>
+                </a:schemeClr>
+              </a:gs>
+              <a:gs pos="50000">
+                <a:schemeClr val="accent1">
+                  <a:tint val="44500"/>
+                  <a:satMod val="160000"/>
+                </a:schemeClr>
+              </a:gs>
+              <a:gs pos="100000">
+                <a:schemeClr val="accent1">
+                  <a:tint val="23500"/>
+                  <a:satMod val="160000"/>
+                </a:schemeClr>
+              </a:gs>
+            </a:gsLst>
+            <a:lin ang="18900000" scaled="1"/>
+            <a:tileRect/>
+          </a:gradFill>
+          <a:ln>
+            <a:solidFill>
+              <a:schemeClr val="tx1">
+                <a:lumMod val="75000"/>
+                <a:lumOff val="25000"/>
+              </a:schemeClr>
+            </a:solidFill>
+          </a:ln>
+        </p:spPr>
+        <p:txBody>
+          <a:bodyPr wrap="square" lIns="0" tIns="0" rIns="0" bIns="0" rtlCol="0">
+            <a:noAutofit/>
+          </a:bodyPr>
+          <a:lstStyle/>
+          <a:p>
+            <a:pPr algn="ctr"/>
+            <a:r>
+              <a:rPr lang="en-GB" b="0" i="0" dirty="0">
+                <a:latin typeface="Suisse Int'l" panose="020B0504000000000000" pitchFamily="34" charset="77"/>
+              </a:rPr>
+              <a:t>Equations of Motion</a:t>
+            </a:r>
+          </a:p>
+        </p:txBody>
+      </p:sp>
+      <p:sp>
+        <p:nvSpPr>
+          <p:cNvPr id="6" name="Geschweifte Klammer links 5">
+            <a:extLst>
+              <a:ext uri="{FF2B5EF4-FFF2-40B4-BE49-F238E27FC236}">
+                <a16:creationId xmlns:a16="http://schemas.microsoft.com/office/drawing/2014/main" id="{ACD2B24B-D17C-4FAB-B115-11700A1D99BE}"/>
+              </a:ext>
+            </a:extLst>
+          </p:cNvPr>
+          <p:cNvSpPr/>
+          <p:nvPr/>
+        </p:nvSpPr>
+        <p:spPr>
+          <a:xfrm rot="5400000">
+            <a:off x="1700280" y="86186"/>
+            <a:ext cx="248077" cy="3131106"/>
+          </a:xfrm>
+          <a:prstGeom prst="leftBrace">
+            <a:avLst/>
+          </a:prstGeom>
+          <a:ln w="28575">
+            <a:solidFill>
+              <a:srgbClr val="0070C0"/>
+            </a:solidFill>
+            <a:round/>
+            <a:headEnd type="none"/>
+            <a:tailEnd type="none"/>
+          </a:ln>
+        </p:spPr>
+        <p:style>
+          <a:lnRef idx="1">
+            <a:schemeClr val="accent1"/>
+          </a:lnRef>
+          <a:fillRef idx="0">
+            <a:schemeClr val="accent1"/>
+          </a:fillRef>
+          <a:effectRef idx="0">
+            <a:schemeClr val="accent1"/>
+          </a:effectRef>
+          <a:fontRef idx="minor">
+            <a:schemeClr val="tx1"/>
+          </a:fontRef>
+        </p:style>
+        <p:txBody>
+          <a:bodyPr rtlCol="0" anchor="ctr"/>
+          <a:lstStyle/>
+          <a:p>
+            <a:pPr algn="ctr"/>
+            <a:endParaRPr lang="en-GB"/>
+          </a:p>
+        </p:txBody>
+      </p:sp>
+      <p:sp>
+        <p:nvSpPr>
+          <p:cNvPr id="8" name="Textfeld 7">
+            <a:extLst>
+              <a:ext uri="{FF2B5EF4-FFF2-40B4-BE49-F238E27FC236}">
+                <a16:creationId xmlns:a16="http://schemas.microsoft.com/office/drawing/2014/main" id="{D525950E-E2D5-44E9-99B7-25377F969FE6}"/>
+              </a:ext>
+            </a:extLst>
+          </p:cNvPr>
+          <p:cNvSpPr txBox="1"/>
+          <p:nvPr/>
+        </p:nvSpPr>
+        <p:spPr>
+          <a:xfrm>
+            <a:off x="1470352" y="973891"/>
+            <a:ext cx="2057859" cy="402844"/>
+          </a:xfrm>
+          <a:prstGeom prst="rect">
+            <a:avLst/>
+          </a:prstGeom>
+          <a:noFill/>
+        </p:spPr>
+        <p:txBody>
+          <a:bodyPr vert="horz" wrap="square" lIns="0" tIns="0" rIns="0" bIns="0" rtlCol="0">
+            <a:noAutofit/>
+          </a:bodyPr>
+          <a:lstStyle/>
+          <a:p>
+            <a:pPr algn="l"/>
+            <a:r>
+              <a:rPr lang="en-GB" b="0" i="0" dirty="0">
+                <a:latin typeface="Suisse Int'l" panose="020B0504000000000000" pitchFamily="34" charset="77"/>
+              </a:rPr>
+              <a:t>Dynamic </a:t>
+            </a:r>
+            <a:br>
+              <a:rPr lang="en-GB" b="0" i="0" dirty="0">
+                <a:latin typeface="Suisse Int'l" panose="020B0504000000000000" pitchFamily="34" charset="77"/>
+              </a:rPr>
+            </a:br>
+            <a:r>
+              <a:rPr lang="en-GB" dirty="0">
+                <a:latin typeface="Suisse Int'l" panose="020B0504000000000000" pitchFamily="34" charset="77"/>
+              </a:rPr>
+              <a:t>S</a:t>
+            </a:r>
+            <a:r>
+              <a:rPr lang="en-GB" b="0" i="0" dirty="0">
+                <a:latin typeface="Suisse Int'l" panose="020B0504000000000000" pitchFamily="34" charset="77"/>
+              </a:rPr>
+              <a:t>imulation</a:t>
+            </a:r>
+          </a:p>
+        </p:txBody>
+      </p:sp>
+      <p:sp>
+        <p:nvSpPr>
+          <p:cNvPr id="21" name="Arc 35">
+            <a:extLst>
+              <a:ext uri="{FF2B5EF4-FFF2-40B4-BE49-F238E27FC236}">
+                <a16:creationId xmlns:a16="http://schemas.microsoft.com/office/drawing/2014/main" id="{EE60CE86-FA29-4532-9167-F3041E71579A}"/>
+              </a:ext>
+            </a:extLst>
+          </p:cNvPr>
+          <p:cNvSpPr/>
+          <p:nvPr/>
+        </p:nvSpPr>
+        <p:spPr>
+          <a:xfrm flipH="1">
+            <a:off x="301053" y="3797248"/>
+            <a:ext cx="875688" cy="1778098"/>
+          </a:xfrm>
+          <a:prstGeom prst="arc">
+            <a:avLst>
+              <a:gd name="adj1" fmla="val 17940777"/>
+              <a:gd name="adj2" fmla="val 4210448"/>
+            </a:avLst>
+          </a:prstGeom>
+          <a:ln w="28575">
+            <a:solidFill>
+              <a:srgbClr val="0070C0"/>
+            </a:solidFill>
+            <a:headEnd type="arrow"/>
+            <a:tailEnd type="oval"/>
+          </a:ln>
+        </p:spPr>
+        <p:style>
+          <a:lnRef idx="1">
+            <a:schemeClr val="accent1"/>
+          </a:lnRef>
+          <a:fillRef idx="0">
+            <a:schemeClr val="accent1"/>
+          </a:fillRef>
+          <a:effectRef idx="0">
+            <a:schemeClr val="accent1"/>
+          </a:effectRef>
+          <a:fontRef idx="minor">
+            <a:schemeClr val="tx1"/>
+          </a:fontRef>
+        </p:style>
+        <p:txBody>
+          <a:bodyPr rtlCol="0" anchor="ctr"/>
+          <a:lstStyle/>
+          <a:p>
+            <a:pPr algn="ctr"/>
+            <a:endParaRPr lang="en-GB"/>
+          </a:p>
+        </p:txBody>
+      </p:sp>
+      <p:sp>
+        <p:nvSpPr>
+          <p:cNvPr id="26" name="Textfeld 25">
+            <a:extLst>
+              <a:ext uri="{FF2B5EF4-FFF2-40B4-BE49-F238E27FC236}">
+                <a16:creationId xmlns:a16="http://schemas.microsoft.com/office/drawing/2014/main" id="{E0CEA2FC-6F40-46C3-ADAE-B905745C2E85}"/>
+              </a:ext>
+            </a:extLst>
+          </p:cNvPr>
+          <p:cNvSpPr txBox="1"/>
+          <p:nvPr/>
+        </p:nvSpPr>
+        <p:spPr>
+          <a:xfrm>
+            <a:off x="300108" y="3445803"/>
+            <a:ext cx="1314450" cy="634016"/>
+          </a:xfrm>
+          <a:prstGeom prst="rect">
+            <a:avLst/>
+          </a:prstGeom>
+          <a:gradFill flip="none" rotWithShape="1">
+            <a:gsLst>
+              <a:gs pos="0">
+                <a:schemeClr val="accent1">
+                  <a:tint val="66000"/>
+                  <a:satMod val="160000"/>
+                </a:schemeClr>
+              </a:gs>
+              <a:gs pos="50000">
+                <a:schemeClr val="accent1">
+                  <a:tint val="44500"/>
+                  <a:satMod val="160000"/>
+                </a:schemeClr>
+              </a:gs>
+              <a:gs pos="100000">
+                <a:schemeClr val="accent1">
+                  <a:tint val="23500"/>
+                  <a:satMod val="160000"/>
+                </a:schemeClr>
+              </a:gs>
+            </a:gsLst>
+            <a:lin ang="18900000" scaled="1"/>
+            <a:tileRect/>
+          </a:gradFill>
+          <a:ln>
+            <a:solidFill>
+              <a:schemeClr val="tx1">
+                <a:lumMod val="75000"/>
+                <a:lumOff val="25000"/>
+              </a:schemeClr>
+            </a:solidFill>
+          </a:ln>
+        </p:spPr>
+        <p:txBody>
+          <a:bodyPr wrap="square" lIns="0" tIns="0" rIns="0" bIns="0" rtlCol="0">
+            <a:noAutofit/>
+          </a:bodyPr>
+          <a:lstStyle/>
+          <a:p>
+            <a:pPr algn="ctr"/>
+            <a:r>
+              <a:rPr lang="en-GB" b="0" i="0" dirty="0">
+                <a:latin typeface="Suisse Int'l" panose="020B0504000000000000" pitchFamily="34" charset="77"/>
+              </a:rPr>
+              <a:t>Aerodynamic H/C model</a:t>
+            </a:r>
+          </a:p>
+        </p:txBody>
+      </p:sp>
+      <p:cxnSp>
+        <p:nvCxnSpPr>
+          <p:cNvPr id="27" name="Straight Arrow Connector 31">
+            <a:extLst>
+              <a:ext uri="{FF2B5EF4-FFF2-40B4-BE49-F238E27FC236}">
+                <a16:creationId xmlns:a16="http://schemas.microsoft.com/office/drawing/2014/main" id="{B96A8E60-4D92-40E6-9AAA-64C4DD534A6B}"/>
+              </a:ext>
+            </a:extLst>
+          </p:cNvPr>
+          <p:cNvCxnSpPr>
+            <a:cxnSpLocks/>
+          </p:cNvCxnSpPr>
+          <p:nvPr/>
+        </p:nvCxnSpPr>
+        <p:spPr>
+          <a:xfrm flipH="1">
+            <a:off x="-1008743" y="3138423"/>
+            <a:ext cx="162763" cy="1036511"/>
+          </a:xfrm>
+          <a:prstGeom prst="straightConnector1">
+            <a:avLst/>
+          </a:prstGeom>
+          <a:ln w="53975">
+            <a:solidFill>
+              <a:schemeClr val="tx2">
+                <a:lumMod val="75000"/>
+              </a:schemeClr>
+            </a:solidFill>
+            <a:headEnd type="triangle"/>
+            <a:tailEnd type="none"/>
+          </a:ln>
+        </p:spPr>
+        <p:style>
+          <a:lnRef idx="1">
+            <a:schemeClr val="accent1"/>
+          </a:lnRef>
+          <a:fillRef idx="0">
+            <a:schemeClr val="accent1"/>
+          </a:fillRef>
+          <a:effectRef idx="0">
+            <a:schemeClr val="accent1"/>
+          </a:effectRef>
+          <a:fontRef idx="minor">
+            <a:schemeClr val="tx1"/>
+          </a:fontRef>
+        </p:style>
+      </p:cxnSp>
+      <p:sp>
+        <p:nvSpPr>
+          <p:cNvPr id="19" name="Textfeld 18">
+            <a:extLst>
+              <a:ext uri="{FF2B5EF4-FFF2-40B4-BE49-F238E27FC236}">
+                <a16:creationId xmlns:a16="http://schemas.microsoft.com/office/drawing/2014/main" id="{CED2738B-0CED-46F4-9222-48CEB3C0C272}"/>
+              </a:ext>
+            </a:extLst>
+          </p:cNvPr>
+          <p:cNvSpPr txBox="1"/>
+          <p:nvPr/>
+        </p:nvSpPr>
+        <p:spPr>
+          <a:xfrm>
+            <a:off x="1351746" y="2432869"/>
+            <a:ext cx="1123594" cy="426906"/>
+          </a:xfrm>
+          <a:prstGeom prst="rect">
+            <a:avLst/>
+          </a:prstGeom>
+          <a:noFill/>
+        </p:spPr>
+        <p:txBody>
+          <a:bodyPr wrap="square" lIns="0" tIns="0" rIns="0" bIns="0" rtlCol="0">
+            <a:noAutofit/>
+          </a:bodyPr>
+          <a:lstStyle/>
+          <a:p>
+            <a:pPr algn="l"/>
+            <a:r>
+              <a:rPr lang="en-GB" b="0" i="0" dirty="0">
+                <a:latin typeface="Suisse Int'l" panose="020B0504000000000000" pitchFamily="34" charset="77"/>
+              </a:rPr>
+              <a:t>Pilot </a:t>
+            </a:r>
+            <a:br>
+              <a:rPr lang="en-GB" b="0" i="0" dirty="0">
+                <a:latin typeface="Suisse Int'l" panose="020B0504000000000000" pitchFamily="34" charset="77"/>
+              </a:rPr>
+            </a:br>
+            <a:r>
+              <a:rPr lang="en-GB" b="0" i="0" dirty="0">
+                <a:latin typeface="Suisse Int'l" panose="020B0504000000000000" pitchFamily="34" charset="77"/>
+              </a:rPr>
+              <a:t>inputs</a:t>
+            </a:r>
+          </a:p>
+        </p:txBody>
+      </p:sp>
+      <p:sp>
+        <p:nvSpPr>
+          <p:cNvPr id="20" name="Geschweifte Klammer links 19">
+            <a:extLst>
+              <a:ext uri="{FF2B5EF4-FFF2-40B4-BE49-F238E27FC236}">
+                <a16:creationId xmlns:a16="http://schemas.microsoft.com/office/drawing/2014/main" id="{364D9391-A506-48B1-9BA4-7E3F0BC9021F}"/>
+              </a:ext>
+            </a:extLst>
+          </p:cNvPr>
+          <p:cNvSpPr/>
+          <p:nvPr/>
+        </p:nvSpPr>
+        <p:spPr>
+          <a:xfrm>
+            <a:off x="1979718" y="2131619"/>
+            <a:ext cx="174229" cy="1122586"/>
+          </a:xfrm>
+          <a:prstGeom prst="leftBrace">
+            <a:avLst/>
+          </a:prstGeom>
+          <a:noFill/>
+          <a:ln w="19050">
+            <a:solidFill>
+              <a:srgbClr val="0070C0"/>
+            </a:solidFill>
+            <a:round/>
+          </a:ln>
+        </p:spPr>
+        <p:style>
+          <a:lnRef idx="1">
+            <a:schemeClr val="accent1"/>
+          </a:lnRef>
+          <a:fillRef idx="0">
+            <a:schemeClr val="accent1"/>
+          </a:fillRef>
+          <a:effectRef idx="0">
+            <a:schemeClr val="accent1"/>
+          </a:effectRef>
+          <a:fontRef idx="minor">
+            <a:schemeClr val="tx1"/>
+          </a:fontRef>
+        </p:style>
+        <p:txBody>
+          <a:bodyPr rtlCol="0" anchor="ctr"/>
+          <a:lstStyle/>
+          <a:p>
+            <a:pPr algn="ctr"/>
+            <a:endParaRPr lang="en-GB"/>
+          </a:p>
+        </p:txBody>
+      </p:sp>
+      <mc:AlternateContent xmlns:mc="http://schemas.openxmlformats.org/markup-compatibility/2006">
+        <mc:Choice xmlns:a14="http://schemas.microsoft.com/office/drawing/2010/main" Requires="a14">
+          <p:sp>
+            <p:nvSpPr>
+              <p:cNvPr id="23" name="Textfeld 22">
+                <a:extLst>
+                  <a:ext uri="{FF2B5EF4-FFF2-40B4-BE49-F238E27FC236}">
+                    <a16:creationId xmlns:a16="http://schemas.microsoft.com/office/drawing/2014/main" id="{93A14A3E-743F-4380-8087-A7275F3A55D5}"/>
+                  </a:ext>
+                </a:extLst>
+              </p:cNvPr>
+              <p:cNvSpPr txBox="1"/>
+              <p:nvPr/>
+            </p:nvSpPr>
+            <p:spPr>
+              <a:xfrm>
+                <a:off x="2078607" y="2101389"/>
+                <a:ext cx="914400" cy="914400"/>
+              </a:xfrm>
+              <a:prstGeom prst="rect">
+                <a:avLst/>
+              </a:prstGeom>
+              <a:noFill/>
+            </p:spPr>
+            <p:txBody>
+              <a:bodyPr wrap="none" lIns="0" tIns="0" rIns="0" bIns="0" rtlCol="0">
+                <a:noAutofit/>
+              </a:bodyPr>
+              <a:lstStyle/>
+              <a:p>
+                <a:pPr algn="l"/>
+                <a14:m>
+                  <m:oMathPara xmlns:m="http://schemas.openxmlformats.org/officeDocument/2006/math">
+                    <m:oMathParaPr>
+                      <m:jc m:val="centerGroup"/>
+                    </m:oMathParaPr>
+                    <m:oMath xmlns:m="http://schemas.openxmlformats.org/officeDocument/2006/math">
+                      <m:sSub>
+                        <m:sSubPr>
+                          <m:ctrlPr>
+                            <a:rPr lang="es-ES" b="0" i="1" smtClean="0">
+                              <a:latin typeface="Cambria Math" panose="02040503050406030204" pitchFamily="18" charset="0"/>
+                            </a:rPr>
+                          </m:ctrlPr>
+                        </m:sSubPr>
+                        <m:e>
+                          <m:r>
+                            <a:rPr lang="es-ES" b="0" i="1" smtClean="0">
+                              <a:latin typeface="Cambria Math" panose="02040503050406030204" pitchFamily="18" charset="0"/>
+                            </a:rPr>
+                            <m:t>𝛿</m:t>
+                          </m:r>
+                        </m:e>
+                        <m:sub>
+                          <m:r>
+                            <a:rPr lang="es-ES" b="0" i="1" smtClean="0">
+                              <a:latin typeface="Cambria Math" panose="02040503050406030204" pitchFamily="18" charset="0"/>
+                            </a:rPr>
+                            <m:t>𝑐𝑜𝑙</m:t>
+                          </m:r>
+                        </m:sub>
+                      </m:sSub>
+                    </m:oMath>
+                    <m:oMath xmlns:m="http://schemas.openxmlformats.org/officeDocument/2006/math">
+                      <m:sSub>
+                        <m:sSubPr>
+                          <m:ctrlPr>
+                            <a:rPr lang="es-ES" b="0" i="1" smtClean="0">
+                              <a:latin typeface="Cambria Math" panose="02040503050406030204" pitchFamily="18" charset="0"/>
+                            </a:rPr>
+                          </m:ctrlPr>
+                        </m:sSubPr>
+                        <m:e>
+                          <m:r>
+                            <a:rPr lang="es-ES" b="0" i="1" smtClean="0">
+                              <a:latin typeface="Cambria Math" panose="02040503050406030204" pitchFamily="18" charset="0"/>
+                            </a:rPr>
+                            <m:t>𝛿</m:t>
+                          </m:r>
+                        </m:e>
+                        <m:sub>
+                          <m:r>
+                            <a:rPr lang="es-ES" b="0" i="1" smtClean="0">
+                              <a:latin typeface="Cambria Math" panose="02040503050406030204" pitchFamily="18" charset="0"/>
+                            </a:rPr>
+                            <m:t>𝑐𝑦𝑐𝑙</m:t>
+                          </m:r>
+                        </m:sub>
+                      </m:sSub>
+                    </m:oMath>
+                    <m:oMath xmlns:m="http://schemas.openxmlformats.org/officeDocument/2006/math">
+                      <m:sSub>
+                        <m:sSubPr>
+                          <m:ctrlPr>
+                            <a:rPr lang="es-ES" b="0" i="1" smtClean="0">
+                              <a:latin typeface="Cambria Math" panose="02040503050406030204" pitchFamily="18" charset="0"/>
+                            </a:rPr>
+                          </m:ctrlPr>
+                        </m:sSubPr>
+                        <m:e>
+                          <m:r>
+                            <a:rPr lang="es-ES" b="0" i="1" smtClean="0">
+                              <a:latin typeface="Cambria Math" panose="02040503050406030204" pitchFamily="18" charset="0"/>
+                            </a:rPr>
+                            <m:t>𝛿</m:t>
+                          </m:r>
+                        </m:e>
+                        <m:sub>
+                          <m:r>
+                            <a:rPr lang="es-ES" b="0" i="1" smtClean="0">
+                              <a:latin typeface="Cambria Math" panose="02040503050406030204" pitchFamily="18" charset="0"/>
+                            </a:rPr>
+                            <m:t>𝑝𝑒𝑑𝑎𝑙</m:t>
+                          </m:r>
+                        </m:sub>
+                      </m:sSub>
+                    </m:oMath>
+                    <m:oMath xmlns:m="http://schemas.openxmlformats.org/officeDocument/2006/math">
+                      <m:sSub>
+                        <m:sSubPr>
+                          <m:ctrlPr>
+                            <a:rPr lang="es-ES" b="0" i="1" smtClean="0">
+                              <a:latin typeface="Cambria Math" panose="02040503050406030204" pitchFamily="18" charset="0"/>
+                            </a:rPr>
+                          </m:ctrlPr>
+                        </m:sSubPr>
+                        <m:e>
+                          <m:r>
+                            <a:rPr lang="es-ES" b="0" i="1" smtClean="0">
+                              <a:latin typeface="Cambria Math" panose="02040503050406030204" pitchFamily="18" charset="0"/>
+                            </a:rPr>
+                            <m:t>𝛿</m:t>
+                          </m:r>
+                        </m:e>
+                        <m:sub>
+                          <m:r>
+                            <a:rPr lang="es-ES" b="0" i="1" smtClean="0">
+                              <a:latin typeface="Cambria Math" panose="02040503050406030204" pitchFamily="18" charset="0"/>
+                            </a:rPr>
+                            <m:t>𝑝𝑒𝑛𝑒</m:t>
+                          </m:r>
+                        </m:sub>
+                      </m:sSub>
+                    </m:oMath>
+                  </m:oMathPara>
+                </a14:m>
+                <a:endParaRPr lang="es-ES" b="0" i="0" dirty="0">
+                  <a:latin typeface="Suisse Int'l" panose="020B0504000000000000" pitchFamily="34" charset="77"/>
+                </a:endParaRPr>
+              </a:p>
+              <a:p>
+                <a:pPr algn="l"/>
+                <a:endParaRPr lang="en-GB" b="0" i="0" dirty="0">
+                  <a:latin typeface="Suisse Int'l" panose="020B0504000000000000" pitchFamily="34" charset="77"/>
+                </a:endParaRPr>
+              </a:p>
+            </p:txBody>
+          </p:sp>
+        </mc:Choice>
+        <mc:Fallback>
+          <p:sp>
+            <p:nvSpPr>
+              <p:cNvPr id="23" name="Textfeld 22">
+                <a:extLst>
+                  <a:ext uri="{FF2B5EF4-FFF2-40B4-BE49-F238E27FC236}">
+                    <a16:creationId xmlns:a16="http://schemas.microsoft.com/office/drawing/2014/main" id="{93A14A3E-743F-4380-8087-A7275F3A55D5}"/>
+                  </a:ext>
+                </a:extLst>
+              </p:cNvPr>
+              <p:cNvSpPr txBox="1">
+                <a:spLocks noRot="1" noChangeAspect="1" noMove="1" noResize="1" noEditPoints="1" noAdjustHandles="1" noChangeArrowheads="1" noChangeShapeType="1" noTextEdit="1"/>
+              </p:cNvSpPr>
+              <p:nvPr/>
+            </p:nvSpPr>
+            <p:spPr>
+              <a:xfrm>
+                <a:off x="2078607" y="2101389"/>
+                <a:ext cx="914400" cy="914400"/>
+              </a:xfrm>
+              <a:prstGeom prst="rect">
+                <a:avLst/>
+              </a:prstGeom>
+              <a:blipFill>
+                <a:blip r:embed="rId4"/>
+                <a:stretch>
+                  <a:fillRect b="-34000"/>
+                </a:stretch>
+              </a:blipFill>
+            </p:spPr>
+            <p:txBody>
+              <a:bodyPr/>
+              <a:lstStyle/>
+              <a:p>
+                <a:r>
+                  <a:rPr lang="en-GB">
+                    <a:noFill/>
+                  </a:rPr>
+                  <a:t> </a:t>
+                </a:r>
+              </a:p>
+            </p:txBody>
+          </p:sp>
+        </mc:Fallback>
+      </mc:AlternateContent>
+      <p:cxnSp>
+        <p:nvCxnSpPr>
+          <p:cNvPr id="39" name="Straight Arrow Connector 31">
+            <a:extLst>
+              <a:ext uri="{FF2B5EF4-FFF2-40B4-BE49-F238E27FC236}">
+                <a16:creationId xmlns:a16="http://schemas.microsoft.com/office/drawing/2014/main" id="{26C40155-A541-48E5-AAF6-64C2FA31132E}"/>
+              </a:ext>
+            </a:extLst>
+          </p:cNvPr>
+          <p:cNvCxnSpPr>
+            <a:cxnSpLocks/>
+            <a:stCxn id="3" idx="1"/>
+            <a:endCxn id="26" idx="3"/>
+          </p:cNvCxnSpPr>
+          <p:nvPr/>
+        </p:nvCxnSpPr>
+        <p:spPr>
+          <a:xfrm flipH="1">
+            <a:off x="1614558" y="3758724"/>
+            <a:ext cx="539389" cy="4087"/>
+          </a:xfrm>
+          <a:prstGeom prst="straightConnector1">
+            <a:avLst/>
+          </a:prstGeom>
+          <a:ln w="31750">
+            <a:solidFill>
+              <a:schemeClr val="tx2">
+                <a:lumMod val="75000"/>
+              </a:schemeClr>
+            </a:solidFill>
+            <a:headEnd type="triangle"/>
+            <a:tailEnd type="none"/>
+          </a:ln>
+        </p:spPr>
+        <p:style>
+          <a:lnRef idx="1">
+            <a:schemeClr val="accent1"/>
+          </a:lnRef>
+          <a:fillRef idx="0">
+            <a:schemeClr val="accent1"/>
+          </a:fillRef>
+          <a:effectRef idx="0">
+            <a:schemeClr val="accent1"/>
+          </a:effectRef>
+          <a:fontRef idx="minor">
+            <a:schemeClr val="tx1"/>
+          </a:fontRef>
+        </p:style>
+      </p:cxnSp>
+      <p:sp>
+        <p:nvSpPr>
+          <p:cNvPr id="43" name="Arc 35">
+            <a:extLst>
+              <a:ext uri="{FF2B5EF4-FFF2-40B4-BE49-F238E27FC236}">
+                <a16:creationId xmlns:a16="http://schemas.microsoft.com/office/drawing/2014/main" id="{FFFDB954-0367-4143-A2FE-552805E48F40}"/>
+              </a:ext>
+            </a:extLst>
+          </p:cNvPr>
+          <p:cNvSpPr/>
+          <p:nvPr/>
+        </p:nvSpPr>
+        <p:spPr>
+          <a:xfrm flipH="1" flipV="1">
+            <a:off x="1822536" y="3242897"/>
+            <a:ext cx="1235474" cy="1375020"/>
+          </a:xfrm>
+          <a:prstGeom prst="arc">
+            <a:avLst>
+              <a:gd name="adj1" fmla="val 17138180"/>
+              <a:gd name="adj2" fmla="val 1000828"/>
+            </a:avLst>
+          </a:prstGeom>
+          <a:ln w="28575">
+            <a:solidFill>
+              <a:srgbClr val="0070C0"/>
+            </a:solidFill>
+            <a:headEnd type="arrow"/>
+            <a:tailEnd type="oval"/>
+          </a:ln>
+        </p:spPr>
+        <p:style>
+          <a:lnRef idx="1">
+            <a:schemeClr val="accent1"/>
+          </a:lnRef>
+          <a:fillRef idx="0">
+            <a:schemeClr val="accent1"/>
+          </a:fillRef>
+          <a:effectRef idx="0">
+            <a:schemeClr val="accent1"/>
+          </a:effectRef>
+          <a:fontRef idx="minor">
+            <a:schemeClr val="tx1"/>
+          </a:fontRef>
+        </p:style>
+        <p:txBody>
+          <a:bodyPr rtlCol="0" anchor="ctr"/>
+          <a:lstStyle/>
+          <a:p>
+            <a:pPr algn="ctr"/>
+            <a:endParaRPr lang="en-GB"/>
+          </a:p>
+        </p:txBody>
+      </p:sp>
+      <p:sp>
+        <p:nvSpPr>
+          <p:cNvPr id="44" name="Geschweifte Klammer links 43">
+            <a:extLst>
+              <a:ext uri="{FF2B5EF4-FFF2-40B4-BE49-F238E27FC236}">
+                <a16:creationId xmlns:a16="http://schemas.microsoft.com/office/drawing/2014/main" id="{B4F0A06B-2BBB-4C94-9523-9D9EF580A4BD}"/>
+              </a:ext>
+            </a:extLst>
+          </p:cNvPr>
+          <p:cNvSpPr/>
+          <p:nvPr/>
+        </p:nvSpPr>
+        <p:spPr>
+          <a:xfrm>
+            <a:off x="2326249" y="4288040"/>
+            <a:ext cx="137610" cy="655714"/>
+          </a:xfrm>
+          <a:prstGeom prst="leftBrace">
+            <a:avLst/>
+          </a:prstGeom>
+          <a:noFill/>
+          <a:ln w="19050">
+            <a:solidFill>
+              <a:srgbClr val="0070C0"/>
+            </a:solidFill>
+            <a:round/>
+          </a:ln>
+        </p:spPr>
+        <p:style>
+          <a:lnRef idx="1">
+            <a:schemeClr val="accent1"/>
+          </a:lnRef>
+          <a:fillRef idx="0">
+            <a:schemeClr val="accent1"/>
+          </a:fillRef>
+          <a:effectRef idx="0">
+            <a:schemeClr val="accent1"/>
+          </a:effectRef>
+          <a:fontRef idx="minor">
+            <a:schemeClr val="tx1"/>
+          </a:fontRef>
+        </p:style>
+        <p:txBody>
+          <a:bodyPr rtlCol="0" anchor="ctr"/>
+          <a:lstStyle/>
+          <a:p>
+            <a:pPr algn="ctr"/>
+            <a:endParaRPr lang="en-GB"/>
+          </a:p>
+        </p:txBody>
+      </p:sp>
+      <mc:AlternateContent xmlns:mc="http://schemas.openxmlformats.org/markup-compatibility/2006">
+        <mc:Choice xmlns:a14="http://schemas.microsoft.com/office/drawing/2010/main" Requires="a14">
+          <p:sp>
+            <p:nvSpPr>
+              <p:cNvPr id="45" name="Textfeld 44">
+                <a:extLst>
+                  <a:ext uri="{FF2B5EF4-FFF2-40B4-BE49-F238E27FC236}">
+                    <a16:creationId xmlns:a16="http://schemas.microsoft.com/office/drawing/2014/main" id="{01E04A84-E8AE-4733-B6D2-697F16A5C91A}"/>
+                  </a:ext>
+                </a:extLst>
+              </p:cNvPr>
+              <p:cNvSpPr txBox="1"/>
+              <p:nvPr/>
+            </p:nvSpPr>
+            <p:spPr>
+              <a:xfrm>
+                <a:off x="2420277" y="4342906"/>
+                <a:ext cx="914400" cy="600848"/>
+              </a:xfrm>
+              <a:prstGeom prst="rect">
+                <a:avLst/>
+              </a:prstGeom>
+              <a:noFill/>
+            </p:spPr>
+            <p:txBody>
+              <a:bodyPr wrap="none" lIns="0" tIns="0" rIns="0" bIns="0" rtlCol="0">
+                <a:noAutofit/>
+              </a:bodyPr>
+              <a:lstStyle/>
+              <a:p>
+                <a:pPr algn="l"/>
+                <a14:m>
+                  <m:oMathPara xmlns:m="http://schemas.openxmlformats.org/officeDocument/2006/math">
+                    <m:oMathParaPr>
+                      <m:jc m:val="centerGroup"/>
+                    </m:oMathParaPr>
+                    <m:oMath xmlns:m="http://schemas.openxmlformats.org/officeDocument/2006/math">
+                      <m:r>
+                        <a:rPr lang="es-ES" b="0" i="1" smtClean="0">
+                          <a:latin typeface="Cambria Math" panose="02040503050406030204" pitchFamily="18" charset="0"/>
+                        </a:rPr>
+                        <m:t>𝑋</m:t>
+                      </m:r>
+                      <m:r>
+                        <a:rPr lang="es-ES" b="0" i="1" smtClean="0">
+                          <a:latin typeface="Cambria Math" panose="02040503050406030204" pitchFamily="18" charset="0"/>
+                        </a:rPr>
+                        <m:t>,</m:t>
+                      </m:r>
+                      <m:r>
+                        <a:rPr lang="es-ES" b="0" i="1" smtClean="0">
+                          <a:latin typeface="Cambria Math" panose="02040503050406030204" pitchFamily="18" charset="0"/>
+                        </a:rPr>
+                        <m:t>𝑌</m:t>
+                      </m:r>
+                      <m:r>
+                        <a:rPr lang="es-ES" b="0" i="1" smtClean="0">
+                          <a:latin typeface="Cambria Math" panose="02040503050406030204" pitchFamily="18" charset="0"/>
+                        </a:rPr>
+                        <m:t>,</m:t>
+                      </m:r>
+                      <m:r>
+                        <a:rPr lang="es-ES" b="0" i="1" smtClean="0">
+                          <a:latin typeface="Cambria Math" panose="02040503050406030204" pitchFamily="18" charset="0"/>
+                        </a:rPr>
+                        <m:t>𝑍</m:t>
+                      </m:r>
+                    </m:oMath>
+                    <m:oMath xmlns:m="http://schemas.openxmlformats.org/officeDocument/2006/math">
+                      <m:r>
+                        <a:rPr lang="es-ES" b="0" i="1" smtClean="0">
+                          <a:latin typeface="Cambria Math" panose="02040503050406030204" pitchFamily="18" charset="0"/>
+                        </a:rPr>
+                        <m:t>𝐿</m:t>
+                      </m:r>
+                      <m:r>
+                        <a:rPr lang="es-ES" b="0" i="1" smtClean="0">
+                          <a:latin typeface="Cambria Math" panose="02040503050406030204" pitchFamily="18" charset="0"/>
+                        </a:rPr>
+                        <m:t>,</m:t>
+                      </m:r>
+                      <m:r>
+                        <a:rPr lang="es-ES" b="0" i="1" smtClean="0">
+                          <a:latin typeface="Cambria Math" panose="02040503050406030204" pitchFamily="18" charset="0"/>
+                        </a:rPr>
+                        <m:t>𝑀</m:t>
+                      </m:r>
+                      <m:r>
+                        <a:rPr lang="es-ES" b="0" i="1" smtClean="0">
+                          <a:latin typeface="Cambria Math" panose="02040503050406030204" pitchFamily="18" charset="0"/>
+                        </a:rPr>
+                        <m:t>,</m:t>
+                      </m:r>
+                      <m:r>
+                        <a:rPr lang="es-ES" b="0" i="1" smtClean="0">
+                          <a:latin typeface="Cambria Math" panose="02040503050406030204" pitchFamily="18" charset="0"/>
+                        </a:rPr>
+                        <m:t>𝑁</m:t>
+                      </m:r>
+                    </m:oMath>
+                  </m:oMathPara>
+                </a14:m>
+                <a:br>
+                  <a:rPr lang="es-ES" b="0" i="0" dirty="0">
+                    <a:latin typeface="Suisse Int'l" panose="020B0504000000000000" pitchFamily="34" charset="77"/>
+                  </a:rPr>
+                </a:br>
+                <a:endParaRPr lang="es-ES" b="0" i="0" dirty="0">
+                  <a:latin typeface="Suisse Int'l" panose="020B0504000000000000" pitchFamily="34" charset="77"/>
+                </a:endParaRPr>
+              </a:p>
+            </p:txBody>
+          </p:sp>
+        </mc:Choice>
+        <mc:Fallback>
+          <p:sp>
+            <p:nvSpPr>
+              <p:cNvPr id="45" name="Textfeld 44">
+                <a:extLst>
+                  <a:ext uri="{FF2B5EF4-FFF2-40B4-BE49-F238E27FC236}">
+                    <a16:creationId xmlns:a16="http://schemas.microsoft.com/office/drawing/2014/main" id="{01E04A84-E8AE-4733-B6D2-697F16A5C91A}"/>
+                  </a:ext>
+                </a:extLst>
+              </p:cNvPr>
+              <p:cNvSpPr txBox="1">
+                <a:spLocks noRot="1" noChangeAspect="1" noMove="1" noResize="1" noEditPoints="1" noAdjustHandles="1" noChangeArrowheads="1" noChangeShapeType="1" noTextEdit="1"/>
+              </p:cNvSpPr>
+              <p:nvPr/>
+            </p:nvSpPr>
+            <p:spPr>
+              <a:xfrm>
+                <a:off x="2420277" y="4342906"/>
+                <a:ext cx="914400" cy="600848"/>
+              </a:xfrm>
+              <a:prstGeom prst="rect">
+                <a:avLst/>
+              </a:prstGeom>
+              <a:blipFill>
+                <a:blip r:embed="rId5"/>
+                <a:stretch>
+                  <a:fillRect/>
+                </a:stretch>
+              </a:blipFill>
+            </p:spPr>
+            <p:txBody>
+              <a:bodyPr/>
+              <a:lstStyle/>
+              <a:p>
+                <a:r>
+                  <a:rPr lang="en-GB">
+                    <a:noFill/>
+                  </a:rPr>
+                  <a:t> </a:t>
+                </a:r>
+              </a:p>
+            </p:txBody>
+          </p:sp>
+        </mc:Fallback>
+      </mc:AlternateContent>
+      <p:sp>
+        <p:nvSpPr>
+          <p:cNvPr id="46" name="Arc 35">
+            <a:extLst>
+              <a:ext uri="{FF2B5EF4-FFF2-40B4-BE49-F238E27FC236}">
+                <a16:creationId xmlns:a16="http://schemas.microsoft.com/office/drawing/2014/main" id="{EDA256F2-F4E0-42FD-92FA-BF61EC14BD2D}"/>
+              </a:ext>
+            </a:extLst>
+          </p:cNvPr>
+          <p:cNvSpPr/>
+          <p:nvPr/>
+        </p:nvSpPr>
+        <p:spPr>
+          <a:xfrm flipH="1" flipV="1">
+            <a:off x="3368425" y="3304263"/>
+            <a:ext cx="2923841" cy="1199130"/>
+          </a:xfrm>
+          <a:prstGeom prst="arc">
+            <a:avLst>
+              <a:gd name="adj1" fmla="val 11647274"/>
+              <a:gd name="adj2" fmla="val 21578000"/>
+            </a:avLst>
+          </a:prstGeom>
+          <a:ln w="28575">
+            <a:solidFill>
+              <a:schemeClr val="tx2">
+                <a:lumMod val="75000"/>
+              </a:schemeClr>
+            </a:solidFill>
+            <a:headEnd type="arrow"/>
+            <a:tailEnd type="oval"/>
+          </a:ln>
+        </p:spPr>
+        <p:style>
+          <a:lnRef idx="1">
+            <a:schemeClr val="accent1"/>
+          </a:lnRef>
+          <a:fillRef idx="0">
+            <a:schemeClr val="accent1"/>
+          </a:fillRef>
+          <a:effectRef idx="0">
+            <a:schemeClr val="accent1"/>
+          </a:effectRef>
+          <a:fontRef idx="minor">
+            <a:schemeClr val="tx1"/>
+          </a:fontRef>
+        </p:style>
+        <p:txBody>
+          <a:bodyPr rtlCol="0" anchor="ctr"/>
+          <a:lstStyle/>
+          <a:p>
+            <a:pPr algn="ctr"/>
+            <a:endParaRPr lang="en-GB"/>
+          </a:p>
+        </p:txBody>
+      </p:sp>
+      <p:sp>
+        <p:nvSpPr>
+          <p:cNvPr id="47" name="Rechteck 46">
+            <a:extLst>
+              <a:ext uri="{FF2B5EF4-FFF2-40B4-BE49-F238E27FC236}">
+                <a16:creationId xmlns:a16="http://schemas.microsoft.com/office/drawing/2014/main" id="{F96EB43C-78B8-4730-BD07-80DAAB80927E}"/>
+              </a:ext>
+            </a:extLst>
+          </p:cNvPr>
+          <p:cNvSpPr/>
+          <p:nvPr/>
+        </p:nvSpPr>
+        <p:spPr>
+          <a:xfrm>
+            <a:off x="3690174" y="1393173"/>
+            <a:ext cx="5360686" cy="3002868"/>
+          </a:xfrm>
+          <a:prstGeom prst="rect">
+            <a:avLst/>
+          </a:prstGeom>
+          <a:solidFill>
+            <a:srgbClr val="478556">
+              <a:alpha val="5000"/>
+            </a:srgbClr>
+          </a:solidFill>
+          <a:ln>
+            <a:noFill/>
+          </a:ln>
+        </p:spPr>
+        <p:style>
+          <a:lnRef idx="2">
+            <a:schemeClr val="accent1">
+              <a:shade val="50000"/>
+            </a:schemeClr>
+          </a:lnRef>
+          <a:fillRef idx="1">
+            <a:schemeClr val="accent1"/>
+          </a:fillRef>
+          <a:effectRef idx="0">
+            <a:schemeClr val="accent1"/>
+          </a:effectRef>
+          <a:fontRef idx="minor">
+            <a:schemeClr val="lt1"/>
+          </a:fontRef>
+        </p:style>
+        <p:txBody>
+          <a:bodyPr rtlCol="0" anchor="ctr"/>
+          <a:lstStyle/>
+          <a:p>
+            <a:pPr algn="ctr"/>
+            <a:endParaRPr lang="en-GB" dirty="0"/>
+          </a:p>
+        </p:txBody>
+      </p:sp>
+      <p:cxnSp>
+        <p:nvCxnSpPr>
+          <p:cNvPr id="49" name="Straight Arrow Connector 31">
+            <a:extLst>
+              <a:ext uri="{FF2B5EF4-FFF2-40B4-BE49-F238E27FC236}">
+                <a16:creationId xmlns:a16="http://schemas.microsoft.com/office/drawing/2014/main" id="{5B810004-CD4B-4A34-9A7D-4DA8D6494366}"/>
+              </a:ext>
+            </a:extLst>
+          </p:cNvPr>
+          <p:cNvCxnSpPr>
+            <a:cxnSpLocks/>
+          </p:cNvCxnSpPr>
+          <p:nvPr/>
+        </p:nvCxnSpPr>
+        <p:spPr>
+          <a:xfrm flipV="1">
+            <a:off x="1829567" y="1722854"/>
+            <a:ext cx="0" cy="310972"/>
+          </a:xfrm>
+          <a:prstGeom prst="straightConnector1">
+            <a:avLst/>
+          </a:prstGeom>
+          <a:ln w="31750">
+            <a:solidFill>
+              <a:schemeClr val="tx2">
+                <a:lumMod val="75000"/>
+              </a:schemeClr>
+            </a:solidFill>
+            <a:headEnd type="triangle"/>
+            <a:tailEnd type="none"/>
+          </a:ln>
+        </p:spPr>
+        <p:style>
+          <a:lnRef idx="1">
+            <a:schemeClr val="accent1"/>
+          </a:lnRef>
+          <a:fillRef idx="0">
+            <a:schemeClr val="accent1"/>
+          </a:fillRef>
+          <a:effectRef idx="0">
+            <a:schemeClr val="accent1"/>
+          </a:effectRef>
+          <a:fontRef idx="minor">
+            <a:schemeClr val="tx1"/>
+          </a:fontRef>
+        </p:style>
+      </p:cxnSp>
     </p:spTree>
     <p:extLst>
       <p:ext uri="{BB962C8B-B14F-4D97-AF65-F5344CB8AC3E}">
@@ -7573,7 +8817,7 @@
           <a:p>
             <a:fld id="{16C1D5B0-5220-44BF-BD99-44FE20BE1773}" type="datetime5">
               <a:rPr lang="en-US" smtClean="0"/>
-              <a:t>22-Feb-18</a:t>
+              <a:t>23-Feb-18</a:t>
             </a:fld>
             <a:endParaRPr lang="en-GB" dirty="0"/>
           </a:p>
@@ -9727,7 +10971,7 @@
           <a:p>
             <a:fld id="{16C1D5B0-5220-44BF-BD99-44FE20BE1773}" type="datetime5">
               <a:rPr lang="en-US" smtClean="0"/>
-              <a:t>22-Feb-18</a:t>
+              <a:t>23-Feb-18</a:t>
             </a:fld>
             <a:endParaRPr lang="en-GB" dirty="0"/>
           </a:p>
@@ -9903,7 +11147,7 @@
           <a:p>
             <a:fld id="{16C1D5B0-5220-44BF-BD99-44FE20BE1773}" type="datetime5">
               <a:rPr lang="en-US" smtClean="0"/>
-              <a:t>22-Feb-18</a:t>
+              <a:t>23-Feb-18</a:t>
             </a:fld>
             <a:endParaRPr lang="en-GB" dirty="0"/>
           </a:p>
@@ -10091,7 +11335,7 @@
           <a:p>
             <a:fld id="{EBD6096E-B422-4A7C-A86B-590D49FB2AD6}" type="datetime5">
               <a:rPr lang="en-US" smtClean="0"/>
-              <a:t>22-Feb-18</a:t>
+              <a:t>23-Feb-18</a:t>
             </a:fld>
             <a:endParaRPr lang="en-GB" dirty="0"/>
           </a:p>
@@ -10245,7 +11489,7 @@
           <a:p>
             <a:fld id="{EBD6096E-B422-4A7C-A86B-590D49FB2AD6}" type="datetime5">
               <a:rPr lang="en-US" smtClean="0"/>
-              <a:t>22-Feb-18</a:t>
+              <a:t>23-Feb-18</a:t>
             </a:fld>
             <a:endParaRPr lang="en-GB" dirty="0"/>
           </a:p>

--- a/s_id/docs/System Identification to support Flight Test activities - proposal.pptx
+++ b/s_id/docs/System Identification to support Flight Test activities - proposal.pptx
@@ -5,26 +5,30 @@
     <p:sldMasterId id="2147483660" r:id="rId1"/>
   </p:sldMasterIdLst>
   <p:notesMasterIdLst>
-    <p:notesMasterId r:id="rId16"/>
+    <p:notesMasterId r:id="rId20"/>
   </p:notesMasterIdLst>
   <p:handoutMasterIdLst>
-    <p:handoutMasterId r:id="rId17"/>
+    <p:handoutMasterId r:id="rId21"/>
   </p:handoutMasterIdLst>
   <p:sldIdLst>
     <p:sldId id="267" r:id="rId2"/>
-    <p:sldId id="269" r:id="rId3"/>
-    <p:sldId id="277" r:id="rId4"/>
-    <p:sldId id="258" r:id="rId5"/>
-    <p:sldId id="281" r:id="rId6"/>
-    <p:sldId id="273" r:id="rId7"/>
-    <p:sldId id="275" r:id="rId8"/>
-    <p:sldId id="279" r:id="rId9"/>
-    <p:sldId id="280" r:id="rId10"/>
-    <p:sldId id="268" r:id="rId11"/>
-    <p:sldId id="272" r:id="rId12"/>
-    <p:sldId id="282" r:id="rId13"/>
-    <p:sldId id="262" r:id="rId14"/>
-    <p:sldId id="263" r:id="rId15"/>
+    <p:sldId id="283" r:id="rId3"/>
+    <p:sldId id="269" r:id="rId4"/>
+    <p:sldId id="277" r:id="rId5"/>
+    <p:sldId id="286" r:id="rId6"/>
+    <p:sldId id="284" r:id="rId7"/>
+    <p:sldId id="258" r:id="rId8"/>
+    <p:sldId id="285" r:id="rId9"/>
+    <p:sldId id="281" r:id="rId10"/>
+    <p:sldId id="273" r:id="rId11"/>
+    <p:sldId id="275" r:id="rId12"/>
+    <p:sldId id="279" r:id="rId13"/>
+    <p:sldId id="280" r:id="rId14"/>
+    <p:sldId id="268" r:id="rId15"/>
+    <p:sldId id="272" r:id="rId16"/>
+    <p:sldId id="282" r:id="rId17"/>
+    <p:sldId id="262" r:id="rId18"/>
+    <p:sldId id="263" r:id="rId19"/>
   </p:sldIdLst>
   <p:sldSz cx="9144000" cy="6858000" type="screen4x3"/>
   <p:notesSz cx="6858000" cy="9144000"/>
@@ -322,7 +326,7 @@
             <a:fld id="{5F3C0F99-304F-6E49-843F-5351A15493DC}" type="slidenum">
               <a:rPr lang="en-GB" smtClean="0"/>
               <a:pPr/>
-              <a:t>‹Nr.›</a:t>
+              <a:t>‹#›</a:t>
             </a:fld>
             <a:endParaRPr lang="en-GB"/>
           </a:p>
@@ -582,7 +586,7 @@
             <a:fld id="{0D8DCBD1-C1B4-0949-A20B-F84C20C9707E}" type="slidenum">
               <a:rPr lang="en-GB" smtClean="0"/>
               <a:pPr/>
-              <a:t>‹Nr.›</a:t>
+              <a:t>‹#›</a:t>
             </a:fld>
             <a:endParaRPr lang="en-GB"/>
           </a:p>
@@ -736,6 +740,77 @@
           <a:bodyPr/>
           <a:lstStyle/>
           <a:p>
+            <a:r>
+              <a:rPr lang="en-GB" dirty="0" smtClean="0"/>
+              <a:t>For</a:t>
+            </a:r>
+            <a:r>
+              <a:rPr lang="en-GB" baseline="0" dirty="0" smtClean="0"/>
+              <a:t> those of you already initiated in this topic, I would like to implement System ID techniques into the current Flight Testing methodology. I would do this in a:</a:t>
+            </a:r>
+          </a:p>
+          <a:p>
+            <a:pPr marL="171450" indent="-171450">
+              <a:buFontTx/>
+              <a:buChar char="-"/>
+            </a:pPr>
+            <a:r>
+              <a:rPr lang="en-GB" baseline="0" dirty="0" smtClean="0"/>
+              <a:t>Cost effective,</a:t>
+            </a:r>
+          </a:p>
+          <a:p>
+            <a:pPr marL="171450" indent="-171450">
+              <a:buFontTx/>
+              <a:buChar char="-"/>
+            </a:pPr>
+            <a:r>
+              <a:rPr lang="en-GB" baseline="0" dirty="0" smtClean="0"/>
+              <a:t>Efficient, and</a:t>
+            </a:r>
+          </a:p>
+          <a:p>
+            <a:pPr marL="171450" indent="-171450">
+              <a:buFontTx/>
+              <a:buChar char="-"/>
+            </a:pPr>
+            <a:r>
+              <a:rPr lang="en-GB" baseline="0" dirty="0" smtClean="0"/>
+              <a:t>Accurate, </a:t>
+            </a:r>
+          </a:p>
+          <a:p>
+            <a:pPr marL="0" indent="0">
+              <a:buFontTx/>
+              <a:buNone/>
+            </a:pPr>
+            <a:r>
+              <a:rPr lang="en-GB" baseline="0" dirty="0" smtClean="0"/>
+              <a:t>ways. And in this presentation, I will describe how I want to do this.</a:t>
+            </a:r>
+          </a:p>
+          <a:p>
+            <a:pPr marL="0" indent="0">
+              <a:buFontTx/>
+              <a:buNone/>
+            </a:pPr>
+            <a:endParaRPr lang="en-GB" baseline="0" dirty="0" smtClean="0"/>
+          </a:p>
+          <a:p>
+            <a:pPr marL="0" indent="0">
+              <a:buFontTx/>
+              <a:buNone/>
+            </a:pPr>
+            <a:r>
+              <a:rPr lang="en-GB" baseline="0" dirty="0" smtClean="0"/>
+              <a:t>Now, for those of you not initiated in this topic…</a:t>
+            </a:r>
+          </a:p>
+          <a:p>
+            <a:pPr marL="0" indent="0">
+              <a:buFontTx/>
+              <a:buNone/>
+            </a:pPr>
             <a:endParaRPr lang="en-GB" dirty="0"/>
           </a:p>
         </p:txBody>
@@ -758,7 +833,7 @@
             <a:fld id="{0D8DCBD1-C1B4-0949-A20B-F84C20C9707E}" type="slidenum">
               <a:rPr lang="en-GB" smtClean="0"/>
               <a:pPr/>
-              <a:t>3</a:t>
+              <a:t>1</a:t>
             </a:fld>
             <a:endParaRPr lang="en-GB"/>
           </a:p>
@@ -767,7 +842,7 @@
     </p:spTree>
     <p:extLst>
       <p:ext uri="{BB962C8B-B14F-4D97-AF65-F5344CB8AC3E}">
-        <p14:creationId xmlns:p14="http://schemas.microsoft.com/office/powerpoint/2010/main" val="3554589756"/>
+        <p14:creationId xmlns:p14="http://schemas.microsoft.com/office/powerpoint/2010/main" val="1340201669"/>
       </p:ext>
     </p:extLst>
   </p:cSld>
@@ -821,27 +896,7 @@
           <a:bodyPr/>
           <a:lstStyle/>
           <a:p>
-            <a:r>
-              <a:rPr lang="en-GB" sz="1400" dirty="0"/>
-              <a:t>Accurate</a:t>
-            </a:r>
-            <a:r>
-              <a:rPr lang="en-GB" sz="1400" baseline="0" dirty="0"/>
-              <a:t> -&gt; Because it’s based on real flight data</a:t>
-            </a:r>
-          </a:p>
-          <a:p>
-            <a:r>
-              <a:rPr lang="en-GB" sz="1400" baseline="0" dirty="0"/>
-              <a:t>Simple -&gt; Does not require high computational power</a:t>
-            </a:r>
-          </a:p>
-          <a:p>
-            <a:r>
-              <a:rPr lang="en-GB" sz="1400" baseline="0" dirty="0"/>
-              <a:t>Reliable -&gt; Computed with </a:t>
-            </a:r>
-            <a:endParaRPr lang="en-GB" sz="1400" dirty="0"/>
+            <a:endParaRPr lang="en-GB" dirty="0"/>
           </a:p>
         </p:txBody>
       </p:sp>
@@ -872,7 +927,367 @@
     </p:spTree>
     <p:extLst>
       <p:ext uri="{BB962C8B-B14F-4D97-AF65-F5344CB8AC3E}">
+        <p14:creationId xmlns:p14="http://schemas.microsoft.com/office/powerpoint/2010/main" val="3554589756"/>
+      </p:ext>
+    </p:extLst>
+  </p:cSld>
+  <p:clrMapOvr>
+    <a:masterClrMapping/>
+  </p:clrMapOvr>
+</p:notes>
+</file>
+
+<file path=ppt/notesSlides/notesSlide3.xml><?xml version="1.0" encoding="utf-8"?>
+<p:notes xmlns:a="http://schemas.openxmlformats.org/drawingml/2006/main" xmlns:r="http://schemas.openxmlformats.org/officeDocument/2006/relationships" xmlns:p="http://schemas.openxmlformats.org/presentationml/2006/main">
+  <p:cSld>
+    <p:spTree>
+      <p:nvGrpSpPr>
+        <p:cNvPr id="1" name=""/>
+        <p:cNvGrpSpPr/>
+        <p:nvPr/>
+      </p:nvGrpSpPr>
+      <p:grpSpPr>
+        <a:xfrm>
+          <a:off x="0" y="0"/>
+          <a:ext cx="0" cy="0"/>
+          <a:chOff x="0" y="0"/>
+          <a:chExt cx="0" cy="0"/>
+        </a:xfrm>
+      </p:grpSpPr>
+      <p:sp>
+        <p:nvSpPr>
+          <p:cNvPr id="2" name="Slide Image Placeholder 1"/>
+          <p:cNvSpPr>
+            <a:spLocks noGrp="1" noRot="1" noChangeAspect="1"/>
+          </p:cNvSpPr>
+          <p:nvPr>
+            <p:ph type="sldImg"/>
+          </p:nvPr>
+        </p:nvSpPr>
+        <p:spPr/>
+      </p:sp>
+      <p:sp>
+        <p:nvSpPr>
+          <p:cNvPr id="3" name="Notes Placeholder 2"/>
+          <p:cNvSpPr>
+            <a:spLocks noGrp="1"/>
+          </p:cNvSpPr>
+          <p:nvPr>
+            <p:ph type="body" idx="1"/>
+          </p:nvPr>
+        </p:nvSpPr>
+        <p:spPr/>
+        <p:txBody>
+          <a:bodyPr/>
+          <a:lstStyle/>
+          <a:p>
+            <a:endParaRPr lang="en-GB" dirty="0"/>
+          </a:p>
+        </p:txBody>
+      </p:sp>
+      <p:sp>
+        <p:nvSpPr>
+          <p:cNvPr id="4" name="Slide Number Placeholder 3"/>
+          <p:cNvSpPr>
+            <a:spLocks noGrp="1"/>
+          </p:cNvSpPr>
+          <p:nvPr>
+            <p:ph type="sldNum" sz="quarter" idx="10"/>
+          </p:nvPr>
+        </p:nvSpPr>
+        <p:spPr/>
+        <p:txBody>
+          <a:bodyPr/>
+          <a:lstStyle/>
+          <a:p>
+            <a:fld id="{0D8DCBD1-C1B4-0949-A20B-F84C20C9707E}" type="slidenum">
+              <a:rPr lang="en-GB" smtClean="0"/>
+              <a:pPr/>
+              <a:t>5</a:t>
+            </a:fld>
+            <a:endParaRPr lang="en-GB"/>
+          </a:p>
+        </p:txBody>
+      </p:sp>
+    </p:spTree>
+    <p:extLst>
+      <p:ext uri="{BB962C8B-B14F-4D97-AF65-F5344CB8AC3E}">
+        <p14:creationId xmlns:p14="http://schemas.microsoft.com/office/powerpoint/2010/main" val="4167176297"/>
+      </p:ext>
+    </p:extLst>
+  </p:cSld>
+  <p:clrMapOvr>
+    <a:masterClrMapping/>
+  </p:clrMapOvr>
+</p:notes>
+</file>
+
+<file path=ppt/notesSlides/notesSlide4.xml><?xml version="1.0" encoding="utf-8"?>
+<p:notes xmlns:a="http://schemas.openxmlformats.org/drawingml/2006/main" xmlns:r="http://schemas.openxmlformats.org/officeDocument/2006/relationships" xmlns:p="http://schemas.openxmlformats.org/presentationml/2006/main">
+  <p:cSld>
+    <p:spTree>
+      <p:nvGrpSpPr>
+        <p:cNvPr id="1" name=""/>
+        <p:cNvGrpSpPr/>
+        <p:nvPr/>
+      </p:nvGrpSpPr>
+      <p:grpSpPr>
+        <a:xfrm>
+          <a:off x="0" y="0"/>
+          <a:ext cx="0" cy="0"/>
+          <a:chOff x="0" y="0"/>
+          <a:chExt cx="0" cy="0"/>
+        </a:xfrm>
+      </p:grpSpPr>
+      <p:sp>
+        <p:nvSpPr>
+          <p:cNvPr id="2" name="Slide Image Placeholder 1"/>
+          <p:cNvSpPr>
+            <a:spLocks noGrp="1" noRot="1" noChangeAspect="1"/>
+          </p:cNvSpPr>
+          <p:nvPr>
+            <p:ph type="sldImg"/>
+          </p:nvPr>
+        </p:nvSpPr>
+        <p:spPr/>
+      </p:sp>
+      <p:sp>
+        <p:nvSpPr>
+          <p:cNvPr id="3" name="Notes Placeholder 2"/>
+          <p:cNvSpPr>
+            <a:spLocks noGrp="1"/>
+          </p:cNvSpPr>
+          <p:nvPr>
+            <p:ph type="body" idx="1"/>
+          </p:nvPr>
+        </p:nvSpPr>
+        <p:spPr/>
+        <p:txBody>
+          <a:bodyPr/>
+          <a:lstStyle/>
+          <a:p>
+            <a:endParaRPr lang="en-GB" dirty="0"/>
+          </a:p>
+        </p:txBody>
+      </p:sp>
+      <p:sp>
+        <p:nvSpPr>
+          <p:cNvPr id="4" name="Slide Number Placeholder 3"/>
+          <p:cNvSpPr>
+            <a:spLocks noGrp="1"/>
+          </p:cNvSpPr>
+          <p:nvPr>
+            <p:ph type="sldNum" sz="quarter" idx="10"/>
+          </p:nvPr>
+        </p:nvSpPr>
+        <p:spPr/>
+        <p:txBody>
+          <a:bodyPr/>
+          <a:lstStyle/>
+          <a:p>
+            <a:fld id="{0D8DCBD1-C1B4-0949-A20B-F84C20C9707E}" type="slidenum">
+              <a:rPr lang="en-GB" smtClean="0"/>
+              <a:pPr/>
+              <a:t>6</a:t>
+            </a:fld>
+            <a:endParaRPr lang="en-GB"/>
+          </a:p>
+        </p:txBody>
+      </p:sp>
+    </p:spTree>
+    <p:extLst>
+      <p:ext uri="{BB962C8B-B14F-4D97-AF65-F5344CB8AC3E}">
+        <p14:creationId xmlns:p14="http://schemas.microsoft.com/office/powerpoint/2010/main" val="3077702852"/>
+      </p:ext>
+    </p:extLst>
+  </p:cSld>
+  <p:clrMapOvr>
+    <a:masterClrMapping/>
+  </p:clrMapOvr>
+</p:notes>
+</file>
+
+<file path=ppt/notesSlides/notesSlide5.xml><?xml version="1.0" encoding="utf-8"?>
+<p:notes xmlns:a="http://schemas.openxmlformats.org/drawingml/2006/main" xmlns:r="http://schemas.openxmlformats.org/officeDocument/2006/relationships" xmlns:p="http://schemas.openxmlformats.org/presentationml/2006/main">
+  <p:cSld>
+    <p:spTree>
+      <p:nvGrpSpPr>
+        <p:cNvPr id="1" name=""/>
+        <p:cNvGrpSpPr/>
+        <p:nvPr/>
+      </p:nvGrpSpPr>
+      <p:grpSpPr>
+        <a:xfrm>
+          <a:off x="0" y="0"/>
+          <a:ext cx="0" cy="0"/>
+          <a:chOff x="0" y="0"/>
+          <a:chExt cx="0" cy="0"/>
+        </a:xfrm>
+      </p:grpSpPr>
+      <p:sp>
+        <p:nvSpPr>
+          <p:cNvPr id="2" name="Slide Image Placeholder 1"/>
+          <p:cNvSpPr>
+            <a:spLocks noGrp="1" noRot="1" noChangeAspect="1"/>
+          </p:cNvSpPr>
+          <p:nvPr>
+            <p:ph type="sldImg"/>
+          </p:nvPr>
+        </p:nvSpPr>
+        <p:spPr/>
+      </p:sp>
+      <p:sp>
+        <p:nvSpPr>
+          <p:cNvPr id="3" name="Notes Placeholder 2"/>
+          <p:cNvSpPr>
+            <a:spLocks noGrp="1"/>
+          </p:cNvSpPr>
+          <p:nvPr>
+            <p:ph type="body" idx="1"/>
+          </p:nvPr>
+        </p:nvSpPr>
+        <p:spPr/>
+        <p:txBody>
+          <a:bodyPr/>
+          <a:lstStyle/>
+          <a:p>
+            <a:r>
+              <a:rPr lang="en-GB" sz="1400" dirty="0"/>
+              <a:t>Accurate</a:t>
+            </a:r>
+            <a:r>
+              <a:rPr lang="en-GB" sz="1400" baseline="0" dirty="0"/>
+              <a:t> -&gt; Because it’s based on real flight data</a:t>
+            </a:r>
+          </a:p>
+          <a:p>
+            <a:r>
+              <a:rPr lang="en-GB" sz="1400" baseline="0" dirty="0"/>
+              <a:t>Simple -&gt; Does not require high computational power</a:t>
+            </a:r>
+          </a:p>
+          <a:p>
+            <a:r>
+              <a:rPr lang="en-GB" sz="1400" baseline="0" dirty="0"/>
+              <a:t>Reliable -&gt; Computed with </a:t>
+            </a:r>
+            <a:endParaRPr lang="en-GB" sz="1400" dirty="0"/>
+          </a:p>
+        </p:txBody>
+      </p:sp>
+      <p:sp>
+        <p:nvSpPr>
+          <p:cNvPr id="4" name="Slide Number Placeholder 3"/>
+          <p:cNvSpPr>
+            <a:spLocks noGrp="1"/>
+          </p:cNvSpPr>
+          <p:nvPr>
+            <p:ph type="sldNum" sz="quarter" idx="10"/>
+          </p:nvPr>
+        </p:nvSpPr>
+        <p:spPr/>
+        <p:txBody>
+          <a:bodyPr/>
+          <a:lstStyle/>
+          <a:p>
+            <a:fld id="{0D8DCBD1-C1B4-0949-A20B-F84C20C9707E}" type="slidenum">
+              <a:rPr lang="en-GB" smtClean="0"/>
+              <a:pPr/>
+              <a:t>7</a:t>
+            </a:fld>
+            <a:endParaRPr lang="en-GB"/>
+          </a:p>
+        </p:txBody>
+      </p:sp>
+    </p:spTree>
+    <p:extLst>
+      <p:ext uri="{BB962C8B-B14F-4D97-AF65-F5344CB8AC3E}">
         <p14:creationId xmlns:p14="http://schemas.microsoft.com/office/powerpoint/2010/main" val="1696403375"/>
+      </p:ext>
+    </p:extLst>
+  </p:cSld>
+  <p:clrMapOvr>
+    <a:masterClrMapping/>
+  </p:clrMapOvr>
+</p:notes>
+</file>
+
+<file path=ppt/notesSlides/notesSlide6.xml><?xml version="1.0" encoding="utf-8"?>
+<p:notes xmlns:a="http://schemas.openxmlformats.org/drawingml/2006/main" xmlns:r="http://schemas.openxmlformats.org/officeDocument/2006/relationships" xmlns:p="http://schemas.openxmlformats.org/presentationml/2006/main">
+  <p:cSld>
+    <p:spTree>
+      <p:nvGrpSpPr>
+        <p:cNvPr id="1" name=""/>
+        <p:cNvGrpSpPr/>
+        <p:nvPr/>
+      </p:nvGrpSpPr>
+      <p:grpSpPr>
+        <a:xfrm>
+          <a:off x="0" y="0"/>
+          <a:ext cx="0" cy="0"/>
+          <a:chOff x="0" y="0"/>
+          <a:chExt cx="0" cy="0"/>
+        </a:xfrm>
+      </p:grpSpPr>
+      <p:sp>
+        <p:nvSpPr>
+          <p:cNvPr id="2" name="Slide Image Placeholder 1"/>
+          <p:cNvSpPr>
+            <a:spLocks noGrp="1" noRot="1" noChangeAspect="1"/>
+          </p:cNvSpPr>
+          <p:nvPr>
+            <p:ph type="sldImg"/>
+          </p:nvPr>
+        </p:nvSpPr>
+        <p:spPr/>
+      </p:sp>
+      <p:sp>
+        <p:nvSpPr>
+          <p:cNvPr id="3" name="Notes Placeholder 2"/>
+          <p:cNvSpPr>
+            <a:spLocks noGrp="1"/>
+          </p:cNvSpPr>
+          <p:nvPr>
+            <p:ph type="body" idx="1"/>
+          </p:nvPr>
+        </p:nvSpPr>
+        <p:spPr/>
+        <p:txBody>
+          <a:bodyPr/>
+          <a:lstStyle/>
+          <a:p>
+            <a:endParaRPr lang="en-GB" dirty="0"/>
+          </a:p>
+        </p:txBody>
+      </p:sp>
+      <p:sp>
+        <p:nvSpPr>
+          <p:cNvPr id="4" name="Slide Number Placeholder 3"/>
+          <p:cNvSpPr>
+            <a:spLocks noGrp="1"/>
+          </p:cNvSpPr>
+          <p:nvPr>
+            <p:ph type="sldNum" sz="quarter" idx="10"/>
+          </p:nvPr>
+        </p:nvSpPr>
+        <p:spPr/>
+        <p:txBody>
+          <a:bodyPr/>
+          <a:lstStyle/>
+          <a:p>
+            <a:fld id="{0D8DCBD1-C1B4-0949-A20B-F84C20C9707E}" type="slidenum">
+              <a:rPr lang="en-GB" smtClean="0"/>
+              <a:pPr/>
+              <a:t>8</a:t>
+            </a:fld>
+            <a:endParaRPr lang="en-GB"/>
+          </a:p>
+        </p:txBody>
+      </p:sp>
+    </p:spTree>
+    <p:extLst>
+      <p:ext uri="{BB962C8B-B14F-4D97-AF65-F5344CB8AC3E}">
+        <p14:creationId xmlns:p14="http://schemas.microsoft.com/office/powerpoint/2010/main" val="258293789"/>
       </p:ext>
     </p:extLst>
   </p:cSld>
@@ -1298,7 +1713,7 @@
             <a:fld id="{011C9D03-AE4A-2848-9956-B167AE17B095}" type="slidenum">
               <a:rPr lang="en-GB" smtClean="0"/>
               <a:pPr/>
-              <a:t>‹Nr.›</a:t>
+              <a:t>‹#›</a:t>
             </a:fld>
             <a:endParaRPr lang="en-GB" dirty="0"/>
           </a:p>
@@ -1593,7 +2008,7 @@
             <a:fld id="{011C9D03-AE4A-2848-9956-B167AE17B095}" type="slidenum">
               <a:rPr lang="en-GB" smtClean="0"/>
               <a:pPr/>
-              <a:t>‹Nr.›</a:t>
+              <a:t>‹#›</a:t>
             </a:fld>
             <a:endParaRPr lang="en-GB" dirty="0"/>
           </a:p>
@@ -2153,7 +2568,7 @@
             <a:fld id="{011C9D03-AE4A-2848-9956-B167AE17B095}" type="slidenum">
               <a:rPr lang="en-GB" smtClean="0"/>
               <a:pPr/>
-              <a:t>‹Nr.›</a:t>
+              <a:t>‹#›</a:t>
             </a:fld>
             <a:endParaRPr lang="en-GB" dirty="0"/>
           </a:p>
@@ -2429,7 +2844,7 @@
             <a:fld id="{011C9D03-AE4A-2848-9956-B167AE17B095}" type="slidenum">
               <a:rPr lang="en-GB" smtClean="0"/>
               <a:pPr/>
-              <a:t>‹Nr.›</a:t>
+              <a:t>‹#›</a:t>
             </a:fld>
             <a:endParaRPr lang="en-GB"/>
           </a:p>
@@ -3299,7 +3714,7 @@
             <a:fld id="{011C9D03-AE4A-2848-9956-B167AE17B095}" type="slidenum">
               <a:rPr lang="en-GB" smtClean="0"/>
               <a:pPr/>
-              <a:t>‹Nr.›</a:t>
+              <a:t>‹#›</a:t>
             </a:fld>
             <a:endParaRPr lang="en-GB"/>
           </a:p>
@@ -3653,7 +4068,7 @@
             <a:fld id="{011C9D03-AE4A-2848-9956-B167AE17B095}" type="slidenum">
               <a:rPr lang="en-GB" smtClean="0"/>
               <a:pPr/>
-              <a:t>‹Nr.›</a:t>
+              <a:t>‹#›</a:t>
             </a:fld>
             <a:endParaRPr lang="en-GB"/>
           </a:p>
@@ -4557,7 +4972,7 @@
             <a:fld id="{011C9D03-AE4A-2848-9956-B167AE17B095}" type="slidenum">
               <a:rPr lang="en-GB" smtClean="0"/>
               <a:pPr/>
-              <a:t>‹Nr.›</a:t>
+              <a:t>‹#›</a:t>
             </a:fld>
             <a:endParaRPr lang="en-GB"/>
           </a:p>
@@ -4932,9 +5347,10 @@
           <a:lstStyle/>
           <a:p>
             <a:r>
-              <a:rPr lang="en-GB" dirty="0"/>
-              <a:t>22.01.2018</a:t>
-            </a:r>
+              <a:rPr lang="en-GB" dirty="0" smtClean="0"/>
+              <a:t>23.02.2018</a:t>
+            </a:r>
+            <a:endParaRPr lang="en-GB" dirty="0"/>
           </a:p>
         </p:txBody>
       </p:sp>
@@ -4955,17 +5371,56 @@
           <a:noFill/>
         </p:spPr>
         <p:txBody>
-          <a:bodyPr wrap="square" lIns="0" tIns="0" rIns="0" bIns="0" rtlCol="0" anchor="b">
+          <a:bodyPr wrap="square" lIns="0" tIns="0" rIns="0" bIns="0" rtlCol="0" anchor="t">
             <a:noAutofit/>
           </a:bodyPr>
           <a:lstStyle/>
           <a:p>
             <a:pPr algn="l"/>
+            <a:r>
+              <a:rPr lang="en-GB" b="0" i="1" dirty="0" smtClean="0">
+                <a:latin typeface="Suisse Int'l" panose="020B0504000000000000" pitchFamily="34" charset="77"/>
+              </a:rPr>
+              <a:t>A project proposal</a:t>
+            </a:r>
+          </a:p>
+          <a:p>
+            <a:pPr algn="l"/>
+            <a:endParaRPr lang="en-GB" dirty="0">
+              <a:latin typeface="Suisse Int'l" panose="020B0504000000000000" pitchFamily="34" charset="77"/>
+            </a:endParaRPr>
+          </a:p>
+          <a:p>
+            <a:pPr algn="l"/>
+            <a:endParaRPr lang="en-GB" b="0" i="0" dirty="0" smtClean="0">
+              <a:latin typeface="Suisse Int'l" panose="020B0504000000000000" pitchFamily="34" charset="77"/>
+            </a:endParaRPr>
+          </a:p>
+          <a:p>
+            <a:pPr algn="l"/>
+            <a:endParaRPr lang="en-GB" b="0" i="0" dirty="0" smtClean="0">
+              <a:latin typeface="Suisse Int'l" panose="020B0504000000000000" pitchFamily="34" charset="77"/>
+            </a:endParaRPr>
+          </a:p>
+          <a:p>
+            <a:pPr algn="l"/>
+            <a:endParaRPr lang="en-GB" dirty="0">
+              <a:latin typeface="Suisse Int'l" panose="020B0504000000000000" pitchFamily="34" charset="77"/>
+            </a:endParaRPr>
+          </a:p>
+          <a:p>
+            <a:pPr algn="l"/>
+            <a:r>
+              <a:rPr lang="en-GB" b="0" i="0" dirty="0" smtClean="0">
+                <a:latin typeface="Suisse Int'l" panose="020B0504000000000000" pitchFamily="34" charset="77"/>
+              </a:rPr>
+              <a:t>Alejandro </a:t>
+            </a:r>
             <a:r>
               <a:rPr lang="en-GB" b="0" i="0" dirty="0">
                 <a:latin typeface="Suisse Int'l" panose="020B0504000000000000" pitchFamily="34" charset="77"/>
               </a:rPr>
-              <a:t>Alejandro Valverde</a:t>
+              <a:t>Valverde</a:t>
             </a:r>
           </a:p>
           <a:p>
@@ -5034,116 +5489,7 @@
           <a:p>
             <a:r>
               <a:rPr lang="en-GB" dirty="0"/>
-              <a:t>Why to introducing System ID into P3 test campaign? </a:t>
-            </a:r>
-          </a:p>
-        </p:txBody>
-      </p:sp>
-      <p:sp>
-        <p:nvSpPr>
-          <p:cNvPr id="3" name="Content Placeholder 2">
-            <a:extLst>
-              <a:ext uri="{FF2B5EF4-FFF2-40B4-BE49-F238E27FC236}">
-                <a16:creationId xmlns:a16="http://schemas.microsoft.com/office/drawing/2014/main" id="{C19AF051-9B1E-C04B-A28B-18DE801F3709}"/>
-              </a:ext>
-            </a:extLst>
-          </p:cNvPr>
-          <p:cNvSpPr>
-            <a:spLocks noGrp="1"/>
-          </p:cNvSpPr>
-          <p:nvPr>
-            <p:ph idx="1"/>
-          </p:nvPr>
-        </p:nvSpPr>
-        <p:spPr>
-          <a:xfrm>
-            <a:off x="504000" y="1148994"/>
-            <a:ext cx="7810500" cy="4703166"/>
-          </a:xfrm>
-        </p:spPr>
-        <p:txBody>
-          <a:bodyPr/>
-          <a:lstStyle/>
-          <a:p>
-            <a:pPr marL="342900" indent="-342900">
-              <a:buFont typeface="Arial" panose="020B0604020202020204" pitchFamily="34" charset="0"/>
-              <a:buChar char="•"/>
-            </a:pPr>
-            <a:r>
-              <a:rPr lang="en-GB" sz="1600" dirty="0"/>
-              <a:t>To boost flight test productivity </a:t>
-            </a:r>
-          </a:p>
-          <a:p>
-            <a:pPr marL="342900" indent="-342900">
-              <a:buFont typeface="Arial" panose="020B0604020202020204" pitchFamily="34" charset="0"/>
-              <a:buChar char="•"/>
-            </a:pPr>
-            <a:endParaRPr lang="en-GB" sz="1600" dirty="0"/>
-          </a:p>
-          <a:p>
-            <a:pPr marL="342900" indent="-342900">
-              <a:buFont typeface="Arial" panose="020B0604020202020204" pitchFamily="34" charset="0"/>
-              <a:buChar char="•"/>
-            </a:pPr>
-            <a:r>
-              <a:rPr lang="en-GB" sz="1600" dirty="0"/>
-              <a:t>Structure issues problems seem to be solved with P3, time to assess the handling qualities</a:t>
-            </a:r>
-          </a:p>
-          <a:p>
-            <a:pPr marL="342900" indent="-342900">
-              <a:buFont typeface="Arial" panose="020B0604020202020204" pitchFamily="34" charset="0"/>
-              <a:buChar char="•"/>
-            </a:pPr>
-            <a:endParaRPr lang="en-GB" sz="1600" dirty="0"/>
-          </a:p>
-          <a:p>
-            <a:pPr marL="342900" indent="-342900">
-              <a:buFont typeface="Arial" panose="020B0604020202020204" pitchFamily="34" charset="0"/>
-              <a:buChar char="•"/>
-            </a:pPr>
-            <a:r>
-              <a:rPr lang="en-US" sz="1600" dirty="0"/>
-              <a:t>Surely it will be need for PS4 and further developments after TC</a:t>
-            </a:r>
-          </a:p>
-          <a:p>
-            <a:pPr marL="342900" indent="-342900">
-              <a:buFont typeface="Arial" panose="020B0604020202020204" pitchFamily="34" charset="0"/>
-              <a:buChar char="•"/>
-            </a:pPr>
-            <a:endParaRPr lang="en-US" sz="1600" dirty="0"/>
-          </a:p>
-          <a:p>
-            <a:pPr marL="342900" indent="-342900">
-              <a:buFont typeface="Arial" panose="020B0604020202020204" pitchFamily="34" charset="0"/>
-              <a:buChar char="•"/>
-            </a:pPr>
-            <a:r>
-              <a:rPr lang="en-GB" sz="1600" dirty="0"/>
-              <a:t>Every big H/C DOA does it</a:t>
-            </a:r>
-          </a:p>
-          <a:p>
-            <a:pPr marL="342900" indent="-342900">
-              <a:buFont typeface="Arial" panose="020B0604020202020204" pitchFamily="34" charset="0"/>
-              <a:buChar char="•"/>
-            </a:pPr>
-            <a:endParaRPr lang="en-GB" sz="1600" dirty="0"/>
-          </a:p>
-          <a:p>
-            <a:pPr marL="342900" indent="-342900">
-              <a:buFont typeface="Arial" panose="020B0604020202020204" pitchFamily="34" charset="0"/>
-              <a:buChar char="•"/>
-            </a:pPr>
-            <a:r>
-              <a:rPr lang="en-GB" sz="1600" dirty="0"/>
-              <a:t>System</a:t>
-            </a:r>
-            <a:r>
-              <a:rPr lang="en-US" sz="1600" dirty="0"/>
-              <a:t> ID takes time and money – but not nearly as much as not doing it</a:t>
+              <a:t>How does it work?</a:t>
             </a:r>
           </a:p>
         </p:txBody>
@@ -5231,10 +5577,40 @@
           </a:p>
         </p:txBody>
       </p:sp>
+      <p:pic>
+        <p:nvPicPr>
+          <p:cNvPr id="9" name="Grafik 8">
+            <a:extLst>
+              <a:ext uri="{FF2B5EF4-FFF2-40B4-BE49-F238E27FC236}">
+                <a16:creationId xmlns:a16="http://schemas.microsoft.com/office/drawing/2014/main" id="{374BE5AE-A64E-426E-9C3B-14ED4A4BCFF5}"/>
+              </a:ext>
+            </a:extLst>
+          </p:cNvPr>
+          <p:cNvPicPr>
+            <a:picLocks noChangeAspect="1"/>
+          </p:cNvPicPr>
+          <p:nvPr/>
+        </p:nvPicPr>
+        <p:blipFill>
+          <a:blip r:embed="rId2"/>
+          <a:stretch>
+            <a:fillRect/>
+          </a:stretch>
+        </p:blipFill>
+        <p:spPr>
+          <a:xfrm>
+            <a:off x="1299223" y="877054"/>
+            <a:ext cx="6800777" cy="5089781"/>
+          </a:xfrm>
+          <a:prstGeom prst="rect">
+            <a:avLst/>
+          </a:prstGeom>
+        </p:spPr>
+      </p:pic>
     </p:spTree>
     <p:extLst>
       <p:ext uri="{BB962C8B-B14F-4D97-AF65-F5344CB8AC3E}">
-        <p14:creationId xmlns:p14="http://schemas.microsoft.com/office/powerpoint/2010/main" val="2756699653"/>
+        <p14:creationId xmlns:p14="http://schemas.microsoft.com/office/powerpoint/2010/main" val="4270212500"/>
       </p:ext>
     </p:extLst>
   </p:cSld>
@@ -5289,86 +5665,8 @@
           <a:p>
             <a:r>
               <a:rPr lang="en-GB" dirty="0"/>
-              <a:t>What would I need?</a:t>
-            </a:r>
-          </a:p>
-        </p:txBody>
-      </p:sp>
-      <p:sp>
-        <p:nvSpPr>
-          <p:cNvPr id="3" name="Content Placeholder 2">
-            <a:extLst>
-              <a:ext uri="{FF2B5EF4-FFF2-40B4-BE49-F238E27FC236}">
-                <a16:creationId xmlns:a16="http://schemas.microsoft.com/office/drawing/2014/main" id="{C19AF051-9B1E-C04B-A28B-18DE801F3709}"/>
-              </a:ext>
-            </a:extLst>
-          </p:cNvPr>
-          <p:cNvSpPr>
-            <a:spLocks noGrp="1"/>
-          </p:cNvSpPr>
-          <p:nvPr>
-            <p:ph idx="1"/>
-          </p:nvPr>
-        </p:nvSpPr>
-        <p:spPr>
-          <a:xfrm>
-            <a:off x="504000" y="1148993"/>
-            <a:ext cx="7810500" cy="4576557"/>
-          </a:xfrm>
-        </p:spPr>
-        <p:txBody>
-          <a:bodyPr/>
-          <a:lstStyle/>
-          <a:p>
-            <a:pPr marL="0" indent="0">
-              <a:buNone/>
-            </a:pPr>
-            <a:r>
-              <a:rPr lang="en-GB" dirty="0"/>
-              <a:t>A laptop </a:t>
-            </a:r>
-          </a:p>
-          <a:p>
-            <a:pPr marL="0" indent="0">
-              <a:buNone/>
-            </a:pPr>
-            <a:endParaRPr lang="en-GB" dirty="0"/>
-          </a:p>
-          <a:p>
-            <a:pPr marL="0" indent="0">
-              <a:buNone/>
-            </a:pPr>
-            <a:r>
-              <a:rPr lang="en-GB" dirty="0"/>
-              <a:t>some accelerometers installed in P3, a part from the usual instrumentation…</a:t>
-            </a:r>
-          </a:p>
-          <a:p>
-            <a:pPr marL="0" indent="0">
-              <a:buNone/>
-            </a:pPr>
-            <a:endParaRPr lang="en-GB" dirty="0"/>
-          </a:p>
-          <a:p>
-            <a:pPr marL="0" indent="0">
-              <a:buNone/>
-            </a:pPr>
-            <a:r>
-              <a:rPr lang="en-GB" dirty="0"/>
-              <a:t>Some coffee</a:t>
-            </a:r>
-          </a:p>
-          <a:p>
-            <a:pPr marL="0" indent="0">
-              <a:buNone/>
-            </a:pPr>
-            <a:endParaRPr lang="en-GB" dirty="0"/>
-          </a:p>
-          <a:p>
-            <a:pPr marL="0" indent="0">
-              <a:buNone/>
-            </a:pPr>
-            <a:endParaRPr lang="en-GB" dirty="0"/>
+              <a:t>Tools</a:t>
+            </a:r>
           </a:p>
         </p:txBody>
       </p:sp>
@@ -5455,10 +5753,145 @@
           </a:p>
         </p:txBody>
       </p:sp>
+      <p:sp>
+        <p:nvSpPr>
+          <p:cNvPr id="8" name="Content Placeholder 2">
+            <a:extLst>
+              <a:ext uri="{FF2B5EF4-FFF2-40B4-BE49-F238E27FC236}">
+                <a16:creationId xmlns:a16="http://schemas.microsoft.com/office/drawing/2014/main" id="{C19AF051-9B1E-C04B-A28B-18DE801F3709}"/>
+              </a:ext>
+            </a:extLst>
+          </p:cNvPr>
+          <p:cNvSpPr>
+            <a:spLocks noGrp="1"/>
+          </p:cNvSpPr>
+          <p:nvPr>
+            <p:ph idx="1"/>
+          </p:nvPr>
+        </p:nvSpPr>
+        <p:spPr>
+          <a:xfrm>
+            <a:off x="656319" y="1049113"/>
+            <a:ext cx="5188525" cy="2762106"/>
+          </a:xfrm>
+        </p:spPr>
+        <p:txBody>
+          <a:bodyPr/>
+          <a:lstStyle/>
+          <a:p>
+            <a:pPr marL="342900" indent="-342900">
+              <a:buFont typeface="Arial" panose="020B0604020202020204" pitchFamily="34" charset="0"/>
+              <a:buChar char="•"/>
+            </a:pPr>
+            <a:r>
+              <a:rPr lang="en-GB" dirty="0"/>
+              <a:t>Already available</a:t>
+            </a:r>
+          </a:p>
+          <a:p>
+            <a:pPr marL="342900" indent="-342900">
+              <a:buFont typeface="Arial" panose="020B0604020202020204" pitchFamily="34" charset="0"/>
+              <a:buChar char="•"/>
+            </a:pPr>
+            <a:endParaRPr lang="en-GB" dirty="0"/>
+          </a:p>
+          <a:p>
+            <a:pPr marL="342900" indent="-342900">
+              <a:buFont typeface="Arial" panose="020B0604020202020204" pitchFamily="34" charset="0"/>
+              <a:buChar char="•"/>
+            </a:pPr>
+            <a:r>
+              <a:rPr lang="en-GB" dirty="0"/>
+              <a:t>No development time needed</a:t>
+            </a:r>
+          </a:p>
+          <a:p>
+            <a:pPr marL="342900" indent="-342900">
+              <a:buFont typeface="Arial" panose="020B0604020202020204" pitchFamily="34" charset="0"/>
+              <a:buChar char="•"/>
+            </a:pPr>
+            <a:endParaRPr lang="en-GB" dirty="0"/>
+          </a:p>
+          <a:p>
+            <a:pPr marL="342900" indent="-342900">
+              <a:buFont typeface="Arial" panose="020B0604020202020204" pitchFamily="34" charset="0"/>
+              <a:buChar char="•"/>
+            </a:pPr>
+            <a:r>
+              <a:rPr lang="en-GB" dirty="0"/>
+              <a:t>Proven industry suitable software</a:t>
+            </a:r>
+          </a:p>
+          <a:p>
+            <a:pPr marL="342900" indent="-342900">
+              <a:buFont typeface="Arial" panose="020B0604020202020204" pitchFamily="34" charset="0"/>
+              <a:buChar char="•"/>
+            </a:pPr>
+            <a:endParaRPr lang="en-GB" dirty="0"/>
+          </a:p>
+          <a:p>
+            <a:pPr marL="342900" indent="-342900">
+              <a:buFont typeface="Arial" panose="020B0604020202020204" pitchFamily="34" charset="0"/>
+              <a:buChar char="•"/>
+            </a:pPr>
+            <a:r>
+              <a:rPr lang="en-GB" dirty="0"/>
+              <a:t>Further ways:</a:t>
+            </a:r>
+          </a:p>
+          <a:p>
+            <a:pPr marL="451512" lvl="2" indent="-342900">
+              <a:buFont typeface="Arial" panose="020B0604020202020204" pitchFamily="34" charset="0"/>
+              <a:buChar char="•"/>
+            </a:pPr>
+            <a:endParaRPr lang="en-GB" dirty="0"/>
+          </a:p>
+          <a:p>
+            <a:pPr marL="451512" lvl="2" indent="-342900">
+              <a:buFont typeface="Arial" panose="020B0604020202020204" pitchFamily="34" charset="0"/>
+              <a:buChar char="•"/>
+            </a:pPr>
+            <a:r>
+              <a:rPr lang="en-GB" dirty="0"/>
+              <a:t>Python implementation</a:t>
+            </a:r>
+          </a:p>
+          <a:p>
+            <a:pPr marL="0" indent="0">
+              <a:buNone/>
+            </a:pPr>
+            <a:endParaRPr lang="en-GB" dirty="0"/>
+          </a:p>
+        </p:txBody>
+      </p:sp>
+      <p:pic>
+        <p:nvPicPr>
+          <p:cNvPr id="9" name="Picture 8"/>
+          <p:cNvPicPr>
+            <a:picLocks noChangeAspect="1"/>
+          </p:cNvPicPr>
+          <p:nvPr/>
+        </p:nvPicPr>
+        <p:blipFill>
+          <a:blip r:embed="rId2"/>
+          <a:stretch>
+            <a:fillRect/>
+          </a:stretch>
+        </p:blipFill>
+        <p:spPr>
+          <a:xfrm>
+            <a:off x="6159398" y="877054"/>
+            <a:ext cx="2681452" cy="3529911"/>
+          </a:xfrm>
+          <a:prstGeom prst="rect">
+            <a:avLst/>
+          </a:prstGeom>
+        </p:spPr>
+      </p:pic>
     </p:spTree>
     <p:extLst>
       <p:ext uri="{BB962C8B-B14F-4D97-AF65-F5344CB8AC3E}">
-        <p14:creationId xmlns:p14="http://schemas.microsoft.com/office/powerpoint/2010/main" val="3427268158"/>
+        <p14:creationId xmlns:p14="http://schemas.microsoft.com/office/powerpoint/2010/main" val="2734948036"/>
       </p:ext>
     </p:extLst>
   </p:cSld>
@@ -5487,6 +5920,286 @@
       </p:grpSpPr>
       <p:sp>
         <p:nvSpPr>
+          <p:cNvPr id="4" name="Date Placeholder 3"/>
+          <p:cNvSpPr>
+            <a:spLocks noGrp="1"/>
+          </p:cNvSpPr>
+          <p:nvPr>
+            <p:ph type="dt" sz="half" idx="10"/>
+          </p:nvPr>
+        </p:nvSpPr>
+        <p:spPr/>
+        <p:txBody>
+          <a:bodyPr/>
+          <a:lstStyle/>
+          <a:p>
+            <a:fld id="{EBD6096E-B422-4A7C-A86B-590D49FB2AD6}" type="datetime5">
+              <a:rPr lang="en-US" smtClean="0"/>
+              <a:t>23-Feb-18</a:t>
+            </a:fld>
+            <a:endParaRPr lang="en-GB" dirty="0"/>
+          </a:p>
+        </p:txBody>
+      </p:sp>
+      <p:sp>
+        <p:nvSpPr>
+          <p:cNvPr id="5" name="Slide Number Placeholder 4"/>
+          <p:cNvSpPr>
+            <a:spLocks noGrp="1"/>
+          </p:cNvSpPr>
+          <p:nvPr>
+            <p:ph type="sldNum" sz="quarter" idx="12"/>
+          </p:nvPr>
+        </p:nvSpPr>
+        <p:spPr/>
+        <p:txBody>
+          <a:bodyPr/>
+          <a:lstStyle/>
+          <a:p>
+            <a:fld id="{011C9D03-AE4A-2848-9956-B167AE17B095}" type="slidenum">
+              <a:rPr lang="en-GB" smtClean="0"/>
+              <a:pPr/>
+              <a:t>12</a:t>
+            </a:fld>
+            <a:endParaRPr lang="en-GB" dirty="0"/>
+          </a:p>
+        </p:txBody>
+      </p:sp>
+      <p:sp>
+        <p:nvSpPr>
+          <p:cNvPr id="6" name="Text Placeholder 5"/>
+          <p:cNvSpPr>
+            <a:spLocks noGrp="1"/>
+          </p:cNvSpPr>
+          <p:nvPr>
+            <p:ph type="body" idx="14"/>
+          </p:nvPr>
+        </p:nvSpPr>
+        <p:spPr/>
+        <p:txBody>
+          <a:bodyPr/>
+          <a:lstStyle/>
+          <a:p>
+            <a:endParaRPr lang="en-GB"/>
+          </a:p>
+        </p:txBody>
+      </p:sp>
+      <p:pic>
+        <p:nvPicPr>
+          <p:cNvPr id="2" name="Picture 1"/>
+          <p:cNvPicPr>
+            <a:picLocks noChangeAspect="1"/>
+          </p:cNvPicPr>
+          <p:nvPr/>
+        </p:nvPicPr>
+        <p:blipFill rotWithShape="1">
+          <a:blip r:embed="rId2">
+            <a:extLst>
+              <a:ext uri="{28A0092B-C50C-407E-A947-70E740481C1C}">
+                <a14:useLocalDpi xmlns:a14="http://schemas.microsoft.com/office/drawing/2010/main" val="0"/>
+              </a:ext>
+            </a:extLst>
+          </a:blip>
+          <a:srcRect r="611"/>
+          <a:stretch/>
+        </p:blipFill>
+        <p:spPr>
+          <a:xfrm>
+            <a:off x="72403" y="1719588"/>
+            <a:ext cx="4404498" cy="3541860"/>
+          </a:xfrm>
+          <a:prstGeom prst="rect">
+            <a:avLst/>
+          </a:prstGeom>
+        </p:spPr>
+      </p:pic>
+      <p:pic>
+        <p:nvPicPr>
+          <p:cNvPr id="8" name="Picture 7"/>
+          <p:cNvPicPr>
+            <a:picLocks noChangeAspect="1"/>
+          </p:cNvPicPr>
+          <p:nvPr/>
+        </p:nvPicPr>
+        <p:blipFill rotWithShape="1">
+          <a:blip r:embed="rId3">
+            <a:extLst>
+              <a:ext uri="{28A0092B-C50C-407E-A947-70E740481C1C}">
+                <a14:useLocalDpi xmlns:a14="http://schemas.microsoft.com/office/drawing/2010/main" val="0"/>
+              </a:ext>
+            </a:extLst>
+          </a:blip>
+          <a:srcRect l="1" r="415"/>
+          <a:stretch/>
+        </p:blipFill>
+        <p:spPr>
+          <a:xfrm>
+            <a:off x="4591238" y="1719588"/>
+            <a:ext cx="4499732" cy="3541860"/>
+          </a:xfrm>
+          <a:prstGeom prst="rect">
+            <a:avLst/>
+          </a:prstGeom>
+        </p:spPr>
+      </p:pic>
+    </p:spTree>
+    <p:extLst>
+      <p:ext uri="{BB962C8B-B14F-4D97-AF65-F5344CB8AC3E}">
+        <p14:creationId xmlns:p14="http://schemas.microsoft.com/office/powerpoint/2010/main" val="3083251106"/>
+      </p:ext>
+    </p:extLst>
+  </p:cSld>
+  <p:clrMapOvr>
+    <a:masterClrMapping/>
+  </p:clrMapOvr>
+</p:sld>
+</file>
+
+<file path=ppt/slides/slide13.xml><?xml version="1.0" encoding="utf-8"?>
+<p:sld xmlns:a="http://schemas.openxmlformats.org/drawingml/2006/main" xmlns:r="http://schemas.openxmlformats.org/officeDocument/2006/relationships" xmlns:p="http://schemas.openxmlformats.org/presentationml/2006/main">
+  <p:cSld>
+    <p:spTree>
+      <p:nvGrpSpPr>
+        <p:cNvPr id="1" name=""/>
+        <p:cNvGrpSpPr/>
+        <p:nvPr/>
+      </p:nvGrpSpPr>
+      <p:grpSpPr>
+        <a:xfrm>
+          <a:off x="0" y="0"/>
+          <a:ext cx="0" cy="0"/>
+          <a:chOff x="0" y="0"/>
+          <a:chExt cx="0" cy="0"/>
+        </a:xfrm>
+      </p:grpSpPr>
+      <p:sp>
+        <p:nvSpPr>
+          <p:cNvPr id="4" name="Date Placeholder 3"/>
+          <p:cNvSpPr>
+            <a:spLocks noGrp="1"/>
+          </p:cNvSpPr>
+          <p:nvPr>
+            <p:ph type="dt" sz="half" idx="10"/>
+          </p:nvPr>
+        </p:nvSpPr>
+        <p:spPr/>
+        <p:txBody>
+          <a:bodyPr/>
+          <a:lstStyle/>
+          <a:p>
+            <a:fld id="{EBD6096E-B422-4A7C-A86B-590D49FB2AD6}" type="datetime5">
+              <a:rPr lang="en-US" smtClean="0"/>
+              <a:t>23-Feb-18</a:t>
+            </a:fld>
+            <a:endParaRPr lang="en-GB" dirty="0"/>
+          </a:p>
+        </p:txBody>
+      </p:sp>
+      <p:sp>
+        <p:nvSpPr>
+          <p:cNvPr id="5" name="Slide Number Placeholder 4"/>
+          <p:cNvSpPr>
+            <a:spLocks noGrp="1"/>
+          </p:cNvSpPr>
+          <p:nvPr>
+            <p:ph type="sldNum" sz="quarter" idx="12"/>
+          </p:nvPr>
+        </p:nvSpPr>
+        <p:spPr/>
+        <p:txBody>
+          <a:bodyPr/>
+          <a:lstStyle/>
+          <a:p>
+            <a:fld id="{011C9D03-AE4A-2848-9956-B167AE17B095}" type="slidenum">
+              <a:rPr lang="en-GB" smtClean="0"/>
+              <a:pPr/>
+              <a:t>13</a:t>
+            </a:fld>
+            <a:endParaRPr lang="en-GB" dirty="0"/>
+          </a:p>
+        </p:txBody>
+      </p:sp>
+      <p:sp>
+        <p:nvSpPr>
+          <p:cNvPr id="6" name="Text Placeholder 5"/>
+          <p:cNvSpPr>
+            <a:spLocks noGrp="1"/>
+          </p:cNvSpPr>
+          <p:nvPr>
+            <p:ph type="body" idx="14"/>
+          </p:nvPr>
+        </p:nvSpPr>
+        <p:spPr/>
+        <p:txBody>
+          <a:bodyPr/>
+          <a:lstStyle/>
+          <a:p>
+            <a:endParaRPr lang="en-GB"/>
+          </a:p>
+        </p:txBody>
+      </p:sp>
+      <p:pic>
+        <p:nvPicPr>
+          <p:cNvPr id="3" name="Picture 2"/>
+          <p:cNvPicPr>
+            <a:picLocks noChangeAspect="1"/>
+          </p:cNvPicPr>
+          <p:nvPr/>
+        </p:nvPicPr>
+        <p:blipFill>
+          <a:blip r:embed="rId2">
+            <a:extLst>
+              <a:ext uri="{28A0092B-C50C-407E-A947-70E740481C1C}">
+                <a14:useLocalDpi xmlns:a14="http://schemas.microsoft.com/office/drawing/2010/main" val="0"/>
+              </a:ext>
+            </a:extLst>
+          </a:blip>
+          <a:stretch>
+            <a:fillRect/>
+          </a:stretch>
+        </p:blipFill>
+        <p:spPr>
+          <a:xfrm>
+            <a:off x="504000" y="1258105"/>
+            <a:ext cx="8125589" cy="4359969"/>
+          </a:xfrm>
+          <a:prstGeom prst="rect">
+            <a:avLst/>
+          </a:prstGeom>
+        </p:spPr>
+      </p:pic>
+    </p:spTree>
+    <p:extLst>
+      <p:ext uri="{BB962C8B-B14F-4D97-AF65-F5344CB8AC3E}">
+        <p14:creationId xmlns:p14="http://schemas.microsoft.com/office/powerpoint/2010/main" val="1662630779"/>
+      </p:ext>
+    </p:extLst>
+  </p:cSld>
+  <p:clrMapOvr>
+    <a:masterClrMapping/>
+  </p:clrMapOvr>
+</p:sld>
+</file>
+
+<file path=ppt/slides/slide14.xml><?xml version="1.0" encoding="utf-8"?>
+<p:sld xmlns:a="http://schemas.openxmlformats.org/drawingml/2006/main" xmlns:r="http://schemas.openxmlformats.org/officeDocument/2006/relationships" xmlns:p="http://schemas.openxmlformats.org/presentationml/2006/main">
+  <p:cSld>
+    <p:spTree>
+      <p:nvGrpSpPr>
+        <p:cNvPr id="1" name=""/>
+        <p:cNvGrpSpPr/>
+        <p:nvPr/>
+      </p:nvGrpSpPr>
+      <p:grpSpPr>
+        <a:xfrm>
+          <a:off x="0" y="0"/>
+          <a:ext cx="0" cy="0"/>
+          <a:chOff x="0" y="0"/>
+          <a:chExt cx="0" cy="0"/>
+        </a:xfrm>
+      </p:grpSpPr>
+      <p:sp>
+        <p:nvSpPr>
           <p:cNvPr id="2" name="Title 1">
             <a:extLst>
               <a:ext uri="{FF2B5EF4-FFF2-40B4-BE49-F238E27FC236}">
@@ -5513,7 +6226,7 @@
           <a:p>
             <a:r>
               <a:rPr lang="en-GB" dirty="0"/>
-              <a:t>Why I can be the one doing this?</a:t>
+              <a:t>Why to introducing System ID into P3 test campaign? </a:t>
             </a:r>
           </a:p>
         </p:txBody>
@@ -5536,108 +6249,171 @@
         </p:nvSpPr>
         <p:spPr>
           <a:xfrm>
-            <a:off x="504000" y="1148993"/>
-            <a:ext cx="7810500" cy="4576557"/>
+            <a:off x="504000" y="1148994"/>
+            <a:ext cx="7810500" cy="4703166"/>
           </a:xfrm>
         </p:spPr>
         <p:txBody>
           <a:bodyPr/>
           <a:lstStyle/>
+          <a:p>
+            <a:pPr marL="342900" indent="-342900">
+              <a:buFont typeface="Arial" panose="020B0604020202020204" pitchFamily="34" charset="0"/>
+              <a:buChar char="•"/>
+            </a:pPr>
+            <a:r>
+              <a:rPr lang="en-GB" sz="1600" dirty="0"/>
+              <a:t>To boost flight test productivity </a:t>
+            </a:r>
+          </a:p>
+          <a:p>
+            <a:pPr marL="342900" indent="-342900">
+              <a:buFont typeface="Arial" panose="020B0604020202020204" pitchFamily="34" charset="0"/>
+              <a:buChar char="•"/>
+            </a:pPr>
+            <a:endParaRPr lang="en-GB" sz="1600" dirty="0"/>
+          </a:p>
+          <a:p>
+            <a:pPr marL="342900" indent="-342900">
+              <a:buFont typeface="Arial" panose="020B0604020202020204" pitchFamily="34" charset="0"/>
+              <a:buChar char="•"/>
+            </a:pPr>
+            <a:r>
+              <a:rPr lang="en-GB" sz="1600" dirty="0"/>
+              <a:t>Structure issues problems seem to be solved with P3, time to assess the handling qualities</a:t>
+            </a:r>
+          </a:p>
+          <a:p>
+            <a:pPr marL="342900" indent="-342900">
+              <a:buFont typeface="Arial" panose="020B0604020202020204" pitchFamily="34" charset="0"/>
+              <a:buChar char="•"/>
+            </a:pPr>
+            <a:endParaRPr lang="en-GB" sz="1600" dirty="0"/>
+          </a:p>
+          <a:p>
+            <a:pPr marL="342900" indent="-342900">
+              <a:buFont typeface="Arial" panose="020B0604020202020204" pitchFamily="34" charset="0"/>
+              <a:buChar char="•"/>
+            </a:pPr>
+            <a:r>
+              <a:rPr lang="en-US" sz="1600" dirty="0"/>
+              <a:t>Surely it will be need for PS4 and further developments after TC</a:t>
+            </a:r>
+          </a:p>
+          <a:p>
+            <a:pPr marL="342900" indent="-342900">
+              <a:buFont typeface="Arial" panose="020B0604020202020204" pitchFamily="34" charset="0"/>
+              <a:buChar char="•"/>
+            </a:pPr>
+            <a:endParaRPr lang="en-US" sz="1600" dirty="0"/>
+          </a:p>
+          <a:p>
+            <a:pPr marL="342900" indent="-342900">
+              <a:buFont typeface="Arial" panose="020B0604020202020204" pitchFamily="34" charset="0"/>
+              <a:buChar char="•"/>
+            </a:pPr>
+            <a:r>
+              <a:rPr lang="en-GB" sz="1600" dirty="0"/>
+              <a:t>Every big H/C DOA does it</a:t>
+            </a:r>
+          </a:p>
           <a:p>
             <a:pPr marL="0" indent="0">
               <a:buNone/>
             </a:pPr>
-            <a:r>
-              <a:rPr lang="en-GB" u="sng" dirty="0"/>
-              <a:t>Dilemma, won’t hide it</a:t>
-            </a:r>
-          </a:p>
-          <a:p>
-            <a:pPr marL="0" indent="0">
-              <a:buNone/>
+            <a:endParaRPr lang="en-US" sz="1600" dirty="0"/>
+          </a:p>
+          <a:p>
+            <a:pPr marL="342900" indent="-342900">
+              <a:buFont typeface="Arial" panose="020B0604020202020204" pitchFamily="34" charset="0"/>
+              <a:buChar char="•"/>
             </a:pPr>
-            <a:endParaRPr lang="en-GB" dirty="0"/>
-          </a:p>
-          <a:p>
-            <a:pPr marL="0" indent="0">
-              <a:buNone/>
+            <a:r>
+              <a:rPr lang="en-US" sz="1600" dirty="0" smtClean="0"/>
+              <a:t>Risk of not implementation¿?</a:t>
+            </a:r>
+          </a:p>
+          <a:p>
+            <a:pPr marL="451512" lvl="2" indent="-342900">
+              <a:buFont typeface="Arial" panose="020B0604020202020204" pitchFamily="34" charset="0"/>
+              <a:buChar char="•"/>
             </a:pPr>
             <a:r>
-              <a:rPr lang="en-GB" dirty="0"/>
-              <a:t>Inexperience industrial &lt;-&gt; Passion</a:t>
-            </a:r>
-          </a:p>
-          <a:p>
-            <a:pPr marL="0" indent="0">
-              <a:buNone/>
+              <a:rPr lang="en-US" sz="1100" dirty="0" smtClean="0"/>
+              <a:t>Loss of time, hard to move forward in the flight envelope expansion</a:t>
+            </a:r>
+            <a:endParaRPr lang="en-US" sz="1100" dirty="0"/>
+          </a:p>
+          <a:p>
+            <a:pPr marL="342900" indent="-342900">
+              <a:buFont typeface="Arial" panose="020B0604020202020204" pitchFamily="34" charset="0"/>
+              <a:buChar char="•"/>
             </a:pPr>
-            <a:r>
-              <a:rPr lang="en-GB" sz="1400" dirty="0"/>
-              <a:t>(but yes with System ID)</a:t>
-            </a:r>
-            <a:endParaRPr lang="en-GB" dirty="0"/>
-          </a:p>
-          <a:p>
-            <a:pPr marL="0" indent="0">
-              <a:buNone/>
+            <a:endParaRPr lang="en-US" sz="1600" dirty="0" smtClean="0"/>
+          </a:p>
+          <a:p>
+            <a:pPr marL="342900" indent="-342900">
+              <a:lnSpc>
+                <a:spcPct val="100000"/>
+              </a:lnSpc>
+              <a:buFont typeface="Arial" panose="020B0604020202020204" pitchFamily="34" charset="0"/>
+              <a:buChar char="•"/>
             </a:pPr>
-            <a:endParaRPr lang="en-GB" dirty="0"/>
-          </a:p>
-          <a:p>
-            <a:pPr marL="0" indent="0">
-              <a:buNone/>
-            </a:pPr>
-            <a:r>
-              <a:rPr lang="en-GB" dirty="0" err="1"/>
-              <a:t>Kopter</a:t>
-            </a:r>
-            <a:r>
-              <a:rPr lang="en-GB" dirty="0"/>
-              <a:t> experience</a:t>
-            </a:r>
-          </a:p>
-          <a:p>
-            <a:pPr marL="0" indent="0">
-              <a:buNone/>
-            </a:pPr>
-            <a:endParaRPr lang="en-GB" dirty="0"/>
-          </a:p>
-          <a:p>
-            <a:pPr marL="0" indent="0">
-              <a:buNone/>
-            </a:pPr>
-            <a:r>
-              <a:rPr lang="en-GB" dirty="0"/>
-              <a:t>Data analysis experience</a:t>
-            </a:r>
-          </a:p>
-          <a:p>
-            <a:pPr marL="306900" lvl="4" indent="-342900"/>
-            <a:r>
-              <a:rPr lang="en-GB" dirty="0"/>
-              <a:t>Python </a:t>
-            </a:r>
-          </a:p>
-          <a:p>
-            <a:pPr marL="306900" lvl="4" indent="-342900"/>
-            <a:r>
-              <a:rPr lang="en-GB" dirty="0" err="1"/>
-              <a:t>Matlab</a:t>
-            </a:r>
-            <a:endParaRPr lang="en-GB" dirty="0"/>
-          </a:p>
-          <a:p>
-            <a:pPr marL="306900" lvl="4" indent="-342900"/>
-            <a:r>
-              <a:rPr lang="en-GB" dirty="0"/>
-              <a:t>Data analysis and machine learning techniques</a:t>
-            </a:r>
-          </a:p>
-          <a:p>
-            <a:pPr marL="0" indent="0">
-              <a:buNone/>
-            </a:pPr>
-            <a:endParaRPr lang="en-GB" dirty="0"/>
+            <a:r>
+              <a:rPr lang="en-GB" sz="1600" i="1" dirty="0"/>
+              <a:t>System</a:t>
+            </a:r>
+            <a:r>
+              <a:rPr lang="en-US" sz="1600" i="1" dirty="0"/>
+              <a:t> ID takes time and money – but not nearly as much as not doing </a:t>
+            </a:r>
+            <a:r>
+              <a:rPr lang="en-US" sz="1600" i="1" dirty="0" smtClean="0"/>
+              <a:t>it</a:t>
+            </a:r>
+            <a:r>
+              <a:rPr lang="en-US" sz="1600" i="1" dirty="0"/>
+              <a:t/>
+            </a:r>
+            <a:br>
+              <a:rPr lang="en-US" sz="1600" i="1" dirty="0"/>
+            </a:br>
+            <a:r>
+              <a:rPr lang="en-US" sz="1600" i="1" dirty="0"/>
+              <a:t>				</a:t>
+            </a:r>
+            <a:r>
+              <a:rPr lang="en-US" sz="1600" i="1" dirty="0" smtClean="0"/>
+              <a:t>	       	</a:t>
+            </a:r>
+            <a:r>
+              <a:rPr lang="en-US" sz="1200" dirty="0" smtClean="0"/>
+              <a:t>Eugene </a:t>
+            </a:r>
+            <a:r>
+              <a:rPr lang="en-US" sz="1200" dirty="0"/>
+              <a:t>A. Morelli </a:t>
+            </a:r>
+            <a:r>
+              <a:rPr lang="en-US" sz="1200" dirty="0" smtClean="0"/>
+              <a:t/>
+            </a:r>
+            <a:br>
+              <a:rPr lang="en-US" sz="1200" dirty="0" smtClean="0"/>
+            </a:br>
+            <a:r>
+              <a:rPr lang="en-US" sz="1200" dirty="0" smtClean="0"/>
+              <a:t>				    NASA </a:t>
+            </a:r>
+            <a:r>
+              <a:rPr lang="en-US" sz="1200" dirty="0"/>
+              <a:t>Langley Research Center </a:t>
+            </a:r>
+            <a:r>
+              <a:rPr lang="en-US" sz="1200" dirty="0" smtClean="0"/>
+              <a:t>Hampton</a:t>
+            </a:r>
+            <a:endParaRPr lang="en-US" sz="1000" dirty="0" smtClean="0"/>
           </a:p>
         </p:txBody>
       </p:sp>
@@ -5695,7 +6471,500 @@
             <a:fld id="{011C9D03-AE4A-2848-9956-B167AE17B095}" type="slidenum">
               <a:rPr lang="en-GB" smtClean="0"/>
               <a:pPr/>
-              <a:t>12</a:t>
+              <a:t>14</a:t>
+            </a:fld>
+            <a:endParaRPr lang="en-GB" dirty="0"/>
+          </a:p>
+        </p:txBody>
+      </p:sp>
+      <p:sp>
+        <p:nvSpPr>
+          <p:cNvPr id="5" name="Date Placeholder 4"/>
+          <p:cNvSpPr>
+            <a:spLocks noGrp="1"/>
+          </p:cNvSpPr>
+          <p:nvPr>
+            <p:ph type="dt" sz="half" idx="10"/>
+          </p:nvPr>
+        </p:nvSpPr>
+        <p:spPr/>
+        <p:txBody>
+          <a:bodyPr/>
+          <a:lstStyle/>
+          <a:p>
+            <a:fld id="{16C1D5B0-5220-44BF-BD99-44FE20BE1773}" type="datetime5">
+              <a:rPr lang="en-US" smtClean="0"/>
+              <a:t>23-Feb-18</a:t>
+            </a:fld>
+            <a:endParaRPr lang="en-GB" dirty="0"/>
+          </a:p>
+        </p:txBody>
+      </p:sp>
+    </p:spTree>
+    <p:extLst>
+      <p:ext uri="{BB962C8B-B14F-4D97-AF65-F5344CB8AC3E}">
+        <p14:creationId xmlns:p14="http://schemas.microsoft.com/office/powerpoint/2010/main" val="2756699653"/>
+      </p:ext>
+    </p:extLst>
+  </p:cSld>
+  <p:clrMapOvr>
+    <a:masterClrMapping/>
+  </p:clrMapOvr>
+</p:sld>
+</file>
+
+<file path=ppt/slides/slide15.xml><?xml version="1.0" encoding="utf-8"?>
+<p:sld xmlns:a="http://schemas.openxmlformats.org/drawingml/2006/main" xmlns:r="http://schemas.openxmlformats.org/officeDocument/2006/relationships" xmlns:p="http://schemas.openxmlformats.org/presentationml/2006/main">
+  <p:cSld>
+    <p:spTree>
+      <p:nvGrpSpPr>
+        <p:cNvPr id="1" name=""/>
+        <p:cNvGrpSpPr/>
+        <p:nvPr/>
+      </p:nvGrpSpPr>
+      <p:grpSpPr>
+        <a:xfrm>
+          <a:off x="0" y="0"/>
+          <a:ext cx="0" cy="0"/>
+          <a:chOff x="0" y="0"/>
+          <a:chExt cx="0" cy="0"/>
+        </a:xfrm>
+      </p:grpSpPr>
+      <p:sp>
+        <p:nvSpPr>
+          <p:cNvPr id="2" name="Title 1">
+            <a:extLst>
+              <a:ext uri="{FF2B5EF4-FFF2-40B4-BE49-F238E27FC236}">
+                <a16:creationId xmlns:a16="http://schemas.microsoft.com/office/drawing/2014/main" id="{AE4259FB-36D9-684C-95F0-18535CB57C6B}"/>
+              </a:ext>
+            </a:extLst>
+          </p:cNvPr>
+          <p:cNvSpPr>
+            <a:spLocks noGrp="1"/>
+          </p:cNvSpPr>
+          <p:nvPr>
+            <p:ph type="title"/>
+          </p:nvPr>
+        </p:nvSpPr>
+        <p:spPr>
+          <a:xfrm>
+            <a:off x="504000" y="392724"/>
+            <a:ext cx="6523643" cy="472431"/>
+          </a:xfrm>
+        </p:spPr>
+        <p:txBody>
+          <a:bodyPr anchor="b"/>
+          <a:lstStyle/>
+          <a:p>
+            <a:r>
+              <a:rPr lang="en-GB" dirty="0"/>
+              <a:t>What would I need?</a:t>
+            </a:r>
+          </a:p>
+        </p:txBody>
+      </p:sp>
+      <p:sp>
+        <p:nvSpPr>
+          <p:cNvPr id="3" name="Content Placeholder 2">
+            <a:extLst>
+              <a:ext uri="{FF2B5EF4-FFF2-40B4-BE49-F238E27FC236}">
+                <a16:creationId xmlns:a16="http://schemas.microsoft.com/office/drawing/2014/main" id="{C19AF051-9B1E-C04B-A28B-18DE801F3709}"/>
+              </a:ext>
+            </a:extLst>
+          </p:cNvPr>
+          <p:cNvSpPr>
+            <a:spLocks noGrp="1"/>
+          </p:cNvSpPr>
+          <p:nvPr>
+            <p:ph idx="1"/>
+          </p:nvPr>
+        </p:nvSpPr>
+        <p:spPr>
+          <a:xfrm>
+            <a:off x="504000" y="1148993"/>
+            <a:ext cx="7810500" cy="4576557"/>
+          </a:xfrm>
+        </p:spPr>
+        <p:txBody>
+          <a:bodyPr/>
+          <a:lstStyle/>
+          <a:p>
+            <a:pPr marL="0" indent="0">
+              <a:buNone/>
+            </a:pPr>
+            <a:r>
+              <a:rPr lang="en-GB" dirty="0"/>
+              <a:t>A laptop </a:t>
+            </a:r>
+          </a:p>
+          <a:p>
+            <a:pPr marL="0" indent="0">
+              <a:buNone/>
+            </a:pPr>
+            <a:endParaRPr lang="en-GB" dirty="0"/>
+          </a:p>
+          <a:p>
+            <a:pPr marL="0" indent="0">
+              <a:buNone/>
+            </a:pPr>
+            <a:r>
+              <a:rPr lang="en-GB" dirty="0"/>
+              <a:t>some accelerometers installed in P3, a part from the usual instrumentation…</a:t>
+            </a:r>
+          </a:p>
+          <a:p>
+            <a:pPr marL="0" indent="0">
+              <a:buNone/>
+            </a:pPr>
+            <a:endParaRPr lang="en-GB" dirty="0"/>
+          </a:p>
+          <a:p>
+            <a:pPr marL="0" indent="0">
+              <a:buNone/>
+            </a:pPr>
+            <a:r>
+              <a:rPr lang="en-GB" dirty="0"/>
+              <a:t>Some coffee</a:t>
+            </a:r>
+          </a:p>
+          <a:p>
+            <a:pPr marL="0" indent="0">
+              <a:buNone/>
+            </a:pPr>
+            <a:endParaRPr lang="en-GB" dirty="0"/>
+          </a:p>
+          <a:p>
+            <a:pPr marL="0" indent="0">
+              <a:buNone/>
+            </a:pPr>
+            <a:endParaRPr lang="en-GB" dirty="0"/>
+          </a:p>
+        </p:txBody>
+      </p:sp>
+      <p:sp>
+        <p:nvSpPr>
+          <p:cNvPr id="7" name="Text Placeholder 6">
+            <a:extLst>
+              <a:ext uri="{FF2B5EF4-FFF2-40B4-BE49-F238E27FC236}">
+                <a16:creationId xmlns:a16="http://schemas.microsoft.com/office/drawing/2014/main" id="{E1ED1E1C-C805-0D4B-BE34-F08F4C566B7B}"/>
+              </a:ext>
+            </a:extLst>
+          </p:cNvPr>
+          <p:cNvSpPr>
+            <a:spLocks noGrp="1"/>
+          </p:cNvSpPr>
+          <p:nvPr>
+            <p:ph type="body" idx="14"/>
+          </p:nvPr>
+        </p:nvSpPr>
+        <p:spPr/>
+        <p:txBody>
+          <a:bodyPr/>
+          <a:lstStyle/>
+          <a:p>
+            <a:r>
+              <a:rPr lang="en-GB" dirty="0"/>
+              <a:t>@ </a:t>
+            </a:r>
+            <a:r>
+              <a:rPr lang="en-GB" dirty="0" err="1"/>
+              <a:t>Kopter</a:t>
+            </a:r>
+            <a:r>
+              <a:rPr lang="en-GB" dirty="0"/>
+              <a:t> Group AG | Alejandro Valverde</a:t>
+            </a:r>
+          </a:p>
+        </p:txBody>
+      </p:sp>
+      <p:sp>
+        <p:nvSpPr>
+          <p:cNvPr id="4" name="Slide Number Placeholder 3"/>
+          <p:cNvSpPr>
+            <a:spLocks noGrp="1"/>
+          </p:cNvSpPr>
+          <p:nvPr>
+            <p:ph type="sldNum" sz="quarter" idx="12"/>
+          </p:nvPr>
+        </p:nvSpPr>
+        <p:spPr/>
+        <p:txBody>
+          <a:bodyPr/>
+          <a:lstStyle/>
+          <a:p>
+            <a:fld id="{011C9D03-AE4A-2848-9956-B167AE17B095}" type="slidenum">
+              <a:rPr lang="en-GB" smtClean="0"/>
+              <a:pPr/>
+              <a:t>15</a:t>
+            </a:fld>
+            <a:endParaRPr lang="en-GB" dirty="0"/>
+          </a:p>
+        </p:txBody>
+      </p:sp>
+      <p:sp>
+        <p:nvSpPr>
+          <p:cNvPr id="5" name="Date Placeholder 4"/>
+          <p:cNvSpPr>
+            <a:spLocks noGrp="1"/>
+          </p:cNvSpPr>
+          <p:nvPr>
+            <p:ph type="dt" sz="half" idx="10"/>
+          </p:nvPr>
+        </p:nvSpPr>
+        <p:spPr/>
+        <p:txBody>
+          <a:bodyPr/>
+          <a:lstStyle/>
+          <a:p>
+            <a:fld id="{16C1D5B0-5220-44BF-BD99-44FE20BE1773}" type="datetime5">
+              <a:rPr lang="en-US" smtClean="0"/>
+              <a:t>23-Feb-18</a:t>
+            </a:fld>
+            <a:endParaRPr lang="en-GB" dirty="0"/>
+          </a:p>
+        </p:txBody>
+      </p:sp>
+    </p:spTree>
+    <p:extLst>
+      <p:ext uri="{BB962C8B-B14F-4D97-AF65-F5344CB8AC3E}">
+        <p14:creationId xmlns:p14="http://schemas.microsoft.com/office/powerpoint/2010/main" val="3427268158"/>
+      </p:ext>
+    </p:extLst>
+  </p:cSld>
+  <p:clrMapOvr>
+    <a:masterClrMapping/>
+  </p:clrMapOvr>
+</p:sld>
+</file>
+
+<file path=ppt/slides/slide16.xml><?xml version="1.0" encoding="utf-8"?>
+<p:sld xmlns:a="http://schemas.openxmlformats.org/drawingml/2006/main" xmlns:r="http://schemas.openxmlformats.org/officeDocument/2006/relationships" xmlns:p="http://schemas.openxmlformats.org/presentationml/2006/main">
+  <p:cSld>
+    <p:spTree>
+      <p:nvGrpSpPr>
+        <p:cNvPr id="1" name=""/>
+        <p:cNvGrpSpPr/>
+        <p:nvPr/>
+      </p:nvGrpSpPr>
+      <p:grpSpPr>
+        <a:xfrm>
+          <a:off x="0" y="0"/>
+          <a:ext cx="0" cy="0"/>
+          <a:chOff x="0" y="0"/>
+          <a:chExt cx="0" cy="0"/>
+        </a:xfrm>
+      </p:grpSpPr>
+      <p:sp>
+        <p:nvSpPr>
+          <p:cNvPr id="2" name="Title 1">
+            <a:extLst>
+              <a:ext uri="{FF2B5EF4-FFF2-40B4-BE49-F238E27FC236}">
+                <a16:creationId xmlns:a16="http://schemas.microsoft.com/office/drawing/2014/main" id="{AE4259FB-36D9-684C-95F0-18535CB57C6B}"/>
+              </a:ext>
+            </a:extLst>
+          </p:cNvPr>
+          <p:cNvSpPr>
+            <a:spLocks noGrp="1"/>
+          </p:cNvSpPr>
+          <p:nvPr>
+            <p:ph type="title"/>
+          </p:nvPr>
+        </p:nvSpPr>
+        <p:spPr>
+          <a:xfrm>
+            <a:off x="504000" y="392724"/>
+            <a:ext cx="6523643" cy="472431"/>
+          </a:xfrm>
+        </p:spPr>
+        <p:txBody>
+          <a:bodyPr anchor="b"/>
+          <a:lstStyle/>
+          <a:p>
+            <a:r>
+              <a:rPr lang="en-GB" dirty="0"/>
+              <a:t>Why I can be the one doing this?</a:t>
+            </a:r>
+          </a:p>
+        </p:txBody>
+      </p:sp>
+      <p:sp>
+        <p:nvSpPr>
+          <p:cNvPr id="3" name="Content Placeholder 2">
+            <a:extLst>
+              <a:ext uri="{FF2B5EF4-FFF2-40B4-BE49-F238E27FC236}">
+                <a16:creationId xmlns:a16="http://schemas.microsoft.com/office/drawing/2014/main" id="{C19AF051-9B1E-C04B-A28B-18DE801F3709}"/>
+              </a:ext>
+            </a:extLst>
+          </p:cNvPr>
+          <p:cNvSpPr>
+            <a:spLocks noGrp="1"/>
+          </p:cNvSpPr>
+          <p:nvPr>
+            <p:ph idx="1"/>
+          </p:nvPr>
+        </p:nvSpPr>
+        <p:spPr>
+          <a:xfrm>
+            <a:off x="504000" y="1148993"/>
+            <a:ext cx="7810500" cy="4576557"/>
+          </a:xfrm>
+        </p:spPr>
+        <p:txBody>
+          <a:bodyPr/>
+          <a:lstStyle/>
+          <a:p>
+            <a:pPr marL="0" indent="0">
+              <a:buNone/>
+            </a:pPr>
+            <a:r>
+              <a:rPr lang="en-GB" u="sng" dirty="0"/>
+              <a:t>Dilemma, won’t hide it</a:t>
+            </a:r>
+          </a:p>
+          <a:p>
+            <a:pPr marL="0" indent="0">
+              <a:buNone/>
+            </a:pPr>
+            <a:endParaRPr lang="en-GB" dirty="0"/>
+          </a:p>
+          <a:p>
+            <a:pPr marL="0" indent="0">
+              <a:buNone/>
+            </a:pPr>
+            <a:r>
+              <a:rPr lang="en-GB" dirty="0"/>
+              <a:t>Inexperience industrial &lt;-&gt; Passion</a:t>
+            </a:r>
+          </a:p>
+          <a:p>
+            <a:pPr marL="0" indent="0">
+              <a:buNone/>
+            </a:pPr>
+            <a:r>
+              <a:rPr lang="en-GB" sz="1400" dirty="0"/>
+              <a:t>(but yes with System ID)</a:t>
+            </a:r>
+            <a:endParaRPr lang="en-GB" dirty="0"/>
+          </a:p>
+          <a:p>
+            <a:pPr marL="0" indent="0">
+              <a:buNone/>
+            </a:pPr>
+            <a:endParaRPr lang="en-GB" dirty="0"/>
+          </a:p>
+          <a:p>
+            <a:pPr marL="0" indent="0">
+              <a:buNone/>
+            </a:pPr>
+            <a:r>
+              <a:rPr lang="en-GB" dirty="0" err="1"/>
+              <a:t>Kopter</a:t>
+            </a:r>
+            <a:r>
+              <a:rPr lang="en-GB" dirty="0"/>
+              <a:t> experience</a:t>
+            </a:r>
+          </a:p>
+          <a:p>
+            <a:pPr marL="0" indent="0">
+              <a:buNone/>
+            </a:pPr>
+            <a:endParaRPr lang="en-GB" dirty="0"/>
+          </a:p>
+          <a:p>
+            <a:pPr marL="0" indent="0">
+              <a:buNone/>
+            </a:pPr>
+            <a:r>
+              <a:rPr lang="en-GB" dirty="0"/>
+              <a:t>Data analysis experience</a:t>
+            </a:r>
+          </a:p>
+          <a:p>
+            <a:pPr marL="306900" lvl="4" indent="-342900"/>
+            <a:r>
+              <a:rPr lang="en-GB" dirty="0"/>
+              <a:t>Python </a:t>
+            </a:r>
+          </a:p>
+          <a:p>
+            <a:pPr marL="306900" lvl="4" indent="-342900"/>
+            <a:r>
+              <a:rPr lang="en-GB" dirty="0" err="1"/>
+              <a:t>Matlab</a:t>
+            </a:r>
+            <a:endParaRPr lang="en-GB" dirty="0"/>
+          </a:p>
+          <a:p>
+            <a:pPr marL="306900" lvl="4" indent="-342900"/>
+            <a:r>
+              <a:rPr lang="en-GB" dirty="0"/>
+              <a:t>Data analysis and machine learning techniques</a:t>
+            </a:r>
+          </a:p>
+          <a:p>
+            <a:pPr marL="0" indent="0">
+              <a:buNone/>
+            </a:pPr>
+            <a:endParaRPr lang="en-GB" dirty="0"/>
+          </a:p>
+        </p:txBody>
+      </p:sp>
+      <p:sp>
+        <p:nvSpPr>
+          <p:cNvPr id="7" name="Text Placeholder 6">
+            <a:extLst>
+              <a:ext uri="{FF2B5EF4-FFF2-40B4-BE49-F238E27FC236}">
+                <a16:creationId xmlns:a16="http://schemas.microsoft.com/office/drawing/2014/main" id="{E1ED1E1C-C805-0D4B-BE34-F08F4C566B7B}"/>
+              </a:ext>
+            </a:extLst>
+          </p:cNvPr>
+          <p:cNvSpPr>
+            <a:spLocks noGrp="1"/>
+          </p:cNvSpPr>
+          <p:nvPr>
+            <p:ph type="body" idx="14"/>
+          </p:nvPr>
+        </p:nvSpPr>
+        <p:spPr/>
+        <p:txBody>
+          <a:bodyPr/>
+          <a:lstStyle/>
+          <a:p>
+            <a:r>
+              <a:rPr lang="en-GB" dirty="0"/>
+              <a:t>@ </a:t>
+            </a:r>
+            <a:r>
+              <a:rPr lang="en-GB" dirty="0" err="1"/>
+              <a:t>Kopter</a:t>
+            </a:r>
+            <a:r>
+              <a:rPr lang="en-GB" dirty="0"/>
+              <a:t> Group AG | Alejandro Valverde</a:t>
+            </a:r>
+          </a:p>
+        </p:txBody>
+      </p:sp>
+      <p:sp>
+        <p:nvSpPr>
+          <p:cNvPr id="4" name="Slide Number Placeholder 3"/>
+          <p:cNvSpPr>
+            <a:spLocks noGrp="1"/>
+          </p:cNvSpPr>
+          <p:nvPr>
+            <p:ph type="sldNum" sz="quarter" idx="12"/>
+          </p:nvPr>
+        </p:nvSpPr>
+        <p:spPr/>
+        <p:txBody>
+          <a:bodyPr/>
+          <a:lstStyle/>
+          <a:p>
+            <a:fld id="{011C9D03-AE4A-2848-9956-B167AE17B095}" type="slidenum">
+              <a:rPr lang="en-GB" smtClean="0"/>
+              <a:pPr/>
+              <a:t>16</a:t>
             </a:fld>
             <a:endParaRPr lang="en-GB" dirty="0"/>
           </a:p>
@@ -5737,7 +7006,7 @@
 </p:sld>
 </file>
 
-<file path=ppt/slides/slide13.xml><?xml version="1.0" encoding="utf-8"?>
+<file path=ppt/slides/slide17.xml><?xml version="1.0" encoding="utf-8"?>
 <p:sld xmlns:a="http://schemas.openxmlformats.org/drawingml/2006/main" xmlns:r="http://schemas.openxmlformats.org/officeDocument/2006/relationships" xmlns:p="http://schemas.openxmlformats.org/presentationml/2006/main">
   <p:cSld>
     <p:bg>
@@ -5851,7 +7120,7 @@
             <a:fld id="{011C9D03-AE4A-2848-9956-B167AE17B095}" type="slidenum">
               <a:rPr lang="en-GB" smtClean="0"/>
               <a:pPr/>
-              <a:t>13</a:t>
+              <a:t>17</a:t>
             </a:fld>
             <a:endParaRPr lang="en-GB"/>
           </a:p>
@@ -5893,7 +7162,7 @@
 </p:sld>
 </file>
 
-<file path=ppt/slides/slide14.xml><?xml version="1.0" encoding="utf-8"?>
+<file path=ppt/slides/slide18.xml><?xml version="1.0" encoding="utf-8"?>
 <p:sld xmlns:a="http://schemas.openxmlformats.org/drawingml/2006/main" xmlns:r="http://schemas.openxmlformats.org/officeDocument/2006/relationships" xmlns:p="http://schemas.openxmlformats.org/presentationml/2006/main">
   <p:cSld>
     <p:spTree>
@@ -5995,9 +7264,10 @@
           <a:lstStyle/>
           <a:p>
             <a:r>
-              <a:rPr lang="en-GB" dirty="0"/>
-              <a:t>Problems in Aircraft Dynamics</a:t>
-            </a:r>
+              <a:rPr lang="en-GB" dirty="0" smtClean="0"/>
+              <a:t>Aircraft System Identification</a:t>
+            </a:r>
+            <a:endParaRPr lang="en-GB" dirty="0"/>
           </a:p>
         </p:txBody>
       </p:sp>
@@ -6056,6 +7326,176 @@
               <a:rPr lang="en-GB" smtClean="0"/>
               <a:pPr/>
               <a:t>2</a:t>
+            </a:fld>
+            <a:endParaRPr lang="en-GB" dirty="0"/>
+          </a:p>
+        </p:txBody>
+      </p:sp>
+      <p:sp>
+        <p:nvSpPr>
+          <p:cNvPr id="5" name="Date Placeholder 4"/>
+          <p:cNvSpPr>
+            <a:spLocks noGrp="1"/>
+          </p:cNvSpPr>
+          <p:nvPr>
+            <p:ph type="dt" sz="half" idx="10"/>
+          </p:nvPr>
+        </p:nvSpPr>
+        <p:spPr/>
+        <p:txBody>
+          <a:bodyPr/>
+          <a:lstStyle/>
+          <a:p>
+            <a:fld id="{16C1D5B0-5220-44BF-BD99-44FE20BE1773}" type="datetime5">
+              <a:rPr lang="en-US" smtClean="0"/>
+              <a:t>23-Feb-18</a:t>
+            </a:fld>
+            <a:endParaRPr lang="en-GB" dirty="0"/>
+          </a:p>
+        </p:txBody>
+      </p:sp>
+      <p:pic>
+        <p:nvPicPr>
+          <p:cNvPr id="10" name="Picture 9"/>
+          <p:cNvPicPr>
+            <a:picLocks noChangeAspect="1"/>
+          </p:cNvPicPr>
+          <p:nvPr/>
+        </p:nvPicPr>
+        <p:blipFill>
+          <a:blip r:embed="rId2"/>
+          <a:stretch>
+            <a:fillRect/>
+          </a:stretch>
+        </p:blipFill>
+        <p:spPr>
+          <a:xfrm>
+            <a:off x="1418785" y="1056944"/>
+            <a:ext cx="6306430" cy="4744112"/>
+          </a:xfrm>
+          <a:prstGeom prst="rect">
+            <a:avLst/>
+          </a:prstGeom>
+        </p:spPr>
+      </p:pic>
+    </p:spTree>
+    <p:extLst>
+      <p:ext uri="{BB962C8B-B14F-4D97-AF65-F5344CB8AC3E}">
+        <p14:creationId xmlns:p14="http://schemas.microsoft.com/office/powerpoint/2010/main" val="1374836227"/>
+      </p:ext>
+    </p:extLst>
+  </p:cSld>
+  <p:clrMapOvr>
+    <a:masterClrMapping/>
+  </p:clrMapOvr>
+</p:sld>
+</file>
+
+<file path=ppt/slides/slide3.xml><?xml version="1.0" encoding="utf-8"?>
+<p:sld xmlns:a="http://schemas.openxmlformats.org/drawingml/2006/main" xmlns:r="http://schemas.openxmlformats.org/officeDocument/2006/relationships" xmlns:p="http://schemas.openxmlformats.org/presentationml/2006/main">
+  <p:cSld>
+    <p:spTree>
+      <p:nvGrpSpPr>
+        <p:cNvPr id="1" name=""/>
+        <p:cNvGrpSpPr/>
+        <p:nvPr/>
+      </p:nvGrpSpPr>
+      <p:grpSpPr>
+        <a:xfrm>
+          <a:off x="0" y="0"/>
+          <a:ext cx="0" cy="0"/>
+          <a:chOff x="0" y="0"/>
+          <a:chExt cx="0" cy="0"/>
+        </a:xfrm>
+      </p:grpSpPr>
+      <p:sp>
+        <p:nvSpPr>
+          <p:cNvPr id="2" name="Title 1">
+            <a:extLst>
+              <a:ext uri="{FF2B5EF4-FFF2-40B4-BE49-F238E27FC236}">
+                <a16:creationId xmlns:a16="http://schemas.microsoft.com/office/drawing/2014/main" id="{AE4259FB-36D9-684C-95F0-18535CB57C6B}"/>
+              </a:ext>
+            </a:extLst>
+          </p:cNvPr>
+          <p:cNvSpPr>
+            <a:spLocks noGrp="1"/>
+          </p:cNvSpPr>
+          <p:nvPr>
+            <p:ph type="title"/>
+          </p:nvPr>
+        </p:nvSpPr>
+        <p:spPr>
+          <a:xfrm>
+            <a:off x="504000" y="392724"/>
+            <a:ext cx="6523643" cy="472431"/>
+          </a:xfrm>
+        </p:spPr>
+        <p:txBody>
+          <a:bodyPr anchor="b"/>
+          <a:lstStyle/>
+          <a:p>
+            <a:r>
+              <a:rPr lang="en-GB" dirty="0"/>
+              <a:t>Problems in Aircraft Dynamics</a:t>
+            </a:r>
+          </a:p>
+        </p:txBody>
+      </p:sp>
+      <p:sp>
+        <p:nvSpPr>
+          <p:cNvPr id="7" name="Text Placeholder 6">
+            <a:extLst>
+              <a:ext uri="{FF2B5EF4-FFF2-40B4-BE49-F238E27FC236}">
+                <a16:creationId xmlns:a16="http://schemas.microsoft.com/office/drawing/2014/main" id="{E1ED1E1C-C805-0D4B-BE34-F08F4C566B7B}"/>
+              </a:ext>
+            </a:extLst>
+          </p:cNvPr>
+          <p:cNvSpPr>
+            <a:spLocks noGrp="1"/>
+          </p:cNvSpPr>
+          <p:nvPr>
+            <p:ph type="body" idx="14"/>
+          </p:nvPr>
+        </p:nvSpPr>
+        <p:spPr/>
+        <p:txBody>
+          <a:bodyPr/>
+          <a:lstStyle/>
+          <a:p>
+            <a:r>
+              <a:rPr lang="en-GB" dirty="0"/>
+              <a:t>@ </a:t>
+            </a:r>
+            <a:r>
+              <a:rPr lang="en-GB" dirty="0" err="1"/>
+              <a:t>Kopter</a:t>
+            </a:r>
+            <a:r>
+              <a:rPr lang="en-GB" dirty="0"/>
+              <a:t> Group AG | Alejandro Valverde</a:t>
+            </a:r>
+          </a:p>
+        </p:txBody>
+      </p:sp>
+      <p:sp>
+        <p:nvSpPr>
+          <p:cNvPr id="4" name="Slide Number Placeholder 3"/>
+          <p:cNvSpPr>
+            <a:spLocks noGrp="1"/>
+          </p:cNvSpPr>
+          <p:nvPr>
+            <p:ph type="sldNum" sz="quarter" idx="12"/>
+          </p:nvPr>
+        </p:nvSpPr>
+        <p:spPr/>
+        <p:txBody>
+          <a:bodyPr/>
+          <a:lstStyle/>
+          <a:p>
+            <a:fld id="{011C9D03-AE4A-2848-9956-B167AE17B095}" type="slidenum">
+              <a:rPr lang="en-GB" smtClean="0"/>
+              <a:pPr/>
+              <a:t>3</a:t>
             </a:fld>
             <a:endParaRPr lang="en-GB" dirty="0"/>
           </a:p>
@@ -6145,7 +7585,7 @@
             <p:nvPr/>
           </p:nvPicPr>
           <p:blipFill rotWithShape="1">
-            <a:blip r:embed="rId2" cstate="print">
+            <a:blip r:embed="rId2" cstate="hqprint">
               <a:extLst>
                 <a:ext uri="{28A0092B-C50C-407E-A947-70E740481C1C}">
                   <a14:useLocalDpi xmlns:a14="http://schemas.microsoft.com/office/drawing/2010/main" val="0"/>
@@ -6624,7 +8064,7 @@
 </p:sld>
 </file>
 
-<file path=ppt/slides/slide3.xml><?xml version="1.0" encoding="utf-8"?>
+<file path=ppt/slides/slide4.xml><?xml version="1.0" encoding="utf-8"?>
 <p:sld xmlns:a="http://schemas.openxmlformats.org/drawingml/2006/main" xmlns:r="http://schemas.openxmlformats.org/officeDocument/2006/relationships" xmlns:p="http://schemas.openxmlformats.org/presentationml/2006/main">
   <p:cSld>
     <p:spTree>
@@ -6668,6 +8108,188 @@
           <a:lstStyle/>
           <a:p>
             <a:r>
+              <a:rPr lang="en-GB" dirty="0" smtClean="0"/>
+              <a:t>Applications of System </a:t>
+            </a:r>
+            <a:r>
+              <a:rPr lang="en-GB" dirty="0"/>
+              <a:t>ID techniques</a:t>
+            </a:r>
+          </a:p>
+        </p:txBody>
+      </p:sp>
+      <p:sp>
+        <p:nvSpPr>
+          <p:cNvPr id="7" name="Text Placeholder 6">
+            <a:extLst>
+              <a:ext uri="{FF2B5EF4-FFF2-40B4-BE49-F238E27FC236}">
+                <a16:creationId xmlns:a16="http://schemas.microsoft.com/office/drawing/2014/main" id="{E1ED1E1C-C805-0D4B-BE34-F08F4C566B7B}"/>
+              </a:ext>
+            </a:extLst>
+          </p:cNvPr>
+          <p:cNvSpPr>
+            <a:spLocks noGrp="1"/>
+          </p:cNvSpPr>
+          <p:nvPr>
+            <p:ph type="body" idx="14"/>
+          </p:nvPr>
+        </p:nvSpPr>
+        <p:spPr/>
+        <p:txBody>
+          <a:bodyPr/>
+          <a:lstStyle/>
+          <a:p>
+            <a:r>
+              <a:rPr lang="en-GB" dirty="0"/>
+              <a:t>@ </a:t>
+            </a:r>
+            <a:r>
+              <a:rPr lang="en-GB" dirty="0" err="1"/>
+              <a:t>Kopter</a:t>
+            </a:r>
+            <a:r>
+              <a:rPr lang="en-GB" dirty="0"/>
+              <a:t> Group AG | Alejandro Valverde</a:t>
+            </a:r>
+          </a:p>
+        </p:txBody>
+      </p:sp>
+      <p:sp>
+        <p:nvSpPr>
+          <p:cNvPr id="4" name="Slide Number Placeholder 3"/>
+          <p:cNvSpPr>
+            <a:spLocks noGrp="1"/>
+          </p:cNvSpPr>
+          <p:nvPr>
+            <p:ph type="sldNum" sz="quarter" idx="12"/>
+          </p:nvPr>
+        </p:nvSpPr>
+        <p:spPr/>
+        <p:txBody>
+          <a:bodyPr/>
+          <a:lstStyle/>
+          <a:p>
+            <a:fld id="{011C9D03-AE4A-2848-9956-B167AE17B095}" type="slidenum">
+              <a:rPr lang="en-GB" smtClean="0"/>
+              <a:pPr/>
+              <a:t>4</a:t>
+            </a:fld>
+            <a:endParaRPr lang="en-GB" dirty="0"/>
+          </a:p>
+        </p:txBody>
+      </p:sp>
+      <p:sp>
+        <p:nvSpPr>
+          <p:cNvPr id="5" name="Date Placeholder 4"/>
+          <p:cNvSpPr>
+            <a:spLocks noGrp="1"/>
+          </p:cNvSpPr>
+          <p:nvPr>
+            <p:ph type="dt" sz="half" idx="10"/>
+          </p:nvPr>
+        </p:nvSpPr>
+        <p:spPr/>
+        <p:txBody>
+          <a:bodyPr/>
+          <a:lstStyle/>
+          <a:p>
+            <a:fld id="{16C1D5B0-5220-44BF-BD99-44FE20BE1773}" type="datetime5">
+              <a:rPr lang="en-US" smtClean="0"/>
+              <a:t>23-Feb-18</a:t>
+            </a:fld>
+            <a:endParaRPr lang="en-GB" dirty="0"/>
+          </a:p>
+        </p:txBody>
+      </p:sp>
+      <p:pic>
+        <p:nvPicPr>
+          <p:cNvPr id="10" name="Picture 9"/>
+          <p:cNvPicPr>
+            <a:picLocks noChangeAspect="1"/>
+          </p:cNvPicPr>
+          <p:nvPr/>
+        </p:nvPicPr>
+        <p:blipFill>
+          <a:blip r:embed="rId3"/>
+          <a:stretch>
+            <a:fillRect/>
+          </a:stretch>
+        </p:blipFill>
+        <p:spPr>
+          <a:xfrm>
+            <a:off x="1152083" y="1066470"/>
+            <a:ext cx="6796837" cy="5077155"/>
+          </a:xfrm>
+          <a:prstGeom prst="rect">
+            <a:avLst/>
+          </a:prstGeom>
+        </p:spPr>
+      </p:pic>
+    </p:spTree>
+    <p:extLst>
+      <p:ext uri="{BB962C8B-B14F-4D97-AF65-F5344CB8AC3E}">
+        <p14:creationId xmlns:p14="http://schemas.microsoft.com/office/powerpoint/2010/main" val="3233539809"/>
+      </p:ext>
+    </p:extLst>
+  </p:cSld>
+  <p:clrMapOvr>
+    <a:masterClrMapping/>
+  </p:clrMapOvr>
+  <mc:AlternateContent xmlns:mc="http://schemas.openxmlformats.org/markup-compatibility/2006" xmlns:p14="http://schemas.microsoft.com/office/powerpoint/2010/main">
+    <mc:Choice Requires="p14">
+      <p:transition spd="slow" p14:dur="2000"/>
+    </mc:Choice>
+    <mc:Fallback xmlns="">
+      <p:transition spd="slow"/>
+    </mc:Fallback>
+  </mc:AlternateContent>
+</p:sld>
+</file>
+
+<file path=ppt/slides/slide5.xml><?xml version="1.0" encoding="utf-8"?>
+<p:sld xmlns:a="http://schemas.openxmlformats.org/drawingml/2006/main" xmlns:r="http://schemas.openxmlformats.org/officeDocument/2006/relationships" xmlns:p="http://schemas.openxmlformats.org/presentationml/2006/main" show="0">
+  <p:cSld>
+    <p:spTree>
+      <p:nvGrpSpPr>
+        <p:cNvPr id="1" name=""/>
+        <p:cNvGrpSpPr/>
+        <p:nvPr/>
+      </p:nvGrpSpPr>
+      <p:grpSpPr>
+        <a:xfrm>
+          <a:off x="0" y="0"/>
+          <a:ext cx="0" cy="0"/>
+          <a:chOff x="0" y="0"/>
+          <a:chExt cx="0" cy="0"/>
+        </a:xfrm>
+      </p:grpSpPr>
+      <p:sp>
+        <p:nvSpPr>
+          <p:cNvPr id="2" name="Title 1">
+            <a:extLst>
+              <a:ext uri="{FF2B5EF4-FFF2-40B4-BE49-F238E27FC236}">
+                <a16:creationId xmlns:a16="http://schemas.microsoft.com/office/drawing/2014/main" id="{AE4259FB-36D9-684C-95F0-18535CB57C6B}"/>
+              </a:ext>
+            </a:extLst>
+          </p:cNvPr>
+          <p:cNvSpPr>
+            <a:spLocks noGrp="1"/>
+          </p:cNvSpPr>
+          <p:nvPr>
+            <p:ph type="title"/>
+          </p:nvPr>
+        </p:nvSpPr>
+        <p:spPr>
+          <a:xfrm>
+            <a:off x="504000" y="392724"/>
+            <a:ext cx="6523643" cy="472431"/>
+          </a:xfrm>
+        </p:spPr>
+        <p:txBody>
+          <a:bodyPr anchor="b"/>
+          <a:lstStyle/>
+          <a:p>
+            <a:r>
               <a:rPr lang="en-GB" dirty="0"/>
               <a:t>Motivations to the use System ID techniques</a:t>
             </a:r>
@@ -6827,7 +8449,7 @@
             <a:fld id="{011C9D03-AE4A-2848-9956-B167AE17B095}" type="slidenum">
               <a:rPr lang="en-GB" smtClean="0"/>
               <a:pPr/>
-              <a:t>3</a:t>
+              <a:t>5</a:t>
             </a:fld>
             <a:endParaRPr lang="en-GB" dirty="0"/>
           </a:p>
@@ -6889,7 +8511,1468 @@
     </p:spTree>
     <p:extLst>
       <p:ext uri="{BB962C8B-B14F-4D97-AF65-F5344CB8AC3E}">
-        <p14:creationId xmlns:p14="http://schemas.microsoft.com/office/powerpoint/2010/main" val="3233539809"/>
+        <p14:creationId xmlns:p14="http://schemas.microsoft.com/office/powerpoint/2010/main" val="3340098951"/>
+      </p:ext>
+    </p:extLst>
+  </p:cSld>
+  <p:clrMapOvr>
+    <a:masterClrMapping/>
+  </p:clrMapOvr>
+  <mc:AlternateContent xmlns:mc="http://schemas.openxmlformats.org/markup-compatibility/2006" xmlns:p14="http://schemas.microsoft.com/office/powerpoint/2010/main">
+    <mc:Choice Requires="p14">
+      <p:transition spd="slow" p14:dur="2000"/>
+    </mc:Choice>
+    <mc:Fallback xmlns="">
+      <p:transition spd="slow"/>
+    </mc:Fallback>
+  </mc:AlternateContent>
+</p:sld>
+</file>
+
+<file path=ppt/slides/slide6.xml><?xml version="1.0" encoding="utf-8"?>
+<p:sld xmlns:a="http://schemas.openxmlformats.org/drawingml/2006/main" xmlns:r="http://schemas.openxmlformats.org/officeDocument/2006/relationships" xmlns:p="http://schemas.openxmlformats.org/presentationml/2006/main">
+  <p:cSld>
+    <p:spTree>
+      <p:nvGrpSpPr>
+        <p:cNvPr id="1" name=""/>
+        <p:cNvGrpSpPr/>
+        <p:nvPr/>
+      </p:nvGrpSpPr>
+      <p:grpSpPr>
+        <a:xfrm>
+          <a:off x="0" y="0"/>
+          <a:ext cx="0" cy="0"/>
+          <a:chOff x="0" y="0"/>
+          <a:chExt cx="0" cy="0"/>
+        </a:xfrm>
+      </p:grpSpPr>
+      <p:sp>
+        <p:nvSpPr>
+          <p:cNvPr id="20" name="Rechteck 24">
+            <a:extLst>
+              <a:ext uri="{FF2B5EF4-FFF2-40B4-BE49-F238E27FC236}">
+                <a16:creationId xmlns:a16="http://schemas.microsoft.com/office/drawing/2014/main" id="{247B3B00-EC7E-41EE-96A7-89CEF03D36D5}"/>
+              </a:ext>
+            </a:extLst>
+          </p:cNvPr>
+          <p:cNvSpPr/>
+          <p:nvPr/>
+        </p:nvSpPr>
+        <p:spPr>
+          <a:xfrm>
+            <a:off x="73704" y="1607232"/>
+            <a:ext cx="3645456" cy="4642059"/>
+          </a:xfrm>
+          <a:prstGeom prst="rect">
+            <a:avLst/>
+          </a:prstGeom>
+          <a:solidFill>
+            <a:schemeClr val="accent1">
+              <a:alpha val="12000"/>
+            </a:schemeClr>
+          </a:solidFill>
+          <a:ln>
+            <a:noFill/>
+          </a:ln>
+        </p:spPr>
+        <p:style>
+          <a:lnRef idx="2">
+            <a:schemeClr val="accent1">
+              <a:shade val="50000"/>
+            </a:schemeClr>
+          </a:lnRef>
+          <a:fillRef idx="1">
+            <a:schemeClr val="accent1"/>
+          </a:fillRef>
+          <a:effectRef idx="0">
+            <a:schemeClr val="accent1"/>
+          </a:effectRef>
+          <a:fontRef idx="minor">
+            <a:schemeClr val="lt1"/>
+          </a:fontRef>
+        </p:style>
+        <p:txBody>
+          <a:bodyPr rtlCol="0" anchor="ctr"/>
+          <a:lstStyle/>
+          <a:p>
+            <a:pPr algn="ctr"/>
+            <a:endParaRPr lang="en-GB" dirty="0"/>
+          </a:p>
+        </p:txBody>
+      </p:sp>
+      <p:sp>
+        <p:nvSpPr>
+          <p:cNvPr id="2" name="Title 1">
+            <a:extLst>
+              <a:ext uri="{FF2B5EF4-FFF2-40B4-BE49-F238E27FC236}">
+                <a16:creationId xmlns:a16="http://schemas.microsoft.com/office/drawing/2014/main" id="{AE4259FB-36D9-684C-95F0-18535CB57C6B}"/>
+              </a:ext>
+            </a:extLst>
+          </p:cNvPr>
+          <p:cNvSpPr>
+            <a:spLocks noGrp="1"/>
+          </p:cNvSpPr>
+          <p:nvPr>
+            <p:ph type="title"/>
+          </p:nvPr>
+        </p:nvSpPr>
+        <p:spPr>
+          <a:xfrm>
+            <a:off x="504000" y="392724"/>
+            <a:ext cx="6523643" cy="472431"/>
+          </a:xfrm>
+        </p:spPr>
+        <p:txBody>
+          <a:bodyPr anchor="b"/>
+          <a:lstStyle/>
+          <a:p>
+            <a:r>
+              <a:rPr lang="en-GB" dirty="0" smtClean="0"/>
+              <a:t>Aircraft Simulation – Current </a:t>
+            </a:r>
+            <a:r>
+              <a:rPr lang="en-GB" dirty="0" err="1" smtClean="0"/>
+              <a:t>Kopter</a:t>
+            </a:r>
+            <a:r>
+              <a:rPr lang="en-GB" dirty="0" smtClean="0"/>
+              <a:t> approach</a:t>
+            </a:r>
+            <a:endParaRPr lang="en-GB" dirty="0"/>
+          </a:p>
+        </p:txBody>
+      </p:sp>
+      <p:sp>
+        <p:nvSpPr>
+          <p:cNvPr id="7" name="Text Placeholder 6">
+            <a:extLst>
+              <a:ext uri="{FF2B5EF4-FFF2-40B4-BE49-F238E27FC236}">
+                <a16:creationId xmlns:a16="http://schemas.microsoft.com/office/drawing/2014/main" id="{E1ED1E1C-C805-0D4B-BE34-F08F4C566B7B}"/>
+              </a:ext>
+            </a:extLst>
+          </p:cNvPr>
+          <p:cNvSpPr>
+            <a:spLocks noGrp="1"/>
+          </p:cNvSpPr>
+          <p:nvPr>
+            <p:ph type="body" idx="14"/>
+          </p:nvPr>
+        </p:nvSpPr>
+        <p:spPr/>
+        <p:txBody>
+          <a:bodyPr/>
+          <a:lstStyle/>
+          <a:p>
+            <a:r>
+              <a:rPr lang="en-GB" dirty="0"/>
+              <a:t>@ </a:t>
+            </a:r>
+            <a:r>
+              <a:rPr lang="en-GB" dirty="0" err="1"/>
+              <a:t>Kopter</a:t>
+            </a:r>
+            <a:r>
+              <a:rPr lang="en-GB" dirty="0"/>
+              <a:t> Group AG | Alejandro Valverde</a:t>
+            </a:r>
+          </a:p>
+        </p:txBody>
+      </p:sp>
+      <p:sp>
+        <p:nvSpPr>
+          <p:cNvPr id="4" name="Slide Number Placeholder 3"/>
+          <p:cNvSpPr>
+            <a:spLocks noGrp="1"/>
+          </p:cNvSpPr>
+          <p:nvPr>
+            <p:ph type="sldNum" sz="quarter" idx="12"/>
+          </p:nvPr>
+        </p:nvSpPr>
+        <p:spPr/>
+        <p:txBody>
+          <a:bodyPr/>
+          <a:lstStyle/>
+          <a:p>
+            <a:fld id="{011C9D03-AE4A-2848-9956-B167AE17B095}" type="slidenum">
+              <a:rPr lang="en-GB" smtClean="0"/>
+              <a:pPr/>
+              <a:t>6</a:t>
+            </a:fld>
+            <a:endParaRPr lang="en-GB" dirty="0"/>
+          </a:p>
+        </p:txBody>
+      </p:sp>
+      <p:sp>
+        <p:nvSpPr>
+          <p:cNvPr id="5" name="Date Placeholder 4"/>
+          <p:cNvSpPr>
+            <a:spLocks noGrp="1"/>
+          </p:cNvSpPr>
+          <p:nvPr>
+            <p:ph type="dt" sz="half" idx="10"/>
+          </p:nvPr>
+        </p:nvSpPr>
+        <p:spPr/>
+        <p:txBody>
+          <a:bodyPr/>
+          <a:lstStyle/>
+          <a:p>
+            <a:fld id="{16C1D5B0-5220-44BF-BD99-44FE20BE1773}" type="datetime5">
+              <a:rPr lang="en-US" smtClean="0"/>
+              <a:t>23-Feb-18</a:t>
+            </a:fld>
+            <a:endParaRPr lang="en-GB" dirty="0"/>
+          </a:p>
+        </p:txBody>
+      </p:sp>
+      <p:grpSp>
+        <p:nvGrpSpPr>
+          <p:cNvPr id="13" name="Group 12"/>
+          <p:cNvGrpSpPr/>
+          <p:nvPr/>
+        </p:nvGrpSpPr>
+        <p:grpSpPr>
+          <a:xfrm>
+            <a:off x="4057948" y="1607232"/>
+            <a:ext cx="4761024" cy="3304359"/>
+            <a:chOff x="3989938" y="1736278"/>
+            <a:chExt cx="4971832" cy="3450669"/>
+          </a:xfrm>
+        </p:grpSpPr>
+        <p:pic>
+          <p:nvPicPr>
+            <p:cNvPr id="10" name="Picture 9"/>
+            <p:cNvPicPr>
+              <a:picLocks noChangeAspect="1"/>
+            </p:cNvPicPr>
+            <p:nvPr/>
+          </p:nvPicPr>
+          <p:blipFill rotWithShape="1">
+            <a:blip r:embed="rId3"/>
+            <a:srcRect l="4882" r="4277"/>
+            <a:stretch/>
+          </p:blipFill>
+          <p:spPr>
+            <a:xfrm>
+              <a:off x="3989938" y="1736278"/>
+              <a:ext cx="4971832" cy="2910239"/>
+            </a:xfrm>
+            <a:prstGeom prst="rect">
+              <a:avLst/>
+            </a:prstGeom>
+          </p:spPr>
+        </p:pic>
+        <p:sp>
+          <p:nvSpPr>
+            <p:cNvPr id="11" name="TextBox 10"/>
+            <p:cNvSpPr txBox="1"/>
+            <p:nvPr/>
+          </p:nvSpPr>
+          <p:spPr>
+            <a:xfrm>
+              <a:off x="4060959" y="4614325"/>
+              <a:ext cx="4829790" cy="572622"/>
+            </a:xfrm>
+            <a:prstGeom prst="rect">
+              <a:avLst/>
+            </a:prstGeom>
+            <a:noFill/>
+          </p:spPr>
+          <p:txBody>
+            <a:bodyPr wrap="square" lIns="0" tIns="0" rIns="0" bIns="0" rtlCol="0">
+              <a:noAutofit/>
+            </a:bodyPr>
+            <a:lstStyle/>
+            <a:p>
+              <a:pPr algn="l"/>
+              <a:r>
+                <a:rPr lang="en-GB" sz="1400" i="1" dirty="0">
+                  <a:latin typeface="Suisse Int'l" panose="020B0504000000000000" pitchFamily="34" charset="77"/>
+                </a:rPr>
+                <a:t>Extracted from Nicolas’ MSc Thesis overview in collaboration with </a:t>
+              </a:r>
+              <a:r>
+                <a:rPr lang="en-GB" sz="1400" i="1" dirty="0" err="1">
+                  <a:latin typeface="Suisse Int'l" panose="020B0504000000000000" pitchFamily="34" charset="77"/>
+                </a:rPr>
+                <a:t>Kopter</a:t>
+              </a:r>
+              <a:r>
+                <a:rPr lang="en-GB" sz="1400" i="1" dirty="0">
+                  <a:latin typeface="Suisse Int'l" panose="020B0504000000000000" pitchFamily="34" charset="77"/>
+                </a:rPr>
+                <a:t> Avionics Dep.</a:t>
+              </a:r>
+              <a:endParaRPr lang="en-GB" sz="1400" b="0" i="1" dirty="0">
+                <a:latin typeface="Suisse Int'l" panose="020B0504000000000000" pitchFamily="34" charset="77"/>
+              </a:endParaRPr>
+            </a:p>
+          </p:txBody>
+        </p:sp>
+      </p:grpSp>
+      <mc:AlternateContent xmlns:mc="http://schemas.openxmlformats.org/markup-compatibility/2006" xmlns:a14="http://schemas.microsoft.com/office/drawing/2010/main">
+        <mc:Choice Requires="a14">
+          <p:sp>
+            <p:nvSpPr>
+              <p:cNvPr id="12" name="Rectangle 11"/>
+              <p:cNvSpPr/>
+              <p:nvPr/>
+            </p:nvSpPr>
+            <p:spPr>
+              <a:xfrm>
+                <a:off x="945924" y="5388796"/>
+                <a:ext cx="1640594" cy="646331"/>
+              </a:xfrm>
+              <a:prstGeom prst="rect">
+                <a:avLst/>
+              </a:prstGeom>
+            </p:spPr>
+            <p:txBody>
+              <a:bodyPr wrap="square">
+                <a:spAutoFit/>
+              </a:bodyPr>
+              <a:lstStyle/>
+              <a:p>
+                <a:pPr algn="just"/>
+                <a14:m>
+                  <m:oMathPara xmlns:m="http://schemas.openxmlformats.org/officeDocument/2006/math">
+                    <m:oMathParaPr>
+                      <m:jc m:val="centerGroup"/>
+                    </m:oMathParaPr>
+                    <m:oMath xmlns:m="http://schemas.openxmlformats.org/officeDocument/2006/math">
+                      <m:acc>
+                        <m:accPr>
+                          <m:chr m:val="̇"/>
+                          <m:ctrlPr>
+                            <a:rPr lang="en-US" i="1">
+                              <a:latin typeface="Cambria Math" panose="02040503050406030204" pitchFamily="18" charset="0"/>
+                            </a:rPr>
+                          </m:ctrlPr>
+                        </m:accPr>
+                        <m:e>
+                          <m:r>
+                            <a:rPr lang="it-IT" i="1">
+                              <a:latin typeface="Cambria Math"/>
+                            </a:rPr>
+                            <m:t>𝑥</m:t>
+                          </m:r>
+                        </m:e>
+                      </m:acc>
+                      <m:r>
+                        <a:rPr lang="it-IT" i="1">
+                          <a:latin typeface="Cambria Math"/>
+                        </a:rPr>
+                        <m:t>=</m:t>
+                      </m:r>
+                      <m:r>
+                        <a:rPr lang="it-IT" i="1">
+                          <a:latin typeface="Cambria Math"/>
+                        </a:rPr>
+                        <m:t>𝐴𝑥</m:t>
+                      </m:r>
+                      <m:r>
+                        <a:rPr lang="it-IT" i="1">
+                          <a:latin typeface="Cambria Math"/>
+                        </a:rPr>
+                        <m:t>+</m:t>
+                      </m:r>
+                      <m:r>
+                        <a:rPr lang="it-IT" i="1">
+                          <a:latin typeface="Cambria Math"/>
+                        </a:rPr>
+                        <m:t>𝐵𝑢</m:t>
+                      </m:r>
+                    </m:oMath>
+                  </m:oMathPara>
+                </a14:m>
+                <a:endParaRPr lang="it-IT" dirty="0"/>
+              </a:p>
+              <a:p>
+                <a:pPr algn="just"/>
+                <a14:m>
+                  <m:oMathPara xmlns:m="http://schemas.openxmlformats.org/officeDocument/2006/math">
+                    <m:oMathParaPr>
+                      <m:jc m:val="centerGroup"/>
+                    </m:oMathParaPr>
+                    <m:oMath xmlns:m="http://schemas.openxmlformats.org/officeDocument/2006/math">
+                      <m:r>
+                        <a:rPr lang="it-IT" i="1">
+                          <a:latin typeface="Cambria Math"/>
+                        </a:rPr>
+                        <m:t>𝑦</m:t>
+                      </m:r>
+                      <m:r>
+                        <a:rPr lang="it-IT" i="1">
+                          <a:latin typeface="Cambria Math"/>
+                        </a:rPr>
+                        <m:t>=</m:t>
+                      </m:r>
+                      <m:r>
+                        <a:rPr lang="it-IT" i="1">
+                          <a:latin typeface="Cambria Math"/>
+                        </a:rPr>
+                        <m:t>𝐶𝑥</m:t>
+                      </m:r>
+                      <m:r>
+                        <a:rPr lang="it-IT" i="1">
+                          <a:latin typeface="Cambria Math"/>
+                        </a:rPr>
+                        <m:t>+</m:t>
+                      </m:r>
+                      <m:r>
+                        <a:rPr lang="it-IT" i="1">
+                          <a:latin typeface="Cambria Math"/>
+                        </a:rPr>
+                        <m:t>𝐷𝑢</m:t>
+                      </m:r>
+                    </m:oMath>
+                  </m:oMathPara>
+                </a14:m>
+                <a:endParaRPr lang="it-IT" dirty="0"/>
+              </a:p>
+            </p:txBody>
+          </p:sp>
+        </mc:Choice>
+        <mc:Fallback xmlns="">
+          <p:sp>
+            <p:nvSpPr>
+              <p:cNvPr id="12" name="Rectangle 11"/>
+              <p:cNvSpPr>
+                <a:spLocks noRot="1" noChangeAspect="1" noMove="1" noResize="1" noEditPoints="1" noAdjustHandles="1" noChangeArrowheads="1" noChangeShapeType="1" noTextEdit="1"/>
+              </p:cNvSpPr>
+              <p:nvPr/>
+            </p:nvSpPr>
+            <p:spPr>
+              <a:xfrm>
+                <a:off x="945924" y="5388796"/>
+                <a:ext cx="1640594" cy="646331"/>
+              </a:xfrm>
+              <a:prstGeom prst="rect">
+                <a:avLst/>
+              </a:prstGeom>
+              <a:blipFill>
+                <a:blip r:embed="rId4"/>
+                <a:stretch>
+                  <a:fillRect b="-2830"/>
+                </a:stretch>
+              </a:blipFill>
+            </p:spPr>
+            <p:txBody>
+              <a:bodyPr/>
+              <a:lstStyle/>
+              <a:p>
+                <a:r>
+                  <a:rPr lang="en-GB">
+                    <a:noFill/>
+                  </a:rPr>
+                  <a:t> </a:t>
+                </a:r>
+              </a:p>
+            </p:txBody>
+          </p:sp>
+        </mc:Fallback>
+      </mc:AlternateContent>
+      <p:sp>
+        <p:nvSpPr>
+          <p:cNvPr id="14" name="Arc 13"/>
+          <p:cNvSpPr/>
+          <p:nvPr/>
+        </p:nvSpPr>
+        <p:spPr>
+          <a:xfrm>
+            <a:off x="941294" y="1264520"/>
+            <a:ext cx="3328634" cy="4082517"/>
+          </a:xfrm>
+          <a:prstGeom prst="arc">
+            <a:avLst>
+              <a:gd name="adj1" fmla="val 16008520"/>
+              <a:gd name="adj2" fmla="val 950836"/>
+            </a:avLst>
+          </a:prstGeom>
+          <a:ln w="28575">
+            <a:solidFill>
+              <a:schemeClr val="tx2">
+                <a:lumMod val="75000"/>
+              </a:schemeClr>
+            </a:solidFill>
+            <a:headEnd type="arrow"/>
+            <a:tailEnd type="oval"/>
+          </a:ln>
+        </p:spPr>
+        <p:style>
+          <a:lnRef idx="1">
+            <a:schemeClr val="accent1"/>
+          </a:lnRef>
+          <a:fillRef idx="0">
+            <a:schemeClr val="accent1"/>
+          </a:fillRef>
+          <a:effectRef idx="0">
+            <a:schemeClr val="accent1"/>
+          </a:effectRef>
+          <a:fontRef idx="minor">
+            <a:schemeClr val="tx1"/>
+          </a:fontRef>
+        </p:style>
+        <p:txBody>
+          <a:bodyPr rtlCol="0" anchor="ctr"/>
+          <a:lstStyle/>
+          <a:p>
+            <a:pPr algn="ctr"/>
+            <a:endParaRPr lang="en-GB"/>
+          </a:p>
+        </p:txBody>
+      </p:sp>
+      <p:pic>
+        <p:nvPicPr>
+          <p:cNvPr id="15" name="Picture 14"/>
+          <p:cNvPicPr>
+            <a:picLocks noChangeAspect="1"/>
+          </p:cNvPicPr>
+          <p:nvPr/>
+        </p:nvPicPr>
+        <p:blipFill>
+          <a:blip r:embed="rId5"/>
+          <a:stretch>
+            <a:fillRect/>
+          </a:stretch>
+        </p:blipFill>
+        <p:spPr>
+          <a:xfrm>
+            <a:off x="1048318" y="2853831"/>
+            <a:ext cx="2362530" cy="1752845"/>
+          </a:xfrm>
+          <a:prstGeom prst="rect">
+            <a:avLst/>
+          </a:prstGeom>
+        </p:spPr>
+      </p:pic>
+      <p:sp>
+        <p:nvSpPr>
+          <p:cNvPr id="16" name="Rectangle 15"/>
+          <p:cNvSpPr/>
+          <p:nvPr/>
+        </p:nvSpPr>
+        <p:spPr>
+          <a:xfrm>
+            <a:off x="802134" y="1596492"/>
+            <a:ext cx="4572000" cy="646331"/>
+          </a:xfrm>
+          <a:prstGeom prst="rect">
+            <a:avLst/>
+          </a:prstGeom>
+        </p:spPr>
+        <p:txBody>
+          <a:bodyPr>
+            <a:spAutoFit/>
+          </a:bodyPr>
+          <a:lstStyle/>
+          <a:p>
+            <a:r>
+              <a:rPr lang="en-GB" dirty="0" smtClean="0"/>
+              <a:t>Trimmed condition of</a:t>
+            </a:r>
+            <a:br>
+              <a:rPr lang="en-GB" dirty="0" smtClean="0"/>
+            </a:br>
+            <a:r>
+              <a:rPr lang="en-GB" dirty="0" err="1" smtClean="0"/>
+              <a:t>FlightLab</a:t>
+            </a:r>
+            <a:r>
+              <a:rPr lang="en-GB" dirty="0" smtClean="0"/>
+              <a:t>, e.g.:</a:t>
+            </a:r>
+            <a:endParaRPr lang="en-GB" dirty="0"/>
+          </a:p>
+        </p:txBody>
+      </p:sp>
+      <p:sp>
+        <p:nvSpPr>
+          <p:cNvPr id="19" name="TextBox 18"/>
+          <p:cNvSpPr txBox="1"/>
+          <p:nvPr/>
+        </p:nvSpPr>
+        <p:spPr>
+          <a:xfrm>
+            <a:off x="1146290" y="2344862"/>
+            <a:ext cx="2572870" cy="578093"/>
+          </a:xfrm>
+          <a:prstGeom prst="rect">
+            <a:avLst/>
+          </a:prstGeom>
+          <a:noFill/>
+        </p:spPr>
+        <p:txBody>
+          <a:bodyPr wrap="square" lIns="0" tIns="0" rIns="0" bIns="0" rtlCol="0">
+            <a:noAutofit/>
+          </a:bodyPr>
+          <a:lstStyle/>
+          <a:p>
+            <a:r>
+              <a:rPr lang="en-GB" dirty="0" err="1">
+                <a:latin typeface="Suisse Int'l" panose="020B0504000000000000" pitchFamily="34" charset="77"/>
+              </a:rPr>
+              <a:t>fwd</a:t>
+            </a:r>
+            <a:r>
+              <a:rPr lang="en-GB" dirty="0">
+                <a:latin typeface="Suisse Int'l" panose="020B0504000000000000" pitchFamily="34" charset="77"/>
+              </a:rPr>
+              <a:t> level flight @ 100kts</a:t>
+            </a:r>
+            <a:endParaRPr lang="en-GB" b="0" i="0" dirty="0" smtClean="0">
+              <a:latin typeface="Suisse Int'l" panose="020B0504000000000000" pitchFamily="34" charset="77"/>
+            </a:endParaRPr>
+          </a:p>
+        </p:txBody>
+      </p:sp>
+      <p:sp>
+        <p:nvSpPr>
+          <p:cNvPr id="22" name="Down Arrow 21"/>
+          <p:cNvSpPr/>
+          <p:nvPr/>
+        </p:nvSpPr>
+        <p:spPr>
+          <a:xfrm rot="16200000">
+            <a:off x="873126" y="2380618"/>
+            <a:ext cx="145597" cy="204787"/>
+          </a:xfrm>
+          <a:prstGeom prst="downArrow">
+            <a:avLst/>
+          </a:prstGeom>
+          <a:solidFill>
+            <a:schemeClr val="tx2">
+              <a:lumMod val="60000"/>
+              <a:lumOff val="40000"/>
+            </a:schemeClr>
+          </a:solidFill>
+          <a:ln>
+            <a:solidFill>
+              <a:schemeClr val="tx1"/>
+            </a:solidFill>
+          </a:ln>
+        </p:spPr>
+        <p:style>
+          <a:lnRef idx="2">
+            <a:schemeClr val="accent1">
+              <a:shade val="50000"/>
+            </a:schemeClr>
+          </a:lnRef>
+          <a:fillRef idx="1">
+            <a:schemeClr val="accent1"/>
+          </a:fillRef>
+          <a:effectRef idx="0">
+            <a:schemeClr val="accent1"/>
+          </a:effectRef>
+          <a:fontRef idx="minor">
+            <a:schemeClr val="lt1"/>
+          </a:fontRef>
+        </p:style>
+        <p:txBody>
+          <a:bodyPr rtlCol="0" anchor="ctr"/>
+          <a:lstStyle/>
+          <a:p>
+            <a:pPr algn="ctr"/>
+            <a:endParaRPr lang="en-GB" dirty="0"/>
+          </a:p>
+        </p:txBody>
+      </p:sp>
+      <p:sp>
+        <p:nvSpPr>
+          <p:cNvPr id="23" name="Arc 22"/>
+          <p:cNvSpPr/>
+          <p:nvPr/>
+        </p:nvSpPr>
+        <p:spPr>
+          <a:xfrm flipV="1">
+            <a:off x="1276134" y="2715612"/>
+            <a:ext cx="1174803" cy="2530317"/>
+          </a:xfrm>
+          <a:prstGeom prst="arc">
+            <a:avLst>
+              <a:gd name="adj1" fmla="val 18204162"/>
+              <a:gd name="adj2" fmla="val 2827246"/>
+            </a:avLst>
+          </a:prstGeom>
+          <a:ln w="28575">
+            <a:solidFill>
+              <a:schemeClr val="tx2">
+                <a:lumMod val="75000"/>
+              </a:schemeClr>
+            </a:solidFill>
+            <a:headEnd type="arrow"/>
+            <a:tailEnd type="oval"/>
+          </a:ln>
+        </p:spPr>
+        <p:style>
+          <a:lnRef idx="1">
+            <a:schemeClr val="accent1"/>
+          </a:lnRef>
+          <a:fillRef idx="0">
+            <a:schemeClr val="accent1"/>
+          </a:fillRef>
+          <a:effectRef idx="0">
+            <a:schemeClr val="accent1"/>
+          </a:effectRef>
+          <a:fontRef idx="minor">
+            <a:schemeClr val="tx1"/>
+          </a:fontRef>
+        </p:style>
+        <p:txBody>
+          <a:bodyPr rtlCol="0" anchor="ctr"/>
+          <a:lstStyle/>
+          <a:p>
+            <a:pPr algn="ctr"/>
+            <a:endParaRPr lang="en-GB"/>
+          </a:p>
+        </p:txBody>
+      </p:sp>
+      <p:sp>
+        <p:nvSpPr>
+          <p:cNvPr id="24" name="Left Brace 23"/>
+          <p:cNvSpPr/>
+          <p:nvPr/>
+        </p:nvSpPr>
+        <p:spPr>
+          <a:xfrm>
+            <a:off x="3770454" y="4933762"/>
+            <a:ext cx="206259" cy="1422594"/>
+          </a:xfrm>
+          <a:prstGeom prst="leftBrace">
+            <a:avLst/>
+          </a:prstGeom>
+          <a:ln w="22225">
+            <a:solidFill>
+              <a:srgbClr val="0070C0"/>
+            </a:solidFill>
+            <a:round/>
+          </a:ln>
+        </p:spPr>
+        <p:style>
+          <a:lnRef idx="1">
+            <a:schemeClr val="accent1"/>
+          </a:lnRef>
+          <a:fillRef idx="0">
+            <a:schemeClr val="accent1"/>
+          </a:fillRef>
+          <a:effectRef idx="0">
+            <a:schemeClr val="accent1"/>
+          </a:effectRef>
+          <a:fontRef idx="minor">
+            <a:schemeClr val="tx1"/>
+          </a:fontRef>
+        </p:style>
+        <p:txBody>
+          <a:bodyPr rtlCol="0" anchor="ctr"/>
+          <a:lstStyle/>
+          <a:p>
+            <a:pPr algn="ctr"/>
+            <a:endParaRPr lang="en-GB"/>
+          </a:p>
+        </p:txBody>
+      </p:sp>
+      <p:sp>
+        <p:nvSpPr>
+          <p:cNvPr id="25" name="Left Brace 24"/>
+          <p:cNvSpPr/>
+          <p:nvPr/>
+        </p:nvSpPr>
+        <p:spPr>
+          <a:xfrm>
+            <a:off x="610030" y="1653350"/>
+            <a:ext cx="246632" cy="2680441"/>
+          </a:xfrm>
+          <a:prstGeom prst="leftBrace">
+            <a:avLst/>
+          </a:prstGeom>
+          <a:ln w="22225">
+            <a:solidFill>
+              <a:srgbClr val="0070C0"/>
+            </a:solidFill>
+            <a:round/>
+          </a:ln>
+        </p:spPr>
+        <p:style>
+          <a:lnRef idx="1">
+            <a:schemeClr val="accent1"/>
+          </a:lnRef>
+          <a:fillRef idx="0">
+            <a:schemeClr val="accent1"/>
+          </a:fillRef>
+          <a:effectRef idx="0">
+            <a:schemeClr val="accent1"/>
+          </a:effectRef>
+          <a:fontRef idx="minor">
+            <a:schemeClr val="tx1"/>
+          </a:fontRef>
+        </p:style>
+        <p:txBody>
+          <a:bodyPr rtlCol="0" anchor="ctr"/>
+          <a:lstStyle/>
+          <a:p>
+            <a:pPr algn="ctr"/>
+            <a:endParaRPr lang="en-GB"/>
+          </a:p>
+        </p:txBody>
+      </p:sp>
+      <p:sp>
+        <p:nvSpPr>
+          <p:cNvPr id="26" name="Left Brace 25"/>
+          <p:cNvSpPr/>
+          <p:nvPr/>
+        </p:nvSpPr>
+        <p:spPr>
+          <a:xfrm>
+            <a:off x="563413" y="4540466"/>
+            <a:ext cx="292464" cy="1536484"/>
+          </a:xfrm>
+          <a:prstGeom prst="leftBrace">
+            <a:avLst/>
+          </a:prstGeom>
+          <a:ln w="22225">
+            <a:solidFill>
+              <a:srgbClr val="0070C0"/>
+            </a:solidFill>
+            <a:round/>
+          </a:ln>
+        </p:spPr>
+        <p:style>
+          <a:lnRef idx="1">
+            <a:schemeClr val="accent1"/>
+          </a:lnRef>
+          <a:fillRef idx="0">
+            <a:schemeClr val="accent1"/>
+          </a:fillRef>
+          <a:effectRef idx="0">
+            <a:schemeClr val="accent1"/>
+          </a:effectRef>
+          <a:fontRef idx="minor">
+            <a:schemeClr val="tx1"/>
+          </a:fontRef>
+        </p:style>
+        <p:txBody>
+          <a:bodyPr rtlCol="0" anchor="ctr"/>
+          <a:lstStyle/>
+          <a:p>
+            <a:pPr algn="ctr"/>
+            <a:endParaRPr lang="en-GB"/>
+          </a:p>
+        </p:txBody>
+      </p:sp>
+      <p:sp>
+        <p:nvSpPr>
+          <p:cNvPr id="27" name="TextBox 26"/>
+          <p:cNvSpPr txBox="1"/>
+          <p:nvPr/>
+        </p:nvSpPr>
+        <p:spPr>
+          <a:xfrm>
+            <a:off x="1171053" y="4734204"/>
+            <a:ext cx="2572870" cy="578093"/>
+          </a:xfrm>
+          <a:prstGeom prst="rect">
+            <a:avLst/>
+          </a:prstGeom>
+          <a:noFill/>
+        </p:spPr>
+        <p:txBody>
+          <a:bodyPr wrap="square" lIns="0" tIns="0" rIns="0" bIns="0" rtlCol="0">
+            <a:noAutofit/>
+          </a:bodyPr>
+          <a:lstStyle/>
+          <a:p>
+            <a:r>
+              <a:rPr lang="en-US" dirty="0"/>
+              <a:t>linearization of full </a:t>
+            </a:r>
+            <a:r>
+              <a:rPr lang="en-US" dirty="0" smtClean="0"/>
+              <a:t>H/C dynamics:</a:t>
+            </a:r>
+            <a:endParaRPr lang="en-GB" b="0" i="0" dirty="0" smtClean="0">
+              <a:latin typeface="Suisse Int'l" panose="020B0504000000000000" pitchFamily="34" charset="77"/>
+            </a:endParaRPr>
+          </a:p>
+        </p:txBody>
+      </p:sp>
+      <p:sp>
+        <p:nvSpPr>
+          <p:cNvPr id="28" name="TextBox 27"/>
+          <p:cNvSpPr txBox="1"/>
+          <p:nvPr/>
+        </p:nvSpPr>
+        <p:spPr>
+          <a:xfrm>
+            <a:off x="274050" y="1968786"/>
+            <a:ext cx="342658" cy="1858243"/>
+          </a:xfrm>
+          <a:prstGeom prst="rect">
+            <a:avLst/>
+          </a:prstGeom>
+          <a:noFill/>
+        </p:spPr>
+        <p:txBody>
+          <a:bodyPr vert="vert270" wrap="square" lIns="0" tIns="0" rIns="0" bIns="0" rtlCol="0">
+            <a:noAutofit/>
+          </a:bodyPr>
+          <a:lstStyle/>
+          <a:p>
+            <a:r>
+              <a:rPr lang="en-GB" b="0" i="0" dirty="0" smtClean="0">
+                <a:latin typeface="Suisse Int'l" panose="020B0504000000000000" pitchFamily="34" charset="77"/>
+              </a:rPr>
+              <a:t>Non-linear model</a:t>
+            </a:r>
+          </a:p>
+        </p:txBody>
+      </p:sp>
+      <p:sp>
+        <p:nvSpPr>
+          <p:cNvPr id="29" name="TextBox 28"/>
+          <p:cNvSpPr txBox="1"/>
+          <p:nvPr/>
+        </p:nvSpPr>
+        <p:spPr>
+          <a:xfrm>
+            <a:off x="302273" y="4033704"/>
+            <a:ext cx="342658" cy="1858243"/>
+          </a:xfrm>
+          <a:prstGeom prst="rect">
+            <a:avLst/>
+          </a:prstGeom>
+          <a:noFill/>
+        </p:spPr>
+        <p:txBody>
+          <a:bodyPr vert="vert270" wrap="square" lIns="0" tIns="0" rIns="0" bIns="0" rtlCol="0">
+            <a:noAutofit/>
+          </a:bodyPr>
+          <a:lstStyle/>
+          <a:p>
+            <a:r>
+              <a:rPr lang="en-GB" b="0" i="0" dirty="0" smtClean="0">
+                <a:latin typeface="Suisse Int'l" panose="020B0504000000000000" pitchFamily="34" charset="77"/>
+              </a:rPr>
+              <a:t>Linear model</a:t>
+            </a:r>
+          </a:p>
+        </p:txBody>
+      </p:sp>
+      <p:sp>
+        <p:nvSpPr>
+          <p:cNvPr id="31" name="Freeform 30"/>
+          <p:cNvSpPr/>
+          <p:nvPr/>
+        </p:nvSpPr>
+        <p:spPr>
+          <a:xfrm flipV="1">
+            <a:off x="2512348" y="5624867"/>
+            <a:ext cx="1183039" cy="86796"/>
+          </a:xfrm>
+          <a:custGeom>
+            <a:avLst/>
+            <a:gdLst>
+              <a:gd name="connsiteX0" fmla="*/ 0 w 1095558"/>
+              <a:gd name="connsiteY0" fmla="*/ 0 h 190775"/>
+              <a:gd name="connsiteX1" fmla="*/ 295275 w 1095558"/>
+              <a:gd name="connsiteY1" fmla="*/ 85725 h 190775"/>
+              <a:gd name="connsiteX2" fmla="*/ 533400 w 1095558"/>
+              <a:gd name="connsiteY2" fmla="*/ 142875 h 190775"/>
+              <a:gd name="connsiteX3" fmla="*/ 742950 w 1095558"/>
+              <a:gd name="connsiteY3" fmla="*/ 171450 h 190775"/>
+              <a:gd name="connsiteX4" fmla="*/ 1038225 w 1095558"/>
+              <a:gd name="connsiteY4" fmla="*/ 190500 h 190775"/>
+              <a:gd name="connsiteX5" fmla="*/ 1095375 w 1095558"/>
+              <a:gd name="connsiteY5" fmla="*/ 180975 h 190775"/>
+            </a:gdLst>
+            <a:ahLst/>
+            <a:cxnLst>
+              <a:cxn ang="0">
+                <a:pos x="connsiteX0" y="connsiteY0"/>
+              </a:cxn>
+              <a:cxn ang="0">
+                <a:pos x="connsiteX1" y="connsiteY1"/>
+              </a:cxn>
+              <a:cxn ang="0">
+                <a:pos x="connsiteX2" y="connsiteY2"/>
+              </a:cxn>
+              <a:cxn ang="0">
+                <a:pos x="connsiteX3" y="connsiteY3"/>
+              </a:cxn>
+              <a:cxn ang="0">
+                <a:pos x="connsiteX4" y="connsiteY4"/>
+              </a:cxn>
+              <a:cxn ang="0">
+                <a:pos x="connsiteX5" y="connsiteY5"/>
+              </a:cxn>
+            </a:cxnLst>
+            <a:rect l="l" t="t" r="r" b="b"/>
+            <a:pathLst>
+              <a:path w="1095558" h="190775">
+                <a:moveTo>
+                  <a:pt x="0" y="0"/>
+                </a:moveTo>
+                <a:lnTo>
+                  <a:pt x="295275" y="85725"/>
+                </a:lnTo>
+                <a:cubicBezTo>
+                  <a:pt x="384175" y="109538"/>
+                  <a:pt x="458788" y="128588"/>
+                  <a:pt x="533400" y="142875"/>
+                </a:cubicBezTo>
+                <a:cubicBezTo>
+                  <a:pt x="608012" y="157162"/>
+                  <a:pt x="658813" y="163513"/>
+                  <a:pt x="742950" y="171450"/>
+                </a:cubicBezTo>
+                <a:cubicBezTo>
+                  <a:pt x="827088" y="179388"/>
+                  <a:pt x="979488" y="188913"/>
+                  <a:pt x="1038225" y="190500"/>
+                </a:cubicBezTo>
+                <a:cubicBezTo>
+                  <a:pt x="1096962" y="192087"/>
+                  <a:pt x="1096168" y="186531"/>
+                  <a:pt x="1095375" y="180975"/>
+                </a:cubicBezTo>
+              </a:path>
+            </a:pathLst>
+          </a:custGeom>
+          <a:noFill/>
+          <a:ln w="28575">
+            <a:solidFill>
+              <a:srgbClr val="0070C0"/>
+            </a:solidFill>
+            <a:tailEnd type="triangle"/>
+          </a:ln>
+        </p:spPr>
+        <p:style>
+          <a:lnRef idx="2">
+            <a:schemeClr val="accent1">
+              <a:shade val="50000"/>
+            </a:schemeClr>
+          </a:lnRef>
+          <a:fillRef idx="1">
+            <a:schemeClr val="accent1"/>
+          </a:fillRef>
+          <a:effectRef idx="0">
+            <a:schemeClr val="accent1"/>
+          </a:effectRef>
+          <a:fontRef idx="minor">
+            <a:schemeClr val="lt1"/>
+          </a:fontRef>
+        </p:style>
+        <p:txBody>
+          <a:bodyPr rtlCol="0" anchor="ctr"/>
+          <a:lstStyle/>
+          <a:p>
+            <a:pPr algn="ctr"/>
+            <a:endParaRPr lang="en-GB"/>
+          </a:p>
+        </p:txBody>
+      </p:sp>
+      <p:sp>
+        <p:nvSpPr>
+          <p:cNvPr id="32" name="TextBox 31"/>
+          <p:cNvSpPr txBox="1"/>
+          <p:nvPr/>
+        </p:nvSpPr>
+        <p:spPr>
+          <a:xfrm>
+            <a:off x="4106640" y="4933712"/>
+            <a:ext cx="2572870" cy="578093"/>
+          </a:xfrm>
+          <a:prstGeom prst="rect">
+            <a:avLst/>
+          </a:prstGeom>
+          <a:noFill/>
+        </p:spPr>
+        <p:txBody>
+          <a:bodyPr wrap="square" lIns="0" tIns="0" rIns="0" bIns="0" rtlCol="0">
+            <a:noAutofit/>
+          </a:bodyPr>
+          <a:lstStyle/>
+          <a:p>
+            <a:r>
+              <a:rPr lang="en-US" dirty="0" smtClean="0"/>
+              <a:t>Suitable for:</a:t>
+            </a:r>
+          </a:p>
+          <a:p>
+            <a:endParaRPr lang="en-US" b="0" i="0" dirty="0">
+              <a:latin typeface="Suisse Int'l" panose="020B0504000000000000" pitchFamily="34" charset="77"/>
+            </a:endParaRPr>
+          </a:p>
+          <a:p>
+            <a:endParaRPr lang="en-GB" b="0" i="0" dirty="0" smtClean="0">
+              <a:latin typeface="Suisse Int'l" panose="020B0504000000000000" pitchFamily="34" charset="77"/>
+            </a:endParaRPr>
+          </a:p>
+        </p:txBody>
+      </p:sp>
+      <p:sp>
+        <p:nvSpPr>
+          <p:cNvPr id="35" name="TextBox 34"/>
+          <p:cNvSpPr txBox="1"/>
+          <p:nvPr/>
+        </p:nvSpPr>
+        <p:spPr>
+          <a:xfrm>
+            <a:off x="4566291" y="5286460"/>
+            <a:ext cx="2572870" cy="578093"/>
+          </a:xfrm>
+          <a:prstGeom prst="rect">
+            <a:avLst/>
+          </a:prstGeom>
+          <a:noFill/>
+        </p:spPr>
+        <p:txBody>
+          <a:bodyPr wrap="square" lIns="0" tIns="0" rIns="0" bIns="0" rtlCol="0">
+            <a:noAutofit/>
+          </a:bodyPr>
+          <a:lstStyle/>
+          <a:p>
+            <a:r>
+              <a:rPr lang="en-GB" dirty="0" smtClean="0">
+                <a:latin typeface="Suisse Int'l" panose="020B0504000000000000" pitchFamily="34" charset="77"/>
+              </a:rPr>
+              <a:t>FCS design</a:t>
+            </a:r>
+            <a:endParaRPr lang="en-GB" b="0" i="0" dirty="0" smtClean="0">
+              <a:latin typeface="Suisse Int'l" panose="020B0504000000000000" pitchFamily="34" charset="77"/>
+            </a:endParaRPr>
+          </a:p>
+        </p:txBody>
+      </p:sp>
+      <p:sp>
+        <p:nvSpPr>
+          <p:cNvPr id="36" name="Down Arrow 35"/>
+          <p:cNvSpPr/>
+          <p:nvPr/>
+        </p:nvSpPr>
+        <p:spPr>
+          <a:xfrm rot="16200000">
+            <a:off x="4293127" y="5322216"/>
+            <a:ext cx="145597" cy="204787"/>
+          </a:xfrm>
+          <a:prstGeom prst="downArrow">
+            <a:avLst/>
+          </a:prstGeom>
+          <a:solidFill>
+            <a:schemeClr val="tx2">
+              <a:lumMod val="60000"/>
+              <a:lumOff val="40000"/>
+            </a:schemeClr>
+          </a:solidFill>
+          <a:ln>
+            <a:solidFill>
+              <a:schemeClr val="tx1"/>
+            </a:solidFill>
+          </a:ln>
+        </p:spPr>
+        <p:style>
+          <a:lnRef idx="2">
+            <a:schemeClr val="accent1">
+              <a:shade val="50000"/>
+            </a:schemeClr>
+          </a:lnRef>
+          <a:fillRef idx="1">
+            <a:schemeClr val="accent1"/>
+          </a:fillRef>
+          <a:effectRef idx="0">
+            <a:schemeClr val="accent1"/>
+          </a:effectRef>
+          <a:fontRef idx="minor">
+            <a:schemeClr val="lt1"/>
+          </a:fontRef>
+        </p:style>
+        <p:txBody>
+          <a:bodyPr rtlCol="0" anchor="ctr"/>
+          <a:lstStyle/>
+          <a:p>
+            <a:pPr algn="ctr"/>
+            <a:endParaRPr lang="en-GB" dirty="0"/>
+          </a:p>
+        </p:txBody>
+      </p:sp>
+      <p:sp>
+        <p:nvSpPr>
+          <p:cNvPr id="37" name="TextBox 36"/>
+          <p:cNvSpPr txBox="1"/>
+          <p:nvPr/>
+        </p:nvSpPr>
+        <p:spPr>
+          <a:xfrm>
+            <a:off x="4566290" y="5587107"/>
+            <a:ext cx="3701409" cy="578093"/>
+          </a:xfrm>
+          <a:prstGeom prst="rect">
+            <a:avLst/>
+          </a:prstGeom>
+          <a:noFill/>
+        </p:spPr>
+        <p:txBody>
+          <a:bodyPr wrap="square" lIns="0" tIns="0" rIns="0" bIns="0" rtlCol="0">
+            <a:noAutofit/>
+          </a:bodyPr>
+          <a:lstStyle/>
+          <a:p>
+            <a:r>
+              <a:rPr lang="en-GB" dirty="0" smtClean="0">
+                <a:latin typeface="Suisse Int'l" panose="020B0504000000000000" pitchFamily="34" charset="77"/>
+              </a:rPr>
+              <a:t>H/C flight simulation</a:t>
+            </a:r>
+            <a:endParaRPr lang="en-GB" b="0" i="0" dirty="0" smtClean="0">
+              <a:latin typeface="Suisse Int'l" panose="020B0504000000000000" pitchFamily="34" charset="77"/>
+            </a:endParaRPr>
+          </a:p>
+        </p:txBody>
+      </p:sp>
+      <p:sp>
+        <p:nvSpPr>
+          <p:cNvPr id="38" name="Down Arrow 37"/>
+          <p:cNvSpPr/>
+          <p:nvPr/>
+        </p:nvSpPr>
+        <p:spPr>
+          <a:xfrm rot="16200000">
+            <a:off x="4293127" y="5622863"/>
+            <a:ext cx="145597" cy="204787"/>
+          </a:xfrm>
+          <a:prstGeom prst="downArrow">
+            <a:avLst/>
+          </a:prstGeom>
+          <a:solidFill>
+            <a:schemeClr val="tx2">
+              <a:lumMod val="60000"/>
+              <a:lumOff val="40000"/>
+            </a:schemeClr>
+          </a:solidFill>
+          <a:ln>
+            <a:solidFill>
+              <a:schemeClr val="tx1"/>
+            </a:solidFill>
+          </a:ln>
+        </p:spPr>
+        <p:style>
+          <a:lnRef idx="2">
+            <a:schemeClr val="accent1">
+              <a:shade val="50000"/>
+            </a:schemeClr>
+          </a:lnRef>
+          <a:fillRef idx="1">
+            <a:schemeClr val="accent1"/>
+          </a:fillRef>
+          <a:effectRef idx="0">
+            <a:schemeClr val="accent1"/>
+          </a:effectRef>
+          <a:fontRef idx="minor">
+            <a:schemeClr val="lt1"/>
+          </a:fontRef>
+        </p:style>
+        <p:txBody>
+          <a:bodyPr rtlCol="0" anchor="ctr"/>
+          <a:lstStyle/>
+          <a:p>
+            <a:pPr algn="ctr"/>
+            <a:endParaRPr lang="en-GB" dirty="0"/>
+          </a:p>
+        </p:txBody>
+      </p:sp>
+      <p:sp>
+        <p:nvSpPr>
+          <p:cNvPr id="39" name="TextBox 38"/>
+          <p:cNvSpPr txBox="1"/>
+          <p:nvPr/>
+        </p:nvSpPr>
+        <p:spPr>
+          <a:xfrm>
+            <a:off x="4566290" y="5922182"/>
+            <a:ext cx="3533709" cy="578093"/>
+          </a:xfrm>
+          <a:prstGeom prst="rect">
+            <a:avLst/>
+          </a:prstGeom>
+          <a:noFill/>
+        </p:spPr>
+        <p:txBody>
+          <a:bodyPr wrap="square" lIns="0" tIns="0" rIns="0" bIns="0" rtlCol="0">
+            <a:noAutofit/>
+          </a:bodyPr>
+          <a:lstStyle/>
+          <a:p>
+            <a:r>
+              <a:rPr lang="en-GB" dirty="0" smtClean="0">
+                <a:latin typeface="Suisse Int'l" panose="020B0504000000000000" pitchFamily="34" charset="77"/>
+              </a:rPr>
+              <a:t>Aircraft dynamic stability analysis</a:t>
+            </a:r>
+            <a:endParaRPr lang="en-GB" b="0" i="0" dirty="0" smtClean="0">
+              <a:latin typeface="Suisse Int'l" panose="020B0504000000000000" pitchFamily="34" charset="77"/>
+            </a:endParaRPr>
+          </a:p>
+        </p:txBody>
+      </p:sp>
+      <p:sp>
+        <p:nvSpPr>
+          <p:cNvPr id="40" name="Down Arrow 39"/>
+          <p:cNvSpPr/>
+          <p:nvPr/>
+        </p:nvSpPr>
+        <p:spPr>
+          <a:xfrm rot="16200000">
+            <a:off x="4293127" y="5957938"/>
+            <a:ext cx="145597" cy="204787"/>
+          </a:xfrm>
+          <a:prstGeom prst="downArrow">
+            <a:avLst/>
+          </a:prstGeom>
+          <a:solidFill>
+            <a:schemeClr val="tx2">
+              <a:lumMod val="60000"/>
+              <a:lumOff val="40000"/>
+            </a:schemeClr>
+          </a:solidFill>
+          <a:ln>
+            <a:solidFill>
+              <a:schemeClr val="tx1"/>
+            </a:solidFill>
+          </a:ln>
+        </p:spPr>
+        <p:style>
+          <a:lnRef idx="2">
+            <a:schemeClr val="accent1">
+              <a:shade val="50000"/>
+            </a:schemeClr>
+          </a:lnRef>
+          <a:fillRef idx="1">
+            <a:schemeClr val="accent1"/>
+          </a:fillRef>
+          <a:effectRef idx="0">
+            <a:schemeClr val="accent1"/>
+          </a:effectRef>
+          <a:fontRef idx="minor">
+            <a:schemeClr val="lt1"/>
+          </a:fontRef>
+        </p:style>
+        <p:txBody>
+          <a:bodyPr rtlCol="0" anchor="ctr"/>
+          <a:lstStyle/>
+          <a:p>
+            <a:pPr algn="ctr"/>
+            <a:endParaRPr lang="en-GB" dirty="0"/>
+          </a:p>
+        </p:txBody>
+      </p:sp>
+      <p:sp>
+        <p:nvSpPr>
+          <p:cNvPr id="41" name="Textfeld 7">
+            <a:extLst>
+              <a:ext uri="{FF2B5EF4-FFF2-40B4-BE49-F238E27FC236}">
+                <a16:creationId xmlns:a16="http://schemas.microsoft.com/office/drawing/2014/main" id="{D525950E-E2D5-44E9-99B7-25377F969FE6}"/>
+              </a:ext>
+            </a:extLst>
+          </p:cNvPr>
+          <p:cNvSpPr txBox="1"/>
+          <p:nvPr/>
+        </p:nvSpPr>
+        <p:spPr>
+          <a:xfrm>
+            <a:off x="1331321" y="1011713"/>
+            <a:ext cx="2057859" cy="402844"/>
+          </a:xfrm>
+          <a:prstGeom prst="rect">
+            <a:avLst/>
+          </a:prstGeom>
+          <a:noFill/>
+        </p:spPr>
+        <p:txBody>
+          <a:bodyPr vert="horz" wrap="square" lIns="0" tIns="0" rIns="0" bIns="0" rtlCol="0">
+            <a:noAutofit/>
+          </a:bodyPr>
+          <a:lstStyle/>
+          <a:p>
+            <a:pPr algn="l"/>
+            <a:r>
+              <a:rPr lang="en-GB" b="0" i="0" u="sng" dirty="0">
+                <a:latin typeface="Suisse Int'l" panose="020B0504000000000000" pitchFamily="34" charset="77"/>
+              </a:rPr>
+              <a:t>Dynamic </a:t>
+            </a:r>
+            <a:br>
+              <a:rPr lang="en-GB" b="0" i="0" u="sng" dirty="0">
+                <a:latin typeface="Suisse Int'l" panose="020B0504000000000000" pitchFamily="34" charset="77"/>
+              </a:rPr>
+            </a:br>
+            <a:r>
+              <a:rPr lang="en-GB" u="sng" dirty="0">
+                <a:latin typeface="Suisse Int'l" panose="020B0504000000000000" pitchFamily="34" charset="77"/>
+              </a:rPr>
+              <a:t>S</a:t>
+            </a:r>
+            <a:r>
+              <a:rPr lang="en-GB" b="0" i="0" u="sng" dirty="0">
+                <a:latin typeface="Suisse Int'l" panose="020B0504000000000000" pitchFamily="34" charset="77"/>
+              </a:rPr>
+              <a:t>imulation</a:t>
+            </a:r>
+          </a:p>
+        </p:txBody>
+      </p:sp>
+      <p:sp>
+        <p:nvSpPr>
+          <p:cNvPr id="42" name="Arc 41"/>
+          <p:cNvSpPr/>
+          <p:nvPr/>
+        </p:nvSpPr>
+        <p:spPr>
+          <a:xfrm>
+            <a:off x="748839" y="3253197"/>
+            <a:ext cx="6581902" cy="3125415"/>
+          </a:xfrm>
+          <a:prstGeom prst="arc">
+            <a:avLst>
+              <a:gd name="adj1" fmla="val 20455170"/>
+              <a:gd name="adj2" fmla="val 1122477"/>
+            </a:avLst>
+          </a:prstGeom>
+          <a:ln w="28575">
+            <a:solidFill>
+              <a:schemeClr val="tx2">
+                <a:lumMod val="75000"/>
+              </a:schemeClr>
+            </a:solidFill>
+            <a:headEnd type="arrow"/>
+            <a:tailEnd type="oval"/>
+          </a:ln>
+        </p:spPr>
+        <p:style>
+          <a:lnRef idx="1">
+            <a:schemeClr val="accent1"/>
+          </a:lnRef>
+          <a:fillRef idx="0">
+            <a:schemeClr val="accent1"/>
+          </a:fillRef>
+          <a:effectRef idx="0">
+            <a:schemeClr val="accent1"/>
+          </a:effectRef>
+          <a:fontRef idx="minor">
+            <a:schemeClr val="tx1"/>
+          </a:fontRef>
+        </p:style>
+        <p:txBody>
+          <a:bodyPr rtlCol="0" anchor="ctr"/>
+          <a:lstStyle/>
+          <a:p>
+            <a:pPr algn="ctr"/>
+            <a:endParaRPr lang="en-GB"/>
+          </a:p>
+        </p:txBody>
+      </p:sp>
+    </p:spTree>
+    <p:extLst>
+      <p:ext uri="{BB962C8B-B14F-4D97-AF65-F5344CB8AC3E}">
+        <p14:creationId xmlns:p14="http://schemas.microsoft.com/office/powerpoint/2010/main" val="3396138119"/>
       </p:ext>
     </p:extLst>
   </p:cSld>
@@ -6899,7 +9982,7 @@
 </p:sld>
 </file>
 
-<file path=ppt/slides/slide4.xml><?xml version="1.0" encoding="utf-8"?>
+<file path=ppt/slides/slide7.xml><?xml version="1.0" encoding="utf-8"?>
 <p:sld xmlns:a="http://schemas.openxmlformats.org/drawingml/2006/main" xmlns:r="http://schemas.openxmlformats.org/officeDocument/2006/relationships" xmlns:p="http://schemas.openxmlformats.org/presentationml/2006/main">
   <p:cSld>
     <p:spTree>
@@ -7041,39 +10124,6 @@
       </p:sp>
       <p:sp>
         <p:nvSpPr>
-          <p:cNvPr id="2" name="Title 1">
-            <a:extLst>
-              <a:ext uri="{FF2B5EF4-FFF2-40B4-BE49-F238E27FC236}">
-                <a16:creationId xmlns:a16="http://schemas.microsoft.com/office/drawing/2014/main" id="{AE4259FB-36D9-684C-95F0-18535CB57C6B}"/>
-              </a:ext>
-            </a:extLst>
-          </p:cNvPr>
-          <p:cNvSpPr>
-            <a:spLocks noGrp="1"/>
-          </p:cNvSpPr>
-          <p:nvPr>
-            <p:ph type="title"/>
-          </p:nvPr>
-        </p:nvSpPr>
-        <p:spPr>
-          <a:xfrm>
-            <a:off x="504000" y="392724"/>
-            <a:ext cx="6523643" cy="472431"/>
-          </a:xfrm>
-        </p:spPr>
-        <p:txBody>
-          <a:bodyPr anchor="b"/>
-          <a:lstStyle/>
-          <a:p>
-            <a:r>
-              <a:rPr lang="en-GB" dirty="0"/>
-              <a:t>Applied to simulation</a:t>
-            </a:r>
-          </a:p>
-        </p:txBody>
-      </p:sp>
-      <p:sp>
-        <p:nvSpPr>
           <p:cNvPr id="7" name="Text Placeholder 6">
             <a:extLst>
               <a:ext uri="{FF2B5EF4-FFF2-40B4-BE49-F238E27FC236}">
@@ -7126,7 +10176,7 @@
             <a:fld id="{011C9D03-AE4A-2848-9956-B167AE17B095}" type="slidenum">
               <a:rPr lang="en-GB" smtClean="0"/>
               <a:pPr/>
-              <a:t>4</a:t>
+              <a:t>7</a:t>
             </a:fld>
             <a:endParaRPr lang="en-GB" dirty="0"/>
           </a:p>
@@ -7611,14 +10661,14 @@
           </a:ln>
         </p:spPr>
         <p:txBody>
-          <a:bodyPr wrap="square" lIns="0" tIns="0" rIns="0" bIns="0" rtlCol="0">
+          <a:bodyPr wrap="square" lIns="0" tIns="0" rIns="0" bIns="0" rtlCol="0" anchor="ctr">
             <a:noAutofit/>
           </a:bodyPr>
           <a:lstStyle/>
           <a:p>
             <a:pPr algn="ctr"/>
             <a:r>
-              <a:rPr lang="en-GB" b="0" i="0" dirty="0">
+              <a:rPr lang="en-GB" sz="1600" b="0" i="0" dirty="0">
                 <a:latin typeface="Suisse Int'l" panose="020B0504000000000000" pitchFamily="34" charset="77"/>
               </a:rPr>
               <a:t>Equations of Motion</a:t>
@@ -7708,24 +10758,24 @@
           <a:p>
             <a:pPr algn="l"/>
             <a:r>
-              <a:rPr lang="en-GB" b="0" i="0" dirty="0">
+              <a:rPr lang="en-GB" b="0" i="0" u="sng" dirty="0">
                 <a:latin typeface="Suisse Int'l" panose="020B0504000000000000" pitchFamily="34" charset="77"/>
               </a:rPr>
               <a:t>Dynamic </a:t>
             </a:r>
             <a:br>
-              <a:rPr lang="en-GB" b="0" i="0" dirty="0">
+              <a:rPr lang="en-GB" b="0" i="0" u="sng" dirty="0">
                 <a:latin typeface="Suisse Int'l" panose="020B0504000000000000" pitchFamily="34" charset="77"/>
               </a:rPr>
             </a:br>
             <a:r>
-              <a:rPr lang="en-GB" dirty="0">
+              <a:rPr lang="en-GB" u="sng" dirty="0">
                 <a:latin typeface="Suisse Int'l" panose="020B0504000000000000" pitchFamily="34" charset="77"/>
               </a:rPr>
               <a:t>S</a:t>
             </a:r>
             <a:r>
-              <a:rPr lang="en-GB" b="0" i="0" dirty="0">
+              <a:rPr lang="en-GB" b="0" i="0" u="sng" dirty="0">
                 <a:latin typeface="Suisse Int'l" panose="020B0504000000000000" pitchFamily="34" charset="77"/>
               </a:rPr>
               <a:t>imulation</a:t>
@@ -7801,8 +10851,8 @@
         </p:nvSpPr>
         <p:spPr>
           <a:xfrm>
-            <a:off x="300108" y="3445803"/>
-            <a:ext cx="1314450" cy="634016"/>
+            <a:off x="258764" y="3445803"/>
+            <a:ext cx="1355794" cy="634016"/>
           </a:xfrm>
           <a:prstGeom prst="rect">
             <a:avLst/>
@@ -7841,51 +10891,96 @@
           </a:ln>
         </p:spPr>
         <p:txBody>
+          <a:bodyPr wrap="square" lIns="0" tIns="0" rIns="0" bIns="0" rtlCol="0" anchor="ctr">
+            <a:noAutofit/>
+          </a:bodyPr>
+          <a:lstStyle/>
+          <a:p>
+            <a:pPr algn="ctr"/>
+            <a:r>
+              <a:rPr lang="en-GB" sz="1600" b="0" i="0" dirty="0">
+                <a:latin typeface="Suisse Int'l" panose="020B0504000000000000" pitchFamily="34" charset="77"/>
+              </a:rPr>
+              <a:t>Aerodynamic H/C model</a:t>
+            </a:r>
+          </a:p>
+        </p:txBody>
+      </p:sp>
+      <p:sp>
+        <p:nvSpPr>
+          <p:cNvPr id="19" name="Textfeld 18">
+            <a:extLst>
+              <a:ext uri="{FF2B5EF4-FFF2-40B4-BE49-F238E27FC236}">
+                <a16:creationId xmlns:a16="http://schemas.microsoft.com/office/drawing/2014/main" id="{CED2738B-0CED-46F4-9222-48CEB3C0C272}"/>
+              </a:ext>
+            </a:extLst>
+          </p:cNvPr>
+          <p:cNvSpPr txBox="1"/>
+          <p:nvPr/>
+        </p:nvSpPr>
+        <p:spPr>
+          <a:xfrm>
+            <a:off x="1351746" y="2432869"/>
+            <a:ext cx="1123594" cy="426906"/>
+          </a:xfrm>
+          <a:prstGeom prst="rect">
+            <a:avLst/>
+          </a:prstGeom>
+          <a:noFill/>
+        </p:spPr>
+        <p:txBody>
           <a:bodyPr wrap="square" lIns="0" tIns="0" rIns="0" bIns="0" rtlCol="0">
             <a:noAutofit/>
           </a:bodyPr>
           <a:lstStyle/>
           <a:p>
-            <a:pPr algn="ctr"/>
-            <a:r>
-              <a:rPr lang="en-GB" b="0" i="0" dirty="0">
+            <a:pPr algn="l"/>
+            <a:r>
+              <a:rPr lang="en-GB" sz="1600" b="0" i="0" dirty="0">
                 <a:latin typeface="Suisse Int'l" panose="020B0504000000000000" pitchFamily="34" charset="77"/>
               </a:rPr>
-              <a:t>Aerodynamic H/C model</a:t>
-            </a:r>
-          </a:p>
-        </p:txBody>
-      </p:sp>
-      <p:cxnSp>
-        <p:nvCxnSpPr>
-          <p:cNvPr id="27" name="Straight Arrow Connector 31">
+              <a:t>Pilot </a:t>
+            </a:r>
+            <a:br>
+              <a:rPr lang="en-GB" sz="1600" b="0" i="0" dirty="0">
+                <a:latin typeface="Suisse Int'l" panose="020B0504000000000000" pitchFamily="34" charset="77"/>
+              </a:rPr>
+            </a:br>
+            <a:r>
+              <a:rPr lang="en-GB" sz="1600" b="0" i="0" dirty="0">
+                <a:latin typeface="Suisse Int'l" panose="020B0504000000000000" pitchFamily="34" charset="77"/>
+              </a:rPr>
+              <a:t>inputs</a:t>
+            </a:r>
+          </a:p>
+        </p:txBody>
+      </p:sp>
+      <p:sp>
+        <p:nvSpPr>
+          <p:cNvPr id="20" name="Geschweifte Klammer links 19">
             <a:extLst>
               <a:ext uri="{FF2B5EF4-FFF2-40B4-BE49-F238E27FC236}">
-                <a16:creationId xmlns:a16="http://schemas.microsoft.com/office/drawing/2014/main" id="{B96A8E60-4D92-40E6-9AAA-64C4DD534A6B}"/>
+                <a16:creationId xmlns:a16="http://schemas.microsoft.com/office/drawing/2014/main" id="{364D9391-A506-48B1-9BA4-7E3F0BC9021F}"/>
               </a:ext>
             </a:extLst>
           </p:cNvPr>
-          <p:cNvCxnSpPr>
-            <a:cxnSpLocks/>
-          </p:cNvCxnSpPr>
+          <p:cNvSpPr/>
           <p:nvPr/>
-        </p:nvCxnSpPr>
-        <p:spPr>
-          <a:xfrm flipH="1">
-            <a:off x="-1008743" y="3138423"/>
-            <a:ext cx="162763" cy="1036511"/>
-          </a:xfrm>
-          <a:prstGeom prst="straightConnector1">
+        </p:nvSpPr>
+        <p:spPr>
+          <a:xfrm>
+            <a:off x="1979718" y="2131619"/>
+            <a:ext cx="174229" cy="1122586"/>
+          </a:xfrm>
+          <a:prstGeom prst="leftBrace">
             <a:avLst/>
           </a:prstGeom>
-          <a:ln w="53975">
+          <a:noFill/>
+          <a:ln w="19050">
             <a:solidFill>
-              <a:schemeClr val="tx2">
-                <a:lumMod val="75000"/>
-              </a:schemeClr>
+              <a:srgbClr val="0070C0"/>
             </a:solidFill>
-            <a:headEnd type="triangle"/>
-            <a:tailEnd type="none"/>
+            <a:round/>
           </a:ln>
         </p:spPr>
         <p:style>
@@ -7902,98 +10997,6 @@
             <a:schemeClr val="tx1"/>
           </a:fontRef>
         </p:style>
-      </p:cxnSp>
-      <p:sp>
-        <p:nvSpPr>
-          <p:cNvPr id="19" name="Textfeld 18">
-            <a:extLst>
-              <a:ext uri="{FF2B5EF4-FFF2-40B4-BE49-F238E27FC236}">
-                <a16:creationId xmlns:a16="http://schemas.microsoft.com/office/drawing/2014/main" id="{CED2738B-0CED-46F4-9222-48CEB3C0C272}"/>
-              </a:ext>
-            </a:extLst>
-          </p:cNvPr>
-          <p:cNvSpPr txBox="1"/>
-          <p:nvPr/>
-        </p:nvSpPr>
-        <p:spPr>
-          <a:xfrm>
-            <a:off x="1351746" y="2432869"/>
-            <a:ext cx="1123594" cy="426906"/>
-          </a:xfrm>
-          <a:prstGeom prst="rect">
-            <a:avLst/>
-          </a:prstGeom>
-          <a:noFill/>
-        </p:spPr>
-        <p:txBody>
-          <a:bodyPr wrap="square" lIns="0" tIns="0" rIns="0" bIns="0" rtlCol="0">
-            <a:noAutofit/>
-          </a:bodyPr>
-          <a:lstStyle/>
-          <a:p>
-            <a:pPr algn="l"/>
-            <a:r>
-              <a:rPr lang="en-GB" b="0" i="0" dirty="0">
-                <a:latin typeface="Suisse Int'l" panose="020B0504000000000000" pitchFamily="34" charset="77"/>
-              </a:rPr>
-              <a:t>Pilot </a:t>
-            </a:r>
-            <a:br>
-              <a:rPr lang="en-GB" b="0" i="0" dirty="0">
-                <a:latin typeface="Suisse Int'l" panose="020B0504000000000000" pitchFamily="34" charset="77"/>
-              </a:rPr>
-            </a:br>
-            <a:r>
-              <a:rPr lang="en-GB" b="0" i="0" dirty="0">
-                <a:latin typeface="Suisse Int'l" panose="020B0504000000000000" pitchFamily="34" charset="77"/>
-              </a:rPr>
-              <a:t>inputs</a:t>
-            </a:r>
-          </a:p>
-        </p:txBody>
-      </p:sp>
-      <p:sp>
-        <p:nvSpPr>
-          <p:cNvPr id="20" name="Geschweifte Klammer links 19">
-            <a:extLst>
-              <a:ext uri="{FF2B5EF4-FFF2-40B4-BE49-F238E27FC236}">
-                <a16:creationId xmlns:a16="http://schemas.microsoft.com/office/drawing/2014/main" id="{364D9391-A506-48B1-9BA4-7E3F0BC9021F}"/>
-              </a:ext>
-            </a:extLst>
-          </p:cNvPr>
-          <p:cNvSpPr/>
-          <p:nvPr/>
-        </p:nvSpPr>
-        <p:spPr>
-          <a:xfrm>
-            <a:off x="1979718" y="2131619"/>
-            <a:ext cx="174229" cy="1122586"/>
-          </a:xfrm>
-          <a:prstGeom prst="leftBrace">
-            <a:avLst/>
-          </a:prstGeom>
-          <a:noFill/>
-          <a:ln w="19050">
-            <a:solidFill>
-              <a:srgbClr val="0070C0"/>
-            </a:solidFill>
-            <a:round/>
-          </a:ln>
-        </p:spPr>
-        <p:style>
-          <a:lnRef idx="1">
-            <a:schemeClr val="accent1"/>
-          </a:lnRef>
-          <a:fillRef idx="0">
-            <a:schemeClr val="accent1"/>
-          </a:fillRef>
-          <a:effectRef idx="0">
-            <a:schemeClr val="accent1"/>
-          </a:effectRef>
-          <a:fontRef idx="minor">
-            <a:schemeClr val="tx1"/>
-          </a:fontRef>
-        </p:style>
         <p:txBody>
           <a:bodyPr rtlCol="0" anchor="ctr"/>
           <a:lstStyle/>
@@ -8003,8 +11006,8 @@
           </a:p>
         </p:txBody>
       </p:sp>
-      <mc:AlternateContent xmlns:mc="http://schemas.openxmlformats.org/markup-compatibility/2006">
-        <mc:Choice xmlns:a14="http://schemas.microsoft.com/office/drawing/2010/main" Requires="a14">
+      <mc:AlternateContent xmlns:mc="http://schemas.openxmlformats.org/markup-compatibility/2006" xmlns:a14="http://schemas.microsoft.com/office/drawing/2010/main">
+        <mc:Choice Requires="a14">
           <p:sp>
             <p:nvSpPr>
               <p:cNvPr id="23" name="Textfeld 22">
@@ -8162,7 +11165,7 @@
             </p:txBody>
           </p:sp>
         </mc:Choice>
-        <mc:Fallback>
+        <mc:Fallback xmlns="">
           <p:sp>
             <p:nvSpPr>
               <p:cNvPr id="23" name="Textfeld 22">
@@ -8258,10 +11261,10 @@
       </p:cxnSp>
       <p:sp>
         <p:nvSpPr>
-          <p:cNvPr id="43" name="Arc 35">
+          <p:cNvPr id="44" name="Geschweifte Klammer links 43">
             <a:extLst>
               <a:ext uri="{FF2B5EF4-FFF2-40B4-BE49-F238E27FC236}">
-                <a16:creationId xmlns:a16="http://schemas.microsoft.com/office/drawing/2014/main" id="{FFFDB954-0367-4143-A2FE-552805E48F40}"/>
+                <a16:creationId xmlns:a16="http://schemas.microsoft.com/office/drawing/2014/main" id="{B4F0A06B-2BBB-4C94-9523-9D9EF580A4BD}"/>
               </a:ext>
             </a:extLst>
           </p:cNvPr>
@@ -8269,22 +11272,19 @@
           <p:nvPr/>
         </p:nvSpPr>
         <p:spPr>
-          <a:xfrm flipH="1" flipV="1">
-            <a:off x="1822536" y="3242897"/>
-            <a:ext cx="1235474" cy="1375020"/>
-          </a:xfrm>
-          <a:prstGeom prst="arc">
-            <a:avLst>
-              <a:gd name="adj1" fmla="val 17138180"/>
-              <a:gd name="adj2" fmla="val 1000828"/>
-            </a:avLst>
+          <a:xfrm rot="5400000">
+            <a:off x="1791301" y="4061107"/>
+            <a:ext cx="204951" cy="633803"/>
+          </a:xfrm>
+          <a:prstGeom prst="leftBrace">
+            <a:avLst/>
           </a:prstGeom>
-          <a:ln w="28575">
+          <a:noFill/>
+          <a:ln w="19050">
             <a:solidFill>
               <a:srgbClr val="0070C0"/>
             </a:solidFill>
-            <a:headEnd type="arrow"/>
-            <a:tailEnd type="oval"/>
+            <a:round/>
           </a:ln>
         </p:spPr>
         <p:style>
@@ -8310,59 +11310,8 @@
           </a:p>
         </p:txBody>
       </p:sp>
-      <p:sp>
-        <p:nvSpPr>
-          <p:cNvPr id="44" name="Geschweifte Klammer links 43">
-            <a:extLst>
-              <a:ext uri="{FF2B5EF4-FFF2-40B4-BE49-F238E27FC236}">
-                <a16:creationId xmlns:a16="http://schemas.microsoft.com/office/drawing/2014/main" id="{B4F0A06B-2BBB-4C94-9523-9D9EF580A4BD}"/>
-              </a:ext>
-            </a:extLst>
-          </p:cNvPr>
-          <p:cNvSpPr/>
-          <p:nvPr/>
-        </p:nvSpPr>
-        <p:spPr>
-          <a:xfrm>
-            <a:off x="2326249" y="4288040"/>
-            <a:ext cx="137610" cy="655714"/>
-          </a:xfrm>
-          <a:prstGeom prst="leftBrace">
-            <a:avLst/>
-          </a:prstGeom>
-          <a:noFill/>
-          <a:ln w="19050">
-            <a:solidFill>
-              <a:srgbClr val="0070C0"/>
-            </a:solidFill>
-            <a:round/>
-          </a:ln>
-        </p:spPr>
-        <p:style>
-          <a:lnRef idx="1">
-            <a:schemeClr val="accent1"/>
-          </a:lnRef>
-          <a:fillRef idx="0">
-            <a:schemeClr val="accent1"/>
-          </a:fillRef>
-          <a:effectRef idx="0">
-            <a:schemeClr val="accent1"/>
-          </a:effectRef>
-          <a:fontRef idx="minor">
-            <a:schemeClr val="tx1"/>
-          </a:fontRef>
-        </p:style>
-        <p:txBody>
-          <a:bodyPr rtlCol="0" anchor="ctr"/>
-          <a:lstStyle/>
-          <a:p>
-            <a:pPr algn="ctr"/>
-            <a:endParaRPr lang="en-GB"/>
-          </a:p>
-        </p:txBody>
-      </p:sp>
-      <mc:AlternateContent xmlns:mc="http://schemas.openxmlformats.org/markup-compatibility/2006">
-        <mc:Choice xmlns:a14="http://schemas.microsoft.com/office/drawing/2010/main" Requires="a14">
+      <mc:AlternateContent xmlns:mc="http://schemas.openxmlformats.org/markup-compatibility/2006" xmlns:a14="http://schemas.microsoft.com/office/drawing/2010/main">
+        <mc:Choice Requires="a14">
           <p:sp>
             <p:nvSpPr>
               <p:cNvPr id="45" name="Textfeld 44">
@@ -8377,8 +11326,8 @@
             </p:nvSpPr>
             <p:spPr>
               <a:xfrm>
-                <a:off x="2420277" y="4342906"/>
-                <a:ext cx="914400" cy="600848"/>
+                <a:off x="420976" y="4496257"/>
+                <a:ext cx="1846977" cy="600848"/>
               </a:xfrm>
               <a:prstGeom prst="rect">
                 <a:avLst/>
@@ -8391,91 +11340,115 @@
               </a:bodyPr>
               <a:lstStyle/>
               <a:p>
-                <a:pPr algn="l"/>
+                <a:pPr algn="r"/>
+                <a:r>
+                  <a:rPr lang="en-US" b="0" dirty="0" smtClean="0"/>
+                  <a:t>Forces: </a:t>
+                </a:r>
                 <a14:m>
-                  <m:oMathPara xmlns:m="http://schemas.openxmlformats.org/officeDocument/2006/math">
-                    <m:oMathParaPr>
-                      <m:jc m:val="centerGroup"/>
-                    </m:oMathParaPr>
-                    <m:oMath xmlns:m="http://schemas.openxmlformats.org/officeDocument/2006/math">
-                      <m:r>
-                        <a:rPr lang="es-ES" b="0" i="1" smtClean="0">
-                          <a:latin typeface="Cambria Math" panose="02040503050406030204" pitchFamily="18" charset="0"/>
-                        </a:rPr>
-                        <m:t>𝑋</m:t>
-                      </m:r>
-                      <m:r>
-                        <a:rPr lang="es-ES" b="0" i="1" smtClean="0">
-                          <a:latin typeface="Cambria Math" panose="02040503050406030204" pitchFamily="18" charset="0"/>
-                        </a:rPr>
-                        <m:t>,</m:t>
-                      </m:r>
-                      <m:r>
-                        <a:rPr lang="es-ES" b="0" i="1" smtClean="0">
-                          <a:latin typeface="Cambria Math" panose="02040503050406030204" pitchFamily="18" charset="0"/>
-                        </a:rPr>
-                        <m:t>𝑌</m:t>
-                      </m:r>
-                      <m:r>
-                        <a:rPr lang="es-ES" b="0" i="1" smtClean="0">
-                          <a:latin typeface="Cambria Math" panose="02040503050406030204" pitchFamily="18" charset="0"/>
-                        </a:rPr>
-                        <m:t>,</m:t>
-                      </m:r>
-                      <m:r>
-                        <a:rPr lang="es-ES" b="0" i="1" smtClean="0">
-                          <a:latin typeface="Cambria Math" panose="02040503050406030204" pitchFamily="18" charset="0"/>
-                        </a:rPr>
-                        <m:t>𝑍</m:t>
-                      </m:r>
-                    </m:oMath>
-                    <m:oMath xmlns:m="http://schemas.openxmlformats.org/officeDocument/2006/math">
-                      <m:r>
-                        <a:rPr lang="es-ES" b="0" i="1" smtClean="0">
-                          <a:latin typeface="Cambria Math" panose="02040503050406030204" pitchFamily="18" charset="0"/>
-                        </a:rPr>
-                        <m:t>𝐿</m:t>
-                      </m:r>
-                      <m:r>
-                        <a:rPr lang="es-ES" b="0" i="1" smtClean="0">
-                          <a:latin typeface="Cambria Math" panose="02040503050406030204" pitchFamily="18" charset="0"/>
-                        </a:rPr>
-                        <m:t>,</m:t>
-                      </m:r>
-                      <m:r>
-                        <a:rPr lang="es-ES" b="0" i="1" smtClean="0">
-                          <a:latin typeface="Cambria Math" panose="02040503050406030204" pitchFamily="18" charset="0"/>
-                        </a:rPr>
-                        <m:t>𝑀</m:t>
-                      </m:r>
-                      <m:r>
-                        <a:rPr lang="es-ES" b="0" i="1" smtClean="0">
-                          <a:latin typeface="Cambria Math" panose="02040503050406030204" pitchFamily="18" charset="0"/>
-                        </a:rPr>
-                        <m:t>,</m:t>
-                      </m:r>
-                      <m:r>
-                        <a:rPr lang="es-ES" b="0" i="1" smtClean="0">
-                          <a:latin typeface="Cambria Math" panose="02040503050406030204" pitchFamily="18" charset="0"/>
-                        </a:rPr>
-                        <m:t>𝑁</m:t>
-                      </m:r>
-                    </m:oMath>
-                  </m:oMathPara>
+                  <m:oMath xmlns:m="http://schemas.openxmlformats.org/officeDocument/2006/math">
+                    <m:r>
+                      <a:rPr lang="en-US" b="0" i="1" smtClean="0">
+                        <a:latin typeface="Cambria Math" panose="02040503050406030204" pitchFamily="18" charset="0"/>
+                      </a:rPr>
+                      <m:t>𝑋</m:t>
+                    </m:r>
+                    <m:r>
+                      <a:rPr lang="en-US" b="0" i="1" smtClean="0">
+                        <a:latin typeface="Cambria Math" panose="02040503050406030204" pitchFamily="18" charset="0"/>
+                      </a:rPr>
+                      <m:t>,</m:t>
+                    </m:r>
+                    <m:r>
+                      <a:rPr lang="en-US" b="0" i="1" smtClean="0">
+                        <a:latin typeface="Cambria Math" panose="02040503050406030204" pitchFamily="18" charset="0"/>
+                      </a:rPr>
+                      <m:t>𝑌</m:t>
+                    </m:r>
+                    <m:r>
+                      <a:rPr lang="en-US" b="0" i="1" smtClean="0">
+                        <a:latin typeface="Cambria Math" panose="02040503050406030204" pitchFamily="18" charset="0"/>
+                      </a:rPr>
+                      <m:t>,</m:t>
+                    </m:r>
+                    <m:r>
+                      <a:rPr lang="en-US" b="0" i="1" smtClean="0">
+                        <a:latin typeface="Cambria Math" panose="02040503050406030204" pitchFamily="18" charset="0"/>
+                      </a:rPr>
+                      <m:t>𝑍</m:t>
+                    </m:r>
+                  </m:oMath>
                 </a14:m>
+                <a:r>
+                  <a:rPr lang="en-US" b="0" i="1" dirty="0" smtClean="0">
+                    <a:latin typeface="Cambria Math" panose="02040503050406030204" pitchFamily="18" charset="0"/>
+                  </a:rPr>
+                  <a:t/>
+                </a:r>
                 <a:br>
-                  <a:rPr lang="es-ES" b="0" i="0" dirty="0">
+                  <a:rPr lang="en-US" b="0" i="1" dirty="0" smtClean="0">
+                    <a:latin typeface="Cambria Math" panose="02040503050406030204" pitchFamily="18" charset="0"/>
+                  </a:rPr>
+                </a:br>
+                <a:r>
+                  <a:rPr lang="en-US" b="0" dirty="0" smtClean="0">
+                    <a:latin typeface="Cambria Math" panose="02040503050406030204" pitchFamily="18" charset="0"/>
+                  </a:rPr>
+                  <a:t>Moments: </a:t>
+                </a:r>
+                <a14:m>
+                  <m:oMath xmlns:m="http://schemas.openxmlformats.org/officeDocument/2006/math">
+                    <m:r>
+                      <a:rPr lang="en-US" b="0" i="1" smtClean="0">
+                        <a:latin typeface="Cambria Math" panose="02040503050406030204" pitchFamily="18" charset="0"/>
+                      </a:rPr>
+                      <m:t>𝐿</m:t>
+                    </m:r>
+                    <m:r>
+                      <a:rPr lang="en-US" b="0" i="1" smtClean="0">
+                        <a:latin typeface="Cambria Math" panose="02040503050406030204" pitchFamily="18" charset="0"/>
+                      </a:rPr>
+                      <m:t>,</m:t>
+                    </m:r>
+                    <m:r>
+                      <a:rPr lang="en-US" b="0" i="1" smtClean="0">
+                        <a:latin typeface="Cambria Math" panose="02040503050406030204" pitchFamily="18" charset="0"/>
+                      </a:rPr>
+                      <m:t>𝑀</m:t>
+                    </m:r>
+                    <m:r>
+                      <a:rPr lang="en-US" b="0" i="1" smtClean="0">
+                        <a:latin typeface="Cambria Math" panose="02040503050406030204" pitchFamily="18" charset="0"/>
+                      </a:rPr>
+                      <m:t>,</m:t>
+                    </m:r>
+                    <m:r>
+                      <a:rPr lang="en-US" b="0" i="1" smtClean="0">
+                        <a:latin typeface="Cambria Math" panose="02040503050406030204" pitchFamily="18" charset="0"/>
+                      </a:rPr>
+                      <m:t>𝑁</m:t>
+                    </m:r>
+                  </m:oMath>
+                </a14:m>
+                <a:r>
+                  <a:rPr lang="en-US" b="0" i="0" dirty="0">
+                    <a:latin typeface="Suisse Int'l" panose="020B0504000000000000" pitchFamily="34" charset="77"/>
+                  </a:rPr>
+                  <a:t/>
+                </a:r>
+                <a:br>
+                  <a:rPr lang="en-US" b="0" i="0" dirty="0">
                     <a:latin typeface="Suisse Int'l" panose="020B0504000000000000" pitchFamily="34" charset="77"/>
                   </a:rPr>
                 </a:br>
-                <a:endParaRPr lang="es-ES" b="0" i="0" dirty="0">
+                <a:endParaRPr lang="en-US" b="0" i="0" dirty="0">
                   <a:latin typeface="Suisse Int'l" panose="020B0504000000000000" pitchFamily="34" charset="77"/>
                 </a:endParaRPr>
               </a:p>
             </p:txBody>
           </p:sp>
         </mc:Choice>
-        <mc:Fallback>
+        <mc:Fallback xmlns="">
           <p:sp>
             <p:nvSpPr>
               <p:cNvPr id="45" name="Textfeld 44">
@@ -8492,8 +11465,8 @@
             </p:nvSpPr>
             <p:spPr>
               <a:xfrm>
-                <a:off x="2420277" y="4342906"/>
-                <a:ext cx="914400" cy="600848"/>
+                <a:off x="420976" y="4496257"/>
+                <a:ext cx="1846977" cy="600848"/>
               </a:xfrm>
               <a:prstGeom prst="rect">
                 <a:avLst/>
@@ -8501,7 +11474,7 @@
               <a:blipFill>
                 <a:blip r:embed="rId5"/>
                 <a:stretch>
-                  <a:fillRect/>
+                  <a:fillRect t="-13265" r="-4620" b="-14286"/>
                 </a:stretch>
               </a:blipFill>
             </p:spPr>
@@ -8660,6 +11633,98 @@
             </a:solidFill>
             <a:headEnd type="triangle"/>
             <a:tailEnd type="none"/>
+          </a:ln>
+        </p:spPr>
+        <p:style>
+          <a:lnRef idx="1">
+            <a:schemeClr val="accent1"/>
+          </a:lnRef>
+          <a:fillRef idx="0">
+            <a:schemeClr val="accent1"/>
+          </a:fillRef>
+          <a:effectRef idx="0">
+            <a:schemeClr val="accent1"/>
+          </a:effectRef>
+          <a:fontRef idx="minor">
+            <a:schemeClr val="tx1"/>
+          </a:fontRef>
+        </p:style>
+      </p:cxnSp>
+      <p:sp>
+        <p:nvSpPr>
+          <p:cNvPr id="48" name="Title 1">
+            <a:extLst>
+              <a:ext uri="{FF2B5EF4-FFF2-40B4-BE49-F238E27FC236}">
+                <a16:creationId xmlns:a16="http://schemas.microsoft.com/office/drawing/2014/main" id="{AE4259FB-36D9-684C-95F0-18535CB57C6B}"/>
+              </a:ext>
+            </a:extLst>
+          </p:cNvPr>
+          <p:cNvSpPr txBox="1">
+            <a:spLocks/>
+          </p:cNvSpPr>
+          <p:nvPr/>
+        </p:nvSpPr>
+        <p:spPr>
+          <a:xfrm>
+            <a:off x="504000" y="392724"/>
+            <a:ext cx="6523643" cy="472431"/>
+          </a:xfrm>
+          <a:prstGeom prst="rect">
+            <a:avLst/>
+          </a:prstGeom>
+        </p:spPr>
+        <p:txBody>
+          <a:bodyPr vert="horz" lIns="0" tIns="0" rIns="0" bIns="0" rtlCol="0" anchor="b">
+            <a:noAutofit/>
+          </a:bodyPr>
+          <a:lstStyle>
+            <a:lvl1pPr algn="l" defTabSz="914400" rtl="0" eaLnBrk="1" latinLnBrk="0" hangingPunct="1">
+              <a:lnSpc>
+                <a:spcPts val="2400"/>
+              </a:lnSpc>
+              <a:spcBef>
+                <a:spcPct val="0"/>
+              </a:spcBef>
+              <a:buNone/>
+              <a:defRPr sz="2000" b="1" i="0" kern="1200">
+                <a:solidFill>
+                  <a:schemeClr val="tx1"/>
+                </a:solidFill>
+                <a:latin typeface="Arial"/>
+                <a:ea typeface="+mj-ea"/>
+                <a:cs typeface="Arial"/>
+              </a:defRPr>
+            </a:lvl1pPr>
+          </a:lstStyle>
+          <a:p>
+            <a:r>
+              <a:rPr lang="en-GB" smtClean="0"/>
+              <a:t>Aircraft Simulation – Current Kopter approach</a:t>
+            </a:r>
+            <a:endParaRPr lang="en-GB" dirty="0"/>
+          </a:p>
+        </p:txBody>
+      </p:sp>
+      <p:cxnSp>
+        <p:nvCxnSpPr>
+          <p:cNvPr id="12" name="Straight Arrow Connector 11"/>
+          <p:cNvCxnSpPr/>
+          <p:nvPr/>
+        </p:nvCxnSpPr>
+        <p:spPr>
+          <a:xfrm flipV="1">
+            <a:off x="1893777" y="3776168"/>
+            <a:ext cx="0" cy="440361"/>
+          </a:xfrm>
+          <a:prstGeom prst="straightConnector1">
+            <a:avLst/>
+          </a:prstGeom>
+          <a:ln w="28575">
+            <a:solidFill>
+              <a:srgbClr val="0070C0"/>
+            </a:solidFill>
+            <a:headEnd type="arrow"/>
+            <a:tailEnd type="oval"/>
           </a:ln>
         </p:spPr>
         <p:style>
@@ -8690,7 +11755,7 @@
 </p:sld>
 </file>
 
-<file path=ppt/slides/slide5.xml><?xml version="1.0" encoding="utf-8"?>
+<file path=ppt/slides/slide8.xml><?xml version="1.0" encoding="utf-8"?>
 <p:sld xmlns:a="http://schemas.openxmlformats.org/drawingml/2006/main" xmlns:r="http://schemas.openxmlformats.org/officeDocument/2006/relationships" xmlns:p="http://schemas.openxmlformats.org/presentationml/2006/main">
   <p:cSld>
     <p:spTree>
@@ -8734,9 +11799,14 @@
           <a:lstStyle/>
           <a:p>
             <a:r>
-              <a:rPr lang="en-GB" dirty="0"/>
-              <a:t>How does it work?</a:t>
-            </a:r>
+              <a:rPr lang="en-GB" dirty="0" smtClean="0"/>
+              <a:t>System ID R/C Model vs </a:t>
+            </a:r>
+            <a:r>
+              <a:rPr lang="en-GB" dirty="0" err="1" smtClean="0"/>
+              <a:t>FlightLab</a:t>
+            </a:r>
+            <a:endParaRPr lang="en-GB" dirty="0"/>
           </a:p>
         </p:txBody>
       </p:sp>
@@ -8794,7 +11864,924 @@
             <a:fld id="{011C9D03-AE4A-2848-9956-B167AE17B095}" type="slidenum">
               <a:rPr lang="en-GB" smtClean="0"/>
               <a:pPr/>
-              <a:t>5</a:t>
+              <a:t>8</a:t>
+            </a:fld>
+            <a:endParaRPr lang="en-GB" dirty="0"/>
+          </a:p>
+        </p:txBody>
+      </p:sp>
+      <p:sp>
+        <p:nvSpPr>
+          <p:cNvPr id="5" name="Date Placeholder 4"/>
+          <p:cNvSpPr>
+            <a:spLocks noGrp="1"/>
+          </p:cNvSpPr>
+          <p:nvPr>
+            <p:ph type="dt" sz="half" idx="10"/>
+          </p:nvPr>
+        </p:nvSpPr>
+        <p:spPr/>
+        <p:txBody>
+          <a:bodyPr/>
+          <a:lstStyle/>
+          <a:p>
+            <a:fld id="{16C1D5B0-5220-44BF-BD99-44FE20BE1773}" type="datetime5">
+              <a:rPr lang="en-US" smtClean="0"/>
+              <a:t>23-Feb-18</a:t>
+            </a:fld>
+            <a:endParaRPr lang="en-GB" dirty="0"/>
+          </a:p>
+        </p:txBody>
+      </p:sp>
+      <p:sp>
+        <p:nvSpPr>
+          <p:cNvPr id="9" name="Rectangle 8"/>
+          <p:cNvSpPr/>
+          <p:nvPr/>
+        </p:nvSpPr>
+        <p:spPr>
+          <a:xfrm>
+            <a:off x="571455" y="1276349"/>
+            <a:ext cx="3810045" cy="4924425"/>
+          </a:xfrm>
+          <a:prstGeom prst="rect">
+            <a:avLst/>
+          </a:prstGeom>
+          <a:solidFill>
+            <a:schemeClr val="tx2">
+              <a:lumMod val="20000"/>
+              <a:lumOff val="80000"/>
+            </a:schemeClr>
+          </a:solidFill>
+          <a:ln>
+            <a:noFill/>
+          </a:ln>
+        </p:spPr>
+        <p:style>
+          <a:lnRef idx="2">
+            <a:schemeClr val="accent1">
+              <a:shade val="50000"/>
+            </a:schemeClr>
+          </a:lnRef>
+          <a:fillRef idx="1">
+            <a:schemeClr val="accent1"/>
+          </a:fillRef>
+          <a:effectRef idx="0">
+            <a:schemeClr val="accent1"/>
+          </a:effectRef>
+          <a:fontRef idx="minor">
+            <a:schemeClr val="lt1"/>
+          </a:fontRef>
+        </p:style>
+        <p:txBody>
+          <a:bodyPr rtlCol="0" anchor="ctr"/>
+          <a:lstStyle/>
+          <a:p>
+            <a:pPr algn="ctr"/>
+            <a:endParaRPr lang="en-GB"/>
+          </a:p>
+        </p:txBody>
+      </p:sp>
+      <p:sp>
+        <p:nvSpPr>
+          <p:cNvPr id="10" name="Rectangle 9"/>
+          <p:cNvSpPr/>
+          <p:nvPr/>
+        </p:nvSpPr>
+        <p:spPr>
+          <a:xfrm>
+            <a:off x="4718100" y="1276350"/>
+            <a:ext cx="3842172" cy="4924424"/>
+          </a:xfrm>
+          <a:prstGeom prst="rect">
+            <a:avLst/>
+          </a:prstGeom>
+          <a:solidFill>
+            <a:schemeClr val="bg2">
+              <a:lumMod val="40000"/>
+              <a:lumOff val="60000"/>
+            </a:schemeClr>
+          </a:solidFill>
+          <a:ln>
+            <a:noFill/>
+          </a:ln>
+        </p:spPr>
+        <p:style>
+          <a:lnRef idx="2">
+            <a:schemeClr val="accent1">
+              <a:shade val="50000"/>
+            </a:schemeClr>
+          </a:lnRef>
+          <a:fillRef idx="1">
+            <a:schemeClr val="accent1"/>
+          </a:fillRef>
+          <a:effectRef idx="0">
+            <a:schemeClr val="accent1"/>
+          </a:effectRef>
+          <a:fontRef idx="minor">
+            <a:schemeClr val="lt1"/>
+          </a:fontRef>
+        </p:style>
+        <p:txBody>
+          <a:bodyPr rtlCol="0" anchor="ctr"/>
+          <a:lstStyle/>
+          <a:p>
+            <a:pPr algn="ctr"/>
+            <a:endParaRPr lang="en-GB"/>
+          </a:p>
+        </p:txBody>
+      </p:sp>
+      <p:sp>
+        <p:nvSpPr>
+          <p:cNvPr id="11" name="Rectangle 10"/>
+          <p:cNvSpPr/>
+          <p:nvPr/>
+        </p:nvSpPr>
+        <p:spPr>
+          <a:xfrm>
+            <a:off x="802134" y="1787676"/>
+            <a:ext cx="3236466" cy="2308324"/>
+          </a:xfrm>
+          <a:prstGeom prst="rect">
+            <a:avLst/>
+          </a:prstGeom>
+        </p:spPr>
+        <p:txBody>
+          <a:bodyPr wrap="square">
+            <a:spAutoFit/>
+          </a:bodyPr>
+          <a:lstStyle/>
+          <a:p>
+            <a:r>
+              <a:rPr lang="en-GB" u="sng" dirty="0" smtClean="0"/>
+              <a:t>Advantages</a:t>
+            </a:r>
+            <a:r>
+              <a:rPr lang="en-GB" dirty="0" smtClean="0"/>
+              <a:t>:</a:t>
+            </a:r>
+            <a:endParaRPr lang="en-GB" dirty="0"/>
+          </a:p>
+          <a:p>
+            <a:pPr marL="285750" indent="-285750">
+              <a:buFont typeface="Arial" panose="020B0604020202020204" pitchFamily="34" charset="0"/>
+              <a:buChar char="•"/>
+            </a:pPr>
+            <a:r>
+              <a:rPr lang="en-GB" dirty="0" smtClean="0"/>
+              <a:t>High accuracy</a:t>
+            </a:r>
+          </a:p>
+          <a:p>
+            <a:pPr marL="285750" indent="-285750">
+              <a:buFont typeface="Arial" panose="020B0604020202020204" pitchFamily="34" charset="0"/>
+              <a:buChar char="•"/>
+            </a:pPr>
+            <a:r>
+              <a:rPr lang="en-GB" dirty="0" smtClean="0"/>
+              <a:t>Validation -&gt; </a:t>
+            </a:r>
+            <a:r>
+              <a:rPr lang="en-GB" u="sng" dirty="0" smtClean="0"/>
+              <a:t>instantaneous</a:t>
+            </a:r>
+          </a:p>
+          <a:p>
+            <a:pPr marL="285750" indent="-285750">
+              <a:buFont typeface="Arial" panose="020B0604020202020204" pitchFamily="34" charset="0"/>
+              <a:buChar char="•"/>
+            </a:pPr>
+            <a:r>
+              <a:rPr lang="en-GB" dirty="0" smtClean="0"/>
+              <a:t>Non-linear flight dynamics</a:t>
+            </a:r>
+          </a:p>
+          <a:p>
+            <a:endParaRPr lang="en-GB" dirty="0"/>
+          </a:p>
+          <a:p>
+            <a:r>
+              <a:rPr lang="en-GB" u="sng" dirty="0" smtClean="0"/>
+              <a:t>Drawbacks</a:t>
+            </a:r>
+            <a:r>
+              <a:rPr lang="en-GB" dirty="0" smtClean="0"/>
+              <a:t>:</a:t>
+            </a:r>
+          </a:p>
+          <a:p>
+            <a:pPr marL="285750" indent="-285750">
+              <a:buFont typeface="Arial" panose="020B0604020202020204" pitchFamily="34" charset="0"/>
+              <a:buChar char="•"/>
+            </a:pPr>
+            <a:r>
+              <a:rPr lang="en-GB" dirty="0" smtClean="0"/>
+              <a:t>Depend on flight test data availability</a:t>
+            </a:r>
+          </a:p>
+        </p:txBody>
+      </p:sp>
+      <p:sp>
+        <p:nvSpPr>
+          <p:cNvPr id="12" name="Rectangle 11"/>
+          <p:cNvSpPr/>
+          <p:nvPr/>
+        </p:nvSpPr>
+        <p:spPr>
+          <a:xfrm>
+            <a:off x="4939467" y="1794177"/>
+            <a:ext cx="3236466" cy="2308324"/>
+          </a:xfrm>
+          <a:prstGeom prst="rect">
+            <a:avLst/>
+          </a:prstGeom>
+        </p:spPr>
+        <p:txBody>
+          <a:bodyPr wrap="square">
+            <a:spAutoFit/>
+          </a:bodyPr>
+          <a:lstStyle/>
+          <a:p>
+            <a:r>
+              <a:rPr lang="en-GB" u="sng" dirty="0" smtClean="0"/>
+              <a:t>Advantages</a:t>
+            </a:r>
+            <a:r>
+              <a:rPr lang="en-GB" dirty="0" smtClean="0"/>
+              <a:t>:</a:t>
+            </a:r>
+            <a:endParaRPr lang="en-GB" dirty="0"/>
+          </a:p>
+          <a:p>
+            <a:pPr marL="285750" indent="-285750">
+              <a:buFont typeface="Arial" panose="020B0604020202020204" pitchFamily="34" charset="0"/>
+              <a:buChar char="•"/>
+            </a:pPr>
+            <a:r>
+              <a:rPr lang="en-GB" dirty="0" smtClean="0"/>
+              <a:t>Not dependency on flight test data</a:t>
+            </a:r>
+            <a:endParaRPr lang="en-GB" u="sng" dirty="0"/>
+          </a:p>
+          <a:p>
+            <a:endParaRPr lang="en-GB" dirty="0"/>
+          </a:p>
+          <a:p>
+            <a:r>
+              <a:rPr lang="en-GB" u="sng" dirty="0"/>
+              <a:t>Drawbacks</a:t>
+            </a:r>
+            <a:r>
+              <a:rPr lang="en-GB" dirty="0" smtClean="0"/>
+              <a:t>:</a:t>
+            </a:r>
+            <a:endParaRPr lang="en-GB" dirty="0"/>
+          </a:p>
+          <a:p>
+            <a:pPr marL="285750" indent="-285750">
+              <a:buFont typeface="Arial" panose="020B0604020202020204" pitchFamily="34" charset="0"/>
+              <a:buChar char="•"/>
+            </a:pPr>
+            <a:r>
+              <a:rPr lang="en-GB" dirty="0" smtClean="0"/>
+              <a:t>Validation -&gt; </a:t>
+            </a:r>
+            <a:r>
+              <a:rPr lang="en-GB" u="sng" dirty="0" smtClean="0"/>
+              <a:t>complicated</a:t>
+            </a:r>
+          </a:p>
+          <a:p>
+            <a:pPr marL="285750" indent="-285750">
+              <a:buFont typeface="Arial" panose="020B0604020202020204" pitchFamily="34" charset="0"/>
+              <a:buChar char="•"/>
+            </a:pPr>
+            <a:r>
+              <a:rPr lang="en-GB" dirty="0" smtClean="0"/>
+              <a:t>Only linear flight dynamics</a:t>
+            </a:r>
+          </a:p>
+          <a:p>
+            <a:pPr marL="285750" indent="-285750">
+              <a:buFont typeface="Arial" panose="020B0604020202020204" pitchFamily="34" charset="0"/>
+              <a:buChar char="•"/>
+            </a:pPr>
+            <a:endParaRPr lang="en-GB" dirty="0" smtClean="0"/>
+          </a:p>
+        </p:txBody>
+      </p:sp>
+      <p:sp>
+        <p:nvSpPr>
+          <p:cNvPr id="6" name="Rectangle 5"/>
+          <p:cNvSpPr/>
+          <p:nvPr/>
+        </p:nvSpPr>
+        <p:spPr>
+          <a:xfrm>
+            <a:off x="5578749" y="1346907"/>
+            <a:ext cx="2126993" cy="369332"/>
+          </a:xfrm>
+          <a:prstGeom prst="rect">
+            <a:avLst/>
+          </a:prstGeom>
+        </p:spPr>
+        <p:txBody>
+          <a:bodyPr wrap="none">
+            <a:spAutoFit/>
+          </a:bodyPr>
+          <a:lstStyle/>
+          <a:p>
+            <a:r>
+              <a:rPr lang="en-GB" b="1" dirty="0" err="1" smtClean="0"/>
+              <a:t>FlightLab</a:t>
+            </a:r>
+            <a:r>
+              <a:rPr lang="en-GB" b="1" dirty="0" smtClean="0"/>
+              <a:t> H/C model</a:t>
+            </a:r>
+            <a:endParaRPr lang="en-GB" b="1" dirty="0"/>
+          </a:p>
+        </p:txBody>
+      </p:sp>
+      <p:sp>
+        <p:nvSpPr>
+          <p:cNvPr id="13" name="Rectangle 12"/>
+          <p:cNvSpPr/>
+          <p:nvPr/>
+        </p:nvSpPr>
+        <p:spPr>
+          <a:xfrm>
+            <a:off x="1066685" y="1353347"/>
+            <a:ext cx="2722092" cy="369332"/>
+          </a:xfrm>
+          <a:prstGeom prst="rect">
+            <a:avLst/>
+          </a:prstGeom>
+        </p:spPr>
+        <p:txBody>
+          <a:bodyPr wrap="none">
+            <a:spAutoFit/>
+          </a:bodyPr>
+          <a:lstStyle/>
+          <a:p>
+            <a:pPr algn="ctr"/>
+            <a:r>
+              <a:rPr lang="en-GB" b="1" dirty="0" smtClean="0"/>
+              <a:t>H/C model from System ID</a:t>
+            </a:r>
+            <a:endParaRPr lang="en-GB" b="1" dirty="0"/>
+          </a:p>
+        </p:txBody>
+      </p:sp>
+      <p:sp>
+        <p:nvSpPr>
+          <p:cNvPr id="14" name="Down Arrow 13"/>
+          <p:cNvSpPr/>
+          <p:nvPr/>
+        </p:nvSpPr>
+        <p:spPr>
+          <a:xfrm>
+            <a:off x="6377823" y="3919289"/>
+            <a:ext cx="281896" cy="484648"/>
+          </a:xfrm>
+          <a:prstGeom prst="downArrow">
+            <a:avLst/>
+          </a:prstGeom>
+          <a:solidFill>
+            <a:schemeClr val="tx2">
+              <a:lumMod val="60000"/>
+              <a:lumOff val="40000"/>
+            </a:schemeClr>
+          </a:solidFill>
+          <a:ln>
+            <a:solidFill>
+              <a:schemeClr val="tx1"/>
+            </a:solidFill>
+          </a:ln>
+        </p:spPr>
+        <p:style>
+          <a:lnRef idx="2">
+            <a:schemeClr val="accent1">
+              <a:shade val="50000"/>
+            </a:schemeClr>
+          </a:lnRef>
+          <a:fillRef idx="1">
+            <a:schemeClr val="accent1"/>
+          </a:fillRef>
+          <a:effectRef idx="0">
+            <a:schemeClr val="accent1"/>
+          </a:effectRef>
+          <a:fontRef idx="minor">
+            <a:schemeClr val="lt1"/>
+          </a:fontRef>
+        </p:style>
+        <p:txBody>
+          <a:bodyPr rtlCol="0" anchor="ctr"/>
+          <a:lstStyle/>
+          <a:p>
+            <a:pPr algn="ctr"/>
+            <a:endParaRPr lang="en-GB" dirty="0"/>
+          </a:p>
+        </p:txBody>
+      </p:sp>
+      <p:sp>
+        <p:nvSpPr>
+          <p:cNvPr id="15" name="Rectangle 14"/>
+          <p:cNvSpPr/>
+          <p:nvPr/>
+        </p:nvSpPr>
+        <p:spPr>
+          <a:xfrm>
+            <a:off x="5219554" y="4361155"/>
+            <a:ext cx="3236466" cy="400110"/>
+          </a:xfrm>
+          <a:prstGeom prst="rect">
+            <a:avLst/>
+          </a:prstGeom>
+        </p:spPr>
+        <p:txBody>
+          <a:bodyPr wrap="square">
+            <a:spAutoFit/>
+          </a:bodyPr>
+          <a:lstStyle/>
+          <a:p>
+            <a:r>
+              <a:rPr lang="en-GB" sz="2000" dirty="0" smtClean="0"/>
+              <a:t>Best use: Loads prediction</a:t>
+            </a:r>
+          </a:p>
+        </p:txBody>
+      </p:sp>
+      <p:sp>
+        <p:nvSpPr>
+          <p:cNvPr id="16" name="Rectangle 15"/>
+          <p:cNvSpPr/>
+          <p:nvPr/>
+        </p:nvSpPr>
+        <p:spPr>
+          <a:xfrm>
+            <a:off x="973794" y="4403936"/>
+            <a:ext cx="3826810" cy="707886"/>
+          </a:xfrm>
+          <a:prstGeom prst="rect">
+            <a:avLst/>
+          </a:prstGeom>
+        </p:spPr>
+        <p:txBody>
+          <a:bodyPr wrap="square">
+            <a:spAutoFit/>
+          </a:bodyPr>
+          <a:lstStyle/>
+          <a:p>
+            <a:r>
+              <a:rPr lang="en-GB" sz="2000" dirty="0" smtClean="0"/>
+              <a:t>Best use: Dynamic model of the </a:t>
+            </a:r>
+          </a:p>
+          <a:p>
+            <a:r>
+              <a:rPr lang="en-GB" sz="2000" dirty="0"/>
+              <a:t>	</a:t>
+            </a:r>
+            <a:r>
+              <a:rPr lang="en-GB" sz="2000" dirty="0" smtClean="0"/>
+              <a:t> real H/C</a:t>
+            </a:r>
+          </a:p>
+        </p:txBody>
+      </p:sp>
+      <p:sp>
+        <p:nvSpPr>
+          <p:cNvPr id="17" name="Down Arrow 16"/>
+          <p:cNvSpPr/>
+          <p:nvPr/>
+        </p:nvSpPr>
+        <p:spPr>
+          <a:xfrm>
+            <a:off x="2253052" y="4123542"/>
+            <a:ext cx="281896" cy="311618"/>
+          </a:xfrm>
+          <a:prstGeom prst="downArrow">
+            <a:avLst/>
+          </a:prstGeom>
+          <a:solidFill>
+            <a:schemeClr val="tx2">
+              <a:lumMod val="60000"/>
+              <a:lumOff val="40000"/>
+            </a:schemeClr>
+          </a:solidFill>
+          <a:ln>
+            <a:solidFill>
+              <a:schemeClr val="tx1"/>
+            </a:solidFill>
+          </a:ln>
+        </p:spPr>
+        <p:style>
+          <a:lnRef idx="2">
+            <a:schemeClr val="accent1">
+              <a:shade val="50000"/>
+            </a:schemeClr>
+          </a:lnRef>
+          <a:fillRef idx="1">
+            <a:schemeClr val="accent1"/>
+          </a:fillRef>
+          <a:effectRef idx="0">
+            <a:schemeClr val="accent1"/>
+          </a:effectRef>
+          <a:fontRef idx="minor">
+            <a:schemeClr val="lt1"/>
+          </a:fontRef>
+        </p:style>
+        <p:txBody>
+          <a:bodyPr rtlCol="0" anchor="ctr"/>
+          <a:lstStyle/>
+          <a:p>
+            <a:pPr algn="ctr"/>
+            <a:endParaRPr lang="en-GB" dirty="0"/>
+          </a:p>
+        </p:txBody>
+      </p:sp>
+      <p:sp>
+        <p:nvSpPr>
+          <p:cNvPr id="18" name="Down Arrow 17"/>
+          <p:cNvSpPr/>
+          <p:nvPr/>
+        </p:nvSpPr>
+        <p:spPr>
+          <a:xfrm rot="16200000">
+            <a:off x="740896" y="4460631"/>
+            <a:ext cx="281896" cy="298060"/>
+          </a:xfrm>
+          <a:prstGeom prst="downArrow">
+            <a:avLst/>
+          </a:prstGeom>
+          <a:solidFill>
+            <a:srgbClr val="0070C0"/>
+          </a:solidFill>
+          <a:ln>
+            <a:solidFill>
+              <a:schemeClr val="tx1"/>
+            </a:solidFill>
+          </a:ln>
+        </p:spPr>
+        <p:style>
+          <a:lnRef idx="2">
+            <a:schemeClr val="accent1">
+              <a:shade val="50000"/>
+            </a:schemeClr>
+          </a:lnRef>
+          <a:fillRef idx="1">
+            <a:schemeClr val="accent1"/>
+          </a:fillRef>
+          <a:effectRef idx="0">
+            <a:schemeClr val="accent1"/>
+          </a:effectRef>
+          <a:fontRef idx="minor">
+            <a:schemeClr val="lt1"/>
+          </a:fontRef>
+        </p:style>
+        <p:txBody>
+          <a:bodyPr rtlCol="0" anchor="ctr"/>
+          <a:lstStyle/>
+          <a:p>
+            <a:pPr algn="ctr"/>
+            <a:endParaRPr lang="en-GB" dirty="0"/>
+          </a:p>
+        </p:txBody>
+      </p:sp>
+      <p:sp>
+        <p:nvSpPr>
+          <p:cNvPr id="19" name="Down Arrow 18"/>
+          <p:cNvSpPr/>
+          <p:nvPr/>
+        </p:nvSpPr>
+        <p:spPr>
+          <a:xfrm rot="16200000">
+            <a:off x="4929576" y="4412181"/>
+            <a:ext cx="281896" cy="298060"/>
+          </a:xfrm>
+          <a:prstGeom prst="downArrow">
+            <a:avLst/>
+          </a:prstGeom>
+          <a:solidFill>
+            <a:srgbClr val="0070C0"/>
+          </a:solidFill>
+          <a:ln>
+            <a:solidFill>
+              <a:schemeClr val="tx1"/>
+            </a:solidFill>
+          </a:ln>
+        </p:spPr>
+        <p:style>
+          <a:lnRef idx="2">
+            <a:schemeClr val="accent1">
+              <a:shade val="50000"/>
+            </a:schemeClr>
+          </a:lnRef>
+          <a:fillRef idx="1">
+            <a:schemeClr val="accent1"/>
+          </a:fillRef>
+          <a:effectRef idx="0">
+            <a:schemeClr val="accent1"/>
+          </a:effectRef>
+          <a:fontRef idx="minor">
+            <a:schemeClr val="lt1"/>
+          </a:fontRef>
+        </p:style>
+        <p:txBody>
+          <a:bodyPr rtlCol="0" anchor="ctr"/>
+          <a:lstStyle/>
+          <a:p>
+            <a:pPr algn="ctr"/>
+            <a:endParaRPr lang="en-GB" dirty="0"/>
+          </a:p>
+        </p:txBody>
+      </p:sp>
+      <p:sp>
+        <p:nvSpPr>
+          <p:cNvPr id="20" name="Rectangle 19"/>
+          <p:cNvSpPr/>
+          <p:nvPr/>
+        </p:nvSpPr>
+        <p:spPr>
+          <a:xfrm>
+            <a:off x="4718100" y="1276350"/>
+            <a:ext cx="3842172" cy="490395"/>
+          </a:xfrm>
+          <a:prstGeom prst="rect">
+            <a:avLst/>
+          </a:prstGeom>
+          <a:noFill/>
+          <a:ln w="34925"/>
+        </p:spPr>
+        <p:style>
+          <a:lnRef idx="2">
+            <a:schemeClr val="accent1">
+              <a:shade val="50000"/>
+            </a:schemeClr>
+          </a:lnRef>
+          <a:fillRef idx="1">
+            <a:schemeClr val="accent1"/>
+          </a:fillRef>
+          <a:effectRef idx="0">
+            <a:schemeClr val="accent1"/>
+          </a:effectRef>
+          <a:fontRef idx="minor">
+            <a:schemeClr val="lt1"/>
+          </a:fontRef>
+        </p:style>
+        <p:txBody>
+          <a:bodyPr rtlCol="0" anchor="ctr"/>
+          <a:lstStyle/>
+          <a:p>
+            <a:pPr algn="ctr"/>
+            <a:endParaRPr lang="en-GB"/>
+          </a:p>
+        </p:txBody>
+      </p:sp>
+      <p:sp>
+        <p:nvSpPr>
+          <p:cNvPr id="21" name="Rectangle 20"/>
+          <p:cNvSpPr/>
+          <p:nvPr/>
+        </p:nvSpPr>
+        <p:spPr>
+          <a:xfrm>
+            <a:off x="555802" y="1286375"/>
+            <a:ext cx="3842172" cy="490395"/>
+          </a:xfrm>
+          <a:prstGeom prst="rect">
+            <a:avLst/>
+          </a:prstGeom>
+          <a:noFill/>
+          <a:ln w="34925"/>
+        </p:spPr>
+        <p:style>
+          <a:lnRef idx="2">
+            <a:schemeClr val="accent1">
+              <a:shade val="50000"/>
+            </a:schemeClr>
+          </a:lnRef>
+          <a:fillRef idx="1">
+            <a:schemeClr val="accent1"/>
+          </a:fillRef>
+          <a:effectRef idx="0">
+            <a:schemeClr val="accent1"/>
+          </a:effectRef>
+          <a:fontRef idx="minor">
+            <a:schemeClr val="lt1"/>
+          </a:fontRef>
+        </p:style>
+        <p:txBody>
+          <a:bodyPr rtlCol="0" anchor="ctr"/>
+          <a:lstStyle/>
+          <a:p>
+            <a:pPr algn="ctr"/>
+            <a:endParaRPr lang="en-GB"/>
+          </a:p>
+        </p:txBody>
+      </p:sp>
+      <p:pic>
+        <p:nvPicPr>
+          <p:cNvPr id="24" name="Picture 23"/>
+          <p:cNvPicPr>
+            <a:picLocks noChangeAspect="1"/>
+          </p:cNvPicPr>
+          <p:nvPr/>
+        </p:nvPicPr>
+        <p:blipFill>
+          <a:blip r:embed="rId3" cstate="hqprint">
+            <a:extLst>
+              <a:ext uri="{28A0092B-C50C-407E-A947-70E740481C1C}">
+                <a14:useLocalDpi xmlns:a14="http://schemas.microsoft.com/office/drawing/2010/main" val="0"/>
+              </a:ext>
+            </a:extLst>
+          </a:blip>
+          <a:stretch>
+            <a:fillRect/>
+          </a:stretch>
+        </p:blipFill>
+        <p:spPr>
+          <a:xfrm>
+            <a:off x="2564566" y="5072238"/>
+            <a:ext cx="1636333" cy="1088952"/>
+          </a:xfrm>
+          <a:prstGeom prst="rect">
+            <a:avLst/>
+          </a:prstGeom>
+        </p:spPr>
+      </p:pic>
+      <p:pic>
+        <p:nvPicPr>
+          <p:cNvPr id="26" name="Picture 25"/>
+          <p:cNvPicPr>
+            <a:picLocks noChangeAspect="1"/>
+          </p:cNvPicPr>
+          <p:nvPr/>
+        </p:nvPicPr>
+        <p:blipFill>
+          <a:blip r:embed="rId4"/>
+          <a:stretch>
+            <a:fillRect/>
+          </a:stretch>
+        </p:blipFill>
+        <p:spPr>
+          <a:xfrm>
+            <a:off x="5628069" y="4750609"/>
+            <a:ext cx="2077673" cy="1349853"/>
+          </a:xfrm>
+          <a:prstGeom prst="rect">
+            <a:avLst/>
+          </a:prstGeom>
+        </p:spPr>
+      </p:pic>
+      <p:pic>
+        <p:nvPicPr>
+          <p:cNvPr id="27" name="Picture 26"/>
+          <p:cNvPicPr>
+            <a:picLocks noChangeAspect="1"/>
+          </p:cNvPicPr>
+          <p:nvPr/>
+        </p:nvPicPr>
+        <p:blipFill rotWithShape="1">
+          <a:blip r:embed="rId5" cstate="hqprint">
+            <a:extLst>
+              <a:ext uri="{28A0092B-C50C-407E-A947-70E740481C1C}">
+                <a14:useLocalDpi xmlns:a14="http://schemas.microsoft.com/office/drawing/2010/main" val="0"/>
+              </a:ext>
+            </a:extLst>
+          </a:blip>
+          <a:srcRect l="13056" t="34259" r="71944" b="41667"/>
+          <a:stretch/>
+        </p:blipFill>
+        <p:spPr>
+          <a:xfrm rot="5400000">
+            <a:off x="1144352" y="4947362"/>
+            <a:ext cx="1114130" cy="1341087"/>
+          </a:xfrm>
+          <a:prstGeom prst="rect">
+            <a:avLst/>
+          </a:prstGeom>
+        </p:spPr>
+      </p:pic>
+    </p:spTree>
+    <p:extLst>
+      <p:ext uri="{BB962C8B-B14F-4D97-AF65-F5344CB8AC3E}">
+        <p14:creationId xmlns:p14="http://schemas.microsoft.com/office/powerpoint/2010/main" val="2678584278"/>
+      </p:ext>
+    </p:extLst>
+  </p:cSld>
+  <p:clrMapOvr>
+    <a:masterClrMapping/>
+  </p:clrMapOvr>
+</p:sld>
+</file>
+
+<file path=ppt/slides/slide9.xml><?xml version="1.0" encoding="utf-8"?>
+<p:sld xmlns:a="http://schemas.openxmlformats.org/drawingml/2006/main" xmlns:r="http://schemas.openxmlformats.org/officeDocument/2006/relationships" xmlns:p="http://schemas.openxmlformats.org/presentationml/2006/main">
+  <p:cSld>
+    <p:spTree>
+      <p:nvGrpSpPr>
+        <p:cNvPr id="1" name=""/>
+        <p:cNvGrpSpPr/>
+        <p:nvPr/>
+      </p:nvGrpSpPr>
+      <p:grpSpPr>
+        <a:xfrm>
+          <a:off x="0" y="0"/>
+          <a:ext cx="0" cy="0"/>
+          <a:chOff x="0" y="0"/>
+          <a:chExt cx="0" cy="0"/>
+        </a:xfrm>
+      </p:grpSpPr>
+      <p:sp>
+        <p:nvSpPr>
+          <p:cNvPr id="2" name="Title 1">
+            <a:extLst>
+              <a:ext uri="{FF2B5EF4-FFF2-40B4-BE49-F238E27FC236}">
+                <a16:creationId xmlns:a16="http://schemas.microsoft.com/office/drawing/2014/main" id="{AE4259FB-36D9-684C-95F0-18535CB57C6B}"/>
+              </a:ext>
+            </a:extLst>
+          </p:cNvPr>
+          <p:cNvSpPr>
+            <a:spLocks noGrp="1"/>
+          </p:cNvSpPr>
+          <p:nvPr>
+            <p:ph type="title"/>
+          </p:nvPr>
+        </p:nvSpPr>
+        <p:spPr>
+          <a:xfrm>
+            <a:off x="504000" y="392724"/>
+            <a:ext cx="6523643" cy="472431"/>
+          </a:xfrm>
+        </p:spPr>
+        <p:txBody>
+          <a:bodyPr anchor="b"/>
+          <a:lstStyle/>
+          <a:p>
+            <a:r>
+              <a:rPr lang="en-GB" dirty="0"/>
+              <a:t>How does it work?</a:t>
+            </a:r>
+          </a:p>
+        </p:txBody>
+      </p:sp>
+      <p:sp>
+        <p:nvSpPr>
+          <p:cNvPr id="7" name="Text Placeholder 6">
+            <a:extLst>
+              <a:ext uri="{FF2B5EF4-FFF2-40B4-BE49-F238E27FC236}">
+                <a16:creationId xmlns:a16="http://schemas.microsoft.com/office/drawing/2014/main" id="{E1ED1E1C-C805-0D4B-BE34-F08F4C566B7B}"/>
+              </a:ext>
+            </a:extLst>
+          </p:cNvPr>
+          <p:cNvSpPr>
+            <a:spLocks noGrp="1"/>
+          </p:cNvSpPr>
+          <p:nvPr>
+            <p:ph type="body" idx="14"/>
+          </p:nvPr>
+        </p:nvSpPr>
+        <p:spPr/>
+        <p:txBody>
+          <a:bodyPr/>
+          <a:lstStyle/>
+          <a:p>
+            <a:r>
+              <a:rPr lang="en-GB" dirty="0"/>
+              <a:t>@ </a:t>
+            </a:r>
+            <a:r>
+              <a:rPr lang="en-GB" dirty="0" err="1"/>
+              <a:t>Kopter</a:t>
+            </a:r>
+            <a:r>
+              <a:rPr lang="en-GB" dirty="0"/>
+              <a:t> Group AG | Alejandro Valverde</a:t>
+            </a:r>
+          </a:p>
+        </p:txBody>
+      </p:sp>
+      <p:sp>
+        <p:nvSpPr>
+          <p:cNvPr id="4" name="Slide Number Placeholder 3"/>
+          <p:cNvSpPr>
+            <a:spLocks noGrp="1"/>
+          </p:cNvSpPr>
+          <p:nvPr>
+            <p:ph type="sldNum" sz="quarter" idx="12"/>
+          </p:nvPr>
+        </p:nvSpPr>
+        <p:spPr/>
+        <p:txBody>
+          <a:bodyPr/>
+          <a:lstStyle/>
+          <a:p>
+            <a:fld id="{011C9D03-AE4A-2848-9956-B167AE17B095}" type="slidenum">
+              <a:rPr lang="en-GB" smtClean="0"/>
+              <a:pPr/>
+              <a:t>9</a:t>
             </a:fld>
             <a:endParaRPr lang="en-GB" dirty="0"/>
           </a:p>
@@ -10835,743 +14822,6 @@
     <p:extLst>
       <p:ext uri="{BB962C8B-B14F-4D97-AF65-F5344CB8AC3E}">
         <p14:creationId xmlns:p14="http://schemas.microsoft.com/office/powerpoint/2010/main" val="2267935747"/>
-      </p:ext>
-    </p:extLst>
-  </p:cSld>
-  <p:clrMapOvr>
-    <a:masterClrMapping/>
-  </p:clrMapOvr>
-</p:sld>
-</file>
-
-<file path=ppt/slides/slide6.xml><?xml version="1.0" encoding="utf-8"?>
-<p:sld xmlns:a="http://schemas.openxmlformats.org/drawingml/2006/main" xmlns:r="http://schemas.openxmlformats.org/officeDocument/2006/relationships" xmlns:p="http://schemas.openxmlformats.org/presentationml/2006/main">
-  <p:cSld>
-    <p:spTree>
-      <p:nvGrpSpPr>
-        <p:cNvPr id="1" name=""/>
-        <p:cNvGrpSpPr/>
-        <p:nvPr/>
-      </p:nvGrpSpPr>
-      <p:grpSpPr>
-        <a:xfrm>
-          <a:off x="0" y="0"/>
-          <a:ext cx="0" cy="0"/>
-          <a:chOff x="0" y="0"/>
-          <a:chExt cx="0" cy="0"/>
-        </a:xfrm>
-      </p:grpSpPr>
-      <p:sp>
-        <p:nvSpPr>
-          <p:cNvPr id="2" name="Title 1">
-            <a:extLst>
-              <a:ext uri="{FF2B5EF4-FFF2-40B4-BE49-F238E27FC236}">
-                <a16:creationId xmlns:a16="http://schemas.microsoft.com/office/drawing/2014/main" id="{AE4259FB-36D9-684C-95F0-18535CB57C6B}"/>
-              </a:ext>
-            </a:extLst>
-          </p:cNvPr>
-          <p:cNvSpPr>
-            <a:spLocks noGrp="1"/>
-          </p:cNvSpPr>
-          <p:nvPr>
-            <p:ph type="title"/>
-          </p:nvPr>
-        </p:nvSpPr>
-        <p:spPr>
-          <a:xfrm>
-            <a:off x="504000" y="392724"/>
-            <a:ext cx="6523643" cy="472431"/>
-          </a:xfrm>
-        </p:spPr>
-        <p:txBody>
-          <a:bodyPr anchor="b"/>
-          <a:lstStyle/>
-          <a:p>
-            <a:r>
-              <a:rPr lang="en-GB" dirty="0"/>
-              <a:t>How does it work?</a:t>
-            </a:r>
-          </a:p>
-        </p:txBody>
-      </p:sp>
-      <p:sp>
-        <p:nvSpPr>
-          <p:cNvPr id="7" name="Text Placeholder 6">
-            <a:extLst>
-              <a:ext uri="{FF2B5EF4-FFF2-40B4-BE49-F238E27FC236}">
-                <a16:creationId xmlns:a16="http://schemas.microsoft.com/office/drawing/2014/main" id="{E1ED1E1C-C805-0D4B-BE34-F08F4C566B7B}"/>
-              </a:ext>
-            </a:extLst>
-          </p:cNvPr>
-          <p:cNvSpPr>
-            <a:spLocks noGrp="1"/>
-          </p:cNvSpPr>
-          <p:nvPr>
-            <p:ph type="body" idx="14"/>
-          </p:nvPr>
-        </p:nvSpPr>
-        <p:spPr/>
-        <p:txBody>
-          <a:bodyPr/>
-          <a:lstStyle/>
-          <a:p>
-            <a:r>
-              <a:rPr lang="en-GB" dirty="0"/>
-              <a:t>@ </a:t>
-            </a:r>
-            <a:r>
-              <a:rPr lang="en-GB" dirty="0" err="1"/>
-              <a:t>Kopter</a:t>
-            </a:r>
-            <a:r>
-              <a:rPr lang="en-GB" dirty="0"/>
-              <a:t> Group AG | Alejandro Valverde</a:t>
-            </a:r>
-          </a:p>
-        </p:txBody>
-      </p:sp>
-      <p:sp>
-        <p:nvSpPr>
-          <p:cNvPr id="4" name="Slide Number Placeholder 3"/>
-          <p:cNvSpPr>
-            <a:spLocks noGrp="1"/>
-          </p:cNvSpPr>
-          <p:nvPr>
-            <p:ph type="sldNum" sz="quarter" idx="12"/>
-          </p:nvPr>
-        </p:nvSpPr>
-        <p:spPr/>
-        <p:txBody>
-          <a:bodyPr/>
-          <a:lstStyle/>
-          <a:p>
-            <a:fld id="{011C9D03-AE4A-2848-9956-B167AE17B095}" type="slidenum">
-              <a:rPr lang="en-GB" smtClean="0"/>
-              <a:pPr/>
-              <a:t>6</a:t>
-            </a:fld>
-            <a:endParaRPr lang="en-GB" dirty="0"/>
-          </a:p>
-        </p:txBody>
-      </p:sp>
-      <p:sp>
-        <p:nvSpPr>
-          <p:cNvPr id="5" name="Date Placeholder 4"/>
-          <p:cNvSpPr>
-            <a:spLocks noGrp="1"/>
-          </p:cNvSpPr>
-          <p:nvPr>
-            <p:ph type="dt" sz="half" idx="10"/>
-          </p:nvPr>
-        </p:nvSpPr>
-        <p:spPr/>
-        <p:txBody>
-          <a:bodyPr/>
-          <a:lstStyle/>
-          <a:p>
-            <a:fld id="{16C1D5B0-5220-44BF-BD99-44FE20BE1773}" type="datetime5">
-              <a:rPr lang="en-US" smtClean="0"/>
-              <a:t>23-Feb-18</a:t>
-            </a:fld>
-            <a:endParaRPr lang="en-GB" dirty="0"/>
-          </a:p>
-        </p:txBody>
-      </p:sp>
-      <p:pic>
-        <p:nvPicPr>
-          <p:cNvPr id="9" name="Grafik 8">
-            <a:extLst>
-              <a:ext uri="{FF2B5EF4-FFF2-40B4-BE49-F238E27FC236}">
-                <a16:creationId xmlns:a16="http://schemas.microsoft.com/office/drawing/2014/main" id="{374BE5AE-A64E-426E-9C3B-14ED4A4BCFF5}"/>
-              </a:ext>
-            </a:extLst>
-          </p:cNvPr>
-          <p:cNvPicPr>
-            <a:picLocks noChangeAspect="1"/>
-          </p:cNvPicPr>
-          <p:nvPr/>
-        </p:nvPicPr>
-        <p:blipFill>
-          <a:blip r:embed="rId2"/>
-          <a:stretch>
-            <a:fillRect/>
-          </a:stretch>
-        </p:blipFill>
-        <p:spPr>
-          <a:xfrm>
-            <a:off x="1299223" y="877054"/>
-            <a:ext cx="6800777" cy="5089781"/>
-          </a:xfrm>
-          <a:prstGeom prst="rect">
-            <a:avLst/>
-          </a:prstGeom>
-        </p:spPr>
-      </p:pic>
-    </p:spTree>
-    <p:extLst>
-      <p:ext uri="{BB962C8B-B14F-4D97-AF65-F5344CB8AC3E}">
-        <p14:creationId xmlns:p14="http://schemas.microsoft.com/office/powerpoint/2010/main" val="4270212500"/>
-      </p:ext>
-    </p:extLst>
-  </p:cSld>
-  <p:clrMapOvr>
-    <a:masterClrMapping/>
-  </p:clrMapOvr>
-</p:sld>
-</file>
-
-<file path=ppt/slides/slide7.xml><?xml version="1.0" encoding="utf-8"?>
-<p:sld xmlns:a="http://schemas.openxmlformats.org/drawingml/2006/main" xmlns:r="http://schemas.openxmlformats.org/officeDocument/2006/relationships" xmlns:p="http://schemas.openxmlformats.org/presentationml/2006/main">
-  <p:cSld>
-    <p:spTree>
-      <p:nvGrpSpPr>
-        <p:cNvPr id="1" name=""/>
-        <p:cNvGrpSpPr/>
-        <p:nvPr/>
-      </p:nvGrpSpPr>
-      <p:grpSpPr>
-        <a:xfrm>
-          <a:off x="0" y="0"/>
-          <a:ext cx="0" cy="0"/>
-          <a:chOff x="0" y="0"/>
-          <a:chExt cx="0" cy="0"/>
-        </a:xfrm>
-      </p:grpSpPr>
-      <p:sp>
-        <p:nvSpPr>
-          <p:cNvPr id="2" name="Title 1">
-            <a:extLst>
-              <a:ext uri="{FF2B5EF4-FFF2-40B4-BE49-F238E27FC236}">
-                <a16:creationId xmlns:a16="http://schemas.microsoft.com/office/drawing/2014/main" id="{AE4259FB-36D9-684C-95F0-18535CB57C6B}"/>
-              </a:ext>
-            </a:extLst>
-          </p:cNvPr>
-          <p:cNvSpPr>
-            <a:spLocks noGrp="1"/>
-          </p:cNvSpPr>
-          <p:nvPr>
-            <p:ph type="title"/>
-          </p:nvPr>
-        </p:nvSpPr>
-        <p:spPr>
-          <a:xfrm>
-            <a:off x="504000" y="392724"/>
-            <a:ext cx="6523643" cy="472431"/>
-          </a:xfrm>
-        </p:spPr>
-        <p:txBody>
-          <a:bodyPr anchor="b"/>
-          <a:lstStyle/>
-          <a:p>
-            <a:r>
-              <a:rPr lang="en-GB" dirty="0"/>
-              <a:t>Tools</a:t>
-            </a:r>
-          </a:p>
-        </p:txBody>
-      </p:sp>
-      <p:sp>
-        <p:nvSpPr>
-          <p:cNvPr id="7" name="Text Placeholder 6">
-            <a:extLst>
-              <a:ext uri="{FF2B5EF4-FFF2-40B4-BE49-F238E27FC236}">
-                <a16:creationId xmlns:a16="http://schemas.microsoft.com/office/drawing/2014/main" id="{E1ED1E1C-C805-0D4B-BE34-F08F4C566B7B}"/>
-              </a:ext>
-            </a:extLst>
-          </p:cNvPr>
-          <p:cNvSpPr>
-            <a:spLocks noGrp="1"/>
-          </p:cNvSpPr>
-          <p:nvPr>
-            <p:ph type="body" idx="14"/>
-          </p:nvPr>
-        </p:nvSpPr>
-        <p:spPr/>
-        <p:txBody>
-          <a:bodyPr/>
-          <a:lstStyle/>
-          <a:p>
-            <a:r>
-              <a:rPr lang="en-GB" dirty="0"/>
-              <a:t>@ </a:t>
-            </a:r>
-            <a:r>
-              <a:rPr lang="en-GB" dirty="0" err="1"/>
-              <a:t>Kopter</a:t>
-            </a:r>
-            <a:r>
-              <a:rPr lang="en-GB" dirty="0"/>
-              <a:t> Group AG | Alejandro Valverde</a:t>
-            </a:r>
-          </a:p>
-        </p:txBody>
-      </p:sp>
-      <p:sp>
-        <p:nvSpPr>
-          <p:cNvPr id="4" name="Slide Number Placeholder 3"/>
-          <p:cNvSpPr>
-            <a:spLocks noGrp="1"/>
-          </p:cNvSpPr>
-          <p:nvPr>
-            <p:ph type="sldNum" sz="quarter" idx="12"/>
-          </p:nvPr>
-        </p:nvSpPr>
-        <p:spPr/>
-        <p:txBody>
-          <a:bodyPr/>
-          <a:lstStyle/>
-          <a:p>
-            <a:fld id="{011C9D03-AE4A-2848-9956-B167AE17B095}" type="slidenum">
-              <a:rPr lang="en-GB" smtClean="0"/>
-              <a:pPr/>
-              <a:t>7</a:t>
-            </a:fld>
-            <a:endParaRPr lang="en-GB" dirty="0"/>
-          </a:p>
-        </p:txBody>
-      </p:sp>
-      <p:sp>
-        <p:nvSpPr>
-          <p:cNvPr id="5" name="Date Placeholder 4"/>
-          <p:cNvSpPr>
-            <a:spLocks noGrp="1"/>
-          </p:cNvSpPr>
-          <p:nvPr>
-            <p:ph type="dt" sz="half" idx="10"/>
-          </p:nvPr>
-        </p:nvSpPr>
-        <p:spPr/>
-        <p:txBody>
-          <a:bodyPr/>
-          <a:lstStyle/>
-          <a:p>
-            <a:fld id="{16C1D5B0-5220-44BF-BD99-44FE20BE1773}" type="datetime5">
-              <a:rPr lang="en-US" smtClean="0"/>
-              <a:t>23-Feb-18</a:t>
-            </a:fld>
-            <a:endParaRPr lang="en-GB" dirty="0"/>
-          </a:p>
-        </p:txBody>
-      </p:sp>
-      <p:sp>
-        <p:nvSpPr>
-          <p:cNvPr id="8" name="Content Placeholder 2">
-            <a:extLst>
-              <a:ext uri="{FF2B5EF4-FFF2-40B4-BE49-F238E27FC236}">
-                <a16:creationId xmlns:a16="http://schemas.microsoft.com/office/drawing/2014/main" id="{C19AF051-9B1E-C04B-A28B-18DE801F3709}"/>
-              </a:ext>
-            </a:extLst>
-          </p:cNvPr>
-          <p:cNvSpPr>
-            <a:spLocks noGrp="1"/>
-          </p:cNvSpPr>
-          <p:nvPr>
-            <p:ph idx="1"/>
-          </p:nvPr>
-        </p:nvSpPr>
-        <p:spPr>
-          <a:xfrm>
-            <a:off x="656319" y="1049113"/>
-            <a:ext cx="5188525" cy="2762106"/>
-          </a:xfrm>
-        </p:spPr>
-        <p:txBody>
-          <a:bodyPr/>
-          <a:lstStyle/>
-          <a:p>
-            <a:pPr marL="342900" indent="-342900">
-              <a:buFont typeface="Arial" panose="020B0604020202020204" pitchFamily="34" charset="0"/>
-              <a:buChar char="•"/>
-            </a:pPr>
-            <a:r>
-              <a:rPr lang="en-GB" dirty="0"/>
-              <a:t>Already available</a:t>
-            </a:r>
-          </a:p>
-          <a:p>
-            <a:pPr marL="342900" indent="-342900">
-              <a:buFont typeface="Arial" panose="020B0604020202020204" pitchFamily="34" charset="0"/>
-              <a:buChar char="•"/>
-            </a:pPr>
-            <a:endParaRPr lang="en-GB" dirty="0"/>
-          </a:p>
-          <a:p>
-            <a:pPr marL="342900" indent="-342900">
-              <a:buFont typeface="Arial" panose="020B0604020202020204" pitchFamily="34" charset="0"/>
-              <a:buChar char="•"/>
-            </a:pPr>
-            <a:r>
-              <a:rPr lang="en-GB" dirty="0"/>
-              <a:t>No development time needed</a:t>
-            </a:r>
-          </a:p>
-          <a:p>
-            <a:pPr marL="342900" indent="-342900">
-              <a:buFont typeface="Arial" panose="020B0604020202020204" pitchFamily="34" charset="0"/>
-              <a:buChar char="•"/>
-            </a:pPr>
-            <a:endParaRPr lang="en-GB" dirty="0"/>
-          </a:p>
-          <a:p>
-            <a:pPr marL="342900" indent="-342900">
-              <a:buFont typeface="Arial" panose="020B0604020202020204" pitchFamily="34" charset="0"/>
-              <a:buChar char="•"/>
-            </a:pPr>
-            <a:r>
-              <a:rPr lang="en-GB" dirty="0"/>
-              <a:t>Proven industry suitable software</a:t>
-            </a:r>
-          </a:p>
-          <a:p>
-            <a:pPr marL="342900" indent="-342900">
-              <a:buFont typeface="Arial" panose="020B0604020202020204" pitchFamily="34" charset="0"/>
-              <a:buChar char="•"/>
-            </a:pPr>
-            <a:endParaRPr lang="en-GB" dirty="0"/>
-          </a:p>
-          <a:p>
-            <a:pPr marL="342900" indent="-342900">
-              <a:buFont typeface="Arial" panose="020B0604020202020204" pitchFamily="34" charset="0"/>
-              <a:buChar char="•"/>
-            </a:pPr>
-            <a:r>
-              <a:rPr lang="en-GB" dirty="0"/>
-              <a:t>Further ways:</a:t>
-            </a:r>
-          </a:p>
-          <a:p>
-            <a:pPr marL="451512" lvl="2" indent="-342900">
-              <a:buFont typeface="Arial" panose="020B0604020202020204" pitchFamily="34" charset="0"/>
-              <a:buChar char="•"/>
-            </a:pPr>
-            <a:endParaRPr lang="en-GB" dirty="0"/>
-          </a:p>
-          <a:p>
-            <a:pPr marL="451512" lvl="2" indent="-342900">
-              <a:buFont typeface="Arial" panose="020B0604020202020204" pitchFamily="34" charset="0"/>
-              <a:buChar char="•"/>
-            </a:pPr>
-            <a:r>
-              <a:rPr lang="en-GB" dirty="0"/>
-              <a:t>Python implementation</a:t>
-            </a:r>
-          </a:p>
-          <a:p>
-            <a:pPr marL="0" indent="0">
-              <a:buNone/>
-            </a:pPr>
-            <a:endParaRPr lang="en-GB" dirty="0"/>
-          </a:p>
-        </p:txBody>
-      </p:sp>
-      <p:pic>
-        <p:nvPicPr>
-          <p:cNvPr id="9" name="Picture 8"/>
-          <p:cNvPicPr>
-            <a:picLocks noChangeAspect="1"/>
-          </p:cNvPicPr>
-          <p:nvPr/>
-        </p:nvPicPr>
-        <p:blipFill>
-          <a:blip r:embed="rId2"/>
-          <a:stretch>
-            <a:fillRect/>
-          </a:stretch>
-        </p:blipFill>
-        <p:spPr>
-          <a:xfrm>
-            <a:off x="6159398" y="877054"/>
-            <a:ext cx="2681452" cy="3529911"/>
-          </a:xfrm>
-          <a:prstGeom prst="rect">
-            <a:avLst/>
-          </a:prstGeom>
-        </p:spPr>
-      </p:pic>
-    </p:spTree>
-    <p:extLst>
-      <p:ext uri="{BB962C8B-B14F-4D97-AF65-F5344CB8AC3E}">
-        <p14:creationId xmlns:p14="http://schemas.microsoft.com/office/powerpoint/2010/main" val="2734948036"/>
-      </p:ext>
-    </p:extLst>
-  </p:cSld>
-  <p:clrMapOvr>
-    <a:masterClrMapping/>
-  </p:clrMapOvr>
-</p:sld>
-</file>
-
-<file path=ppt/slides/slide8.xml><?xml version="1.0" encoding="utf-8"?>
-<p:sld xmlns:a="http://schemas.openxmlformats.org/drawingml/2006/main" xmlns:r="http://schemas.openxmlformats.org/officeDocument/2006/relationships" xmlns:p="http://schemas.openxmlformats.org/presentationml/2006/main">
-  <p:cSld>
-    <p:spTree>
-      <p:nvGrpSpPr>
-        <p:cNvPr id="1" name=""/>
-        <p:cNvGrpSpPr/>
-        <p:nvPr/>
-      </p:nvGrpSpPr>
-      <p:grpSpPr>
-        <a:xfrm>
-          <a:off x="0" y="0"/>
-          <a:ext cx="0" cy="0"/>
-          <a:chOff x="0" y="0"/>
-          <a:chExt cx="0" cy="0"/>
-        </a:xfrm>
-      </p:grpSpPr>
-      <p:sp>
-        <p:nvSpPr>
-          <p:cNvPr id="4" name="Date Placeholder 3"/>
-          <p:cNvSpPr>
-            <a:spLocks noGrp="1"/>
-          </p:cNvSpPr>
-          <p:nvPr>
-            <p:ph type="dt" sz="half" idx="10"/>
-          </p:nvPr>
-        </p:nvSpPr>
-        <p:spPr/>
-        <p:txBody>
-          <a:bodyPr/>
-          <a:lstStyle/>
-          <a:p>
-            <a:fld id="{EBD6096E-B422-4A7C-A86B-590D49FB2AD6}" type="datetime5">
-              <a:rPr lang="en-US" smtClean="0"/>
-              <a:t>23-Feb-18</a:t>
-            </a:fld>
-            <a:endParaRPr lang="en-GB" dirty="0"/>
-          </a:p>
-        </p:txBody>
-      </p:sp>
-      <p:sp>
-        <p:nvSpPr>
-          <p:cNvPr id="5" name="Slide Number Placeholder 4"/>
-          <p:cNvSpPr>
-            <a:spLocks noGrp="1"/>
-          </p:cNvSpPr>
-          <p:nvPr>
-            <p:ph type="sldNum" sz="quarter" idx="12"/>
-          </p:nvPr>
-        </p:nvSpPr>
-        <p:spPr/>
-        <p:txBody>
-          <a:bodyPr/>
-          <a:lstStyle/>
-          <a:p>
-            <a:fld id="{011C9D03-AE4A-2848-9956-B167AE17B095}" type="slidenum">
-              <a:rPr lang="en-GB" smtClean="0"/>
-              <a:pPr/>
-              <a:t>8</a:t>
-            </a:fld>
-            <a:endParaRPr lang="en-GB" dirty="0"/>
-          </a:p>
-        </p:txBody>
-      </p:sp>
-      <p:sp>
-        <p:nvSpPr>
-          <p:cNvPr id="6" name="Text Placeholder 5"/>
-          <p:cNvSpPr>
-            <a:spLocks noGrp="1"/>
-          </p:cNvSpPr>
-          <p:nvPr>
-            <p:ph type="body" idx="14"/>
-          </p:nvPr>
-        </p:nvSpPr>
-        <p:spPr/>
-        <p:txBody>
-          <a:bodyPr/>
-          <a:lstStyle/>
-          <a:p>
-            <a:endParaRPr lang="en-GB"/>
-          </a:p>
-        </p:txBody>
-      </p:sp>
-      <p:pic>
-        <p:nvPicPr>
-          <p:cNvPr id="2" name="Picture 1"/>
-          <p:cNvPicPr>
-            <a:picLocks noChangeAspect="1"/>
-          </p:cNvPicPr>
-          <p:nvPr/>
-        </p:nvPicPr>
-        <p:blipFill rotWithShape="1">
-          <a:blip r:embed="rId2">
-            <a:extLst>
-              <a:ext uri="{28A0092B-C50C-407E-A947-70E740481C1C}">
-                <a14:useLocalDpi xmlns:a14="http://schemas.microsoft.com/office/drawing/2010/main" val="0"/>
-              </a:ext>
-            </a:extLst>
-          </a:blip>
-          <a:srcRect r="611"/>
-          <a:stretch/>
-        </p:blipFill>
-        <p:spPr>
-          <a:xfrm>
-            <a:off x="72403" y="1719588"/>
-            <a:ext cx="4404498" cy="3541860"/>
-          </a:xfrm>
-          <a:prstGeom prst="rect">
-            <a:avLst/>
-          </a:prstGeom>
-        </p:spPr>
-      </p:pic>
-      <p:pic>
-        <p:nvPicPr>
-          <p:cNvPr id="8" name="Picture 7"/>
-          <p:cNvPicPr>
-            <a:picLocks noChangeAspect="1"/>
-          </p:cNvPicPr>
-          <p:nvPr/>
-        </p:nvPicPr>
-        <p:blipFill rotWithShape="1">
-          <a:blip r:embed="rId3">
-            <a:extLst>
-              <a:ext uri="{28A0092B-C50C-407E-A947-70E740481C1C}">
-                <a14:useLocalDpi xmlns:a14="http://schemas.microsoft.com/office/drawing/2010/main" val="0"/>
-              </a:ext>
-            </a:extLst>
-          </a:blip>
-          <a:srcRect l="1" r="415"/>
-          <a:stretch/>
-        </p:blipFill>
-        <p:spPr>
-          <a:xfrm>
-            <a:off x="4591238" y="1719588"/>
-            <a:ext cx="4499732" cy="3541860"/>
-          </a:xfrm>
-          <a:prstGeom prst="rect">
-            <a:avLst/>
-          </a:prstGeom>
-        </p:spPr>
-      </p:pic>
-    </p:spTree>
-    <p:extLst>
-      <p:ext uri="{BB962C8B-B14F-4D97-AF65-F5344CB8AC3E}">
-        <p14:creationId xmlns:p14="http://schemas.microsoft.com/office/powerpoint/2010/main" val="3083251106"/>
-      </p:ext>
-    </p:extLst>
-  </p:cSld>
-  <p:clrMapOvr>
-    <a:masterClrMapping/>
-  </p:clrMapOvr>
-</p:sld>
-</file>
-
-<file path=ppt/slides/slide9.xml><?xml version="1.0" encoding="utf-8"?>
-<p:sld xmlns:a="http://schemas.openxmlformats.org/drawingml/2006/main" xmlns:r="http://schemas.openxmlformats.org/officeDocument/2006/relationships" xmlns:p="http://schemas.openxmlformats.org/presentationml/2006/main">
-  <p:cSld>
-    <p:spTree>
-      <p:nvGrpSpPr>
-        <p:cNvPr id="1" name=""/>
-        <p:cNvGrpSpPr/>
-        <p:nvPr/>
-      </p:nvGrpSpPr>
-      <p:grpSpPr>
-        <a:xfrm>
-          <a:off x="0" y="0"/>
-          <a:ext cx="0" cy="0"/>
-          <a:chOff x="0" y="0"/>
-          <a:chExt cx="0" cy="0"/>
-        </a:xfrm>
-      </p:grpSpPr>
-      <p:sp>
-        <p:nvSpPr>
-          <p:cNvPr id="4" name="Date Placeholder 3"/>
-          <p:cNvSpPr>
-            <a:spLocks noGrp="1"/>
-          </p:cNvSpPr>
-          <p:nvPr>
-            <p:ph type="dt" sz="half" idx="10"/>
-          </p:nvPr>
-        </p:nvSpPr>
-        <p:spPr/>
-        <p:txBody>
-          <a:bodyPr/>
-          <a:lstStyle/>
-          <a:p>
-            <a:fld id="{EBD6096E-B422-4A7C-A86B-590D49FB2AD6}" type="datetime5">
-              <a:rPr lang="en-US" smtClean="0"/>
-              <a:t>23-Feb-18</a:t>
-            </a:fld>
-            <a:endParaRPr lang="en-GB" dirty="0"/>
-          </a:p>
-        </p:txBody>
-      </p:sp>
-      <p:sp>
-        <p:nvSpPr>
-          <p:cNvPr id="5" name="Slide Number Placeholder 4"/>
-          <p:cNvSpPr>
-            <a:spLocks noGrp="1"/>
-          </p:cNvSpPr>
-          <p:nvPr>
-            <p:ph type="sldNum" sz="quarter" idx="12"/>
-          </p:nvPr>
-        </p:nvSpPr>
-        <p:spPr/>
-        <p:txBody>
-          <a:bodyPr/>
-          <a:lstStyle/>
-          <a:p>
-            <a:fld id="{011C9D03-AE4A-2848-9956-B167AE17B095}" type="slidenum">
-              <a:rPr lang="en-GB" smtClean="0"/>
-              <a:pPr/>
-              <a:t>9</a:t>
-            </a:fld>
-            <a:endParaRPr lang="en-GB" dirty="0"/>
-          </a:p>
-        </p:txBody>
-      </p:sp>
-      <p:sp>
-        <p:nvSpPr>
-          <p:cNvPr id="6" name="Text Placeholder 5"/>
-          <p:cNvSpPr>
-            <a:spLocks noGrp="1"/>
-          </p:cNvSpPr>
-          <p:nvPr>
-            <p:ph type="body" idx="14"/>
-          </p:nvPr>
-        </p:nvSpPr>
-        <p:spPr/>
-        <p:txBody>
-          <a:bodyPr/>
-          <a:lstStyle/>
-          <a:p>
-            <a:endParaRPr lang="en-GB"/>
-          </a:p>
-        </p:txBody>
-      </p:sp>
-      <p:pic>
-        <p:nvPicPr>
-          <p:cNvPr id="3" name="Picture 2"/>
-          <p:cNvPicPr>
-            <a:picLocks noChangeAspect="1"/>
-          </p:cNvPicPr>
-          <p:nvPr/>
-        </p:nvPicPr>
-        <p:blipFill>
-          <a:blip r:embed="rId2">
-            <a:extLst>
-              <a:ext uri="{28A0092B-C50C-407E-A947-70E740481C1C}">
-                <a14:useLocalDpi xmlns:a14="http://schemas.microsoft.com/office/drawing/2010/main" val="0"/>
-              </a:ext>
-            </a:extLst>
-          </a:blip>
-          <a:stretch>
-            <a:fillRect/>
-          </a:stretch>
-        </p:blipFill>
-        <p:spPr>
-          <a:xfrm>
-            <a:off x="504000" y="1258105"/>
-            <a:ext cx="8125589" cy="4359969"/>
-          </a:xfrm>
-          <a:prstGeom prst="rect">
-            <a:avLst/>
-          </a:prstGeom>
-        </p:spPr>
-      </p:pic>
-    </p:spTree>
-    <p:extLst>
-      <p:ext uri="{BB962C8B-B14F-4D97-AF65-F5344CB8AC3E}">
-        <p14:creationId xmlns:p14="http://schemas.microsoft.com/office/powerpoint/2010/main" val="1662630779"/>
       </p:ext>
     </p:extLst>
   </p:cSld>
